--- a/480_HW1.pptx
+++ b/480_HW1.pptx
@@ -6,9 +6,12 @@
   </p:sldMasterIdLst>
   <p:sldIdLst>
     <p:sldId id="256" r:id="rId2"/>
-    <p:sldId id="257" r:id="rId3"/>
-    <p:sldId id="259" r:id="rId4"/>
-    <p:sldId id="258" r:id="rId5"/>
+    <p:sldId id="260" r:id="rId3"/>
+    <p:sldId id="257" r:id="rId4"/>
+    <p:sldId id="259" r:id="rId5"/>
+    <p:sldId id="258" r:id="rId6"/>
+    <p:sldId id="262" r:id="rId7"/>
+    <p:sldId id="263" r:id="rId8"/>
   </p:sldIdLst>
   <p:sldSz cx="12192000" cy="6858000"/>
   <p:notesSz cx="6858000" cy="9144000"/>
@@ -3064,6 +3067,110 @@
           <a:p>
             <a:r>
               <a:rPr lang="en-US" dirty="0" smtClean="0"/>
+              <a:t>Data Analysis Techniques	</a:t>
+            </a:r>
+            <a:endParaRPr lang="en-US" dirty="0"/>
+          </a:p>
+        </p:txBody>
+      </p:sp>
+      <p:sp>
+        <p:nvSpPr>
+          <p:cNvPr id="3" name="Content Placeholder 2"/>
+          <p:cNvSpPr>
+            <a:spLocks noGrp="1"/>
+          </p:cNvSpPr>
+          <p:nvPr>
+            <p:ph idx="1"/>
+          </p:nvPr>
+        </p:nvSpPr>
+        <p:spPr/>
+        <p:txBody>
+          <a:bodyPr/>
+          <a:lstStyle/>
+          <a:p>
+            <a:r>
+              <a:rPr lang="en-US" dirty="0" smtClean="0"/>
+              <a:t>Used the </a:t>
+            </a:r>
+            <a:r>
+              <a:rPr lang="en-US" dirty="0" err="1" smtClean="0"/>
+              <a:t>DataAnalyzinator</a:t>
+            </a:r>
+            <a:r>
+              <a:rPr lang="en-US" dirty="0" smtClean="0"/>
+              <a:t> 3000™ created by McNichols, Ramos, and Enid</a:t>
+            </a:r>
+          </a:p>
+          <a:p>
+            <a:r>
+              <a:rPr lang="en-US" dirty="0" smtClean="0"/>
+              <a:t>Calculated GPS location of each suspect using phone bearing and </a:t>
+            </a:r>
+            <a:r>
+              <a:rPr lang="en-US" dirty="0" err="1" smtClean="0"/>
+              <a:t>lat</a:t>
+            </a:r>
+            <a:r>
+              <a:rPr lang="en-US" dirty="0" smtClean="0"/>
+              <a:t>/long changes over time</a:t>
+            </a:r>
+          </a:p>
+          <a:p>
+            <a:r>
+              <a:rPr lang="en-US" dirty="0" smtClean="0"/>
+              <a:t>Grabbed any users that had locations overlapping by 250m or less at the same hour</a:t>
+            </a:r>
+            <a:endParaRPr lang="en-US" dirty="0"/>
+          </a:p>
+        </p:txBody>
+      </p:sp>
+    </p:spTree>
+    <p:extLst>
+      <p:ext uri="{BB962C8B-B14F-4D97-AF65-F5344CB8AC3E}">
+        <p14:creationId xmlns:p14="http://schemas.microsoft.com/office/powerpoint/2010/main" val="1724640030"/>
+      </p:ext>
+    </p:extLst>
+  </p:cSld>
+  <p:clrMapOvr>
+    <a:masterClrMapping/>
+  </p:clrMapOvr>
+</p:sld>
+</file>
+
+<file path=ppt/slides/slide3.xml><?xml version="1.0" encoding="utf-8"?>
+<p:sld xmlns:a="http://schemas.openxmlformats.org/drawingml/2006/main" xmlns:r="http://schemas.openxmlformats.org/officeDocument/2006/relationships" xmlns:p="http://schemas.openxmlformats.org/presentationml/2006/main">
+  <p:cSld>
+    <p:spTree>
+      <p:nvGrpSpPr>
+        <p:cNvPr id="1" name=""/>
+        <p:cNvGrpSpPr/>
+        <p:nvPr/>
+      </p:nvGrpSpPr>
+      <p:grpSpPr>
+        <a:xfrm>
+          <a:off x="0" y="0"/>
+          <a:ext cx="0" cy="0"/>
+          <a:chOff x="0" y="0"/>
+          <a:chExt cx="0" cy="0"/>
+        </a:xfrm>
+      </p:grpSpPr>
+      <p:sp>
+        <p:nvSpPr>
+          <p:cNvPr id="2" name="Title 1"/>
+          <p:cNvSpPr>
+            <a:spLocks noGrp="1"/>
+          </p:cNvSpPr>
+          <p:nvPr>
+            <p:ph type="title"/>
+          </p:nvPr>
+        </p:nvSpPr>
+        <p:spPr/>
+        <p:txBody>
+          <a:bodyPr/>
+          <a:lstStyle/>
+          <a:p>
+            <a:r>
+              <a:rPr lang="en-US" dirty="0" smtClean="0"/>
               <a:t>Suspects ID 8 and 13</a:t>
             </a:r>
             <a:endParaRPr lang="en-US" dirty="0"/>
@@ -3134,7 +3241,7 @@
 </p:sld>
 </file>
 
-<file path=ppt/slides/slide3.xml><?xml version="1.0" encoding="utf-8"?>
+<file path=ppt/slides/slide4.xml><?xml version="1.0" encoding="utf-8"?>
 <p:sld xmlns:a="http://schemas.openxmlformats.org/drawingml/2006/main" xmlns:r="http://schemas.openxmlformats.org/officeDocument/2006/relationships" xmlns:p="http://schemas.openxmlformats.org/presentationml/2006/main">
   <p:cSld>
     <p:spTree>
@@ -3260,7 +3367,7 @@
 </p:sld>
 </file>
 
-<file path=ppt/slides/slide4.xml><?xml version="1.0" encoding="utf-8"?>
+<file path=ppt/slides/slide5.xml><?xml version="1.0" encoding="utf-8"?>
 <p:sld xmlns:a="http://schemas.openxmlformats.org/drawingml/2006/main" xmlns:r="http://schemas.openxmlformats.org/officeDocument/2006/relationships" xmlns:p="http://schemas.openxmlformats.org/presentationml/2006/main">
   <p:cSld>
     <p:spTree>
@@ -3373,6 +3480,246 @@
     <p:extLst>
       <p:ext uri="{BB962C8B-B14F-4D97-AF65-F5344CB8AC3E}">
         <p14:creationId xmlns:p14="http://schemas.microsoft.com/office/powerpoint/2010/main" val="3292523917"/>
+      </p:ext>
+    </p:extLst>
+  </p:cSld>
+  <p:clrMapOvr>
+    <a:masterClrMapping/>
+  </p:clrMapOvr>
+</p:sld>
+</file>
+
+<file path=ppt/slides/slide6.xml><?xml version="1.0" encoding="utf-8"?>
+<p:sld xmlns:a="http://schemas.openxmlformats.org/drawingml/2006/main" xmlns:r="http://schemas.openxmlformats.org/officeDocument/2006/relationships" xmlns:p="http://schemas.openxmlformats.org/presentationml/2006/main">
+  <p:cSld>
+    <p:spTree>
+      <p:nvGrpSpPr>
+        <p:cNvPr id="1" name=""/>
+        <p:cNvGrpSpPr/>
+        <p:nvPr/>
+      </p:nvGrpSpPr>
+      <p:grpSpPr>
+        <a:xfrm>
+          <a:off x="0" y="0"/>
+          <a:ext cx="0" cy="0"/>
+          <a:chOff x="0" y="0"/>
+          <a:chExt cx="0" cy="0"/>
+        </a:xfrm>
+      </p:grpSpPr>
+      <p:sp>
+        <p:nvSpPr>
+          <p:cNvPr id="2" name="Title 1"/>
+          <p:cNvSpPr>
+            <a:spLocks noGrp="1"/>
+          </p:cNvSpPr>
+          <p:nvPr>
+            <p:ph type="title"/>
+          </p:nvPr>
+        </p:nvSpPr>
+        <p:spPr/>
+        <p:txBody>
+          <a:bodyPr/>
+          <a:lstStyle/>
+          <a:p>
+            <a:r>
+              <a:rPr lang="en-US" dirty="0" smtClean="0"/>
+              <a:t>Calculating Correlation of Activity + Location	</a:t>
+            </a:r>
+            <a:endParaRPr lang="en-US" dirty="0"/>
+          </a:p>
+        </p:txBody>
+      </p:sp>
+      <p:sp>
+        <p:nvSpPr>
+          <p:cNvPr id="3" name="Content Placeholder 2"/>
+          <p:cNvSpPr>
+            <a:spLocks noGrp="1"/>
+          </p:cNvSpPr>
+          <p:nvPr>
+            <p:ph idx="1"/>
+          </p:nvPr>
+        </p:nvSpPr>
+        <p:spPr/>
+        <p:txBody>
+          <a:bodyPr/>
+          <a:lstStyle/>
+          <a:p>
+            <a:r>
+              <a:rPr lang="en-US" dirty="0" smtClean="0"/>
+              <a:t>Used 3 separate correlation coefficient calculations from </a:t>
+            </a:r>
+            <a:r>
+              <a:rPr lang="en-US" dirty="0" err="1" smtClean="0"/>
+              <a:t>scipy</a:t>
+            </a:r>
+            <a:r>
+              <a:rPr lang="en-US" dirty="0" smtClean="0"/>
+              <a:t>:</a:t>
+            </a:r>
+          </a:p>
+          <a:p>
+            <a:pPr lvl="1"/>
+            <a:r>
+              <a:rPr lang="en-US" dirty="0" smtClean="0"/>
+              <a:t>Spearman</a:t>
+            </a:r>
+          </a:p>
+          <a:p>
+            <a:pPr lvl="1"/>
+            <a:r>
+              <a:rPr lang="en-US" dirty="0" smtClean="0"/>
+              <a:t>Kendall</a:t>
+            </a:r>
+          </a:p>
+          <a:p>
+            <a:pPr lvl="1"/>
+            <a:r>
+              <a:rPr lang="en-US" dirty="0" smtClean="0"/>
+              <a:t>Pearson</a:t>
+            </a:r>
+          </a:p>
+          <a:p>
+            <a:r>
+              <a:rPr lang="en-US" dirty="0" smtClean="0"/>
+              <a:t>Correlation between latitude and activity less than .18</a:t>
+            </a:r>
+          </a:p>
+          <a:p>
+            <a:r>
+              <a:rPr lang="en-US" dirty="0" smtClean="0"/>
+              <a:t>Correlation between longitude and activity less than .07</a:t>
+            </a:r>
+          </a:p>
+          <a:p>
+            <a:r>
+              <a:rPr lang="en-US" dirty="0" smtClean="0"/>
+              <a:t>Conclusion: No correlation between activity and latitude or longitude separately</a:t>
+            </a:r>
+            <a:endParaRPr lang="en-US" dirty="0"/>
+          </a:p>
+        </p:txBody>
+      </p:sp>
+    </p:spTree>
+    <p:extLst>
+      <p:ext uri="{BB962C8B-B14F-4D97-AF65-F5344CB8AC3E}">
+        <p14:creationId xmlns:p14="http://schemas.microsoft.com/office/powerpoint/2010/main" val="1819874977"/>
+      </p:ext>
+    </p:extLst>
+  </p:cSld>
+  <p:clrMapOvr>
+    <a:masterClrMapping/>
+  </p:clrMapOvr>
+</p:sld>
+</file>
+
+<file path=ppt/slides/slide7.xml><?xml version="1.0" encoding="utf-8"?>
+<p:sld xmlns:a="http://schemas.openxmlformats.org/drawingml/2006/main" xmlns:r="http://schemas.openxmlformats.org/officeDocument/2006/relationships" xmlns:p="http://schemas.openxmlformats.org/presentationml/2006/main">
+  <p:cSld>
+    <p:spTree>
+      <p:nvGrpSpPr>
+        <p:cNvPr id="1" name=""/>
+        <p:cNvGrpSpPr/>
+        <p:nvPr/>
+      </p:nvGrpSpPr>
+      <p:grpSpPr>
+        <a:xfrm>
+          <a:off x="0" y="0"/>
+          <a:ext cx="0" cy="0"/>
+          <a:chOff x="0" y="0"/>
+          <a:chExt cx="0" cy="0"/>
+        </a:xfrm>
+      </p:grpSpPr>
+      <p:sp>
+        <p:nvSpPr>
+          <p:cNvPr id="2" name="Title 1"/>
+          <p:cNvSpPr>
+            <a:spLocks noGrp="1"/>
+          </p:cNvSpPr>
+          <p:nvPr>
+            <p:ph type="title"/>
+          </p:nvPr>
+        </p:nvSpPr>
+        <p:spPr/>
+        <p:txBody>
+          <a:bodyPr/>
+          <a:lstStyle/>
+          <a:p>
+            <a:r>
+              <a:rPr lang="en-US" dirty="0" smtClean="0"/>
+              <a:t>Calculating Correlation of Activity + Timestamp	</a:t>
+            </a:r>
+            <a:endParaRPr lang="en-US" dirty="0"/>
+          </a:p>
+        </p:txBody>
+      </p:sp>
+      <p:sp>
+        <p:nvSpPr>
+          <p:cNvPr id="3" name="Content Placeholder 2"/>
+          <p:cNvSpPr>
+            <a:spLocks noGrp="1"/>
+          </p:cNvSpPr>
+          <p:nvPr>
+            <p:ph idx="1"/>
+          </p:nvPr>
+        </p:nvSpPr>
+        <p:spPr/>
+        <p:txBody>
+          <a:bodyPr/>
+          <a:lstStyle/>
+          <a:p>
+            <a:r>
+              <a:rPr lang="en-US" dirty="0" smtClean="0"/>
+              <a:t>Used same 3 correlation coefficient calculations from </a:t>
+            </a:r>
+            <a:r>
+              <a:rPr lang="en-US" dirty="0" err="1" smtClean="0"/>
+              <a:t>scipy</a:t>
+            </a:r>
+            <a:r>
+              <a:rPr lang="en-US" dirty="0" smtClean="0"/>
+              <a:t>:</a:t>
+            </a:r>
+          </a:p>
+          <a:p>
+            <a:pPr lvl="1"/>
+            <a:r>
+              <a:rPr lang="en-US" dirty="0" smtClean="0"/>
+              <a:t>Spearman</a:t>
+            </a:r>
+          </a:p>
+          <a:p>
+            <a:pPr lvl="1"/>
+            <a:r>
+              <a:rPr lang="en-US" dirty="0" smtClean="0"/>
+              <a:t>Kendall</a:t>
+            </a:r>
+          </a:p>
+          <a:p>
+            <a:pPr lvl="1"/>
+            <a:r>
+              <a:rPr lang="en-US" dirty="0" smtClean="0"/>
+              <a:t>Pearson</a:t>
+            </a:r>
+          </a:p>
+          <a:p>
+            <a:r>
+              <a:rPr lang="en-US" dirty="0" smtClean="0"/>
+              <a:t>Correlation between time and activity .96, .69, .86</a:t>
+            </a:r>
+          </a:p>
+          <a:p>
+            <a:r>
+              <a:rPr lang="en-US" dirty="0" smtClean="0"/>
+              <a:t>Conclusion: Positive correlation between activity and time</a:t>
+            </a:r>
+            <a:endParaRPr lang="en-US" dirty="0"/>
+          </a:p>
+        </p:txBody>
+      </p:sp>
+    </p:spTree>
+    <p:extLst>
+      <p:ext uri="{BB962C8B-B14F-4D97-AF65-F5344CB8AC3E}">
+        <p14:creationId xmlns:p14="http://schemas.microsoft.com/office/powerpoint/2010/main" val="1533787413"/>
       </p:ext>
     </p:extLst>
   </p:cSld>

--- a/480_HW1.pptx
+++ b/480_HW1.pptx
@@ -11,7 +11,6 @@
     <p:sldId id="259" r:id="rId5"/>
     <p:sldId id="258" r:id="rId6"/>
     <p:sldId id="262" r:id="rId7"/>
-    <p:sldId id="263" r:id="rId8"/>
   </p:sldIdLst>
   <p:sldSz cx="12192000" cy="6858000"/>
   <p:notesSz cx="6858000" cy="9144000"/>
@@ -3523,7 +3522,7 @@
           <a:p>
             <a:r>
               <a:rPr lang="en-US" dirty="0" smtClean="0"/>
-              <a:t>Calculating Correlation of Activity + Location	</a:t>
+              <a:t>Calculating Correlation of Activity, Time, and Location	</a:t>
             </a:r>
             <a:endParaRPr lang="en-US" dirty="0"/>
           </a:p>
@@ -3546,54 +3545,39 @@
           <a:p>
             <a:r>
               <a:rPr lang="en-US" dirty="0" smtClean="0"/>
-              <a:t>Used 3 separate correlation coefficient calculations from </a:t>
+              <a:t>Using a linear regression model from </a:t>
             </a:r>
             <a:r>
               <a:rPr lang="en-US" dirty="0" err="1" smtClean="0"/>
-              <a:t>scipy</a:t>
+              <a:t>sci</a:t>
             </a:r>
             <a:r>
               <a:rPr lang="en-US" dirty="0" smtClean="0"/>
-              <a:t>:</a:t>
-            </a:r>
-          </a:p>
-          <a:p>
-            <a:pPr lvl="1"/>
+              <a:t>-kit learn, there is a 0.005 </a:t>
+            </a:r>
+            <a:r>
+              <a:rPr lang="en-US" dirty="0"/>
+              <a:t>coefficient of </a:t>
+            </a:r>
             <a:r>
               <a:rPr lang="en-US" dirty="0" smtClean="0"/>
-              <a:t>Spearman</a:t>
-            </a:r>
-          </a:p>
-          <a:p>
-            <a:pPr lvl="1"/>
+              <a:t>determination from time and location to activity type</a:t>
+            </a:r>
+          </a:p>
+          <a:p>
             <a:r>
               <a:rPr lang="en-US" dirty="0" smtClean="0"/>
-              <a:t>Kendall</a:t>
-            </a:r>
-          </a:p>
-          <a:p>
-            <a:pPr lvl="1"/>
+              <a:t>Worst case = 0, Best case = 1</a:t>
+            </a:r>
+          </a:p>
+          <a:p>
             <a:r>
               <a:rPr lang="en-US" dirty="0" smtClean="0"/>
-              <a:t>Pearson</a:t>
-            </a:r>
-          </a:p>
-          <a:p>
-            <a:r>
-              <a:rPr lang="en-US" dirty="0" smtClean="0"/>
-              <a:t>Correlation between latitude and activity less than .18</a:t>
-            </a:r>
-          </a:p>
-          <a:p>
-            <a:r>
-              <a:rPr lang="en-US" dirty="0" smtClean="0"/>
-              <a:t>Correlation between longitude and activity less than .07</a:t>
-            </a:r>
-          </a:p>
-          <a:p>
-            <a:r>
-              <a:rPr lang="en-US" dirty="0" smtClean="0"/>
-              <a:t>Conclusion: No correlation between activity and latitude or longitude separately</a:t>
+              <a:t>Conclusion: There is a low correlation between activity type </a:t>
+            </a:r>
+            <a:r>
+              <a:rPr lang="en-US" smtClean="0"/>
+              <a:t>and time/location</a:t>
             </a:r>
             <a:endParaRPr lang="en-US" dirty="0"/>
           </a:p>
@@ -3603,123 +3587,6 @@
     <p:extLst>
       <p:ext uri="{BB962C8B-B14F-4D97-AF65-F5344CB8AC3E}">
         <p14:creationId xmlns:p14="http://schemas.microsoft.com/office/powerpoint/2010/main" val="1819874977"/>
-      </p:ext>
-    </p:extLst>
-  </p:cSld>
-  <p:clrMapOvr>
-    <a:masterClrMapping/>
-  </p:clrMapOvr>
-</p:sld>
-</file>
-
-<file path=ppt/slides/slide7.xml><?xml version="1.0" encoding="utf-8"?>
-<p:sld xmlns:a="http://schemas.openxmlformats.org/drawingml/2006/main" xmlns:r="http://schemas.openxmlformats.org/officeDocument/2006/relationships" xmlns:p="http://schemas.openxmlformats.org/presentationml/2006/main">
-  <p:cSld>
-    <p:spTree>
-      <p:nvGrpSpPr>
-        <p:cNvPr id="1" name=""/>
-        <p:cNvGrpSpPr/>
-        <p:nvPr/>
-      </p:nvGrpSpPr>
-      <p:grpSpPr>
-        <a:xfrm>
-          <a:off x="0" y="0"/>
-          <a:ext cx="0" cy="0"/>
-          <a:chOff x="0" y="0"/>
-          <a:chExt cx="0" cy="0"/>
-        </a:xfrm>
-      </p:grpSpPr>
-      <p:sp>
-        <p:nvSpPr>
-          <p:cNvPr id="2" name="Title 1"/>
-          <p:cNvSpPr>
-            <a:spLocks noGrp="1"/>
-          </p:cNvSpPr>
-          <p:nvPr>
-            <p:ph type="title"/>
-          </p:nvPr>
-        </p:nvSpPr>
-        <p:spPr/>
-        <p:txBody>
-          <a:bodyPr/>
-          <a:lstStyle/>
-          <a:p>
-            <a:r>
-              <a:rPr lang="en-US" dirty="0" smtClean="0"/>
-              <a:t>Calculating Correlation of Activity + Timestamp	</a:t>
-            </a:r>
-            <a:endParaRPr lang="en-US" dirty="0"/>
-          </a:p>
-        </p:txBody>
-      </p:sp>
-      <p:sp>
-        <p:nvSpPr>
-          <p:cNvPr id="3" name="Content Placeholder 2"/>
-          <p:cNvSpPr>
-            <a:spLocks noGrp="1"/>
-          </p:cNvSpPr>
-          <p:nvPr>
-            <p:ph idx="1"/>
-          </p:nvPr>
-        </p:nvSpPr>
-        <p:spPr/>
-        <p:txBody>
-          <a:bodyPr/>
-          <a:lstStyle/>
-          <a:p>
-            <a:r>
-              <a:rPr lang="en-US" dirty="0" smtClean="0"/>
-              <a:t>Used same 3 correlation coefficient calculations from </a:t>
-            </a:r>
-            <a:r>
-              <a:rPr lang="en-US" dirty="0" err="1" smtClean="0"/>
-              <a:t>scipy</a:t>
-            </a:r>
-            <a:r>
-              <a:rPr lang="en-US" dirty="0" smtClean="0"/>
-              <a:t>:</a:t>
-            </a:r>
-          </a:p>
-          <a:p>
-            <a:pPr lvl="1"/>
-            <a:r>
-              <a:rPr lang="en-US" dirty="0" smtClean="0"/>
-              <a:t>Spearman</a:t>
-            </a:r>
-          </a:p>
-          <a:p>
-            <a:pPr lvl="1"/>
-            <a:r>
-              <a:rPr lang="en-US" dirty="0" smtClean="0"/>
-              <a:t>Kendall</a:t>
-            </a:r>
-          </a:p>
-          <a:p>
-            <a:pPr lvl="1"/>
-            <a:r>
-              <a:rPr lang="en-US" dirty="0" smtClean="0"/>
-              <a:t>Pearson</a:t>
-            </a:r>
-          </a:p>
-          <a:p>
-            <a:r>
-              <a:rPr lang="en-US" dirty="0" smtClean="0"/>
-              <a:t>Correlation between time and activity .96, .69, .86</a:t>
-            </a:r>
-          </a:p>
-          <a:p>
-            <a:r>
-              <a:rPr lang="en-US" dirty="0" smtClean="0"/>
-              <a:t>Conclusion: Positive correlation between activity and time</a:t>
-            </a:r>
-            <a:endParaRPr lang="en-US" dirty="0"/>
-          </a:p>
-        </p:txBody>
-      </p:sp>
-    </p:spTree>
-    <p:extLst>
-      <p:ext uri="{BB962C8B-B14F-4D97-AF65-F5344CB8AC3E}">
-        <p14:creationId xmlns:p14="http://schemas.microsoft.com/office/powerpoint/2010/main" val="1533787413"/>
       </p:ext>
     </p:extLst>
   </p:cSld>

--- a/480_HW1.pptx
+++ b/480_HW1.pptx
@@ -112,6 +112,3186 @@
 </p:presentation>
 </file>
 
+<file path=ppt/diagrams/colors1.xml><?xml version="1.0" encoding="utf-8"?>
+<dgm:colorsDef xmlns:dgm="http://schemas.openxmlformats.org/drawingml/2006/diagram" xmlns:a="http://schemas.openxmlformats.org/drawingml/2006/main" uniqueId="urn:microsoft.com/office/officeart/2005/8/colors/accent1_2">
+  <dgm:title val=""/>
+  <dgm:desc val=""/>
+  <dgm:catLst>
+    <dgm:cat type="accent1" pri="11200"/>
+  </dgm:catLst>
+  <dgm:styleLbl name="node0">
+    <dgm:fillClrLst meth="repeat">
+      <a:schemeClr val="accent1"/>
+    </dgm:fillClrLst>
+    <dgm:linClrLst meth="repeat">
+      <a:schemeClr val="lt1"/>
+    </dgm:linClrLst>
+    <dgm:effectClrLst/>
+    <dgm:txLinClrLst/>
+    <dgm:txFillClrLst/>
+    <dgm:txEffectClrLst/>
+  </dgm:styleLbl>
+  <dgm:styleLbl name="alignNode1">
+    <dgm:fillClrLst meth="repeat">
+      <a:schemeClr val="accent1"/>
+    </dgm:fillClrLst>
+    <dgm:linClrLst meth="repeat">
+      <a:schemeClr val="accent1"/>
+    </dgm:linClrLst>
+    <dgm:effectClrLst/>
+    <dgm:txLinClrLst/>
+    <dgm:txFillClrLst/>
+    <dgm:txEffectClrLst/>
+  </dgm:styleLbl>
+  <dgm:styleLbl name="node1">
+    <dgm:fillClrLst meth="repeat">
+      <a:schemeClr val="accent1"/>
+    </dgm:fillClrLst>
+    <dgm:linClrLst meth="repeat">
+      <a:schemeClr val="lt1"/>
+    </dgm:linClrLst>
+    <dgm:effectClrLst/>
+    <dgm:txLinClrLst/>
+    <dgm:txFillClrLst/>
+    <dgm:txEffectClrLst/>
+  </dgm:styleLbl>
+  <dgm:styleLbl name="lnNode1">
+    <dgm:fillClrLst meth="repeat">
+      <a:schemeClr val="accent1"/>
+    </dgm:fillClrLst>
+    <dgm:linClrLst meth="repeat">
+      <a:schemeClr val="lt1"/>
+    </dgm:linClrLst>
+    <dgm:effectClrLst/>
+    <dgm:txLinClrLst/>
+    <dgm:txFillClrLst/>
+    <dgm:txEffectClrLst/>
+  </dgm:styleLbl>
+  <dgm:styleLbl name="vennNode1">
+    <dgm:fillClrLst meth="repeat">
+      <a:schemeClr val="accent1">
+        <a:alpha val="50000"/>
+      </a:schemeClr>
+    </dgm:fillClrLst>
+    <dgm:linClrLst meth="repeat">
+      <a:schemeClr val="lt1"/>
+    </dgm:linClrLst>
+    <dgm:effectClrLst/>
+    <dgm:txLinClrLst/>
+    <dgm:txFillClrLst/>
+    <dgm:txEffectClrLst/>
+  </dgm:styleLbl>
+  <dgm:styleLbl name="node2">
+    <dgm:fillClrLst meth="repeat">
+      <a:schemeClr val="accent1"/>
+    </dgm:fillClrLst>
+    <dgm:linClrLst meth="repeat">
+      <a:schemeClr val="lt1"/>
+    </dgm:linClrLst>
+    <dgm:effectClrLst/>
+    <dgm:txLinClrLst/>
+    <dgm:txFillClrLst/>
+    <dgm:txEffectClrLst/>
+  </dgm:styleLbl>
+  <dgm:styleLbl name="node3">
+    <dgm:fillClrLst meth="repeat">
+      <a:schemeClr val="accent1"/>
+    </dgm:fillClrLst>
+    <dgm:linClrLst meth="repeat">
+      <a:schemeClr val="lt1"/>
+    </dgm:linClrLst>
+    <dgm:effectClrLst/>
+    <dgm:txLinClrLst/>
+    <dgm:txFillClrLst/>
+    <dgm:txEffectClrLst/>
+  </dgm:styleLbl>
+  <dgm:styleLbl name="node4">
+    <dgm:fillClrLst meth="repeat">
+      <a:schemeClr val="accent1"/>
+    </dgm:fillClrLst>
+    <dgm:linClrLst meth="repeat">
+      <a:schemeClr val="lt1"/>
+    </dgm:linClrLst>
+    <dgm:effectClrLst/>
+    <dgm:txLinClrLst/>
+    <dgm:txFillClrLst/>
+    <dgm:txEffectClrLst/>
+  </dgm:styleLbl>
+  <dgm:styleLbl name="fgImgPlace1">
+    <dgm:fillClrLst meth="repeat">
+      <a:schemeClr val="accent1">
+        <a:tint val="50000"/>
+      </a:schemeClr>
+    </dgm:fillClrLst>
+    <dgm:linClrLst meth="repeat">
+      <a:schemeClr val="lt1"/>
+    </dgm:linClrLst>
+    <dgm:effectClrLst/>
+    <dgm:txLinClrLst/>
+    <dgm:txFillClrLst meth="repeat">
+      <a:schemeClr val="lt1"/>
+    </dgm:txFillClrLst>
+    <dgm:txEffectClrLst/>
+  </dgm:styleLbl>
+  <dgm:styleLbl name="alignImgPlace1">
+    <dgm:fillClrLst meth="repeat">
+      <a:schemeClr val="accent1">
+        <a:tint val="50000"/>
+      </a:schemeClr>
+    </dgm:fillClrLst>
+    <dgm:linClrLst meth="repeat">
+      <a:schemeClr val="lt1"/>
+    </dgm:linClrLst>
+    <dgm:effectClrLst/>
+    <dgm:txLinClrLst/>
+    <dgm:txFillClrLst meth="repeat">
+      <a:schemeClr val="lt1"/>
+    </dgm:txFillClrLst>
+    <dgm:txEffectClrLst/>
+  </dgm:styleLbl>
+  <dgm:styleLbl name="bgImgPlace1">
+    <dgm:fillClrLst meth="repeat">
+      <a:schemeClr val="accent1">
+        <a:tint val="50000"/>
+      </a:schemeClr>
+    </dgm:fillClrLst>
+    <dgm:linClrLst meth="repeat">
+      <a:schemeClr val="lt1"/>
+    </dgm:linClrLst>
+    <dgm:effectClrLst/>
+    <dgm:txLinClrLst/>
+    <dgm:txFillClrLst meth="repeat">
+      <a:schemeClr val="lt1"/>
+    </dgm:txFillClrLst>
+    <dgm:txEffectClrLst/>
+  </dgm:styleLbl>
+  <dgm:styleLbl name="sibTrans2D1">
+    <dgm:fillClrLst meth="repeat">
+      <a:schemeClr val="accent1">
+        <a:tint val="60000"/>
+      </a:schemeClr>
+    </dgm:fillClrLst>
+    <dgm:linClrLst meth="repeat">
+      <a:schemeClr val="accent1">
+        <a:tint val="60000"/>
+      </a:schemeClr>
+    </dgm:linClrLst>
+    <dgm:effectClrLst/>
+    <dgm:txLinClrLst/>
+    <dgm:txFillClrLst/>
+    <dgm:txEffectClrLst/>
+  </dgm:styleLbl>
+  <dgm:styleLbl name="fgSibTrans2D1">
+    <dgm:fillClrLst meth="repeat">
+      <a:schemeClr val="accent1">
+        <a:tint val="60000"/>
+      </a:schemeClr>
+    </dgm:fillClrLst>
+    <dgm:linClrLst meth="repeat">
+      <a:schemeClr val="accent1">
+        <a:tint val="60000"/>
+      </a:schemeClr>
+    </dgm:linClrLst>
+    <dgm:effectClrLst/>
+    <dgm:txLinClrLst/>
+    <dgm:txFillClrLst/>
+    <dgm:txEffectClrLst/>
+  </dgm:styleLbl>
+  <dgm:styleLbl name="bgSibTrans2D1">
+    <dgm:fillClrLst meth="repeat">
+      <a:schemeClr val="accent1">
+        <a:tint val="60000"/>
+      </a:schemeClr>
+    </dgm:fillClrLst>
+    <dgm:linClrLst meth="repeat">
+      <a:schemeClr val="accent1">
+        <a:tint val="60000"/>
+      </a:schemeClr>
+    </dgm:linClrLst>
+    <dgm:effectClrLst/>
+    <dgm:txLinClrLst/>
+    <dgm:txFillClrLst/>
+    <dgm:txEffectClrLst/>
+  </dgm:styleLbl>
+  <dgm:styleLbl name="sibTrans1D1">
+    <dgm:fillClrLst meth="repeat">
+      <a:schemeClr val="accent1"/>
+    </dgm:fillClrLst>
+    <dgm:linClrLst meth="repeat">
+      <a:schemeClr val="accent1"/>
+    </dgm:linClrLst>
+    <dgm:effectClrLst/>
+    <dgm:txLinClrLst/>
+    <dgm:txFillClrLst meth="repeat">
+      <a:schemeClr val="tx1"/>
+    </dgm:txFillClrLst>
+    <dgm:txEffectClrLst/>
+  </dgm:styleLbl>
+  <dgm:styleLbl name="callout">
+    <dgm:fillClrLst meth="repeat">
+      <a:schemeClr val="accent1"/>
+    </dgm:fillClrLst>
+    <dgm:linClrLst meth="repeat">
+      <a:schemeClr val="accent1">
+        <a:tint val="50000"/>
+      </a:schemeClr>
+    </dgm:linClrLst>
+    <dgm:effectClrLst/>
+    <dgm:txLinClrLst/>
+    <dgm:txFillClrLst meth="repeat">
+      <a:schemeClr val="tx1"/>
+    </dgm:txFillClrLst>
+    <dgm:txEffectClrLst/>
+  </dgm:styleLbl>
+  <dgm:styleLbl name="asst0">
+    <dgm:fillClrLst meth="repeat">
+      <a:schemeClr val="accent1"/>
+    </dgm:fillClrLst>
+    <dgm:linClrLst meth="repeat">
+      <a:schemeClr val="lt1"/>
+    </dgm:linClrLst>
+    <dgm:effectClrLst/>
+    <dgm:txLinClrLst/>
+    <dgm:txFillClrLst/>
+    <dgm:txEffectClrLst/>
+  </dgm:styleLbl>
+  <dgm:styleLbl name="asst1">
+    <dgm:fillClrLst meth="repeat">
+      <a:schemeClr val="accent1"/>
+    </dgm:fillClrLst>
+    <dgm:linClrLst meth="repeat">
+      <a:schemeClr val="lt1"/>
+    </dgm:linClrLst>
+    <dgm:effectClrLst/>
+    <dgm:txLinClrLst/>
+    <dgm:txFillClrLst/>
+    <dgm:txEffectClrLst/>
+  </dgm:styleLbl>
+  <dgm:styleLbl name="asst2">
+    <dgm:fillClrLst meth="repeat">
+      <a:schemeClr val="accent1"/>
+    </dgm:fillClrLst>
+    <dgm:linClrLst meth="repeat">
+      <a:schemeClr val="lt1"/>
+    </dgm:linClrLst>
+    <dgm:effectClrLst/>
+    <dgm:txLinClrLst/>
+    <dgm:txFillClrLst/>
+    <dgm:txEffectClrLst/>
+  </dgm:styleLbl>
+  <dgm:styleLbl name="asst3">
+    <dgm:fillClrLst meth="repeat">
+      <a:schemeClr val="accent1"/>
+    </dgm:fillClrLst>
+    <dgm:linClrLst meth="repeat">
+      <a:schemeClr val="lt1"/>
+    </dgm:linClrLst>
+    <dgm:effectClrLst/>
+    <dgm:txLinClrLst/>
+    <dgm:txFillClrLst/>
+    <dgm:txEffectClrLst/>
+  </dgm:styleLbl>
+  <dgm:styleLbl name="asst4">
+    <dgm:fillClrLst meth="repeat">
+      <a:schemeClr val="accent1"/>
+    </dgm:fillClrLst>
+    <dgm:linClrLst meth="repeat">
+      <a:schemeClr val="lt1"/>
+    </dgm:linClrLst>
+    <dgm:effectClrLst/>
+    <dgm:txLinClrLst/>
+    <dgm:txFillClrLst/>
+    <dgm:txEffectClrLst/>
+  </dgm:styleLbl>
+  <dgm:styleLbl name="parChTrans2D1">
+    <dgm:fillClrLst meth="repeat">
+      <a:schemeClr val="accent1">
+        <a:tint val="60000"/>
+      </a:schemeClr>
+    </dgm:fillClrLst>
+    <dgm:linClrLst meth="repeat">
+      <a:schemeClr val="accent1">
+        <a:tint val="60000"/>
+      </a:schemeClr>
+    </dgm:linClrLst>
+    <dgm:effectClrLst/>
+    <dgm:txLinClrLst/>
+    <dgm:txFillClrLst meth="repeat">
+      <a:schemeClr val="lt1"/>
+    </dgm:txFillClrLst>
+    <dgm:txEffectClrLst/>
+  </dgm:styleLbl>
+  <dgm:styleLbl name="parChTrans2D2">
+    <dgm:fillClrLst meth="repeat">
+      <a:schemeClr val="accent1"/>
+    </dgm:fillClrLst>
+    <dgm:linClrLst meth="repeat">
+      <a:schemeClr val="accent1"/>
+    </dgm:linClrLst>
+    <dgm:effectClrLst/>
+    <dgm:txLinClrLst/>
+    <dgm:txFillClrLst meth="repeat">
+      <a:schemeClr val="lt1"/>
+    </dgm:txFillClrLst>
+    <dgm:txEffectClrLst/>
+  </dgm:styleLbl>
+  <dgm:styleLbl name="parChTrans2D3">
+    <dgm:fillClrLst meth="repeat">
+      <a:schemeClr val="accent1"/>
+    </dgm:fillClrLst>
+    <dgm:linClrLst meth="repeat">
+      <a:schemeClr val="accent1"/>
+    </dgm:linClrLst>
+    <dgm:effectClrLst/>
+    <dgm:txLinClrLst/>
+    <dgm:txFillClrLst meth="repeat">
+      <a:schemeClr val="lt1"/>
+    </dgm:txFillClrLst>
+    <dgm:txEffectClrLst/>
+  </dgm:styleLbl>
+  <dgm:styleLbl name="parChTrans2D4">
+    <dgm:fillClrLst meth="repeat">
+      <a:schemeClr val="accent1"/>
+    </dgm:fillClrLst>
+    <dgm:linClrLst meth="repeat">
+      <a:schemeClr val="accent1"/>
+    </dgm:linClrLst>
+    <dgm:effectClrLst/>
+    <dgm:txLinClrLst/>
+    <dgm:txFillClrLst meth="repeat">
+      <a:schemeClr val="lt1"/>
+    </dgm:txFillClrLst>
+    <dgm:txEffectClrLst/>
+  </dgm:styleLbl>
+  <dgm:styleLbl name="parChTrans1D1">
+    <dgm:fillClrLst meth="repeat">
+      <a:schemeClr val="accent1"/>
+    </dgm:fillClrLst>
+    <dgm:linClrLst meth="repeat">
+      <a:schemeClr val="accent1">
+        <a:shade val="60000"/>
+      </a:schemeClr>
+    </dgm:linClrLst>
+    <dgm:effectClrLst/>
+    <dgm:txLinClrLst/>
+    <dgm:txFillClrLst meth="repeat">
+      <a:schemeClr val="tx1"/>
+    </dgm:txFillClrLst>
+    <dgm:txEffectClrLst/>
+  </dgm:styleLbl>
+  <dgm:styleLbl name="parChTrans1D2">
+    <dgm:fillClrLst meth="repeat">
+      <a:schemeClr val="accent1"/>
+    </dgm:fillClrLst>
+    <dgm:linClrLst meth="repeat">
+      <a:schemeClr val="accent1">
+        <a:shade val="60000"/>
+      </a:schemeClr>
+    </dgm:linClrLst>
+    <dgm:effectClrLst/>
+    <dgm:txLinClrLst/>
+    <dgm:txFillClrLst meth="repeat">
+      <a:schemeClr val="tx1"/>
+    </dgm:txFillClrLst>
+    <dgm:txEffectClrLst/>
+  </dgm:styleLbl>
+  <dgm:styleLbl name="parChTrans1D3">
+    <dgm:fillClrLst meth="repeat">
+      <a:schemeClr val="accent1"/>
+    </dgm:fillClrLst>
+    <dgm:linClrLst meth="repeat">
+      <a:schemeClr val="accent1">
+        <a:shade val="80000"/>
+      </a:schemeClr>
+    </dgm:linClrLst>
+    <dgm:effectClrLst/>
+    <dgm:txLinClrLst/>
+    <dgm:txFillClrLst meth="repeat">
+      <a:schemeClr val="tx1"/>
+    </dgm:txFillClrLst>
+    <dgm:txEffectClrLst/>
+  </dgm:styleLbl>
+  <dgm:styleLbl name="parChTrans1D4">
+    <dgm:fillClrLst meth="repeat">
+      <a:schemeClr val="accent1"/>
+    </dgm:fillClrLst>
+    <dgm:linClrLst meth="repeat">
+      <a:schemeClr val="accent1">
+        <a:shade val="80000"/>
+      </a:schemeClr>
+    </dgm:linClrLst>
+    <dgm:effectClrLst/>
+    <dgm:txLinClrLst/>
+    <dgm:txFillClrLst meth="repeat">
+      <a:schemeClr val="tx1"/>
+    </dgm:txFillClrLst>
+    <dgm:txEffectClrLst/>
+  </dgm:styleLbl>
+  <dgm:styleLbl name="fgAcc1">
+    <dgm:fillClrLst meth="repeat">
+      <a:schemeClr val="lt1">
+        <a:alpha val="90000"/>
+      </a:schemeClr>
+    </dgm:fillClrLst>
+    <dgm:linClrLst meth="repeat">
+      <a:schemeClr val="accent1"/>
+    </dgm:linClrLst>
+    <dgm:effectClrLst/>
+    <dgm:txLinClrLst/>
+    <dgm:txFillClrLst meth="repeat">
+      <a:schemeClr val="dk1"/>
+    </dgm:txFillClrLst>
+    <dgm:txEffectClrLst/>
+  </dgm:styleLbl>
+  <dgm:styleLbl name="conFgAcc1">
+    <dgm:fillClrLst meth="repeat">
+      <a:schemeClr val="lt1">
+        <a:alpha val="90000"/>
+      </a:schemeClr>
+    </dgm:fillClrLst>
+    <dgm:linClrLst meth="repeat">
+      <a:schemeClr val="accent1"/>
+    </dgm:linClrLst>
+    <dgm:effectClrLst/>
+    <dgm:txLinClrLst/>
+    <dgm:txFillClrLst meth="repeat">
+      <a:schemeClr val="dk1"/>
+    </dgm:txFillClrLst>
+    <dgm:txEffectClrLst/>
+  </dgm:styleLbl>
+  <dgm:styleLbl name="alignAcc1">
+    <dgm:fillClrLst meth="repeat">
+      <a:schemeClr val="lt1">
+        <a:alpha val="90000"/>
+      </a:schemeClr>
+    </dgm:fillClrLst>
+    <dgm:linClrLst meth="repeat">
+      <a:schemeClr val="accent1"/>
+    </dgm:linClrLst>
+    <dgm:effectClrLst/>
+    <dgm:txLinClrLst/>
+    <dgm:txFillClrLst meth="repeat">
+      <a:schemeClr val="dk1"/>
+    </dgm:txFillClrLst>
+    <dgm:txEffectClrLst/>
+  </dgm:styleLbl>
+  <dgm:styleLbl name="trAlignAcc1">
+    <dgm:fillClrLst meth="repeat">
+      <a:schemeClr val="lt1">
+        <a:alpha val="40000"/>
+      </a:schemeClr>
+    </dgm:fillClrLst>
+    <dgm:linClrLst meth="repeat">
+      <a:schemeClr val="accent1"/>
+    </dgm:linClrLst>
+    <dgm:effectClrLst/>
+    <dgm:txLinClrLst/>
+    <dgm:txFillClrLst meth="repeat">
+      <a:schemeClr val="dk1"/>
+    </dgm:txFillClrLst>
+    <dgm:txEffectClrLst/>
+  </dgm:styleLbl>
+  <dgm:styleLbl name="bgAcc1">
+    <dgm:fillClrLst meth="repeat">
+      <a:schemeClr val="lt1">
+        <a:alpha val="90000"/>
+      </a:schemeClr>
+    </dgm:fillClrLst>
+    <dgm:linClrLst meth="repeat">
+      <a:schemeClr val="accent1"/>
+    </dgm:linClrLst>
+    <dgm:effectClrLst/>
+    <dgm:txLinClrLst/>
+    <dgm:txFillClrLst meth="repeat">
+      <a:schemeClr val="dk1"/>
+    </dgm:txFillClrLst>
+    <dgm:txEffectClrLst/>
+  </dgm:styleLbl>
+  <dgm:styleLbl name="solidFgAcc1">
+    <dgm:fillClrLst meth="repeat">
+      <a:schemeClr val="lt1"/>
+    </dgm:fillClrLst>
+    <dgm:linClrLst meth="repeat">
+      <a:schemeClr val="accent1"/>
+    </dgm:linClrLst>
+    <dgm:effectClrLst/>
+    <dgm:txLinClrLst/>
+    <dgm:txFillClrLst meth="repeat">
+      <a:schemeClr val="dk1"/>
+    </dgm:txFillClrLst>
+    <dgm:txEffectClrLst/>
+  </dgm:styleLbl>
+  <dgm:styleLbl name="solidAlignAcc1">
+    <dgm:fillClrLst meth="repeat">
+      <a:schemeClr val="lt1"/>
+    </dgm:fillClrLst>
+    <dgm:linClrLst meth="repeat">
+      <a:schemeClr val="accent1"/>
+    </dgm:linClrLst>
+    <dgm:effectClrLst/>
+    <dgm:txLinClrLst/>
+    <dgm:txFillClrLst meth="repeat">
+      <a:schemeClr val="dk1"/>
+    </dgm:txFillClrLst>
+    <dgm:txEffectClrLst/>
+  </dgm:styleLbl>
+  <dgm:styleLbl name="solidBgAcc1">
+    <dgm:fillClrLst meth="repeat">
+      <a:schemeClr val="lt1"/>
+    </dgm:fillClrLst>
+    <dgm:linClrLst meth="repeat">
+      <a:schemeClr val="accent1"/>
+    </dgm:linClrLst>
+    <dgm:effectClrLst/>
+    <dgm:txLinClrLst/>
+    <dgm:txFillClrLst meth="repeat">
+      <a:schemeClr val="dk1"/>
+    </dgm:txFillClrLst>
+    <dgm:txEffectClrLst/>
+  </dgm:styleLbl>
+  <dgm:styleLbl name="fgAccFollowNode1">
+    <dgm:fillClrLst meth="repeat">
+      <a:schemeClr val="accent1">
+        <a:alpha val="90000"/>
+        <a:tint val="40000"/>
+      </a:schemeClr>
+    </dgm:fillClrLst>
+    <dgm:linClrLst meth="repeat">
+      <a:schemeClr val="accent1">
+        <a:alpha val="90000"/>
+        <a:tint val="40000"/>
+      </a:schemeClr>
+    </dgm:linClrLst>
+    <dgm:effectClrLst/>
+    <dgm:txLinClrLst/>
+    <dgm:txFillClrLst meth="repeat">
+      <a:schemeClr val="dk1"/>
+    </dgm:txFillClrLst>
+    <dgm:txEffectClrLst/>
+  </dgm:styleLbl>
+  <dgm:styleLbl name="alignAccFollowNode1">
+    <dgm:fillClrLst meth="repeat">
+      <a:schemeClr val="accent1">
+        <a:alpha val="90000"/>
+        <a:tint val="40000"/>
+      </a:schemeClr>
+    </dgm:fillClrLst>
+    <dgm:linClrLst meth="repeat">
+      <a:schemeClr val="accent1">
+        <a:alpha val="90000"/>
+        <a:tint val="40000"/>
+      </a:schemeClr>
+    </dgm:linClrLst>
+    <dgm:effectClrLst/>
+    <dgm:txLinClrLst/>
+    <dgm:txFillClrLst meth="repeat">
+      <a:schemeClr val="dk1"/>
+    </dgm:txFillClrLst>
+    <dgm:txEffectClrLst/>
+  </dgm:styleLbl>
+  <dgm:styleLbl name="bgAccFollowNode1">
+    <dgm:fillClrLst meth="repeat">
+      <a:schemeClr val="accent1">
+        <a:alpha val="90000"/>
+        <a:tint val="40000"/>
+      </a:schemeClr>
+    </dgm:fillClrLst>
+    <dgm:linClrLst meth="repeat">
+      <a:schemeClr val="accent1">
+        <a:alpha val="90000"/>
+        <a:tint val="40000"/>
+      </a:schemeClr>
+    </dgm:linClrLst>
+    <dgm:effectClrLst/>
+    <dgm:txLinClrLst/>
+    <dgm:txFillClrLst meth="repeat">
+      <a:schemeClr val="dk1"/>
+    </dgm:txFillClrLst>
+    <dgm:txEffectClrLst/>
+  </dgm:styleLbl>
+  <dgm:styleLbl name="fgAcc0">
+    <dgm:fillClrLst meth="repeat">
+      <a:schemeClr val="lt1">
+        <a:alpha val="90000"/>
+      </a:schemeClr>
+    </dgm:fillClrLst>
+    <dgm:linClrLst meth="repeat">
+      <a:schemeClr val="accent1"/>
+    </dgm:linClrLst>
+    <dgm:effectClrLst/>
+    <dgm:txLinClrLst/>
+    <dgm:txFillClrLst meth="repeat">
+      <a:schemeClr val="dk1"/>
+    </dgm:txFillClrLst>
+    <dgm:txEffectClrLst/>
+  </dgm:styleLbl>
+  <dgm:styleLbl name="fgAcc2">
+    <dgm:fillClrLst meth="repeat">
+      <a:schemeClr val="lt1">
+        <a:alpha val="90000"/>
+      </a:schemeClr>
+    </dgm:fillClrLst>
+    <dgm:linClrLst meth="repeat">
+      <a:schemeClr val="accent1"/>
+    </dgm:linClrLst>
+    <dgm:effectClrLst/>
+    <dgm:txLinClrLst/>
+    <dgm:txFillClrLst meth="repeat">
+      <a:schemeClr val="dk1"/>
+    </dgm:txFillClrLst>
+    <dgm:txEffectClrLst/>
+  </dgm:styleLbl>
+  <dgm:styleLbl name="fgAcc3">
+    <dgm:fillClrLst meth="repeat">
+      <a:schemeClr val="lt1">
+        <a:alpha val="90000"/>
+      </a:schemeClr>
+    </dgm:fillClrLst>
+    <dgm:linClrLst meth="repeat">
+      <a:schemeClr val="accent1"/>
+    </dgm:linClrLst>
+    <dgm:effectClrLst/>
+    <dgm:txLinClrLst/>
+    <dgm:txFillClrLst meth="repeat">
+      <a:schemeClr val="dk1"/>
+    </dgm:txFillClrLst>
+    <dgm:txEffectClrLst/>
+  </dgm:styleLbl>
+  <dgm:styleLbl name="fgAcc4">
+    <dgm:fillClrLst meth="repeat">
+      <a:schemeClr val="lt1">
+        <a:alpha val="90000"/>
+      </a:schemeClr>
+    </dgm:fillClrLst>
+    <dgm:linClrLst meth="repeat">
+      <a:schemeClr val="accent1"/>
+    </dgm:linClrLst>
+    <dgm:effectClrLst/>
+    <dgm:txLinClrLst/>
+    <dgm:txFillClrLst meth="repeat">
+      <a:schemeClr val="dk1"/>
+    </dgm:txFillClrLst>
+    <dgm:txEffectClrLst/>
+  </dgm:styleLbl>
+  <dgm:styleLbl name="bgShp">
+    <dgm:fillClrLst meth="repeat">
+      <a:schemeClr val="accent1">
+        <a:tint val="40000"/>
+      </a:schemeClr>
+    </dgm:fillClrLst>
+    <dgm:linClrLst meth="repeat">
+      <a:schemeClr val="accent1"/>
+    </dgm:linClrLst>
+    <dgm:effectClrLst/>
+    <dgm:txLinClrLst/>
+    <dgm:txFillClrLst meth="repeat">
+      <a:schemeClr val="dk1"/>
+    </dgm:txFillClrLst>
+    <dgm:txEffectClrLst/>
+  </dgm:styleLbl>
+  <dgm:styleLbl name="dkBgShp">
+    <dgm:fillClrLst meth="repeat">
+      <a:schemeClr val="accent1">
+        <a:shade val="80000"/>
+      </a:schemeClr>
+    </dgm:fillClrLst>
+    <dgm:linClrLst meth="repeat">
+      <a:schemeClr val="accent1"/>
+    </dgm:linClrLst>
+    <dgm:effectClrLst/>
+    <dgm:txLinClrLst/>
+    <dgm:txFillClrLst meth="repeat">
+      <a:schemeClr val="lt1"/>
+    </dgm:txFillClrLst>
+    <dgm:txEffectClrLst/>
+  </dgm:styleLbl>
+  <dgm:styleLbl name="trBgShp">
+    <dgm:fillClrLst meth="repeat">
+      <a:schemeClr val="accent1">
+        <a:tint val="50000"/>
+        <a:alpha val="40000"/>
+      </a:schemeClr>
+    </dgm:fillClrLst>
+    <dgm:linClrLst meth="repeat">
+      <a:schemeClr val="accent1"/>
+    </dgm:linClrLst>
+    <dgm:effectClrLst/>
+    <dgm:txLinClrLst/>
+    <dgm:txFillClrLst meth="repeat">
+      <a:schemeClr val="lt1"/>
+    </dgm:txFillClrLst>
+    <dgm:txEffectClrLst/>
+  </dgm:styleLbl>
+  <dgm:styleLbl name="fgShp">
+    <dgm:fillClrLst meth="repeat">
+      <a:schemeClr val="accent1">
+        <a:tint val="60000"/>
+      </a:schemeClr>
+    </dgm:fillClrLst>
+    <dgm:linClrLst meth="repeat">
+      <a:schemeClr val="lt1"/>
+    </dgm:linClrLst>
+    <dgm:effectClrLst/>
+    <dgm:txLinClrLst/>
+    <dgm:txFillClrLst meth="repeat">
+      <a:schemeClr val="dk1"/>
+    </dgm:txFillClrLst>
+    <dgm:txEffectClrLst/>
+  </dgm:styleLbl>
+  <dgm:styleLbl name="revTx">
+    <dgm:fillClrLst meth="repeat">
+      <a:schemeClr val="lt1">
+        <a:alpha val="0"/>
+      </a:schemeClr>
+    </dgm:fillClrLst>
+    <dgm:linClrLst meth="repeat">
+      <a:schemeClr val="dk1">
+        <a:alpha val="0"/>
+      </a:schemeClr>
+    </dgm:linClrLst>
+    <dgm:effectClrLst/>
+    <dgm:txLinClrLst/>
+    <dgm:txFillClrLst meth="repeat">
+      <a:schemeClr val="tx1"/>
+    </dgm:txFillClrLst>
+    <dgm:txEffectClrLst/>
+  </dgm:styleLbl>
+</dgm:colorsDef>
+</file>
+
+<file path=ppt/diagrams/data1.xml><?xml version="1.0" encoding="utf-8"?>
+<dgm:dataModel xmlns:dgm="http://schemas.openxmlformats.org/drawingml/2006/diagram" xmlns:a="http://schemas.openxmlformats.org/drawingml/2006/main">
+  <dgm:ptLst>
+    <dgm:pt modelId="{45295544-0D20-4229-A153-128F45A8B58E}" type="doc">
+      <dgm:prSet loTypeId="urn:microsoft.com/office/officeart/2005/8/layout/process3" loCatId="process" qsTypeId="urn:microsoft.com/office/officeart/2005/8/quickstyle/simple1" qsCatId="simple" csTypeId="urn:microsoft.com/office/officeart/2005/8/colors/accent1_2" csCatId="accent1" phldr="1"/>
+      <dgm:spPr/>
+      <dgm:t>
+        <a:bodyPr/>
+        <a:lstStyle/>
+        <a:p>
+          <a:endParaRPr lang="en-US"/>
+        </a:p>
+      </dgm:t>
+    </dgm:pt>
+    <dgm:pt modelId="{8A3EB83F-6EE9-424D-8923-A8991045A53E}">
+      <dgm:prSet phldrT="[Text]"/>
+      <dgm:spPr/>
+      <dgm:t>
+        <a:bodyPr/>
+        <a:lstStyle/>
+        <a:p>
+          <a:r>
+            <a:rPr lang="en-US" dirty="0" smtClean="0"/>
+            <a:t>Process Data</a:t>
+          </a:r>
+          <a:endParaRPr lang="en-US" dirty="0"/>
+        </a:p>
+      </dgm:t>
+    </dgm:pt>
+    <dgm:pt modelId="{CEE7CD13-2752-4F78-8BA8-454AEAA44259}" type="parTrans" cxnId="{B64B0A12-10D1-462E-B175-D8D4C1582BCA}">
+      <dgm:prSet/>
+      <dgm:spPr/>
+      <dgm:t>
+        <a:bodyPr/>
+        <a:lstStyle/>
+        <a:p>
+          <a:endParaRPr lang="en-US"/>
+        </a:p>
+      </dgm:t>
+    </dgm:pt>
+    <dgm:pt modelId="{0DC140F9-A9C1-4694-B6A1-A4905C7C1245}" type="sibTrans" cxnId="{B64B0A12-10D1-462E-B175-D8D4C1582BCA}">
+      <dgm:prSet/>
+      <dgm:spPr/>
+      <dgm:t>
+        <a:bodyPr/>
+        <a:lstStyle/>
+        <a:p>
+          <a:endParaRPr lang="en-US"/>
+        </a:p>
+      </dgm:t>
+    </dgm:pt>
+    <dgm:pt modelId="{5E807E5D-858F-485C-93D3-2CA219B37D37}">
+      <dgm:prSet phldrT="[Text]"/>
+      <dgm:spPr/>
+      <dgm:t>
+        <a:bodyPr/>
+        <a:lstStyle/>
+        <a:p>
+          <a:r>
+            <a:rPr lang="en-US" dirty="0" smtClean="0"/>
+            <a:t>Compare Times</a:t>
+          </a:r>
+          <a:endParaRPr lang="en-US" dirty="0"/>
+        </a:p>
+      </dgm:t>
+    </dgm:pt>
+    <dgm:pt modelId="{32D85B09-F5E0-49B3-9DFB-FD439688F567}" type="parTrans" cxnId="{4D19FD30-8583-4281-AC9E-CBADC7144164}">
+      <dgm:prSet/>
+      <dgm:spPr/>
+      <dgm:t>
+        <a:bodyPr/>
+        <a:lstStyle/>
+        <a:p>
+          <a:endParaRPr lang="en-US"/>
+        </a:p>
+      </dgm:t>
+    </dgm:pt>
+    <dgm:pt modelId="{B3D63858-7DC0-4E65-918D-7F365E715B9F}" type="sibTrans" cxnId="{4D19FD30-8583-4281-AC9E-CBADC7144164}">
+      <dgm:prSet/>
+      <dgm:spPr/>
+      <dgm:t>
+        <a:bodyPr/>
+        <a:lstStyle/>
+        <a:p>
+          <a:endParaRPr lang="en-US"/>
+        </a:p>
+      </dgm:t>
+    </dgm:pt>
+    <dgm:pt modelId="{D8B33D73-70BE-4CF3-BDAE-6D5CF83ABE30}">
+      <dgm:prSet phldrT="[Text]"/>
+      <dgm:spPr/>
+      <dgm:t>
+        <a:bodyPr/>
+        <a:lstStyle/>
+        <a:p>
+          <a:r>
+            <a:rPr lang="en-US" dirty="0" smtClean="0"/>
+            <a:t>Sort data by the hour it was collected</a:t>
+          </a:r>
+          <a:endParaRPr lang="en-US" dirty="0"/>
+        </a:p>
+      </dgm:t>
+    </dgm:pt>
+    <dgm:pt modelId="{63DEE733-2D1A-4CF9-A5B7-B6A0BD5E00E9}" type="parTrans" cxnId="{24DBFF3D-A927-4A64-9F0F-BC6563D8DE78}">
+      <dgm:prSet/>
+      <dgm:spPr/>
+      <dgm:t>
+        <a:bodyPr/>
+        <a:lstStyle/>
+        <a:p>
+          <a:endParaRPr lang="en-US"/>
+        </a:p>
+      </dgm:t>
+    </dgm:pt>
+    <dgm:pt modelId="{83D50E95-C59C-4153-8C2F-FB3555DFA3A2}" type="sibTrans" cxnId="{24DBFF3D-A927-4A64-9F0F-BC6563D8DE78}">
+      <dgm:prSet/>
+      <dgm:spPr/>
+      <dgm:t>
+        <a:bodyPr/>
+        <a:lstStyle/>
+        <a:p>
+          <a:endParaRPr lang="en-US"/>
+        </a:p>
+      </dgm:t>
+    </dgm:pt>
+    <dgm:pt modelId="{513FAADA-5489-46B9-A358-44962FC774E2}">
+      <dgm:prSet phldrT="[Text]"/>
+      <dgm:spPr/>
+      <dgm:t>
+        <a:bodyPr/>
+        <a:lstStyle/>
+        <a:p>
+          <a:r>
+            <a:rPr lang="en-US" dirty="0" smtClean="0"/>
+            <a:t>Compare Locations</a:t>
+          </a:r>
+          <a:endParaRPr lang="en-US" dirty="0"/>
+        </a:p>
+      </dgm:t>
+    </dgm:pt>
+    <dgm:pt modelId="{2EC87C47-B36A-449A-9B92-A5F35FA67598}" type="parTrans" cxnId="{89302608-AA5E-4A77-B9E9-E2B405396E97}">
+      <dgm:prSet/>
+      <dgm:spPr/>
+      <dgm:t>
+        <a:bodyPr/>
+        <a:lstStyle/>
+        <a:p>
+          <a:endParaRPr lang="en-US"/>
+        </a:p>
+      </dgm:t>
+    </dgm:pt>
+    <dgm:pt modelId="{006B6681-1D01-4724-A8B5-EE7EAAED797B}" type="sibTrans" cxnId="{89302608-AA5E-4A77-B9E9-E2B405396E97}">
+      <dgm:prSet/>
+      <dgm:spPr/>
+      <dgm:t>
+        <a:bodyPr/>
+        <a:lstStyle/>
+        <a:p>
+          <a:endParaRPr lang="en-US"/>
+        </a:p>
+      </dgm:t>
+    </dgm:pt>
+    <dgm:pt modelId="{5E19D8C5-9EBD-4308-BF74-88501C7405BA}">
+      <dgm:prSet phldrT="[Text]"/>
+      <dgm:spPr/>
+      <dgm:t>
+        <a:bodyPr/>
+        <a:lstStyle/>
+        <a:p>
+          <a:r>
+            <a:rPr lang="en-US" dirty="0" smtClean="0"/>
+            <a:t>Find any data at the same time with similar locations</a:t>
+          </a:r>
+          <a:endParaRPr lang="en-US" dirty="0"/>
+        </a:p>
+      </dgm:t>
+    </dgm:pt>
+    <dgm:pt modelId="{069371A5-20CB-4096-9396-4D1EE5EA616A}" type="parTrans" cxnId="{6484F48E-6705-41A2-A896-C85D2CC10D13}">
+      <dgm:prSet/>
+      <dgm:spPr/>
+      <dgm:t>
+        <a:bodyPr/>
+        <a:lstStyle/>
+        <a:p>
+          <a:endParaRPr lang="en-US"/>
+        </a:p>
+      </dgm:t>
+    </dgm:pt>
+    <dgm:pt modelId="{2A7E5E44-1C5A-4EFF-825A-E60D4E07D06C}" type="sibTrans" cxnId="{6484F48E-6705-41A2-A896-C85D2CC10D13}">
+      <dgm:prSet/>
+      <dgm:spPr/>
+      <dgm:t>
+        <a:bodyPr/>
+        <a:lstStyle/>
+        <a:p>
+          <a:endParaRPr lang="en-US"/>
+        </a:p>
+      </dgm:t>
+    </dgm:pt>
+    <dgm:pt modelId="{6795CB83-06AB-4C3E-B307-CDAA113632AC}">
+      <dgm:prSet phldrT="[Text]"/>
+      <dgm:spPr/>
+      <dgm:t>
+        <a:bodyPr/>
+        <a:lstStyle/>
+        <a:p>
+          <a:r>
+            <a:rPr lang="en-US" dirty="0" smtClean="0"/>
+            <a:t>Calculate GPS coordinates from final location and </a:t>
+          </a:r>
+          <a:r>
+            <a:rPr lang="en-US" dirty="0" err="1" smtClean="0"/>
+            <a:t>Lat</a:t>
+          </a:r>
+          <a:r>
+            <a:rPr lang="en-US" dirty="0" smtClean="0"/>
+            <a:t>/Long delta</a:t>
+          </a:r>
+          <a:endParaRPr lang="en-US" dirty="0"/>
+        </a:p>
+      </dgm:t>
+    </dgm:pt>
+    <dgm:pt modelId="{5E659F22-FD71-48D3-AC11-1743D5FF5BDA}" type="sibTrans" cxnId="{DBAD6809-825D-464F-91CD-5B769C45540F}">
+      <dgm:prSet/>
+      <dgm:spPr/>
+      <dgm:t>
+        <a:bodyPr/>
+        <a:lstStyle/>
+        <a:p>
+          <a:endParaRPr lang="en-US"/>
+        </a:p>
+      </dgm:t>
+    </dgm:pt>
+    <dgm:pt modelId="{944E93B7-2BCE-43DA-AE3D-DA4F642C6AB6}" type="parTrans" cxnId="{DBAD6809-825D-464F-91CD-5B769C45540F}">
+      <dgm:prSet/>
+      <dgm:spPr/>
+      <dgm:t>
+        <a:bodyPr/>
+        <a:lstStyle/>
+        <a:p>
+          <a:endParaRPr lang="en-US"/>
+        </a:p>
+      </dgm:t>
+    </dgm:pt>
+    <dgm:pt modelId="{1F7E644D-9170-43F0-8C5B-A9CF3986A524}" type="pres">
+      <dgm:prSet presAssocID="{45295544-0D20-4229-A153-128F45A8B58E}" presName="linearFlow" presStyleCnt="0">
+        <dgm:presLayoutVars>
+          <dgm:dir/>
+          <dgm:animLvl val="lvl"/>
+          <dgm:resizeHandles val="exact"/>
+        </dgm:presLayoutVars>
+      </dgm:prSet>
+      <dgm:spPr/>
+    </dgm:pt>
+    <dgm:pt modelId="{09C3E3CE-AAA5-43F4-98ED-917EF3B89204}" type="pres">
+      <dgm:prSet presAssocID="{8A3EB83F-6EE9-424D-8923-A8991045A53E}" presName="composite" presStyleCnt="0"/>
+      <dgm:spPr/>
+    </dgm:pt>
+    <dgm:pt modelId="{897057DF-4A5A-4171-A3A2-121F4239636A}" type="pres">
+      <dgm:prSet presAssocID="{8A3EB83F-6EE9-424D-8923-A8991045A53E}" presName="parTx" presStyleLbl="node1" presStyleIdx="0" presStyleCnt="3">
+        <dgm:presLayoutVars>
+          <dgm:chMax val="0"/>
+          <dgm:chPref val="0"/>
+          <dgm:bulletEnabled val="1"/>
+        </dgm:presLayoutVars>
+      </dgm:prSet>
+      <dgm:spPr/>
+      <dgm:t>
+        <a:bodyPr/>
+        <a:lstStyle/>
+        <a:p>
+          <a:endParaRPr lang="en-US"/>
+        </a:p>
+      </dgm:t>
+    </dgm:pt>
+    <dgm:pt modelId="{F346B117-C29C-4806-A377-2DE2D2546881}" type="pres">
+      <dgm:prSet presAssocID="{8A3EB83F-6EE9-424D-8923-A8991045A53E}" presName="parSh" presStyleLbl="node1" presStyleIdx="0" presStyleCnt="3"/>
+      <dgm:spPr/>
+      <dgm:t>
+        <a:bodyPr/>
+        <a:lstStyle/>
+        <a:p>
+          <a:endParaRPr lang="en-US"/>
+        </a:p>
+      </dgm:t>
+    </dgm:pt>
+    <dgm:pt modelId="{DB3E874D-C4A6-4DFF-AEB6-6866276431EA}" type="pres">
+      <dgm:prSet presAssocID="{8A3EB83F-6EE9-424D-8923-A8991045A53E}" presName="desTx" presStyleLbl="fgAcc1" presStyleIdx="0" presStyleCnt="3">
+        <dgm:presLayoutVars>
+          <dgm:bulletEnabled val="1"/>
+        </dgm:presLayoutVars>
+      </dgm:prSet>
+      <dgm:spPr/>
+      <dgm:t>
+        <a:bodyPr/>
+        <a:lstStyle/>
+        <a:p>
+          <a:endParaRPr lang="en-US"/>
+        </a:p>
+      </dgm:t>
+    </dgm:pt>
+    <dgm:pt modelId="{2E3C21B9-077C-41A0-9719-2C074C75EE14}" type="pres">
+      <dgm:prSet presAssocID="{0DC140F9-A9C1-4694-B6A1-A4905C7C1245}" presName="sibTrans" presStyleLbl="sibTrans2D1" presStyleIdx="0" presStyleCnt="2"/>
+      <dgm:spPr/>
+    </dgm:pt>
+    <dgm:pt modelId="{36281CDF-670B-45C2-A761-C9799B24415D}" type="pres">
+      <dgm:prSet presAssocID="{0DC140F9-A9C1-4694-B6A1-A4905C7C1245}" presName="connTx" presStyleLbl="sibTrans2D1" presStyleIdx="0" presStyleCnt="2"/>
+      <dgm:spPr/>
+    </dgm:pt>
+    <dgm:pt modelId="{1C561252-8BBE-44E4-B9B1-756FC29DA43F}" type="pres">
+      <dgm:prSet presAssocID="{5E807E5D-858F-485C-93D3-2CA219B37D37}" presName="composite" presStyleCnt="0"/>
+      <dgm:spPr/>
+    </dgm:pt>
+    <dgm:pt modelId="{8AE9E217-1FA9-498F-B9EC-98D5ED20C5AB}" type="pres">
+      <dgm:prSet presAssocID="{5E807E5D-858F-485C-93D3-2CA219B37D37}" presName="parTx" presStyleLbl="node1" presStyleIdx="0" presStyleCnt="3">
+        <dgm:presLayoutVars>
+          <dgm:chMax val="0"/>
+          <dgm:chPref val="0"/>
+          <dgm:bulletEnabled val="1"/>
+        </dgm:presLayoutVars>
+      </dgm:prSet>
+      <dgm:spPr/>
+      <dgm:t>
+        <a:bodyPr/>
+        <a:lstStyle/>
+        <a:p>
+          <a:endParaRPr lang="en-US"/>
+        </a:p>
+      </dgm:t>
+    </dgm:pt>
+    <dgm:pt modelId="{E790169A-885B-4A5D-8D1F-CF7E7F0B026D}" type="pres">
+      <dgm:prSet presAssocID="{5E807E5D-858F-485C-93D3-2CA219B37D37}" presName="parSh" presStyleLbl="node1" presStyleIdx="1" presStyleCnt="3"/>
+      <dgm:spPr/>
+      <dgm:t>
+        <a:bodyPr/>
+        <a:lstStyle/>
+        <a:p>
+          <a:endParaRPr lang="en-US"/>
+        </a:p>
+      </dgm:t>
+    </dgm:pt>
+    <dgm:pt modelId="{98B39080-9814-4FB1-8242-313D76AE1EE5}" type="pres">
+      <dgm:prSet presAssocID="{5E807E5D-858F-485C-93D3-2CA219B37D37}" presName="desTx" presStyleLbl="fgAcc1" presStyleIdx="1" presStyleCnt="3">
+        <dgm:presLayoutVars>
+          <dgm:bulletEnabled val="1"/>
+        </dgm:presLayoutVars>
+      </dgm:prSet>
+      <dgm:spPr/>
+      <dgm:t>
+        <a:bodyPr/>
+        <a:lstStyle/>
+        <a:p>
+          <a:endParaRPr lang="en-US"/>
+        </a:p>
+      </dgm:t>
+    </dgm:pt>
+    <dgm:pt modelId="{9A57C195-CD2B-44D7-8E4E-E5EC2FC92A0E}" type="pres">
+      <dgm:prSet presAssocID="{B3D63858-7DC0-4E65-918D-7F365E715B9F}" presName="sibTrans" presStyleLbl="sibTrans2D1" presStyleIdx="1" presStyleCnt="2"/>
+      <dgm:spPr/>
+    </dgm:pt>
+    <dgm:pt modelId="{B2233450-7ADA-47DC-B546-330245948961}" type="pres">
+      <dgm:prSet presAssocID="{B3D63858-7DC0-4E65-918D-7F365E715B9F}" presName="connTx" presStyleLbl="sibTrans2D1" presStyleIdx="1" presStyleCnt="2"/>
+      <dgm:spPr/>
+    </dgm:pt>
+    <dgm:pt modelId="{0C8ED16C-BBAC-421E-9E75-153AAD985738}" type="pres">
+      <dgm:prSet presAssocID="{513FAADA-5489-46B9-A358-44962FC774E2}" presName="composite" presStyleCnt="0"/>
+      <dgm:spPr/>
+    </dgm:pt>
+    <dgm:pt modelId="{E59CECE1-AA1F-4B41-BFD6-7FD30D459104}" type="pres">
+      <dgm:prSet presAssocID="{513FAADA-5489-46B9-A358-44962FC774E2}" presName="parTx" presStyleLbl="node1" presStyleIdx="1" presStyleCnt="3">
+        <dgm:presLayoutVars>
+          <dgm:chMax val="0"/>
+          <dgm:chPref val="0"/>
+          <dgm:bulletEnabled val="1"/>
+        </dgm:presLayoutVars>
+      </dgm:prSet>
+      <dgm:spPr/>
+      <dgm:t>
+        <a:bodyPr/>
+        <a:lstStyle/>
+        <a:p>
+          <a:endParaRPr lang="en-US"/>
+        </a:p>
+      </dgm:t>
+    </dgm:pt>
+    <dgm:pt modelId="{4B02B11E-33F8-4317-BEDB-C258D749C0B9}" type="pres">
+      <dgm:prSet presAssocID="{513FAADA-5489-46B9-A358-44962FC774E2}" presName="parSh" presStyleLbl="node1" presStyleIdx="2" presStyleCnt="3"/>
+      <dgm:spPr/>
+      <dgm:t>
+        <a:bodyPr/>
+        <a:lstStyle/>
+        <a:p>
+          <a:endParaRPr lang="en-US"/>
+        </a:p>
+      </dgm:t>
+    </dgm:pt>
+    <dgm:pt modelId="{4BA35E00-785A-4D49-9ECD-767D2D8AD49D}" type="pres">
+      <dgm:prSet presAssocID="{513FAADA-5489-46B9-A358-44962FC774E2}" presName="desTx" presStyleLbl="fgAcc1" presStyleIdx="2" presStyleCnt="3">
+        <dgm:presLayoutVars>
+          <dgm:bulletEnabled val="1"/>
+        </dgm:presLayoutVars>
+      </dgm:prSet>
+      <dgm:spPr/>
+      <dgm:t>
+        <a:bodyPr/>
+        <a:lstStyle/>
+        <a:p>
+          <a:endParaRPr lang="en-US"/>
+        </a:p>
+      </dgm:t>
+    </dgm:pt>
+  </dgm:ptLst>
+  <dgm:cxnLst>
+    <dgm:cxn modelId="{B64B0A12-10D1-462E-B175-D8D4C1582BCA}" srcId="{45295544-0D20-4229-A153-128F45A8B58E}" destId="{8A3EB83F-6EE9-424D-8923-A8991045A53E}" srcOrd="0" destOrd="0" parTransId="{CEE7CD13-2752-4F78-8BA8-454AEAA44259}" sibTransId="{0DC140F9-A9C1-4694-B6A1-A4905C7C1245}"/>
+    <dgm:cxn modelId="{1C8BA9E1-92F3-4C63-B040-745225D3526F}" type="presOf" srcId="{D8B33D73-70BE-4CF3-BDAE-6D5CF83ABE30}" destId="{98B39080-9814-4FB1-8242-313D76AE1EE5}" srcOrd="0" destOrd="0" presId="urn:microsoft.com/office/officeart/2005/8/layout/process3"/>
+    <dgm:cxn modelId="{25FD792F-295C-404F-B5AD-6C6E0FB4B91C}" type="presOf" srcId="{8A3EB83F-6EE9-424D-8923-A8991045A53E}" destId="{F346B117-C29C-4806-A377-2DE2D2546881}" srcOrd="1" destOrd="0" presId="urn:microsoft.com/office/officeart/2005/8/layout/process3"/>
+    <dgm:cxn modelId="{24DBFF3D-A927-4A64-9F0F-BC6563D8DE78}" srcId="{5E807E5D-858F-485C-93D3-2CA219B37D37}" destId="{D8B33D73-70BE-4CF3-BDAE-6D5CF83ABE30}" srcOrd="0" destOrd="0" parTransId="{63DEE733-2D1A-4CF9-A5B7-B6A0BD5E00E9}" sibTransId="{83D50E95-C59C-4153-8C2F-FB3555DFA3A2}"/>
+    <dgm:cxn modelId="{4DBD389B-A40D-4B80-B95E-DAFC3D4687A3}" type="presOf" srcId="{6795CB83-06AB-4C3E-B307-CDAA113632AC}" destId="{DB3E874D-C4A6-4DFF-AEB6-6866276431EA}" srcOrd="0" destOrd="0" presId="urn:microsoft.com/office/officeart/2005/8/layout/process3"/>
+    <dgm:cxn modelId="{4D19FD30-8583-4281-AC9E-CBADC7144164}" srcId="{45295544-0D20-4229-A153-128F45A8B58E}" destId="{5E807E5D-858F-485C-93D3-2CA219B37D37}" srcOrd="1" destOrd="0" parTransId="{32D85B09-F5E0-49B3-9DFB-FD439688F567}" sibTransId="{B3D63858-7DC0-4E65-918D-7F365E715B9F}"/>
+    <dgm:cxn modelId="{73488AEC-09BD-4D4A-A212-9684808FDCF5}" type="presOf" srcId="{0DC140F9-A9C1-4694-B6A1-A4905C7C1245}" destId="{36281CDF-670B-45C2-A761-C9799B24415D}" srcOrd="1" destOrd="0" presId="urn:microsoft.com/office/officeart/2005/8/layout/process3"/>
+    <dgm:cxn modelId="{B5178C68-0E13-42D2-A911-87A3C5D0446A}" type="presOf" srcId="{5E807E5D-858F-485C-93D3-2CA219B37D37}" destId="{8AE9E217-1FA9-498F-B9EC-98D5ED20C5AB}" srcOrd="0" destOrd="0" presId="urn:microsoft.com/office/officeart/2005/8/layout/process3"/>
+    <dgm:cxn modelId="{89302608-AA5E-4A77-B9E9-E2B405396E97}" srcId="{45295544-0D20-4229-A153-128F45A8B58E}" destId="{513FAADA-5489-46B9-A358-44962FC774E2}" srcOrd="2" destOrd="0" parTransId="{2EC87C47-B36A-449A-9B92-A5F35FA67598}" sibTransId="{006B6681-1D01-4724-A8B5-EE7EAAED797B}"/>
+    <dgm:cxn modelId="{3E6DAE7E-0338-4781-B89C-34A18DEC8AC1}" type="presOf" srcId="{45295544-0D20-4229-A153-128F45A8B58E}" destId="{1F7E644D-9170-43F0-8C5B-A9CF3986A524}" srcOrd="0" destOrd="0" presId="urn:microsoft.com/office/officeart/2005/8/layout/process3"/>
+    <dgm:cxn modelId="{BB2B5509-7089-48F1-A0FE-761BAEE3A752}" type="presOf" srcId="{513FAADA-5489-46B9-A358-44962FC774E2}" destId="{E59CECE1-AA1F-4B41-BFD6-7FD30D459104}" srcOrd="0" destOrd="0" presId="urn:microsoft.com/office/officeart/2005/8/layout/process3"/>
+    <dgm:cxn modelId="{8B828C79-9BB4-4D19-B3A9-2F2DD303596C}" type="presOf" srcId="{5E19D8C5-9EBD-4308-BF74-88501C7405BA}" destId="{4BA35E00-785A-4D49-9ECD-767D2D8AD49D}" srcOrd="0" destOrd="0" presId="urn:microsoft.com/office/officeart/2005/8/layout/process3"/>
+    <dgm:cxn modelId="{67FA8BFF-237F-416A-9A1F-CD241D1CE842}" type="presOf" srcId="{B3D63858-7DC0-4E65-918D-7F365E715B9F}" destId="{B2233450-7ADA-47DC-B546-330245948961}" srcOrd="1" destOrd="0" presId="urn:microsoft.com/office/officeart/2005/8/layout/process3"/>
+    <dgm:cxn modelId="{6484F48E-6705-41A2-A896-C85D2CC10D13}" srcId="{513FAADA-5489-46B9-A358-44962FC774E2}" destId="{5E19D8C5-9EBD-4308-BF74-88501C7405BA}" srcOrd="0" destOrd="0" parTransId="{069371A5-20CB-4096-9396-4D1EE5EA616A}" sibTransId="{2A7E5E44-1C5A-4EFF-825A-E60D4E07D06C}"/>
+    <dgm:cxn modelId="{30CA0A0D-5136-4F0B-B5C6-FE0A24C647B7}" type="presOf" srcId="{B3D63858-7DC0-4E65-918D-7F365E715B9F}" destId="{9A57C195-CD2B-44D7-8E4E-E5EC2FC92A0E}" srcOrd="0" destOrd="0" presId="urn:microsoft.com/office/officeart/2005/8/layout/process3"/>
+    <dgm:cxn modelId="{DBAD6809-825D-464F-91CD-5B769C45540F}" srcId="{8A3EB83F-6EE9-424D-8923-A8991045A53E}" destId="{6795CB83-06AB-4C3E-B307-CDAA113632AC}" srcOrd="0" destOrd="0" parTransId="{944E93B7-2BCE-43DA-AE3D-DA4F642C6AB6}" sibTransId="{5E659F22-FD71-48D3-AC11-1743D5FF5BDA}"/>
+    <dgm:cxn modelId="{BD29CC99-6F2B-4888-B0FB-939590602E4F}" type="presOf" srcId="{8A3EB83F-6EE9-424D-8923-A8991045A53E}" destId="{897057DF-4A5A-4171-A3A2-121F4239636A}" srcOrd="0" destOrd="0" presId="urn:microsoft.com/office/officeart/2005/8/layout/process3"/>
+    <dgm:cxn modelId="{B3818AEF-B505-491D-B91C-9FB890C3EDFD}" type="presOf" srcId="{513FAADA-5489-46B9-A358-44962FC774E2}" destId="{4B02B11E-33F8-4317-BEDB-C258D749C0B9}" srcOrd="1" destOrd="0" presId="urn:microsoft.com/office/officeart/2005/8/layout/process3"/>
+    <dgm:cxn modelId="{CEEF09BF-3ADE-4853-932A-6C726ED7C906}" type="presOf" srcId="{5E807E5D-858F-485C-93D3-2CA219B37D37}" destId="{E790169A-885B-4A5D-8D1F-CF7E7F0B026D}" srcOrd="1" destOrd="0" presId="urn:microsoft.com/office/officeart/2005/8/layout/process3"/>
+    <dgm:cxn modelId="{2ED09938-18AB-448F-8742-E980868764A8}" type="presOf" srcId="{0DC140F9-A9C1-4694-B6A1-A4905C7C1245}" destId="{2E3C21B9-077C-41A0-9719-2C074C75EE14}" srcOrd="0" destOrd="0" presId="urn:microsoft.com/office/officeart/2005/8/layout/process3"/>
+    <dgm:cxn modelId="{F058A8DF-124A-4C18-AB4E-085CA2376E2A}" type="presParOf" srcId="{1F7E644D-9170-43F0-8C5B-A9CF3986A524}" destId="{09C3E3CE-AAA5-43F4-98ED-917EF3B89204}" srcOrd="0" destOrd="0" presId="urn:microsoft.com/office/officeart/2005/8/layout/process3"/>
+    <dgm:cxn modelId="{B10B3C5C-36EA-4C2C-B241-42667DB2E51F}" type="presParOf" srcId="{09C3E3CE-AAA5-43F4-98ED-917EF3B89204}" destId="{897057DF-4A5A-4171-A3A2-121F4239636A}" srcOrd="0" destOrd="0" presId="urn:microsoft.com/office/officeart/2005/8/layout/process3"/>
+    <dgm:cxn modelId="{013C741F-1602-41B3-90BA-A26DD5FB1509}" type="presParOf" srcId="{09C3E3CE-AAA5-43F4-98ED-917EF3B89204}" destId="{F346B117-C29C-4806-A377-2DE2D2546881}" srcOrd="1" destOrd="0" presId="urn:microsoft.com/office/officeart/2005/8/layout/process3"/>
+    <dgm:cxn modelId="{F3EB9188-DA0A-488A-8E96-F57385E17C60}" type="presParOf" srcId="{09C3E3CE-AAA5-43F4-98ED-917EF3B89204}" destId="{DB3E874D-C4A6-4DFF-AEB6-6866276431EA}" srcOrd="2" destOrd="0" presId="urn:microsoft.com/office/officeart/2005/8/layout/process3"/>
+    <dgm:cxn modelId="{0AC4DCA6-44C5-4F90-B3CE-6CD6AE3046DE}" type="presParOf" srcId="{1F7E644D-9170-43F0-8C5B-A9CF3986A524}" destId="{2E3C21B9-077C-41A0-9719-2C074C75EE14}" srcOrd="1" destOrd="0" presId="urn:microsoft.com/office/officeart/2005/8/layout/process3"/>
+    <dgm:cxn modelId="{78091C86-4D62-4BA6-92F3-5FD0FC1329E5}" type="presParOf" srcId="{2E3C21B9-077C-41A0-9719-2C074C75EE14}" destId="{36281CDF-670B-45C2-A761-C9799B24415D}" srcOrd="0" destOrd="0" presId="urn:microsoft.com/office/officeart/2005/8/layout/process3"/>
+    <dgm:cxn modelId="{51D46299-55BD-4590-9083-4BB60F3B7567}" type="presParOf" srcId="{1F7E644D-9170-43F0-8C5B-A9CF3986A524}" destId="{1C561252-8BBE-44E4-B9B1-756FC29DA43F}" srcOrd="2" destOrd="0" presId="urn:microsoft.com/office/officeart/2005/8/layout/process3"/>
+    <dgm:cxn modelId="{FFD75401-8241-4B39-AEB3-993A3C0B8A8F}" type="presParOf" srcId="{1C561252-8BBE-44E4-B9B1-756FC29DA43F}" destId="{8AE9E217-1FA9-498F-B9EC-98D5ED20C5AB}" srcOrd="0" destOrd="0" presId="urn:microsoft.com/office/officeart/2005/8/layout/process3"/>
+    <dgm:cxn modelId="{EF79B03A-2F3D-45EB-838F-F3965613B06A}" type="presParOf" srcId="{1C561252-8BBE-44E4-B9B1-756FC29DA43F}" destId="{E790169A-885B-4A5D-8D1F-CF7E7F0B026D}" srcOrd="1" destOrd="0" presId="urn:microsoft.com/office/officeart/2005/8/layout/process3"/>
+    <dgm:cxn modelId="{000E7ECC-6595-4B12-9726-971135813B7C}" type="presParOf" srcId="{1C561252-8BBE-44E4-B9B1-756FC29DA43F}" destId="{98B39080-9814-4FB1-8242-313D76AE1EE5}" srcOrd="2" destOrd="0" presId="urn:microsoft.com/office/officeart/2005/8/layout/process3"/>
+    <dgm:cxn modelId="{326224DD-C241-4DF6-B90D-6603F9693FFA}" type="presParOf" srcId="{1F7E644D-9170-43F0-8C5B-A9CF3986A524}" destId="{9A57C195-CD2B-44D7-8E4E-E5EC2FC92A0E}" srcOrd="3" destOrd="0" presId="urn:microsoft.com/office/officeart/2005/8/layout/process3"/>
+    <dgm:cxn modelId="{980F32AA-61D2-44BA-8DB5-6DAFF585B3D2}" type="presParOf" srcId="{9A57C195-CD2B-44D7-8E4E-E5EC2FC92A0E}" destId="{B2233450-7ADA-47DC-B546-330245948961}" srcOrd="0" destOrd="0" presId="urn:microsoft.com/office/officeart/2005/8/layout/process3"/>
+    <dgm:cxn modelId="{094A16D6-D8BC-4CBC-9306-4F8D316F5460}" type="presParOf" srcId="{1F7E644D-9170-43F0-8C5B-A9CF3986A524}" destId="{0C8ED16C-BBAC-421E-9E75-153AAD985738}" srcOrd="4" destOrd="0" presId="urn:microsoft.com/office/officeart/2005/8/layout/process3"/>
+    <dgm:cxn modelId="{2D389962-D982-474A-A805-CB8DB144D333}" type="presParOf" srcId="{0C8ED16C-BBAC-421E-9E75-153AAD985738}" destId="{E59CECE1-AA1F-4B41-BFD6-7FD30D459104}" srcOrd="0" destOrd="0" presId="urn:microsoft.com/office/officeart/2005/8/layout/process3"/>
+    <dgm:cxn modelId="{9FC74E91-A435-49E3-B9F3-063271C64F82}" type="presParOf" srcId="{0C8ED16C-BBAC-421E-9E75-153AAD985738}" destId="{4B02B11E-33F8-4317-BEDB-C258D749C0B9}" srcOrd="1" destOrd="0" presId="urn:microsoft.com/office/officeart/2005/8/layout/process3"/>
+    <dgm:cxn modelId="{1A9F0C19-9B12-4E9B-9AB9-608486509EAA}" type="presParOf" srcId="{0C8ED16C-BBAC-421E-9E75-153AAD985738}" destId="{4BA35E00-785A-4D49-9ECD-767D2D8AD49D}" srcOrd="2" destOrd="0" presId="urn:microsoft.com/office/officeart/2005/8/layout/process3"/>
+  </dgm:cxnLst>
+  <dgm:bg/>
+  <dgm:whole/>
+  <dgm:extLst>
+    <a:ext uri="http://schemas.microsoft.com/office/drawing/2008/diagram">
+      <dsp:dataModelExt xmlns:dsp="http://schemas.microsoft.com/office/drawing/2008/diagram" relId="rId6" minVer="http://schemas.openxmlformats.org/drawingml/2006/diagram"/>
+    </a:ext>
+  </dgm:extLst>
+</dgm:dataModel>
+</file>
+
+<file path=ppt/diagrams/drawing1.xml><?xml version="1.0" encoding="utf-8"?>
+<dsp:drawing xmlns:dgm="http://schemas.openxmlformats.org/drawingml/2006/diagram" xmlns:dsp="http://schemas.microsoft.com/office/drawing/2008/diagram" xmlns:a="http://schemas.openxmlformats.org/drawingml/2006/main">
+  <dsp:spTree>
+    <dsp:nvGrpSpPr>
+      <dsp:cNvPr id="0" name=""/>
+      <dsp:cNvGrpSpPr/>
+    </dsp:nvGrpSpPr>
+    <dsp:grpSpPr/>
+    <dsp:sp modelId="{F346B117-C29C-4806-A377-2DE2D2546881}">
+      <dsp:nvSpPr>
+        <dsp:cNvPr id="0" name=""/>
+        <dsp:cNvSpPr/>
+      </dsp:nvSpPr>
+      <dsp:spPr>
+        <a:xfrm>
+          <a:off x="4042" y="1419056"/>
+          <a:ext cx="1838086" cy="1052031"/>
+        </a:xfrm>
+        <a:prstGeom prst="roundRect">
+          <a:avLst>
+            <a:gd name="adj" fmla="val 10000"/>
+          </a:avLst>
+        </a:prstGeom>
+        <a:solidFill>
+          <a:schemeClr val="accent1">
+            <a:hueOff val="0"/>
+            <a:satOff val="0"/>
+            <a:lumOff val="0"/>
+            <a:alphaOff val="0"/>
+          </a:schemeClr>
+        </a:solidFill>
+        <a:ln w="12700" cap="flat" cmpd="sng" algn="ctr">
+          <a:solidFill>
+            <a:schemeClr val="lt1">
+              <a:hueOff val="0"/>
+              <a:satOff val="0"/>
+              <a:lumOff val="0"/>
+              <a:alphaOff val="0"/>
+            </a:schemeClr>
+          </a:solidFill>
+          <a:prstDash val="solid"/>
+          <a:miter lim="800000"/>
+        </a:ln>
+        <a:effectLst/>
+      </dsp:spPr>
+      <dsp:style>
+        <a:lnRef idx="2">
+          <a:scrgbClr r="0" g="0" b="0"/>
+        </a:lnRef>
+        <a:fillRef idx="1">
+          <a:scrgbClr r="0" g="0" b="0"/>
+        </a:fillRef>
+        <a:effectRef idx="0">
+          <a:scrgbClr r="0" g="0" b="0"/>
+        </a:effectRef>
+        <a:fontRef idx="minor">
+          <a:schemeClr val="lt1"/>
+        </a:fontRef>
+      </dsp:style>
+      <dsp:txBody>
+        <a:bodyPr spcFirstLastPara="0" vert="horz" wrap="square" lIns="128016" tIns="128016" rIns="128016" bIns="68580" numCol="1" spcCol="1270" anchor="t" anchorCtr="0">
+          <a:noAutofit/>
+        </a:bodyPr>
+        <a:lstStyle/>
+        <a:p>
+          <a:pPr lvl="0" algn="l" defTabSz="800100">
+            <a:lnSpc>
+              <a:spcPct val="90000"/>
+            </a:lnSpc>
+            <a:spcBef>
+              <a:spcPct val="0"/>
+            </a:spcBef>
+            <a:spcAft>
+              <a:spcPct val="35000"/>
+            </a:spcAft>
+          </a:pPr>
+          <a:r>
+            <a:rPr lang="en-US" sz="1800" kern="1200" dirty="0" smtClean="0"/>
+            <a:t>Process Data</a:t>
+          </a:r>
+          <a:endParaRPr lang="en-US" sz="1800" kern="1200" dirty="0"/>
+        </a:p>
+      </dsp:txBody>
+      <dsp:txXfrm>
+        <a:off x="4042" y="1419056"/>
+        <a:ext cx="1838086" cy="701354"/>
+      </dsp:txXfrm>
+    </dsp:sp>
+    <dsp:sp modelId="{DB3E874D-C4A6-4DFF-AEB6-6866276431EA}">
+      <dsp:nvSpPr>
+        <dsp:cNvPr id="0" name=""/>
+        <dsp:cNvSpPr/>
+      </dsp:nvSpPr>
+      <dsp:spPr>
+        <a:xfrm>
+          <a:off x="380518" y="2120410"/>
+          <a:ext cx="1838086" cy="1879200"/>
+        </a:xfrm>
+        <a:prstGeom prst="roundRect">
+          <a:avLst>
+            <a:gd name="adj" fmla="val 10000"/>
+          </a:avLst>
+        </a:prstGeom>
+        <a:solidFill>
+          <a:schemeClr val="lt1">
+            <a:alpha val="90000"/>
+            <a:hueOff val="0"/>
+            <a:satOff val="0"/>
+            <a:lumOff val="0"/>
+            <a:alphaOff val="0"/>
+          </a:schemeClr>
+        </a:solidFill>
+        <a:ln w="12700" cap="flat" cmpd="sng" algn="ctr">
+          <a:solidFill>
+            <a:schemeClr val="accent1">
+              <a:hueOff val="0"/>
+              <a:satOff val="0"/>
+              <a:lumOff val="0"/>
+              <a:alphaOff val="0"/>
+            </a:schemeClr>
+          </a:solidFill>
+          <a:prstDash val="solid"/>
+          <a:miter lim="800000"/>
+        </a:ln>
+        <a:effectLst/>
+      </dsp:spPr>
+      <dsp:style>
+        <a:lnRef idx="2">
+          <a:scrgbClr r="0" g="0" b="0"/>
+        </a:lnRef>
+        <a:fillRef idx="1">
+          <a:scrgbClr r="0" g="0" b="0"/>
+        </a:fillRef>
+        <a:effectRef idx="0">
+          <a:scrgbClr r="0" g="0" b="0"/>
+        </a:effectRef>
+        <a:fontRef idx="minor"/>
+      </dsp:style>
+      <dsp:txBody>
+        <a:bodyPr spcFirstLastPara="0" vert="horz" wrap="square" lIns="128016" tIns="128016" rIns="128016" bIns="128016" numCol="1" spcCol="1270" anchor="t" anchorCtr="0">
+          <a:noAutofit/>
+        </a:bodyPr>
+        <a:lstStyle/>
+        <a:p>
+          <a:pPr marL="171450" lvl="1" indent="-171450" algn="l" defTabSz="800100">
+            <a:lnSpc>
+              <a:spcPct val="90000"/>
+            </a:lnSpc>
+            <a:spcBef>
+              <a:spcPct val="0"/>
+            </a:spcBef>
+            <a:spcAft>
+              <a:spcPct val="15000"/>
+            </a:spcAft>
+            <a:buChar char="••"/>
+          </a:pPr>
+          <a:r>
+            <a:rPr lang="en-US" sz="1800" kern="1200" dirty="0" smtClean="0"/>
+            <a:t>Calculate GPS coordinates from final location and </a:t>
+          </a:r>
+          <a:r>
+            <a:rPr lang="en-US" sz="1800" kern="1200" dirty="0" err="1" smtClean="0"/>
+            <a:t>Lat</a:t>
+          </a:r>
+          <a:r>
+            <a:rPr lang="en-US" sz="1800" kern="1200" dirty="0" smtClean="0"/>
+            <a:t>/Long delta</a:t>
+          </a:r>
+          <a:endParaRPr lang="en-US" sz="1800" kern="1200" dirty="0"/>
+        </a:p>
+      </dsp:txBody>
+      <dsp:txXfrm>
+        <a:off x="434354" y="2174246"/>
+        <a:ext cx="1730414" cy="1771528"/>
+      </dsp:txXfrm>
+    </dsp:sp>
+    <dsp:sp modelId="{2E3C21B9-077C-41A0-9719-2C074C75EE14}">
+      <dsp:nvSpPr>
+        <dsp:cNvPr id="0" name=""/>
+        <dsp:cNvSpPr/>
+      </dsp:nvSpPr>
+      <dsp:spPr>
+        <a:xfrm>
+          <a:off x="2120776" y="1540918"/>
+          <a:ext cx="590732" cy="457630"/>
+        </a:xfrm>
+        <a:prstGeom prst="rightArrow">
+          <a:avLst>
+            <a:gd name="adj1" fmla="val 60000"/>
+            <a:gd name="adj2" fmla="val 50000"/>
+          </a:avLst>
+        </a:prstGeom>
+        <a:solidFill>
+          <a:schemeClr val="accent1">
+            <a:tint val="60000"/>
+            <a:hueOff val="0"/>
+            <a:satOff val="0"/>
+            <a:lumOff val="0"/>
+            <a:alphaOff val="0"/>
+          </a:schemeClr>
+        </a:solidFill>
+        <a:ln>
+          <a:noFill/>
+        </a:ln>
+        <a:effectLst/>
+      </dsp:spPr>
+      <dsp:style>
+        <a:lnRef idx="0">
+          <a:scrgbClr r="0" g="0" b="0"/>
+        </a:lnRef>
+        <a:fillRef idx="1">
+          <a:scrgbClr r="0" g="0" b="0"/>
+        </a:fillRef>
+        <a:effectRef idx="0">
+          <a:scrgbClr r="0" g="0" b="0"/>
+        </a:effectRef>
+        <a:fontRef idx="minor">
+          <a:schemeClr val="lt1"/>
+        </a:fontRef>
+      </dsp:style>
+      <dsp:txBody>
+        <a:bodyPr spcFirstLastPara="0" vert="horz" wrap="square" lIns="0" tIns="0" rIns="0" bIns="0" numCol="1" spcCol="1270" anchor="ctr" anchorCtr="0">
+          <a:noAutofit/>
+        </a:bodyPr>
+        <a:lstStyle/>
+        <a:p>
+          <a:pPr lvl="0" algn="ctr" defTabSz="622300">
+            <a:lnSpc>
+              <a:spcPct val="90000"/>
+            </a:lnSpc>
+            <a:spcBef>
+              <a:spcPct val="0"/>
+            </a:spcBef>
+            <a:spcAft>
+              <a:spcPct val="35000"/>
+            </a:spcAft>
+          </a:pPr>
+          <a:endParaRPr lang="en-US" sz="1400" kern="1200"/>
+        </a:p>
+      </dsp:txBody>
+      <dsp:txXfrm>
+        <a:off x="2120776" y="1632444"/>
+        <a:ext cx="453443" cy="274578"/>
+      </dsp:txXfrm>
+    </dsp:sp>
+    <dsp:sp modelId="{E790169A-885B-4A5D-8D1F-CF7E7F0B026D}">
+      <dsp:nvSpPr>
+        <dsp:cNvPr id="0" name=""/>
+        <dsp:cNvSpPr/>
+      </dsp:nvSpPr>
+      <dsp:spPr>
+        <a:xfrm>
+          <a:off x="2956718" y="1419056"/>
+          <a:ext cx="1838086" cy="1052031"/>
+        </a:xfrm>
+        <a:prstGeom prst="roundRect">
+          <a:avLst>
+            <a:gd name="adj" fmla="val 10000"/>
+          </a:avLst>
+        </a:prstGeom>
+        <a:solidFill>
+          <a:schemeClr val="accent1">
+            <a:hueOff val="0"/>
+            <a:satOff val="0"/>
+            <a:lumOff val="0"/>
+            <a:alphaOff val="0"/>
+          </a:schemeClr>
+        </a:solidFill>
+        <a:ln w="12700" cap="flat" cmpd="sng" algn="ctr">
+          <a:solidFill>
+            <a:schemeClr val="lt1">
+              <a:hueOff val="0"/>
+              <a:satOff val="0"/>
+              <a:lumOff val="0"/>
+              <a:alphaOff val="0"/>
+            </a:schemeClr>
+          </a:solidFill>
+          <a:prstDash val="solid"/>
+          <a:miter lim="800000"/>
+        </a:ln>
+        <a:effectLst/>
+      </dsp:spPr>
+      <dsp:style>
+        <a:lnRef idx="2">
+          <a:scrgbClr r="0" g="0" b="0"/>
+        </a:lnRef>
+        <a:fillRef idx="1">
+          <a:scrgbClr r="0" g="0" b="0"/>
+        </a:fillRef>
+        <a:effectRef idx="0">
+          <a:scrgbClr r="0" g="0" b="0"/>
+        </a:effectRef>
+        <a:fontRef idx="minor">
+          <a:schemeClr val="lt1"/>
+        </a:fontRef>
+      </dsp:style>
+      <dsp:txBody>
+        <a:bodyPr spcFirstLastPara="0" vert="horz" wrap="square" lIns="128016" tIns="128016" rIns="128016" bIns="68580" numCol="1" spcCol="1270" anchor="t" anchorCtr="0">
+          <a:noAutofit/>
+        </a:bodyPr>
+        <a:lstStyle/>
+        <a:p>
+          <a:pPr lvl="0" algn="l" defTabSz="800100">
+            <a:lnSpc>
+              <a:spcPct val="90000"/>
+            </a:lnSpc>
+            <a:spcBef>
+              <a:spcPct val="0"/>
+            </a:spcBef>
+            <a:spcAft>
+              <a:spcPct val="35000"/>
+            </a:spcAft>
+          </a:pPr>
+          <a:r>
+            <a:rPr lang="en-US" sz="1800" kern="1200" dirty="0" smtClean="0"/>
+            <a:t>Compare Times</a:t>
+          </a:r>
+          <a:endParaRPr lang="en-US" sz="1800" kern="1200" dirty="0"/>
+        </a:p>
+      </dsp:txBody>
+      <dsp:txXfrm>
+        <a:off x="2956718" y="1419056"/>
+        <a:ext cx="1838086" cy="701354"/>
+      </dsp:txXfrm>
+    </dsp:sp>
+    <dsp:sp modelId="{98B39080-9814-4FB1-8242-313D76AE1EE5}">
+      <dsp:nvSpPr>
+        <dsp:cNvPr id="0" name=""/>
+        <dsp:cNvSpPr/>
+      </dsp:nvSpPr>
+      <dsp:spPr>
+        <a:xfrm>
+          <a:off x="3333194" y="2120410"/>
+          <a:ext cx="1838086" cy="1879200"/>
+        </a:xfrm>
+        <a:prstGeom prst="roundRect">
+          <a:avLst>
+            <a:gd name="adj" fmla="val 10000"/>
+          </a:avLst>
+        </a:prstGeom>
+        <a:solidFill>
+          <a:schemeClr val="lt1">
+            <a:alpha val="90000"/>
+            <a:hueOff val="0"/>
+            <a:satOff val="0"/>
+            <a:lumOff val="0"/>
+            <a:alphaOff val="0"/>
+          </a:schemeClr>
+        </a:solidFill>
+        <a:ln w="12700" cap="flat" cmpd="sng" algn="ctr">
+          <a:solidFill>
+            <a:schemeClr val="accent1">
+              <a:hueOff val="0"/>
+              <a:satOff val="0"/>
+              <a:lumOff val="0"/>
+              <a:alphaOff val="0"/>
+            </a:schemeClr>
+          </a:solidFill>
+          <a:prstDash val="solid"/>
+          <a:miter lim="800000"/>
+        </a:ln>
+        <a:effectLst/>
+      </dsp:spPr>
+      <dsp:style>
+        <a:lnRef idx="2">
+          <a:scrgbClr r="0" g="0" b="0"/>
+        </a:lnRef>
+        <a:fillRef idx="1">
+          <a:scrgbClr r="0" g="0" b="0"/>
+        </a:fillRef>
+        <a:effectRef idx="0">
+          <a:scrgbClr r="0" g="0" b="0"/>
+        </a:effectRef>
+        <a:fontRef idx="minor"/>
+      </dsp:style>
+      <dsp:txBody>
+        <a:bodyPr spcFirstLastPara="0" vert="horz" wrap="square" lIns="128016" tIns="128016" rIns="128016" bIns="128016" numCol="1" spcCol="1270" anchor="t" anchorCtr="0">
+          <a:noAutofit/>
+        </a:bodyPr>
+        <a:lstStyle/>
+        <a:p>
+          <a:pPr marL="171450" lvl="1" indent="-171450" algn="l" defTabSz="800100">
+            <a:lnSpc>
+              <a:spcPct val="90000"/>
+            </a:lnSpc>
+            <a:spcBef>
+              <a:spcPct val="0"/>
+            </a:spcBef>
+            <a:spcAft>
+              <a:spcPct val="15000"/>
+            </a:spcAft>
+            <a:buChar char="••"/>
+          </a:pPr>
+          <a:r>
+            <a:rPr lang="en-US" sz="1800" kern="1200" dirty="0" smtClean="0"/>
+            <a:t>Sort data by the hour it was collected</a:t>
+          </a:r>
+          <a:endParaRPr lang="en-US" sz="1800" kern="1200" dirty="0"/>
+        </a:p>
+      </dsp:txBody>
+      <dsp:txXfrm>
+        <a:off x="3387030" y="2174246"/>
+        <a:ext cx="1730414" cy="1771528"/>
+      </dsp:txXfrm>
+    </dsp:sp>
+    <dsp:sp modelId="{9A57C195-CD2B-44D7-8E4E-E5EC2FC92A0E}">
+      <dsp:nvSpPr>
+        <dsp:cNvPr id="0" name=""/>
+        <dsp:cNvSpPr/>
+      </dsp:nvSpPr>
+      <dsp:spPr>
+        <a:xfrm>
+          <a:off x="5073452" y="1540918"/>
+          <a:ext cx="590732" cy="457630"/>
+        </a:xfrm>
+        <a:prstGeom prst="rightArrow">
+          <a:avLst>
+            <a:gd name="adj1" fmla="val 60000"/>
+            <a:gd name="adj2" fmla="val 50000"/>
+          </a:avLst>
+        </a:prstGeom>
+        <a:solidFill>
+          <a:schemeClr val="accent1">
+            <a:tint val="60000"/>
+            <a:hueOff val="0"/>
+            <a:satOff val="0"/>
+            <a:lumOff val="0"/>
+            <a:alphaOff val="0"/>
+          </a:schemeClr>
+        </a:solidFill>
+        <a:ln>
+          <a:noFill/>
+        </a:ln>
+        <a:effectLst/>
+      </dsp:spPr>
+      <dsp:style>
+        <a:lnRef idx="0">
+          <a:scrgbClr r="0" g="0" b="0"/>
+        </a:lnRef>
+        <a:fillRef idx="1">
+          <a:scrgbClr r="0" g="0" b="0"/>
+        </a:fillRef>
+        <a:effectRef idx="0">
+          <a:scrgbClr r="0" g="0" b="0"/>
+        </a:effectRef>
+        <a:fontRef idx="minor">
+          <a:schemeClr val="lt1"/>
+        </a:fontRef>
+      </dsp:style>
+      <dsp:txBody>
+        <a:bodyPr spcFirstLastPara="0" vert="horz" wrap="square" lIns="0" tIns="0" rIns="0" bIns="0" numCol="1" spcCol="1270" anchor="ctr" anchorCtr="0">
+          <a:noAutofit/>
+        </a:bodyPr>
+        <a:lstStyle/>
+        <a:p>
+          <a:pPr lvl="0" algn="ctr" defTabSz="622300">
+            <a:lnSpc>
+              <a:spcPct val="90000"/>
+            </a:lnSpc>
+            <a:spcBef>
+              <a:spcPct val="0"/>
+            </a:spcBef>
+            <a:spcAft>
+              <a:spcPct val="35000"/>
+            </a:spcAft>
+          </a:pPr>
+          <a:endParaRPr lang="en-US" sz="1400" kern="1200"/>
+        </a:p>
+      </dsp:txBody>
+      <dsp:txXfrm>
+        <a:off x="5073452" y="1632444"/>
+        <a:ext cx="453443" cy="274578"/>
+      </dsp:txXfrm>
+    </dsp:sp>
+    <dsp:sp modelId="{4B02B11E-33F8-4317-BEDB-C258D749C0B9}">
+      <dsp:nvSpPr>
+        <dsp:cNvPr id="0" name=""/>
+        <dsp:cNvSpPr/>
+      </dsp:nvSpPr>
+      <dsp:spPr>
+        <a:xfrm>
+          <a:off x="5909394" y="1419056"/>
+          <a:ext cx="1838086" cy="1052031"/>
+        </a:xfrm>
+        <a:prstGeom prst="roundRect">
+          <a:avLst>
+            <a:gd name="adj" fmla="val 10000"/>
+          </a:avLst>
+        </a:prstGeom>
+        <a:solidFill>
+          <a:schemeClr val="accent1">
+            <a:hueOff val="0"/>
+            <a:satOff val="0"/>
+            <a:lumOff val="0"/>
+            <a:alphaOff val="0"/>
+          </a:schemeClr>
+        </a:solidFill>
+        <a:ln w="12700" cap="flat" cmpd="sng" algn="ctr">
+          <a:solidFill>
+            <a:schemeClr val="lt1">
+              <a:hueOff val="0"/>
+              <a:satOff val="0"/>
+              <a:lumOff val="0"/>
+              <a:alphaOff val="0"/>
+            </a:schemeClr>
+          </a:solidFill>
+          <a:prstDash val="solid"/>
+          <a:miter lim="800000"/>
+        </a:ln>
+        <a:effectLst/>
+      </dsp:spPr>
+      <dsp:style>
+        <a:lnRef idx="2">
+          <a:scrgbClr r="0" g="0" b="0"/>
+        </a:lnRef>
+        <a:fillRef idx="1">
+          <a:scrgbClr r="0" g="0" b="0"/>
+        </a:fillRef>
+        <a:effectRef idx="0">
+          <a:scrgbClr r="0" g="0" b="0"/>
+        </a:effectRef>
+        <a:fontRef idx="minor">
+          <a:schemeClr val="lt1"/>
+        </a:fontRef>
+      </dsp:style>
+      <dsp:txBody>
+        <a:bodyPr spcFirstLastPara="0" vert="horz" wrap="square" lIns="128016" tIns="128016" rIns="128016" bIns="68580" numCol="1" spcCol="1270" anchor="t" anchorCtr="0">
+          <a:noAutofit/>
+        </a:bodyPr>
+        <a:lstStyle/>
+        <a:p>
+          <a:pPr lvl="0" algn="l" defTabSz="800100">
+            <a:lnSpc>
+              <a:spcPct val="90000"/>
+            </a:lnSpc>
+            <a:spcBef>
+              <a:spcPct val="0"/>
+            </a:spcBef>
+            <a:spcAft>
+              <a:spcPct val="35000"/>
+            </a:spcAft>
+          </a:pPr>
+          <a:r>
+            <a:rPr lang="en-US" sz="1800" kern="1200" dirty="0" smtClean="0"/>
+            <a:t>Compare Locations</a:t>
+          </a:r>
+          <a:endParaRPr lang="en-US" sz="1800" kern="1200" dirty="0"/>
+        </a:p>
+      </dsp:txBody>
+      <dsp:txXfrm>
+        <a:off x="5909394" y="1419056"/>
+        <a:ext cx="1838086" cy="701354"/>
+      </dsp:txXfrm>
+    </dsp:sp>
+    <dsp:sp modelId="{4BA35E00-785A-4D49-9ECD-767D2D8AD49D}">
+      <dsp:nvSpPr>
+        <dsp:cNvPr id="0" name=""/>
+        <dsp:cNvSpPr/>
+      </dsp:nvSpPr>
+      <dsp:spPr>
+        <a:xfrm>
+          <a:off x="6285870" y="2120410"/>
+          <a:ext cx="1838086" cy="1879200"/>
+        </a:xfrm>
+        <a:prstGeom prst="roundRect">
+          <a:avLst>
+            <a:gd name="adj" fmla="val 10000"/>
+          </a:avLst>
+        </a:prstGeom>
+        <a:solidFill>
+          <a:schemeClr val="lt1">
+            <a:alpha val="90000"/>
+            <a:hueOff val="0"/>
+            <a:satOff val="0"/>
+            <a:lumOff val="0"/>
+            <a:alphaOff val="0"/>
+          </a:schemeClr>
+        </a:solidFill>
+        <a:ln w="12700" cap="flat" cmpd="sng" algn="ctr">
+          <a:solidFill>
+            <a:schemeClr val="accent1">
+              <a:hueOff val="0"/>
+              <a:satOff val="0"/>
+              <a:lumOff val="0"/>
+              <a:alphaOff val="0"/>
+            </a:schemeClr>
+          </a:solidFill>
+          <a:prstDash val="solid"/>
+          <a:miter lim="800000"/>
+        </a:ln>
+        <a:effectLst/>
+      </dsp:spPr>
+      <dsp:style>
+        <a:lnRef idx="2">
+          <a:scrgbClr r="0" g="0" b="0"/>
+        </a:lnRef>
+        <a:fillRef idx="1">
+          <a:scrgbClr r="0" g="0" b="0"/>
+        </a:fillRef>
+        <a:effectRef idx="0">
+          <a:scrgbClr r="0" g="0" b="0"/>
+        </a:effectRef>
+        <a:fontRef idx="minor"/>
+      </dsp:style>
+      <dsp:txBody>
+        <a:bodyPr spcFirstLastPara="0" vert="horz" wrap="square" lIns="128016" tIns="128016" rIns="128016" bIns="128016" numCol="1" spcCol="1270" anchor="t" anchorCtr="0">
+          <a:noAutofit/>
+        </a:bodyPr>
+        <a:lstStyle/>
+        <a:p>
+          <a:pPr marL="171450" lvl="1" indent="-171450" algn="l" defTabSz="800100">
+            <a:lnSpc>
+              <a:spcPct val="90000"/>
+            </a:lnSpc>
+            <a:spcBef>
+              <a:spcPct val="0"/>
+            </a:spcBef>
+            <a:spcAft>
+              <a:spcPct val="15000"/>
+            </a:spcAft>
+            <a:buChar char="••"/>
+          </a:pPr>
+          <a:r>
+            <a:rPr lang="en-US" sz="1800" kern="1200" dirty="0" smtClean="0"/>
+            <a:t>Find any data at the same time with similar locations</a:t>
+          </a:r>
+          <a:endParaRPr lang="en-US" sz="1800" kern="1200" dirty="0"/>
+        </a:p>
+      </dsp:txBody>
+      <dsp:txXfrm>
+        <a:off x="6339706" y="2174246"/>
+        <a:ext cx="1730414" cy="1771528"/>
+      </dsp:txXfrm>
+    </dsp:sp>
+  </dsp:spTree>
+</dsp:drawing>
+</file>
+
+<file path=ppt/diagrams/layout1.xml><?xml version="1.0" encoding="utf-8"?>
+<dgm:layoutDef xmlns:dgm="http://schemas.openxmlformats.org/drawingml/2006/diagram" xmlns:a="http://schemas.openxmlformats.org/drawingml/2006/main" uniqueId="urn:microsoft.com/office/officeart/2005/8/layout/process3">
+  <dgm:title val=""/>
+  <dgm:desc val=""/>
+  <dgm:catLst>
+    <dgm:cat type="process" pri="2000"/>
+  </dgm:catLst>
+  <dgm:sampData>
+    <dgm:dataModel>
+      <dgm:ptLst>
+        <dgm:pt modelId="0" type="doc"/>
+        <dgm:pt modelId="1">
+          <dgm:prSet phldr="1"/>
+        </dgm:pt>
+        <dgm:pt modelId="11">
+          <dgm:prSet phldr="1"/>
+        </dgm:pt>
+        <dgm:pt modelId="2">
+          <dgm:prSet phldr="1"/>
+        </dgm:pt>
+        <dgm:pt modelId="21">
+          <dgm:prSet phldr="1"/>
+        </dgm:pt>
+        <dgm:pt modelId="3">
+          <dgm:prSet phldr="1"/>
+        </dgm:pt>
+        <dgm:pt modelId="31">
+          <dgm:prSet phldr="1"/>
+        </dgm:pt>
+      </dgm:ptLst>
+      <dgm:cxnLst>
+        <dgm:cxn modelId="4" srcId="0" destId="1" srcOrd="0" destOrd="0"/>
+        <dgm:cxn modelId="5" srcId="0" destId="2" srcOrd="1" destOrd="0"/>
+        <dgm:cxn modelId="6" srcId="0" destId="3" srcOrd="3" destOrd="0"/>
+        <dgm:cxn modelId="12" srcId="1" destId="11" srcOrd="0" destOrd="0"/>
+        <dgm:cxn modelId="23" srcId="2" destId="21" srcOrd="0" destOrd="0"/>
+        <dgm:cxn modelId="34" srcId="3" destId="31" srcOrd="0" destOrd="0"/>
+      </dgm:cxnLst>
+      <dgm:bg/>
+      <dgm:whole/>
+    </dgm:dataModel>
+  </dgm:sampData>
+  <dgm:styleData>
+    <dgm:dataModel>
+      <dgm:ptLst>
+        <dgm:pt modelId="0" type="doc"/>
+        <dgm:pt modelId="1">
+          <dgm:prSet phldr="1"/>
+        </dgm:pt>
+        <dgm:pt modelId="11">
+          <dgm:prSet phldr="1"/>
+        </dgm:pt>
+        <dgm:pt modelId="2">
+          <dgm:prSet phldr="1"/>
+        </dgm:pt>
+        <dgm:pt modelId="21">
+          <dgm:prSet phldr="1"/>
+        </dgm:pt>
+      </dgm:ptLst>
+      <dgm:cxnLst>
+        <dgm:cxn modelId="4" srcId="0" destId="1" srcOrd="0" destOrd="0"/>
+        <dgm:cxn modelId="5" srcId="0" destId="2" srcOrd="1" destOrd="0"/>
+        <dgm:cxn modelId="13" srcId="1" destId="11" srcOrd="0" destOrd="0"/>
+        <dgm:cxn modelId="23" srcId="2" destId="21" srcOrd="0" destOrd="0"/>
+      </dgm:cxnLst>
+      <dgm:bg/>
+      <dgm:whole/>
+    </dgm:dataModel>
+  </dgm:styleData>
+  <dgm:clrData>
+    <dgm:dataModel>
+      <dgm:ptLst>
+        <dgm:pt modelId="0" type="doc"/>
+        <dgm:pt modelId="1">
+          <dgm:prSet phldr="1"/>
+        </dgm:pt>
+        <dgm:pt modelId="11">
+          <dgm:prSet phldr="1"/>
+        </dgm:pt>
+        <dgm:pt modelId="2">
+          <dgm:prSet phldr="1"/>
+        </dgm:pt>
+        <dgm:pt modelId="21">
+          <dgm:prSet phldr="1"/>
+        </dgm:pt>
+        <dgm:pt modelId="3">
+          <dgm:prSet phldr="1"/>
+        </dgm:pt>
+        <dgm:pt modelId="31">
+          <dgm:prSet phldr="1"/>
+        </dgm:pt>
+        <dgm:pt modelId="4">
+          <dgm:prSet phldr="1"/>
+        </dgm:pt>
+        <dgm:pt modelId="41">
+          <dgm:prSet phldr="1"/>
+        </dgm:pt>
+      </dgm:ptLst>
+      <dgm:cxnLst>
+        <dgm:cxn modelId="5" srcId="0" destId="1" srcOrd="0" destOrd="0"/>
+        <dgm:cxn modelId="6" srcId="0" destId="2" srcOrd="1" destOrd="0"/>
+        <dgm:cxn modelId="7" srcId="0" destId="3" srcOrd="2" destOrd="0"/>
+        <dgm:cxn modelId="8" srcId="0" destId="4" srcOrd="3" destOrd="0"/>
+        <dgm:cxn modelId="13" srcId="1" destId="11" srcOrd="0" destOrd="0"/>
+        <dgm:cxn modelId="23" srcId="2" destId="21" srcOrd="0" destOrd="0"/>
+        <dgm:cxn modelId="33" srcId="3" destId="31" srcOrd="0" destOrd="0"/>
+        <dgm:cxn modelId="43" srcId="4" destId="41" srcOrd="0" destOrd="0"/>
+      </dgm:cxnLst>
+      <dgm:bg/>
+      <dgm:whole/>
+    </dgm:dataModel>
+  </dgm:clrData>
+  <dgm:layoutNode name="linearFlow">
+    <dgm:varLst>
+      <dgm:dir/>
+      <dgm:animLvl val="lvl"/>
+      <dgm:resizeHandles val="exact"/>
+    </dgm:varLst>
+    <dgm:choose name="Name0">
+      <dgm:if name="Name1" func="var" arg="dir" op="equ" val="norm">
+        <dgm:alg type="lin"/>
+      </dgm:if>
+      <dgm:else name="Name2">
+        <dgm:alg type="lin">
+          <dgm:param type="linDir" val="fromR"/>
+        </dgm:alg>
+      </dgm:else>
+    </dgm:choose>
+    <dgm:shape xmlns:r="http://schemas.openxmlformats.org/officeDocument/2006/relationships" r:blip="">
+      <dgm:adjLst/>
+    </dgm:shape>
+    <dgm:presOf/>
+    <dgm:constrLst>
+      <dgm:constr type="w" for="ch" forName="composite" refType="w"/>
+      <dgm:constr type="w" for="ch" ptType="sibTrans" refType="w" refFor="ch" refForName="composite" fact="0.3333"/>
+      <dgm:constr type="w" for="des" forName="parTx"/>
+      <dgm:constr type="h" for="des" forName="parTx" op="equ"/>
+      <dgm:constr type="h" for="des" forName="parSh" op="equ"/>
+      <dgm:constr type="w" for="des" forName="desTx"/>
+      <dgm:constr type="h" for="des" forName="desTx" op="equ"/>
+      <dgm:constr type="w" for="des" forName="parSh"/>
+      <dgm:constr type="primFontSz" for="des" forName="parTx" val="65"/>
+      <dgm:constr type="secFontSz" for="des" forName="desTx" refType="primFontSz" refFor="des" refForName="parTx" op="equ"/>
+      <dgm:constr type="primFontSz" for="des" forName="connTx" refType="primFontSz" refFor="des" refForName="parTx" fact="0.8"/>
+      <dgm:constr type="primFontSz" for="des" forName="connTx" refType="primFontSz" refFor="des" refForName="parTx" op="lte" fact="0.8"/>
+      <dgm:constr type="h" for="des" forName="parTx" refType="primFontSz" refFor="des" refForName="parTx" fact="0.8"/>
+      <dgm:constr type="h" for="des" forName="parSh" refType="primFontSz" refFor="des" refForName="parTx" fact="1.2"/>
+      <dgm:constr type="h" for="des" forName="desTx" refType="primFontSz" refFor="des" refForName="parTx" fact="1.6"/>
+      <dgm:constr type="h" for="des" forName="parSh" refType="h" refFor="des" refForName="parTx" op="lte" fact="1.5"/>
+      <dgm:constr type="h" for="des" forName="parSh" refType="h" refFor="des" refForName="parTx" op="gte" fact="1.5"/>
+    </dgm:constrLst>
+    <dgm:ruleLst>
+      <dgm:rule type="w" for="ch" forName="composite" val="0" fact="NaN" max="NaN"/>
+      <dgm:rule type="primFontSz" for="des" forName="parTx" val="5" fact="NaN" max="NaN"/>
+    </dgm:ruleLst>
+    <dgm:forEach name="Name3" axis="ch" ptType="node">
+      <dgm:layoutNode name="composite">
+        <dgm:alg type="composite"/>
+        <dgm:shape xmlns:r="http://schemas.openxmlformats.org/officeDocument/2006/relationships" r:blip="">
+          <dgm:adjLst/>
+        </dgm:shape>
+        <dgm:presOf/>
+        <dgm:choose name="Name4">
+          <dgm:if name="Name5" func="var" arg="dir" op="equ" val="norm">
+            <dgm:constrLst>
+              <dgm:constr type="h" refType="w" fact="1000"/>
+              <dgm:constr type="l" for="ch" forName="parTx"/>
+              <dgm:constr type="w" for="ch" forName="parTx" refType="w" fact="0.83"/>
+              <dgm:constr type="t" for="ch" forName="parTx"/>
+              <dgm:constr type="l" for="ch" forName="parSh"/>
+              <dgm:constr type="w" for="ch" forName="parSh" refType="w" refFor="ch" refForName="parTx"/>
+              <dgm:constr type="t" for="ch" forName="parSh"/>
+              <dgm:constr type="l" for="ch" forName="desTx" refType="w" fact="0.17"/>
+              <dgm:constr type="w" for="ch" forName="desTx" refType="w" refFor="ch" refForName="parTx"/>
+              <dgm:constr type="t" for="ch" forName="desTx" refType="h" refFor="ch" refForName="parTx"/>
+            </dgm:constrLst>
+          </dgm:if>
+          <dgm:else name="Name6">
+            <dgm:constrLst>
+              <dgm:constr type="h" refType="w" fact="1000"/>
+              <dgm:constr type="l" for="ch" forName="parTx" refType="w" fact="0.17"/>
+              <dgm:constr type="w" for="ch" forName="parTx" refType="w" fact="0.83"/>
+              <dgm:constr type="t" for="ch" forName="parTx"/>
+              <dgm:constr type="l" for="ch" forName="parSh" refType="w" fact="0.15"/>
+              <dgm:constr type="w" for="ch" forName="parSh" refType="w" refFor="ch" refForName="parTx"/>
+              <dgm:constr type="t" for="ch" forName="parSh"/>
+              <dgm:constr type="l" for="ch" forName="desTx"/>
+              <dgm:constr type="w" for="ch" forName="desTx" refType="w" refFor="ch" refForName="parTx"/>
+              <dgm:constr type="t" for="ch" forName="desTx" refType="h" refFor="ch" refForName="parTx"/>
+            </dgm:constrLst>
+          </dgm:else>
+        </dgm:choose>
+        <dgm:ruleLst>
+          <dgm:rule type="h" val="INF" fact="NaN" max="NaN"/>
+        </dgm:ruleLst>
+        <dgm:layoutNode name="parTx">
+          <dgm:varLst>
+            <dgm:chMax val="0"/>
+            <dgm:chPref val="0"/>
+            <dgm:bulletEnabled val="1"/>
+          </dgm:varLst>
+          <dgm:alg type="tx">
+            <dgm:param type="parTxLTRAlign" val="l"/>
+            <dgm:param type="parTxRTLAlign" val="r"/>
+            <dgm:param type="txAnchorVert" val="t"/>
+          </dgm:alg>
+          <dgm:shape xmlns:r="http://schemas.openxmlformats.org/officeDocument/2006/relationships" type="rect" r:blip="" zOrderOff="1" hideGeom="1">
+            <dgm:adjLst>
+              <dgm:adj idx="1" val="0.1"/>
+            </dgm:adjLst>
+          </dgm:shape>
+          <dgm:presOf axis="self" ptType="node"/>
+          <dgm:constrLst>
+            <dgm:constr type="h" refType="w" op="lte" fact="0.4"/>
+            <dgm:constr type="bMarg" refType="primFontSz" fact="0.3"/>
+            <dgm:constr type="h"/>
+          </dgm:constrLst>
+          <dgm:ruleLst>
+            <dgm:rule type="h" val="INF" fact="NaN" max="NaN"/>
+          </dgm:ruleLst>
+        </dgm:layoutNode>
+        <dgm:layoutNode name="parSh">
+          <dgm:alg type="sp"/>
+          <dgm:shape xmlns:r="http://schemas.openxmlformats.org/officeDocument/2006/relationships" type="roundRect" r:blip="">
+            <dgm:adjLst>
+              <dgm:adj idx="1" val="0.1"/>
+            </dgm:adjLst>
+          </dgm:shape>
+          <dgm:presOf axis="self" ptType="node"/>
+          <dgm:constrLst>
+            <dgm:constr type="h"/>
+          </dgm:constrLst>
+          <dgm:ruleLst/>
+        </dgm:layoutNode>
+        <dgm:layoutNode name="desTx" styleLbl="fgAcc1">
+          <dgm:varLst>
+            <dgm:bulletEnabled val="1"/>
+          </dgm:varLst>
+          <dgm:alg type="tx">
+            <dgm:param type="stBulletLvl" val="1"/>
+          </dgm:alg>
+          <dgm:shape xmlns:r="http://schemas.openxmlformats.org/officeDocument/2006/relationships" type="roundRect" r:blip="">
+            <dgm:adjLst>
+              <dgm:adj idx="1" val="0.1"/>
+            </dgm:adjLst>
+          </dgm:shape>
+          <dgm:presOf axis="des" ptType="node"/>
+          <dgm:constrLst>
+            <dgm:constr type="secFontSz" val="65"/>
+            <dgm:constr type="primFontSz" refType="secFontSz"/>
+            <dgm:constr type="h"/>
+          </dgm:constrLst>
+          <dgm:ruleLst>
+            <dgm:rule type="h" val="INF" fact="NaN" max="NaN"/>
+          </dgm:ruleLst>
+        </dgm:layoutNode>
+      </dgm:layoutNode>
+      <dgm:forEach name="sibTransForEach" axis="followSib" ptType="sibTrans" cnt="1">
+        <dgm:layoutNode name="sibTrans">
+          <dgm:alg type="conn">
+            <dgm:param type="begPts" val="auto"/>
+            <dgm:param type="endPts" val="auto"/>
+            <dgm:param type="srcNode" val="parTx"/>
+            <dgm:param type="dstNode" val="parTx"/>
+          </dgm:alg>
+          <dgm:shape xmlns:r="http://schemas.openxmlformats.org/officeDocument/2006/relationships" type="conn" r:blip="">
+            <dgm:adjLst/>
+          </dgm:shape>
+          <dgm:presOf axis="self"/>
+          <dgm:constrLst>
+            <dgm:constr type="h" refType="w" fact="0.62"/>
+            <dgm:constr type="connDist"/>
+            <dgm:constr type="begPad" refType="connDist" fact="0.25"/>
+            <dgm:constr type="endPad" refType="connDist" fact="0.22"/>
+          </dgm:constrLst>
+          <dgm:ruleLst/>
+          <dgm:layoutNode name="connTx">
+            <dgm:alg type="tx">
+              <dgm:param type="autoTxRot" val="grav"/>
+            </dgm:alg>
+            <dgm:shape xmlns:r="http://schemas.openxmlformats.org/officeDocument/2006/relationships" type="conn" r:blip="" hideGeom="1">
+              <dgm:adjLst/>
+            </dgm:shape>
+            <dgm:presOf axis="self"/>
+            <dgm:constrLst>
+              <dgm:constr type="lMarg"/>
+              <dgm:constr type="rMarg"/>
+              <dgm:constr type="tMarg"/>
+              <dgm:constr type="bMarg"/>
+            </dgm:constrLst>
+            <dgm:ruleLst>
+              <dgm:rule type="primFontSz" val="5" fact="NaN" max="NaN"/>
+            </dgm:ruleLst>
+          </dgm:layoutNode>
+        </dgm:layoutNode>
+      </dgm:forEach>
+    </dgm:forEach>
+  </dgm:layoutNode>
+</dgm:layoutDef>
+</file>
+
+<file path=ppt/diagrams/quickStyle1.xml><?xml version="1.0" encoding="utf-8"?>
+<dgm:styleDef xmlns:dgm="http://schemas.openxmlformats.org/drawingml/2006/diagram" xmlns:a="http://schemas.openxmlformats.org/drawingml/2006/main" uniqueId="urn:microsoft.com/office/officeart/2005/8/quickstyle/simple1">
+  <dgm:title val=""/>
+  <dgm:desc val=""/>
+  <dgm:catLst>
+    <dgm:cat type="simple" pri="10100"/>
+  </dgm:catLst>
+  <dgm:scene3d>
+    <a:camera prst="orthographicFront"/>
+    <a:lightRig rig="threePt" dir="t"/>
+  </dgm:scene3d>
+  <dgm:styleLbl name="node0">
+    <dgm:scene3d>
+      <a:camera prst="orthographicFront"/>
+      <a:lightRig rig="threePt" dir="t"/>
+    </dgm:scene3d>
+    <dgm:sp3d/>
+    <dgm:txPr/>
+    <dgm:style>
+      <a:lnRef idx="2">
+        <a:scrgbClr r="0" g="0" b="0"/>
+      </a:lnRef>
+      <a:fillRef idx="1">
+        <a:scrgbClr r="0" g="0" b="0"/>
+      </a:fillRef>
+      <a:effectRef idx="0">
+        <a:scrgbClr r="0" g="0" b="0"/>
+      </a:effectRef>
+      <a:fontRef idx="minor">
+        <a:schemeClr val="lt1"/>
+      </a:fontRef>
+    </dgm:style>
+  </dgm:styleLbl>
+  <dgm:styleLbl name="lnNode1">
+    <dgm:scene3d>
+      <a:camera prst="orthographicFront"/>
+      <a:lightRig rig="threePt" dir="t"/>
+    </dgm:scene3d>
+    <dgm:sp3d/>
+    <dgm:txPr/>
+    <dgm:style>
+      <a:lnRef idx="2">
+        <a:scrgbClr r="0" g="0" b="0"/>
+      </a:lnRef>
+      <a:fillRef idx="1">
+        <a:scrgbClr r="0" g="0" b="0"/>
+      </a:fillRef>
+      <a:effectRef idx="0">
+        <a:scrgbClr r="0" g="0" b="0"/>
+      </a:effectRef>
+      <a:fontRef idx="minor">
+        <a:schemeClr val="lt1"/>
+      </a:fontRef>
+    </dgm:style>
+  </dgm:styleLbl>
+  <dgm:styleLbl name="vennNode1">
+    <dgm:scene3d>
+      <a:camera prst="orthographicFront"/>
+      <a:lightRig rig="threePt" dir="t"/>
+    </dgm:scene3d>
+    <dgm:sp3d/>
+    <dgm:txPr/>
+    <dgm:style>
+      <a:lnRef idx="2">
+        <a:scrgbClr r="0" g="0" b="0"/>
+      </a:lnRef>
+      <a:fillRef idx="1">
+        <a:scrgbClr r="0" g="0" b="0"/>
+      </a:fillRef>
+      <a:effectRef idx="0">
+        <a:scrgbClr r="0" g="0" b="0"/>
+      </a:effectRef>
+      <a:fontRef idx="minor">
+        <a:schemeClr val="tx1"/>
+      </a:fontRef>
+    </dgm:style>
+  </dgm:styleLbl>
+  <dgm:styleLbl name="alignNode1">
+    <dgm:scene3d>
+      <a:camera prst="orthographicFront"/>
+      <a:lightRig rig="threePt" dir="t"/>
+    </dgm:scene3d>
+    <dgm:sp3d/>
+    <dgm:txPr/>
+    <dgm:style>
+      <a:lnRef idx="2">
+        <a:scrgbClr r="0" g="0" b="0"/>
+      </a:lnRef>
+      <a:fillRef idx="1">
+        <a:scrgbClr r="0" g="0" b="0"/>
+      </a:fillRef>
+      <a:effectRef idx="0">
+        <a:scrgbClr r="0" g="0" b="0"/>
+      </a:effectRef>
+      <a:fontRef idx="minor">
+        <a:schemeClr val="lt1"/>
+      </a:fontRef>
+    </dgm:style>
+  </dgm:styleLbl>
+  <dgm:styleLbl name="node1">
+    <dgm:scene3d>
+      <a:camera prst="orthographicFront"/>
+      <a:lightRig rig="threePt" dir="t"/>
+    </dgm:scene3d>
+    <dgm:sp3d/>
+    <dgm:txPr/>
+    <dgm:style>
+      <a:lnRef idx="2">
+        <a:scrgbClr r="0" g="0" b="0"/>
+      </a:lnRef>
+      <a:fillRef idx="1">
+        <a:scrgbClr r="0" g="0" b="0"/>
+      </a:fillRef>
+      <a:effectRef idx="0">
+        <a:scrgbClr r="0" g="0" b="0"/>
+      </a:effectRef>
+      <a:fontRef idx="minor">
+        <a:schemeClr val="lt1"/>
+      </a:fontRef>
+    </dgm:style>
+  </dgm:styleLbl>
+  <dgm:styleLbl name="node2">
+    <dgm:scene3d>
+      <a:camera prst="orthographicFront"/>
+      <a:lightRig rig="threePt" dir="t"/>
+    </dgm:scene3d>
+    <dgm:sp3d/>
+    <dgm:txPr/>
+    <dgm:style>
+      <a:lnRef idx="2">
+        <a:scrgbClr r="0" g="0" b="0"/>
+      </a:lnRef>
+      <a:fillRef idx="1">
+        <a:scrgbClr r="0" g="0" b="0"/>
+      </a:fillRef>
+      <a:effectRef idx="0">
+        <a:scrgbClr r="0" g="0" b="0"/>
+      </a:effectRef>
+      <a:fontRef idx="minor">
+        <a:schemeClr val="lt1"/>
+      </a:fontRef>
+    </dgm:style>
+  </dgm:styleLbl>
+  <dgm:styleLbl name="node3">
+    <dgm:scene3d>
+      <a:camera prst="orthographicFront"/>
+      <a:lightRig rig="threePt" dir="t"/>
+    </dgm:scene3d>
+    <dgm:sp3d/>
+    <dgm:txPr/>
+    <dgm:style>
+      <a:lnRef idx="2">
+        <a:scrgbClr r="0" g="0" b="0"/>
+      </a:lnRef>
+      <a:fillRef idx="1">
+        <a:scrgbClr r="0" g="0" b="0"/>
+      </a:fillRef>
+      <a:effectRef idx="0">
+        <a:scrgbClr r="0" g="0" b="0"/>
+      </a:effectRef>
+      <a:fontRef idx="minor">
+        <a:schemeClr val="lt1"/>
+      </a:fontRef>
+    </dgm:style>
+  </dgm:styleLbl>
+  <dgm:styleLbl name="node4">
+    <dgm:scene3d>
+      <a:camera prst="orthographicFront"/>
+      <a:lightRig rig="threePt" dir="t"/>
+    </dgm:scene3d>
+    <dgm:sp3d/>
+    <dgm:txPr/>
+    <dgm:style>
+      <a:lnRef idx="2">
+        <a:scrgbClr r="0" g="0" b="0"/>
+      </a:lnRef>
+      <a:fillRef idx="1">
+        <a:scrgbClr r="0" g="0" b="0"/>
+      </a:fillRef>
+      <a:effectRef idx="0">
+        <a:scrgbClr r="0" g="0" b="0"/>
+      </a:effectRef>
+      <a:fontRef idx="minor">
+        <a:schemeClr val="lt1"/>
+      </a:fontRef>
+    </dgm:style>
+  </dgm:styleLbl>
+  <dgm:styleLbl name="fgImgPlace1">
+    <dgm:scene3d>
+      <a:camera prst="orthographicFront"/>
+      <a:lightRig rig="threePt" dir="t"/>
+    </dgm:scene3d>
+    <dgm:sp3d/>
+    <dgm:txPr/>
+    <dgm:style>
+      <a:lnRef idx="2">
+        <a:scrgbClr r="0" g="0" b="0"/>
+      </a:lnRef>
+      <a:fillRef idx="1">
+        <a:scrgbClr r="0" g="0" b="0"/>
+      </a:fillRef>
+      <a:effectRef idx="0">
+        <a:scrgbClr r="0" g="0" b="0"/>
+      </a:effectRef>
+      <a:fontRef idx="minor"/>
+    </dgm:style>
+  </dgm:styleLbl>
+  <dgm:styleLbl name="alignImgPlace1">
+    <dgm:scene3d>
+      <a:camera prst="orthographicFront"/>
+      <a:lightRig rig="threePt" dir="t"/>
+    </dgm:scene3d>
+    <dgm:sp3d/>
+    <dgm:txPr/>
+    <dgm:style>
+      <a:lnRef idx="2">
+        <a:scrgbClr r="0" g="0" b="0"/>
+      </a:lnRef>
+      <a:fillRef idx="1">
+        <a:scrgbClr r="0" g="0" b="0"/>
+      </a:fillRef>
+      <a:effectRef idx="0">
+        <a:scrgbClr r="0" g="0" b="0"/>
+      </a:effectRef>
+      <a:fontRef idx="minor"/>
+    </dgm:style>
+  </dgm:styleLbl>
+  <dgm:styleLbl name="bgImgPlace1">
+    <dgm:scene3d>
+      <a:camera prst="orthographicFront"/>
+      <a:lightRig rig="threePt" dir="t"/>
+    </dgm:scene3d>
+    <dgm:sp3d/>
+    <dgm:txPr/>
+    <dgm:style>
+      <a:lnRef idx="2">
+        <a:scrgbClr r="0" g="0" b="0"/>
+      </a:lnRef>
+      <a:fillRef idx="1">
+        <a:scrgbClr r="0" g="0" b="0"/>
+      </a:fillRef>
+      <a:effectRef idx="0">
+        <a:scrgbClr r="0" g="0" b="0"/>
+      </a:effectRef>
+      <a:fontRef idx="minor"/>
+    </dgm:style>
+  </dgm:styleLbl>
+  <dgm:styleLbl name="sibTrans2D1">
+    <dgm:scene3d>
+      <a:camera prst="orthographicFront"/>
+      <a:lightRig rig="threePt" dir="t"/>
+    </dgm:scene3d>
+    <dgm:sp3d/>
+    <dgm:txPr/>
+    <dgm:style>
+      <a:lnRef idx="0">
+        <a:scrgbClr r="0" g="0" b="0"/>
+      </a:lnRef>
+      <a:fillRef idx="1">
+        <a:scrgbClr r="0" g="0" b="0"/>
+      </a:fillRef>
+      <a:effectRef idx="0">
+        <a:scrgbClr r="0" g="0" b="0"/>
+      </a:effectRef>
+      <a:fontRef idx="minor">
+        <a:schemeClr val="lt1"/>
+      </a:fontRef>
+    </dgm:style>
+  </dgm:styleLbl>
+  <dgm:styleLbl name="fgSibTrans2D1">
+    <dgm:scene3d>
+      <a:camera prst="orthographicFront"/>
+      <a:lightRig rig="threePt" dir="t"/>
+    </dgm:scene3d>
+    <dgm:sp3d/>
+    <dgm:txPr/>
+    <dgm:style>
+      <a:lnRef idx="0">
+        <a:scrgbClr r="0" g="0" b="0"/>
+      </a:lnRef>
+      <a:fillRef idx="1">
+        <a:scrgbClr r="0" g="0" b="0"/>
+      </a:fillRef>
+      <a:effectRef idx="0">
+        <a:scrgbClr r="0" g="0" b="0"/>
+      </a:effectRef>
+      <a:fontRef idx="minor">
+        <a:schemeClr val="lt1"/>
+      </a:fontRef>
+    </dgm:style>
+  </dgm:styleLbl>
+  <dgm:styleLbl name="bgSibTrans2D1">
+    <dgm:scene3d>
+      <a:camera prst="orthographicFront"/>
+      <a:lightRig rig="threePt" dir="t"/>
+    </dgm:scene3d>
+    <dgm:sp3d/>
+    <dgm:txPr/>
+    <dgm:style>
+      <a:lnRef idx="0">
+        <a:scrgbClr r="0" g="0" b="0"/>
+      </a:lnRef>
+      <a:fillRef idx="1">
+        <a:scrgbClr r="0" g="0" b="0"/>
+      </a:fillRef>
+      <a:effectRef idx="0">
+        <a:scrgbClr r="0" g="0" b="0"/>
+      </a:effectRef>
+      <a:fontRef idx="minor">
+        <a:schemeClr val="lt1"/>
+      </a:fontRef>
+    </dgm:style>
+  </dgm:styleLbl>
+  <dgm:styleLbl name="sibTrans1D1">
+    <dgm:scene3d>
+      <a:camera prst="orthographicFront"/>
+      <a:lightRig rig="threePt" dir="t"/>
+    </dgm:scene3d>
+    <dgm:sp3d/>
+    <dgm:txPr/>
+    <dgm:style>
+      <a:lnRef idx="1">
+        <a:scrgbClr r="0" g="0" b="0"/>
+      </a:lnRef>
+      <a:fillRef idx="0">
+        <a:scrgbClr r="0" g="0" b="0"/>
+      </a:fillRef>
+      <a:effectRef idx="0">
+        <a:scrgbClr r="0" g="0" b="0"/>
+      </a:effectRef>
+      <a:fontRef idx="minor"/>
+    </dgm:style>
+  </dgm:styleLbl>
+  <dgm:styleLbl name="callout">
+    <dgm:scene3d>
+      <a:camera prst="orthographicFront"/>
+      <a:lightRig rig="threePt" dir="t"/>
+    </dgm:scene3d>
+    <dgm:sp3d/>
+    <dgm:txPr/>
+    <dgm:style>
+      <a:lnRef idx="2">
+        <a:scrgbClr r="0" g="0" b="0"/>
+      </a:lnRef>
+      <a:fillRef idx="1">
+        <a:scrgbClr r="0" g="0" b="0"/>
+      </a:fillRef>
+      <a:effectRef idx="0">
+        <a:scrgbClr r="0" g="0" b="0"/>
+      </a:effectRef>
+      <a:fontRef idx="minor"/>
+    </dgm:style>
+  </dgm:styleLbl>
+  <dgm:styleLbl name="asst0">
+    <dgm:scene3d>
+      <a:camera prst="orthographicFront"/>
+      <a:lightRig rig="threePt" dir="t"/>
+    </dgm:scene3d>
+    <dgm:sp3d/>
+    <dgm:txPr/>
+    <dgm:style>
+      <a:lnRef idx="2">
+        <a:scrgbClr r="0" g="0" b="0"/>
+      </a:lnRef>
+      <a:fillRef idx="1">
+        <a:scrgbClr r="0" g="0" b="0"/>
+      </a:fillRef>
+      <a:effectRef idx="0">
+        <a:scrgbClr r="0" g="0" b="0"/>
+      </a:effectRef>
+      <a:fontRef idx="minor">
+        <a:schemeClr val="lt1"/>
+      </a:fontRef>
+    </dgm:style>
+  </dgm:styleLbl>
+  <dgm:styleLbl name="asst1">
+    <dgm:scene3d>
+      <a:camera prst="orthographicFront"/>
+      <a:lightRig rig="threePt" dir="t"/>
+    </dgm:scene3d>
+    <dgm:sp3d/>
+    <dgm:txPr/>
+    <dgm:style>
+      <a:lnRef idx="2">
+        <a:scrgbClr r="0" g="0" b="0"/>
+      </a:lnRef>
+      <a:fillRef idx="1">
+        <a:scrgbClr r="0" g="0" b="0"/>
+      </a:fillRef>
+      <a:effectRef idx="0">
+        <a:scrgbClr r="0" g="0" b="0"/>
+      </a:effectRef>
+      <a:fontRef idx="minor">
+        <a:schemeClr val="lt1"/>
+      </a:fontRef>
+    </dgm:style>
+  </dgm:styleLbl>
+  <dgm:styleLbl name="asst2">
+    <dgm:scene3d>
+      <a:camera prst="orthographicFront"/>
+      <a:lightRig rig="threePt" dir="t"/>
+    </dgm:scene3d>
+    <dgm:sp3d/>
+    <dgm:txPr/>
+    <dgm:style>
+      <a:lnRef idx="2">
+        <a:scrgbClr r="0" g="0" b="0"/>
+      </a:lnRef>
+      <a:fillRef idx="1">
+        <a:scrgbClr r="0" g="0" b="0"/>
+      </a:fillRef>
+      <a:effectRef idx="0">
+        <a:scrgbClr r="0" g="0" b="0"/>
+      </a:effectRef>
+      <a:fontRef idx="minor">
+        <a:schemeClr val="lt1"/>
+      </a:fontRef>
+    </dgm:style>
+  </dgm:styleLbl>
+  <dgm:styleLbl name="asst3">
+    <dgm:scene3d>
+      <a:camera prst="orthographicFront"/>
+      <a:lightRig rig="threePt" dir="t"/>
+    </dgm:scene3d>
+    <dgm:sp3d/>
+    <dgm:txPr/>
+    <dgm:style>
+      <a:lnRef idx="2">
+        <a:scrgbClr r="0" g="0" b="0"/>
+      </a:lnRef>
+      <a:fillRef idx="1">
+        <a:scrgbClr r="0" g="0" b="0"/>
+      </a:fillRef>
+      <a:effectRef idx="0">
+        <a:scrgbClr r="0" g="0" b="0"/>
+      </a:effectRef>
+      <a:fontRef idx="minor">
+        <a:schemeClr val="lt1"/>
+      </a:fontRef>
+    </dgm:style>
+  </dgm:styleLbl>
+  <dgm:styleLbl name="asst4">
+    <dgm:scene3d>
+      <a:camera prst="orthographicFront"/>
+      <a:lightRig rig="threePt" dir="t"/>
+    </dgm:scene3d>
+    <dgm:sp3d/>
+    <dgm:txPr/>
+    <dgm:style>
+      <a:lnRef idx="2">
+        <a:scrgbClr r="0" g="0" b="0"/>
+      </a:lnRef>
+      <a:fillRef idx="1">
+        <a:scrgbClr r="0" g="0" b="0"/>
+      </a:fillRef>
+      <a:effectRef idx="0">
+        <a:scrgbClr r="0" g="0" b="0"/>
+      </a:effectRef>
+      <a:fontRef idx="minor">
+        <a:schemeClr val="lt1"/>
+      </a:fontRef>
+    </dgm:style>
+  </dgm:styleLbl>
+  <dgm:styleLbl name="parChTrans2D1">
+    <dgm:scene3d>
+      <a:camera prst="orthographicFront"/>
+      <a:lightRig rig="threePt" dir="t"/>
+    </dgm:scene3d>
+    <dgm:sp3d/>
+    <dgm:txPr/>
+    <dgm:style>
+      <a:lnRef idx="2">
+        <a:scrgbClr r="0" g="0" b="0"/>
+      </a:lnRef>
+      <a:fillRef idx="1">
+        <a:scrgbClr r="0" g="0" b="0"/>
+      </a:fillRef>
+      <a:effectRef idx="0">
+        <a:scrgbClr r="0" g="0" b="0"/>
+      </a:effectRef>
+      <a:fontRef idx="minor">
+        <a:schemeClr val="lt1"/>
+      </a:fontRef>
+    </dgm:style>
+  </dgm:styleLbl>
+  <dgm:styleLbl name="parChTrans2D2">
+    <dgm:scene3d>
+      <a:camera prst="orthographicFront"/>
+      <a:lightRig rig="threePt" dir="t"/>
+    </dgm:scene3d>
+    <dgm:sp3d/>
+    <dgm:txPr/>
+    <dgm:style>
+      <a:lnRef idx="2">
+        <a:scrgbClr r="0" g="0" b="0"/>
+      </a:lnRef>
+      <a:fillRef idx="1">
+        <a:scrgbClr r="0" g="0" b="0"/>
+      </a:fillRef>
+      <a:effectRef idx="0">
+        <a:scrgbClr r="0" g="0" b="0"/>
+      </a:effectRef>
+      <a:fontRef idx="minor">
+        <a:schemeClr val="lt1"/>
+      </a:fontRef>
+    </dgm:style>
+  </dgm:styleLbl>
+  <dgm:styleLbl name="parChTrans2D3">
+    <dgm:scene3d>
+      <a:camera prst="orthographicFront"/>
+      <a:lightRig rig="threePt" dir="t"/>
+    </dgm:scene3d>
+    <dgm:sp3d/>
+    <dgm:txPr/>
+    <dgm:style>
+      <a:lnRef idx="2">
+        <a:scrgbClr r="0" g="0" b="0"/>
+      </a:lnRef>
+      <a:fillRef idx="1">
+        <a:scrgbClr r="0" g="0" b="0"/>
+      </a:fillRef>
+      <a:effectRef idx="0">
+        <a:scrgbClr r="0" g="0" b="0"/>
+      </a:effectRef>
+      <a:fontRef idx="minor">
+        <a:schemeClr val="lt1"/>
+      </a:fontRef>
+    </dgm:style>
+  </dgm:styleLbl>
+  <dgm:styleLbl name="parChTrans2D4">
+    <dgm:scene3d>
+      <a:camera prst="orthographicFront"/>
+      <a:lightRig rig="threePt" dir="t"/>
+    </dgm:scene3d>
+    <dgm:sp3d/>
+    <dgm:txPr/>
+    <dgm:style>
+      <a:lnRef idx="2">
+        <a:scrgbClr r="0" g="0" b="0"/>
+      </a:lnRef>
+      <a:fillRef idx="1">
+        <a:scrgbClr r="0" g="0" b="0"/>
+      </a:fillRef>
+      <a:effectRef idx="0">
+        <a:scrgbClr r="0" g="0" b="0"/>
+      </a:effectRef>
+      <a:fontRef idx="minor">
+        <a:schemeClr val="lt1"/>
+      </a:fontRef>
+    </dgm:style>
+  </dgm:styleLbl>
+  <dgm:styleLbl name="parChTrans1D1">
+    <dgm:scene3d>
+      <a:camera prst="orthographicFront"/>
+      <a:lightRig rig="threePt" dir="t"/>
+    </dgm:scene3d>
+    <dgm:sp3d/>
+    <dgm:txPr/>
+    <dgm:style>
+      <a:lnRef idx="2">
+        <a:scrgbClr r="0" g="0" b="0"/>
+      </a:lnRef>
+      <a:fillRef idx="0">
+        <a:scrgbClr r="0" g="0" b="0"/>
+      </a:fillRef>
+      <a:effectRef idx="0">
+        <a:scrgbClr r="0" g="0" b="0"/>
+      </a:effectRef>
+      <a:fontRef idx="minor"/>
+    </dgm:style>
+  </dgm:styleLbl>
+  <dgm:styleLbl name="parChTrans1D2">
+    <dgm:scene3d>
+      <a:camera prst="orthographicFront"/>
+      <a:lightRig rig="threePt" dir="t"/>
+    </dgm:scene3d>
+    <dgm:sp3d/>
+    <dgm:txPr/>
+    <dgm:style>
+      <a:lnRef idx="2">
+        <a:scrgbClr r="0" g="0" b="0"/>
+      </a:lnRef>
+      <a:fillRef idx="0">
+        <a:scrgbClr r="0" g="0" b="0"/>
+      </a:fillRef>
+      <a:effectRef idx="0">
+        <a:scrgbClr r="0" g="0" b="0"/>
+      </a:effectRef>
+      <a:fontRef idx="minor"/>
+    </dgm:style>
+  </dgm:styleLbl>
+  <dgm:styleLbl name="parChTrans1D3">
+    <dgm:scene3d>
+      <a:camera prst="orthographicFront"/>
+      <a:lightRig rig="threePt" dir="t"/>
+    </dgm:scene3d>
+    <dgm:sp3d/>
+    <dgm:txPr/>
+    <dgm:style>
+      <a:lnRef idx="2">
+        <a:scrgbClr r="0" g="0" b="0"/>
+      </a:lnRef>
+      <a:fillRef idx="0">
+        <a:scrgbClr r="0" g="0" b="0"/>
+      </a:fillRef>
+      <a:effectRef idx="0">
+        <a:scrgbClr r="0" g="0" b="0"/>
+      </a:effectRef>
+      <a:fontRef idx="minor"/>
+    </dgm:style>
+  </dgm:styleLbl>
+  <dgm:styleLbl name="parChTrans1D4">
+    <dgm:scene3d>
+      <a:camera prst="orthographicFront"/>
+      <a:lightRig rig="threePt" dir="t"/>
+    </dgm:scene3d>
+    <dgm:sp3d/>
+    <dgm:txPr/>
+    <dgm:style>
+      <a:lnRef idx="2">
+        <a:scrgbClr r="0" g="0" b="0"/>
+      </a:lnRef>
+      <a:fillRef idx="0">
+        <a:scrgbClr r="0" g="0" b="0"/>
+      </a:fillRef>
+      <a:effectRef idx="0">
+        <a:scrgbClr r="0" g="0" b="0"/>
+      </a:effectRef>
+      <a:fontRef idx="minor"/>
+    </dgm:style>
+  </dgm:styleLbl>
+  <dgm:styleLbl name="fgAcc1">
+    <dgm:scene3d>
+      <a:camera prst="orthographicFront"/>
+      <a:lightRig rig="threePt" dir="t"/>
+    </dgm:scene3d>
+    <dgm:sp3d/>
+    <dgm:txPr/>
+    <dgm:style>
+      <a:lnRef idx="2">
+        <a:scrgbClr r="0" g="0" b="0"/>
+      </a:lnRef>
+      <a:fillRef idx="1">
+        <a:scrgbClr r="0" g="0" b="0"/>
+      </a:fillRef>
+      <a:effectRef idx="0">
+        <a:scrgbClr r="0" g="0" b="0"/>
+      </a:effectRef>
+      <a:fontRef idx="minor"/>
+    </dgm:style>
+  </dgm:styleLbl>
+  <dgm:styleLbl name="conFgAcc1">
+    <dgm:scene3d>
+      <a:camera prst="orthographicFront"/>
+      <a:lightRig rig="threePt" dir="t"/>
+    </dgm:scene3d>
+    <dgm:sp3d/>
+    <dgm:txPr/>
+    <dgm:style>
+      <a:lnRef idx="2">
+        <a:scrgbClr r="0" g="0" b="0"/>
+      </a:lnRef>
+      <a:fillRef idx="1">
+        <a:scrgbClr r="0" g="0" b="0"/>
+      </a:fillRef>
+      <a:effectRef idx="0">
+        <a:scrgbClr r="0" g="0" b="0"/>
+      </a:effectRef>
+      <a:fontRef idx="minor"/>
+    </dgm:style>
+  </dgm:styleLbl>
+  <dgm:styleLbl name="alignAcc1">
+    <dgm:scene3d>
+      <a:camera prst="orthographicFront"/>
+      <a:lightRig rig="threePt" dir="t"/>
+    </dgm:scene3d>
+    <dgm:sp3d/>
+    <dgm:txPr/>
+    <dgm:style>
+      <a:lnRef idx="2">
+        <a:scrgbClr r="0" g="0" b="0"/>
+      </a:lnRef>
+      <a:fillRef idx="1">
+        <a:scrgbClr r="0" g="0" b="0"/>
+      </a:fillRef>
+      <a:effectRef idx="0">
+        <a:scrgbClr r="0" g="0" b="0"/>
+      </a:effectRef>
+      <a:fontRef idx="minor"/>
+    </dgm:style>
+  </dgm:styleLbl>
+  <dgm:styleLbl name="trAlignAcc1">
+    <dgm:scene3d>
+      <a:camera prst="orthographicFront"/>
+      <a:lightRig rig="threePt" dir="t"/>
+    </dgm:scene3d>
+    <dgm:sp3d/>
+    <dgm:txPr/>
+    <dgm:style>
+      <a:lnRef idx="1">
+        <a:scrgbClr r="0" g="0" b="0"/>
+      </a:lnRef>
+      <a:fillRef idx="1">
+        <a:scrgbClr r="0" g="0" b="0"/>
+      </a:fillRef>
+      <a:effectRef idx="0">
+        <a:scrgbClr r="0" g="0" b="0"/>
+      </a:effectRef>
+      <a:fontRef idx="minor"/>
+    </dgm:style>
+  </dgm:styleLbl>
+  <dgm:styleLbl name="bgAcc1">
+    <dgm:scene3d>
+      <a:camera prst="orthographicFront"/>
+      <a:lightRig rig="threePt" dir="t"/>
+    </dgm:scene3d>
+    <dgm:sp3d/>
+    <dgm:txPr/>
+    <dgm:style>
+      <a:lnRef idx="2">
+        <a:scrgbClr r="0" g="0" b="0"/>
+      </a:lnRef>
+      <a:fillRef idx="1">
+        <a:scrgbClr r="0" g="0" b="0"/>
+      </a:fillRef>
+      <a:effectRef idx="0">
+        <a:scrgbClr r="0" g="0" b="0"/>
+      </a:effectRef>
+      <a:fontRef idx="minor"/>
+    </dgm:style>
+  </dgm:styleLbl>
+  <dgm:styleLbl name="solidFgAcc1">
+    <dgm:scene3d>
+      <a:camera prst="orthographicFront"/>
+      <a:lightRig rig="threePt" dir="t"/>
+    </dgm:scene3d>
+    <dgm:sp3d/>
+    <dgm:txPr/>
+    <dgm:style>
+      <a:lnRef idx="2">
+        <a:scrgbClr r="0" g="0" b="0"/>
+      </a:lnRef>
+      <a:fillRef idx="1">
+        <a:scrgbClr r="0" g="0" b="0"/>
+      </a:fillRef>
+      <a:effectRef idx="0">
+        <a:scrgbClr r="0" g="0" b="0"/>
+      </a:effectRef>
+      <a:fontRef idx="minor"/>
+    </dgm:style>
+  </dgm:styleLbl>
+  <dgm:styleLbl name="solidAlignAcc1">
+    <dgm:scene3d>
+      <a:camera prst="orthographicFront"/>
+      <a:lightRig rig="threePt" dir="t"/>
+    </dgm:scene3d>
+    <dgm:sp3d/>
+    <dgm:txPr/>
+    <dgm:style>
+      <a:lnRef idx="2">
+        <a:scrgbClr r="0" g="0" b="0"/>
+      </a:lnRef>
+      <a:fillRef idx="1">
+        <a:scrgbClr r="0" g="0" b="0"/>
+      </a:fillRef>
+      <a:effectRef idx="0">
+        <a:scrgbClr r="0" g="0" b="0"/>
+      </a:effectRef>
+      <a:fontRef idx="minor"/>
+    </dgm:style>
+  </dgm:styleLbl>
+  <dgm:styleLbl name="solidBgAcc1">
+    <dgm:scene3d>
+      <a:camera prst="orthographicFront"/>
+      <a:lightRig rig="threePt" dir="t"/>
+    </dgm:scene3d>
+    <dgm:sp3d/>
+    <dgm:txPr/>
+    <dgm:style>
+      <a:lnRef idx="2">
+        <a:scrgbClr r="0" g="0" b="0"/>
+      </a:lnRef>
+      <a:fillRef idx="1">
+        <a:scrgbClr r="0" g="0" b="0"/>
+      </a:fillRef>
+      <a:effectRef idx="0">
+        <a:scrgbClr r="0" g="0" b="0"/>
+      </a:effectRef>
+      <a:fontRef idx="minor"/>
+    </dgm:style>
+  </dgm:styleLbl>
+  <dgm:styleLbl name="fgAccFollowNode1">
+    <dgm:scene3d>
+      <a:camera prst="orthographicFront"/>
+      <a:lightRig rig="threePt" dir="t"/>
+    </dgm:scene3d>
+    <dgm:sp3d/>
+    <dgm:txPr/>
+    <dgm:style>
+      <a:lnRef idx="2">
+        <a:scrgbClr r="0" g="0" b="0"/>
+      </a:lnRef>
+      <a:fillRef idx="1">
+        <a:scrgbClr r="0" g="0" b="0"/>
+      </a:fillRef>
+      <a:effectRef idx="0">
+        <a:scrgbClr r="0" g="0" b="0"/>
+      </a:effectRef>
+      <a:fontRef idx="minor"/>
+    </dgm:style>
+  </dgm:styleLbl>
+  <dgm:styleLbl name="alignAccFollowNode1">
+    <dgm:scene3d>
+      <a:camera prst="orthographicFront"/>
+      <a:lightRig rig="threePt" dir="t"/>
+    </dgm:scene3d>
+    <dgm:sp3d/>
+    <dgm:txPr/>
+    <dgm:style>
+      <a:lnRef idx="2">
+        <a:scrgbClr r="0" g="0" b="0"/>
+      </a:lnRef>
+      <a:fillRef idx="1">
+        <a:scrgbClr r="0" g="0" b="0"/>
+      </a:fillRef>
+      <a:effectRef idx="0">
+        <a:scrgbClr r="0" g="0" b="0"/>
+      </a:effectRef>
+      <a:fontRef idx="minor"/>
+    </dgm:style>
+  </dgm:styleLbl>
+  <dgm:styleLbl name="bgAccFollowNode1">
+    <dgm:scene3d>
+      <a:camera prst="orthographicFront"/>
+      <a:lightRig rig="threePt" dir="t"/>
+    </dgm:scene3d>
+    <dgm:sp3d/>
+    <dgm:txPr/>
+    <dgm:style>
+      <a:lnRef idx="2">
+        <a:scrgbClr r="0" g="0" b="0"/>
+      </a:lnRef>
+      <a:fillRef idx="1">
+        <a:scrgbClr r="0" g="0" b="0"/>
+      </a:fillRef>
+      <a:effectRef idx="0">
+        <a:scrgbClr r="0" g="0" b="0"/>
+      </a:effectRef>
+      <a:fontRef idx="minor"/>
+    </dgm:style>
+  </dgm:styleLbl>
+  <dgm:styleLbl name="fgAcc0">
+    <dgm:scene3d>
+      <a:camera prst="orthographicFront"/>
+      <a:lightRig rig="threePt" dir="t"/>
+    </dgm:scene3d>
+    <dgm:sp3d/>
+    <dgm:txPr/>
+    <dgm:style>
+      <a:lnRef idx="2">
+        <a:scrgbClr r="0" g="0" b="0"/>
+      </a:lnRef>
+      <a:fillRef idx="1">
+        <a:scrgbClr r="0" g="0" b="0"/>
+      </a:fillRef>
+      <a:effectRef idx="0">
+        <a:scrgbClr r="0" g="0" b="0"/>
+      </a:effectRef>
+      <a:fontRef idx="minor"/>
+    </dgm:style>
+  </dgm:styleLbl>
+  <dgm:styleLbl name="fgAcc2">
+    <dgm:scene3d>
+      <a:camera prst="orthographicFront"/>
+      <a:lightRig rig="threePt" dir="t"/>
+    </dgm:scene3d>
+    <dgm:sp3d/>
+    <dgm:txPr/>
+    <dgm:style>
+      <a:lnRef idx="2">
+        <a:scrgbClr r="0" g="0" b="0"/>
+      </a:lnRef>
+      <a:fillRef idx="1">
+        <a:scrgbClr r="0" g="0" b="0"/>
+      </a:fillRef>
+      <a:effectRef idx="0">
+        <a:scrgbClr r="0" g="0" b="0"/>
+      </a:effectRef>
+      <a:fontRef idx="minor"/>
+    </dgm:style>
+  </dgm:styleLbl>
+  <dgm:styleLbl name="fgAcc3">
+    <dgm:scene3d>
+      <a:camera prst="orthographicFront"/>
+      <a:lightRig rig="threePt" dir="t"/>
+    </dgm:scene3d>
+    <dgm:sp3d/>
+    <dgm:txPr/>
+    <dgm:style>
+      <a:lnRef idx="2">
+        <a:scrgbClr r="0" g="0" b="0"/>
+      </a:lnRef>
+      <a:fillRef idx="1">
+        <a:scrgbClr r="0" g="0" b="0"/>
+      </a:fillRef>
+      <a:effectRef idx="0">
+        <a:scrgbClr r="0" g="0" b="0"/>
+      </a:effectRef>
+      <a:fontRef idx="minor"/>
+    </dgm:style>
+  </dgm:styleLbl>
+  <dgm:styleLbl name="fgAcc4">
+    <dgm:scene3d>
+      <a:camera prst="orthographicFront"/>
+      <a:lightRig rig="threePt" dir="t"/>
+    </dgm:scene3d>
+    <dgm:sp3d/>
+    <dgm:txPr/>
+    <dgm:style>
+      <a:lnRef idx="2">
+        <a:scrgbClr r="0" g="0" b="0"/>
+      </a:lnRef>
+      <a:fillRef idx="1">
+        <a:scrgbClr r="0" g="0" b="0"/>
+      </a:fillRef>
+      <a:effectRef idx="0">
+        <a:scrgbClr r="0" g="0" b="0"/>
+      </a:effectRef>
+      <a:fontRef idx="minor"/>
+    </dgm:style>
+  </dgm:styleLbl>
+  <dgm:styleLbl name="bgShp">
+    <dgm:scene3d>
+      <a:camera prst="orthographicFront"/>
+      <a:lightRig rig="threePt" dir="t"/>
+    </dgm:scene3d>
+    <dgm:sp3d/>
+    <dgm:txPr/>
+    <dgm:style>
+      <a:lnRef idx="0">
+        <a:scrgbClr r="0" g="0" b="0"/>
+      </a:lnRef>
+      <a:fillRef idx="1">
+        <a:scrgbClr r="0" g="0" b="0"/>
+      </a:fillRef>
+      <a:effectRef idx="0">
+        <a:scrgbClr r="0" g="0" b="0"/>
+      </a:effectRef>
+      <a:fontRef idx="minor"/>
+    </dgm:style>
+  </dgm:styleLbl>
+  <dgm:styleLbl name="dkBgShp">
+    <dgm:scene3d>
+      <a:camera prst="orthographicFront"/>
+      <a:lightRig rig="threePt" dir="t"/>
+    </dgm:scene3d>
+    <dgm:sp3d/>
+    <dgm:txPr/>
+    <dgm:style>
+      <a:lnRef idx="0">
+        <a:scrgbClr r="0" g="0" b="0"/>
+      </a:lnRef>
+      <a:fillRef idx="1">
+        <a:scrgbClr r="0" g="0" b="0"/>
+      </a:fillRef>
+      <a:effectRef idx="0">
+        <a:scrgbClr r="0" g="0" b="0"/>
+      </a:effectRef>
+      <a:fontRef idx="minor"/>
+    </dgm:style>
+  </dgm:styleLbl>
+  <dgm:styleLbl name="trBgShp">
+    <dgm:scene3d>
+      <a:camera prst="orthographicFront"/>
+      <a:lightRig rig="threePt" dir="t"/>
+    </dgm:scene3d>
+    <dgm:sp3d/>
+    <dgm:txPr/>
+    <dgm:style>
+      <a:lnRef idx="0">
+        <a:scrgbClr r="0" g="0" b="0"/>
+      </a:lnRef>
+      <a:fillRef idx="1">
+        <a:scrgbClr r="0" g="0" b="0"/>
+      </a:fillRef>
+      <a:effectRef idx="0">
+        <a:scrgbClr r="0" g="0" b="0"/>
+      </a:effectRef>
+      <a:fontRef idx="minor"/>
+    </dgm:style>
+  </dgm:styleLbl>
+  <dgm:styleLbl name="fgShp">
+    <dgm:scene3d>
+      <a:camera prst="orthographicFront"/>
+      <a:lightRig rig="threePt" dir="t"/>
+    </dgm:scene3d>
+    <dgm:sp3d/>
+    <dgm:txPr/>
+    <dgm:style>
+      <a:lnRef idx="2">
+        <a:scrgbClr r="0" g="0" b="0"/>
+      </a:lnRef>
+      <a:fillRef idx="1">
+        <a:scrgbClr r="0" g="0" b="0"/>
+      </a:fillRef>
+      <a:effectRef idx="0">
+        <a:scrgbClr r="0" g="0" b="0"/>
+      </a:effectRef>
+      <a:fontRef idx="minor"/>
+    </dgm:style>
+  </dgm:styleLbl>
+  <dgm:styleLbl name="revTx">
+    <dgm:scene3d>
+      <a:camera prst="orthographicFront"/>
+      <a:lightRig rig="threePt" dir="t"/>
+    </dgm:scene3d>
+    <dgm:sp3d/>
+    <dgm:txPr/>
+    <dgm:style>
+      <a:lnRef idx="0">
+        <a:scrgbClr r="0" g="0" b="0"/>
+      </a:lnRef>
+      <a:fillRef idx="0">
+        <a:scrgbClr r="0" g="0" b="0"/>
+      </a:fillRef>
+      <a:effectRef idx="0">
+        <a:scrgbClr r="0" g="0" b="0"/>
+      </a:effectRef>
+      <a:fontRef idx="minor"/>
+    </dgm:style>
+  </dgm:styleLbl>
+</dgm:styleDef>
+</file>
+
 <file path=ppt/slideLayouts/slideLayout1.xml><?xml version="1.0" encoding="utf-8"?>
 <p:sldLayout xmlns:a="http://schemas.openxmlformats.org/drawingml/2006/main" xmlns:r="http://schemas.openxmlformats.org/officeDocument/2006/relationships" xmlns:p="http://schemas.openxmlformats.org/presentationml/2006/main" type="title" preserve="1">
   <p:cSld name="Title Slide">
@@ -243,7 +3423,7 @@
           <a:p>
             <a:fld id="{38163460-9537-49C2-A504-CDCA7FB2D4DE}" type="datetimeFigureOut">
               <a:rPr lang="en-US" smtClean="0"/>
-              <a:t>10/28/2021</a:t>
+              <a:t>11/7/2021</a:t>
             </a:fld>
             <a:endParaRPr lang="en-US"/>
           </a:p>
@@ -413,7 +3593,7 @@
           <a:p>
             <a:fld id="{38163460-9537-49C2-A504-CDCA7FB2D4DE}" type="datetimeFigureOut">
               <a:rPr lang="en-US" smtClean="0"/>
-              <a:t>10/28/2021</a:t>
+              <a:t>11/7/2021</a:t>
             </a:fld>
             <a:endParaRPr lang="en-US"/>
           </a:p>
@@ -593,7 +3773,7 @@
           <a:p>
             <a:fld id="{38163460-9537-49C2-A504-CDCA7FB2D4DE}" type="datetimeFigureOut">
               <a:rPr lang="en-US" smtClean="0"/>
-              <a:t>10/28/2021</a:t>
+              <a:t>11/7/2021</a:t>
             </a:fld>
             <a:endParaRPr lang="en-US"/>
           </a:p>
@@ -763,7 +3943,7 @@
           <a:p>
             <a:fld id="{38163460-9537-49C2-A504-CDCA7FB2D4DE}" type="datetimeFigureOut">
               <a:rPr lang="en-US" smtClean="0"/>
-              <a:t>10/28/2021</a:t>
+              <a:t>11/7/2021</a:t>
             </a:fld>
             <a:endParaRPr lang="en-US"/>
           </a:p>
@@ -1009,7 +4189,7 @@
           <a:p>
             <a:fld id="{38163460-9537-49C2-A504-CDCA7FB2D4DE}" type="datetimeFigureOut">
               <a:rPr lang="en-US" smtClean="0"/>
-              <a:t>10/28/2021</a:t>
+              <a:t>11/7/2021</a:t>
             </a:fld>
             <a:endParaRPr lang="en-US"/>
           </a:p>
@@ -1241,7 +4421,7 @@
           <a:p>
             <a:fld id="{38163460-9537-49C2-A504-CDCA7FB2D4DE}" type="datetimeFigureOut">
               <a:rPr lang="en-US" smtClean="0"/>
-              <a:t>10/28/2021</a:t>
+              <a:t>11/7/2021</a:t>
             </a:fld>
             <a:endParaRPr lang="en-US"/>
           </a:p>
@@ -1608,7 +4788,7 @@
           <a:p>
             <a:fld id="{38163460-9537-49C2-A504-CDCA7FB2D4DE}" type="datetimeFigureOut">
               <a:rPr lang="en-US" smtClean="0"/>
-              <a:t>10/28/2021</a:t>
+              <a:t>11/7/2021</a:t>
             </a:fld>
             <a:endParaRPr lang="en-US"/>
           </a:p>
@@ -1726,7 +4906,7 @@
           <a:p>
             <a:fld id="{38163460-9537-49C2-A504-CDCA7FB2D4DE}" type="datetimeFigureOut">
               <a:rPr lang="en-US" smtClean="0"/>
-              <a:t>10/28/2021</a:t>
+              <a:t>11/7/2021</a:t>
             </a:fld>
             <a:endParaRPr lang="en-US"/>
           </a:p>
@@ -1821,7 +5001,7 @@
           <a:p>
             <a:fld id="{38163460-9537-49C2-A504-CDCA7FB2D4DE}" type="datetimeFigureOut">
               <a:rPr lang="en-US" smtClean="0"/>
-              <a:t>10/28/2021</a:t>
+              <a:t>11/7/2021</a:t>
             </a:fld>
             <a:endParaRPr lang="en-US"/>
           </a:p>
@@ -2098,7 +5278,7 @@
           <a:p>
             <a:fld id="{38163460-9537-49C2-A504-CDCA7FB2D4DE}" type="datetimeFigureOut">
               <a:rPr lang="en-US" smtClean="0"/>
-              <a:t>10/28/2021</a:t>
+              <a:t>11/7/2021</a:t>
             </a:fld>
             <a:endParaRPr lang="en-US"/>
           </a:p>
@@ -2351,7 +5531,7 @@
           <a:p>
             <a:fld id="{38163460-9537-49C2-A504-CDCA7FB2D4DE}" type="datetimeFigureOut">
               <a:rPr lang="en-US" smtClean="0"/>
-              <a:t>10/28/2021</a:t>
+              <a:t>11/7/2021</a:t>
             </a:fld>
             <a:endParaRPr lang="en-US"/>
           </a:p>
@@ -2564,7 +5744,7 @@
           <a:p>
             <a:fld id="{38163460-9537-49C2-A504-CDCA7FB2D4DE}" type="datetimeFigureOut">
               <a:rPr lang="en-US" smtClean="0"/>
-              <a:t>10/28/2021</a:t>
+              <a:t>11/7/2021</a:t>
             </a:fld>
             <a:endParaRPr lang="en-US"/>
           </a:p>
@@ -3089,15 +6269,15 @@
           <a:p>
             <a:r>
               <a:rPr lang="en-US" dirty="0" smtClean="0"/>
-              <a:t>Used the </a:t>
-            </a:r>
-            <a:r>
-              <a:rPr lang="en-US" dirty="0" err="1" smtClean="0"/>
-              <a:t>DataAnalyzinator</a:t>
+              <a:t>Used </a:t>
             </a:r>
             <a:r>
               <a:rPr lang="en-US" dirty="0" smtClean="0"/>
-              <a:t> 3000™ created by McNichols, Ramos, and Enid</a:t>
+              <a:t>custom Python script </a:t>
+            </a:r>
+            <a:r>
+              <a:rPr lang="en-US" dirty="0" smtClean="0"/>
+              <a:t>created by McNichols, Ramos, and Enid</a:t>
             </a:r>
           </a:p>
           <a:p>
@@ -3123,6 +6303,28 @@
           </a:p>
         </p:txBody>
       </p:sp>
+      <p:graphicFrame>
+        <p:nvGraphicFramePr>
+          <p:cNvPr id="4" name="Diagram 3"/>
+          <p:cNvGraphicFramePr/>
+          <p:nvPr>
+            <p:extLst>
+              <p:ext uri="{D42A27DB-BD31-4B8C-83A1-F6EECF244321}">
+                <p14:modId xmlns:p14="http://schemas.microsoft.com/office/powerpoint/2010/main" val="12257524"/>
+              </p:ext>
+            </p:extLst>
+          </p:nvPr>
+        </p:nvGraphicFramePr>
+        <p:xfrm>
+          <a:off x="1539020" y="2751298"/>
+          <a:ext cx="8128000" cy="5418667"/>
+        </p:xfrm>
+        <a:graphic>
+          <a:graphicData uri="http://schemas.openxmlformats.org/drawingml/2006/diagram">
+            <dgm:relIds xmlns:dgm="http://schemas.openxmlformats.org/drawingml/2006/diagram" xmlns:r="http://schemas.openxmlformats.org/officeDocument/2006/relationships" r:dm="rId2" r:lo="rId3" r:qs="rId4" r:cs="rId5"/>
+          </a:graphicData>
+        </a:graphic>
+      </p:graphicFrame>
     </p:spTree>
     <p:extLst>
       <p:ext uri="{BB962C8B-B14F-4D97-AF65-F5344CB8AC3E}">
@@ -3227,6 +6429,70 @@
           </a:p>
         </p:txBody>
       </p:sp>
+      <p:pic>
+        <p:nvPicPr>
+          <p:cNvPr id="1027" name="Picture 3"/>
+          <p:cNvPicPr>
+            <a:picLocks noChangeAspect="1" noChangeArrowheads="1"/>
+          </p:cNvPicPr>
+          <p:nvPr/>
+        </p:nvPicPr>
+        <p:blipFill>
+          <a:blip r:embed="rId3" cstate="print">
+            <a:extLst>
+              <a:ext uri="{28A0092B-C50C-407E-A947-70E740481C1C}">
+                <a14:useLocalDpi xmlns:a14="http://schemas.microsoft.com/office/drawing/2010/main" val="0"/>
+              </a:ext>
+            </a:extLst>
+          </a:blip>
+          <a:srcRect/>
+          <a:stretch>
+            <a:fillRect/>
+          </a:stretch>
+        </p:blipFill>
+        <p:spPr bwMode="auto">
+          <a:xfrm>
+            <a:off x="931296" y="2608028"/>
+            <a:ext cx="3829144" cy="3837222"/>
+          </a:xfrm>
+          <a:prstGeom prst="rect">
+            <a:avLst/>
+          </a:prstGeom>
+          <a:noFill/>
+          <a:ln>
+            <a:noFill/>
+          </a:ln>
+          <a:effectLst/>
+          <a:extLst>
+            <a:ext uri="{909E8E84-426E-40DD-AFC4-6F175D3DCCD1}">
+              <a14:hiddenFill xmlns:a14="http://schemas.microsoft.com/office/drawing/2010/main">
+                <a:solidFill>
+                  <a:schemeClr val="accent1"/>
+                </a:solidFill>
+              </a14:hiddenFill>
+            </a:ext>
+            <a:ext uri="{91240B29-F687-4F45-9708-019B960494DF}">
+              <a14:hiddenLine xmlns:a14="http://schemas.microsoft.com/office/drawing/2010/main" w="9525">
+                <a:solidFill>
+                  <a:schemeClr val="tx1"/>
+                </a:solidFill>
+                <a:miter lim="800000"/>
+                <a:headEnd/>
+                <a:tailEnd/>
+              </a14:hiddenLine>
+            </a:ext>
+            <a:ext uri="{AF507438-7753-43E0-B8FC-AC1667EBCBE1}">
+              <a14:hiddenEffects xmlns:a14="http://schemas.microsoft.com/office/drawing/2010/main">
+                <a:effectLst>
+                  <a:outerShdw dist="35921" dir="2700000" algn="ctr" rotWithShape="0">
+                    <a:schemeClr val="bg2"/>
+                  </a:outerShdw>
+                </a:effectLst>
+              </a14:hiddenEffects>
+            </a:ext>
+          </a:extLst>
+        </p:spPr>
+      </p:pic>
     </p:spTree>
     <p:extLst>
       <p:ext uri="{BB962C8B-B14F-4D97-AF65-F5344CB8AC3E}">
@@ -3351,6 +6617,70 @@
           <a:prstGeom prst="rect">
             <a:avLst/>
           </a:prstGeom>
+        </p:spPr>
+      </p:pic>
+      <p:pic>
+        <p:nvPicPr>
+          <p:cNvPr id="2051" name="Picture 3"/>
+          <p:cNvPicPr>
+            <a:picLocks noChangeAspect="1" noChangeArrowheads="1"/>
+          </p:cNvPicPr>
+          <p:nvPr/>
+        </p:nvPicPr>
+        <p:blipFill>
+          <a:blip r:embed="rId4">
+            <a:extLst>
+              <a:ext uri="{28A0092B-C50C-407E-A947-70E740481C1C}">
+                <a14:useLocalDpi xmlns:a14="http://schemas.microsoft.com/office/drawing/2010/main" val="0"/>
+              </a:ext>
+            </a:extLst>
+          </a:blip>
+          <a:srcRect/>
+          <a:stretch>
+            <a:fillRect/>
+          </a:stretch>
+        </p:blipFill>
+        <p:spPr bwMode="auto">
+          <a:xfrm>
+            <a:off x="907883" y="2608027"/>
+            <a:ext cx="4355879" cy="3889783"/>
+          </a:xfrm>
+          <a:prstGeom prst="rect">
+            <a:avLst/>
+          </a:prstGeom>
+          <a:noFill/>
+          <a:ln>
+            <a:noFill/>
+          </a:ln>
+          <a:effectLst/>
+          <a:extLst>
+            <a:ext uri="{909E8E84-426E-40DD-AFC4-6F175D3DCCD1}">
+              <a14:hiddenFill xmlns:a14="http://schemas.microsoft.com/office/drawing/2010/main">
+                <a:solidFill>
+                  <a:schemeClr val="accent1"/>
+                </a:solidFill>
+              </a14:hiddenFill>
+            </a:ext>
+            <a:ext uri="{91240B29-F687-4F45-9708-019B960494DF}">
+              <a14:hiddenLine xmlns:a14="http://schemas.microsoft.com/office/drawing/2010/main" w="9525">
+                <a:solidFill>
+                  <a:schemeClr val="tx1"/>
+                </a:solidFill>
+                <a:miter lim="800000"/>
+                <a:headEnd/>
+                <a:tailEnd/>
+              </a14:hiddenLine>
+            </a:ext>
+            <a:ext uri="{AF507438-7753-43E0-B8FC-AC1667EBCBE1}">
+              <a14:hiddenEffects xmlns:a14="http://schemas.microsoft.com/office/drawing/2010/main">
+                <a:effectLst>
+                  <a:outerShdw dist="35921" dir="2700000" algn="ctr" rotWithShape="0">
+                    <a:schemeClr val="bg2"/>
+                  </a:outerShdw>
+                </a:effectLst>
+              </a14:hiddenEffects>
+            </a:ext>
+          </a:extLst>
         </p:spPr>
       </p:pic>
     </p:spTree>
@@ -3475,6 +6805,70 @@
           </a:prstGeom>
         </p:spPr>
       </p:pic>
+      <p:pic>
+        <p:nvPicPr>
+          <p:cNvPr id="3075" name="Picture 3"/>
+          <p:cNvPicPr>
+            <a:picLocks noChangeAspect="1" noChangeArrowheads="1"/>
+          </p:cNvPicPr>
+          <p:nvPr/>
+        </p:nvPicPr>
+        <p:blipFill>
+          <a:blip r:embed="rId4">
+            <a:extLst>
+              <a:ext uri="{28A0092B-C50C-407E-A947-70E740481C1C}">
+                <a14:useLocalDpi xmlns:a14="http://schemas.microsoft.com/office/drawing/2010/main" val="0"/>
+              </a:ext>
+            </a:extLst>
+          </a:blip>
+          <a:srcRect/>
+          <a:stretch>
+            <a:fillRect/>
+          </a:stretch>
+        </p:blipFill>
+        <p:spPr bwMode="auto">
+          <a:xfrm>
+            <a:off x="1018374" y="2676721"/>
+            <a:ext cx="2798252" cy="3481215"/>
+          </a:xfrm>
+          <a:prstGeom prst="rect">
+            <a:avLst/>
+          </a:prstGeom>
+          <a:noFill/>
+          <a:ln>
+            <a:noFill/>
+          </a:ln>
+          <a:effectLst/>
+          <a:extLst>
+            <a:ext uri="{909E8E84-426E-40DD-AFC4-6F175D3DCCD1}">
+              <a14:hiddenFill xmlns:a14="http://schemas.microsoft.com/office/drawing/2010/main">
+                <a:solidFill>
+                  <a:schemeClr val="accent1"/>
+                </a:solidFill>
+              </a14:hiddenFill>
+            </a:ext>
+            <a:ext uri="{91240B29-F687-4F45-9708-019B960494DF}">
+              <a14:hiddenLine xmlns:a14="http://schemas.microsoft.com/office/drawing/2010/main" w="9525">
+                <a:solidFill>
+                  <a:schemeClr val="tx1"/>
+                </a:solidFill>
+                <a:miter lim="800000"/>
+                <a:headEnd/>
+                <a:tailEnd/>
+              </a14:hiddenLine>
+            </a:ext>
+            <a:ext uri="{AF507438-7753-43E0-B8FC-AC1667EBCBE1}">
+              <a14:hiddenEffects xmlns:a14="http://schemas.microsoft.com/office/drawing/2010/main">
+                <a:effectLst>
+                  <a:outerShdw dist="35921" dir="2700000" algn="ctr" rotWithShape="0">
+                    <a:schemeClr val="bg2"/>
+                  </a:outerShdw>
+                </a:effectLst>
+              </a14:hiddenEffects>
+            </a:ext>
+          </a:extLst>
+        </p:spPr>
+      </p:pic>
     </p:spTree>
     <p:extLst>
       <p:ext uri="{BB962C8B-B14F-4D97-AF65-F5344CB8AC3E}">
@@ -3561,7 +6955,15 @@
             </a:r>
             <a:r>
               <a:rPr lang="en-US" dirty="0" smtClean="0"/>
-              <a:t>determination from time and location to activity type</a:t>
+              <a:t>determination from </a:t>
+            </a:r>
+            <a:r>
+              <a:rPr lang="en-US" dirty="0" smtClean="0"/>
+              <a:t>time and location </a:t>
+            </a:r>
+            <a:r>
+              <a:rPr lang="en-US" dirty="0" smtClean="0"/>
+              <a:t>to activity type</a:t>
             </a:r>
           </a:p>
           <a:p>
@@ -3573,11 +6975,195 @@
           <a:p>
             <a:r>
               <a:rPr lang="en-US" dirty="0" smtClean="0"/>
-              <a:t>Conclusion: There is a low correlation between activity type </a:t>
-            </a:r>
-            <a:r>
-              <a:rPr lang="en-US" smtClean="0"/>
-              <a:t>and time/location</a:t>
+              <a:t>Conclusion: There is a low correlation between activity type and time/location</a:t>
+            </a:r>
+            <a:endParaRPr lang="en-US" dirty="0"/>
+          </a:p>
+        </p:txBody>
+      </p:sp>
+      <p:pic>
+        <p:nvPicPr>
+          <p:cNvPr id="4098" name="Picture 2"/>
+          <p:cNvPicPr>
+            <a:picLocks noChangeAspect="1" noChangeArrowheads="1"/>
+          </p:cNvPicPr>
+          <p:nvPr/>
+        </p:nvPicPr>
+        <p:blipFill>
+          <a:blip r:embed="rId2" cstate="print">
+            <a:extLst>
+              <a:ext uri="{28A0092B-C50C-407E-A947-70E740481C1C}">
+                <a14:useLocalDpi xmlns:a14="http://schemas.microsoft.com/office/drawing/2010/main" val="0"/>
+              </a:ext>
+            </a:extLst>
+          </a:blip>
+          <a:srcRect/>
+          <a:stretch>
+            <a:fillRect/>
+          </a:stretch>
+        </p:blipFill>
+        <p:spPr bwMode="auto">
+          <a:xfrm>
+            <a:off x="863683" y="4073831"/>
+            <a:ext cx="3843489" cy="2641294"/>
+          </a:xfrm>
+          <a:prstGeom prst="rect">
+            <a:avLst/>
+          </a:prstGeom>
+          <a:noFill/>
+          <a:ln>
+            <a:noFill/>
+          </a:ln>
+          <a:effectLst/>
+          <a:extLst>
+            <a:ext uri="{909E8E84-426E-40DD-AFC4-6F175D3DCCD1}">
+              <a14:hiddenFill xmlns:a14="http://schemas.microsoft.com/office/drawing/2010/main">
+                <a:solidFill>
+                  <a:schemeClr val="accent1"/>
+                </a:solidFill>
+              </a14:hiddenFill>
+            </a:ext>
+            <a:ext uri="{91240B29-F687-4F45-9708-019B960494DF}">
+              <a14:hiddenLine xmlns:a14="http://schemas.microsoft.com/office/drawing/2010/main" w="9525">
+                <a:solidFill>
+                  <a:schemeClr val="tx1"/>
+                </a:solidFill>
+                <a:miter lim="800000"/>
+                <a:headEnd/>
+                <a:tailEnd/>
+              </a14:hiddenLine>
+            </a:ext>
+            <a:ext uri="{AF507438-7753-43E0-B8FC-AC1667EBCBE1}">
+              <a14:hiddenEffects xmlns:a14="http://schemas.microsoft.com/office/drawing/2010/main">
+                <a:effectLst>
+                  <a:outerShdw dist="35921" dir="2700000" algn="ctr" rotWithShape="0">
+                    <a:schemeClr val="bg2"/>
+                  </a:outerShdw>
+                </a:effectLst>
+              </a14:hiddenEffects>
+            </a:ext>
+          </a:extLst>
+        </p:spPr>
+      </p:pic>
+      <p:pic>
+        <p:nvPicPr>
+          <p:cNvPr id="4099" name="Picture 3"/>
+          <p:cNvPicPr>
+            <a:picLocks noChangeAspect="1" noChangeArrowheads="1"/>
+          </p:cNvPicPr>
+          <p:nvPr/>
+        </p:nvPicPr>
+        <p:blipFill>
+          <a:blip r:embed="rId3">
+            <a:extLst>
+              <a:ext uri="{28A0092B-C50C-407E-A947-70E740481C1C}">
+                <a14:useLocalDpi xmlns:a14="http://schemas.microsoft.com/office/drawing/2010/main" val="0"/>
+              </a:ext>
+            </a:extLst>
+          </a:blip>
+          <a:srcRect/>
+          <a:stretch>
+            <a:fillRect/>
+          </a:stretch>
+        </p:blipFill>
+        <p:spPr bwMode="auto">
+          <a:xfrm>
+            <a:off x="5768382" y="4127529"/>
+            <a:ext cx="5293543" cy="2533898"/>
+          </a:xfrm>
+          <a:prstGeom prst="rect">
+            <a:avLst/>
+          </a:prstGeom>
+          <a:noFill/>
+          <a:ln>
+            <a:noFill/>
+          </a:ln>
+          <a:effectLst/>
+          <a:extLst>
+            <a:ext uri="{909E8E84-426E-40DD-AFC4-6F175D3DCCD1}">
+              <a14:hiddenFill xmlns:a14="http://schemas.microsoft.com/office/drawing/2010/main">
+                <a:solidFill>
+                  <a:schemeClr val="accent1"/>
+                </a:solidFill>
+              </a14:hiddenFill>
+            </a:ext>
+            <a:ext uri="{91240B29-F687-4F45-9708-019B960494DF}">
+              <a14:hiddenLine xmlns:a14="http://schemas.microsoft.com/office/drawing/2010/main" w="9525">
+                <a:solidFill>
+                  <a:schemeClr val="tx1"/>
+                </a:solidFill>
+                <a:miter lim="800000"/>
+                <a:headEnd/>
+                <a:tailEnd/>
+              </a14:hiddenLine>
+            </a:ext>
+            <a:ext uri="{AF507438-7753-43E0-B8FC-AC1667EBCBE1}">
+              <a14:hiddenEffects xmlns:a14="http://schemas.microsoft.com/office/drawing/2010/main">
+                <a:effectLst>
+                  <a:outerShdw dist="35921" dir="2700000" algn="ctr" rotWithShape="0">
+                    <a:schemeClr val="bg2"/>
+                  </a:outerShdw>
+                </a:effectLst>
+              </a14:hiddenEffects>
+            </a:ext>
+          </a:extLst>
+        </p:spPr>
+      </p:pic>
+      <p:sp>
+        <p:nvSpPr>
+          <p:cNvPr id="4" name="TextBox 3"/>
+          <p:cNvSpPr txBox="1"/>
+          <p:nvPr/>
+        </p:nvSpPr>
+        <p:spPr>
+          <a:xfrm>
+            <a:off x="1200647" y="4127529"/>
+            <a:ext cx="1753365" cy="369332"/>
+          </a:xfrm>
+          <a:prstGeom prst="rect">
+            <a:avLst/>
+          </a:prstGeom>
+          <a:noFill/>
+        </p:spPr>
+        <p:txBody>
+          <a:bodyPr wrap="none" rtlCol="0">
+            <a:spAutoFit/>
+          </a:bodyPr>
+          <a:lstStyle/>
+          <a:p>
+            <a:r>
+              <a:rPr lang="en-US" dirty="0" smtClean="0"/>
+              <a:t>High correlation:</a:t>
+            </a:r>
+            <a:endParaRPr lang="en-US" dirty="0"/>
+          </a:p>
+        </p:txBody>
+      </p:sp>
+      <p:sp>
+        <p:nvSpPr>
+          <p:cNvPr id="7" name="TextBox 6"/>
+          <p:cNvSpPr txBox="1"/>
+          <p:nvPr/>
+        </p:nvSpPr>
+        <p:spPr>
+          <a:xfrm>
+            <a:off x="6004560" y="4145559"/>
+            <a:ext cx="2304990" cy="369332"/>
+          </a:xfrm>
+          <a:prstGeom prst="rect">
+            <a:avLst/>
+          </a:prstGeom>
+          <a:noFill/>
+        </p:spPr>
+        <p:txBody>
+          <a:bodyPr wrap="none" rtlCol="0">
+            <a:spAutoFit/>
+          </a:bodyPr>
+          <a:lstStyle/>
+          <a:p>
+            <a:r>
+              <a:rPr lang="en-US" dirty="0" smtClean="0"/>
+              <a:t>Calculated correlation:</a:t>
             </a:r>
             <a:endParaRPr lang="en-US" dirty="0"/>
           </a:p>
@@ -3639,7 +7225,7 @@
     </a:clrScheme>
     <a:fontScheme name="Office">
       <a:majorFont>
-        <a:latin typeface="Calibri Light" panose="020F0302020204030204"/>
+        <a:latin typeface="Calibri Light"/>
         <a:ea typeface=""/>
         <a:cs typeface=""/>
         <a:font script="Jpan" typeface="游ゴシック Light"/>
@@ -3674,7 +7260,7 @@
         <a:font script="Geor" typeface="Sylfaen"/>
       </a:majorFont>
       <a:minorFont>
-        <a:latin typeface="Calibri" panose="020F0502020204030204"/>
+        <a:latin typeface="Calibri"/>
         <a:ea typeface=""/>
         <a:cs typeface=""/>
         <a:font script="Jpan" typeface="游ゴシック"/>
@@ -3851,7 +7437,7 @@
   <a:extraClrSchemeLst/>
   <a:extLst>
     <a:ext uri="{05A4C25C-085E-4340-85A3-A5531E510DB2}">
-      <thm15:themeFamily xmlns:thm15="http://schemas.microsoft.com/office/thememl/2012/main" name="Office Theme" id="{62F939B6-93AF-4DB8-9C6B-D6C7DFDC589F}" vid="{4A3C46E8-61CC-4603-A589-7422A47A8E4A}"/>
+      <thm15:themeFamily xmlns:thm15="http://schemas.microsoft.com/office/thememl/2012/main" xmlns="" name="Office Theme" id="{62F939B6-93AF-4DB8-9C6B-D6C7DFDC589F}" vid="{4A3C46E8-61CC-4603-A589-7422A47A8E4A}"/>
     </a:ext>
   </a:extLst>
 </a:theme>

--- a/480_HW1.pptx
+++ b/480_HW1.pptx
@@ -11,6 +11,10 @@
     <p:sldId id="259" r:id="rId5"/>
     <p:sldId id="258" r:id="rId6"/>
     <p:sldId id="262" r:id="rId7"/>
+    <p:sldId id="263" r:id="rId8"/>
+    <p:sldId id="264" r:id="rId9"/>
+    <p:sldId id="265" r:id="rId10"/>
+    <p:sldId id="266" r:id="rId11"/>
   </p:sldIdLst>
   <p:sldSz cx="12192000" cy="6858000"/>
   <p:notesSz cx="6858000" cy="9144000"/>
@@ -109,6 +113,22 @@
       </a:defRPr>
     </a:lvl9pPr>
   </p:defaultTextStyle>
+  <p:extLst>
+    <p:ext uri="{EFAFB233-063F-42B5-8137-9DF3F51BA10A}">
+      <p15:sldGuideLst xmlns:p15="http://schemas.microsoft.com/office/powerpoint/2012/main">
+        <p15:guide id="1" orient="horz" pos="2160">
+          <p15:clr>
+            <a:srgbClr val="A4A3A4"/>
+          </p15:clr>
+        </p15:guide>
+        <p15:guide id="2" pos="3840">
+          <p15:clr>
+            <a:srgbClr val="A4A3A4"/>
+          </p15:clr>
+        </p15:guide>
+      </p15:sldGuideLst>
+    </p:ext>
+  </p:extLst>
 </p:presentation>
 </file>
 
@@ -1030,7 +1050,11 @@
         <a:p>
           <a:r>
             <a:rPr lang="en-US" dirty="0" smtClean="0"/>
-            <a:t>Find any data at the same time with similar locations</a:t>
+            <a:t>Find any data at the </a:t>
+          </a:r>
+          <a:r>
+            <a:rPr lang="en-US" dirty="0" smtClean="0"/>
+            <a:t>same</a:t>
           </a:r>
           <a:endParaRPr lang="en-US" dirty="0"/>
         </a:p>
@@ -1103,6 +1127,80 @@
         </a:p>
       </dgm:t>
     </dgm:pt>
+    <dgm:pt modelId="{97F6295E-0634-4690-B3FE-F44129C45F36}">
+      <dgm:prSet phldrT="[Text]"/>
+      <dgm:spPr/>
+      <dgm:t>
+        <a:bodyPr/>
+        <a:lstStyle/>
+        <a:p>
+          <a:r>
+            <a:rPr lang="en-US" dirty="0" smtClean="0"/>
+            <a:t>Use online tool to display geolocations at suspicious points</a:t>
+          </a:r>
+          <a:endParaRPr lang="en-US" dirty="0"/>
+        </a:p>
+      </dgm:t>
+    </dgm:pt>
+    <dgm:pt modelId="{C82F1BE3-1331-4383-A844-82B7F6A83D0B}" type="parTrans" cxnId="{55C2795C-3CC6-498D-83EC-A357C3A0D98D}">
+      <dgm:prSet/>
+      <dgm:spPr/>
+      <dgm:t>
+        <a:bodyPr/>
+        <a:lstStyle/>
+        <a:p>
+          <a:endParaRPr lang="en-US"/>
+        </a:p>
+      </dgm:t>
+    </dgm:pt>
+    <dgm:pt modelId="{32040FE1-9D98-4F5A-B4A8-5267AE65E82E}" type="sibTrans" cxnId="{55C2795C-3CC6-498D-83EC-A357C3A0D98D}">
+      <dgm:prSet/>
+      <dgm:spPr/>
+      <dgm:t>
+        <a:bodyPr/>
+        <a:lstStyle/>
+        <a:p>
+          <a:endParaRPr lang="en-US"/>
+        </a:p>
+      </dgm:t>
+    </dgm:pt>
+    <dgm:pt modelId="{BA4DF10F-BAB9-4EA0-B113-A5F8011810FE}">
+      <dgm:prSet phldrT="[Text]"/>
+      <dgm:spPr/>
+      <dgm:t>
+        <a:bodyPr/>
+        <a:lstStyle/>
+        <a:p>
+          <a:r>
+            <a:rPr lang="en-US" dirty="0" smtClean="0"/>
+            <a:t>Display Paths</a:t>
+          </a:r>
+          <a:endParaRPr lang="en-US" dirty="0"/>
+        </a:p>
+      </dgm:t>
+    </dgm:pt>
+    <dgm:pt modelId="{6327A1B7-70B7-4140-89BD-DCBF3966EA8E}" type="parTrans" cxnId="{637B023B-BF97-40F3-91ED-91AE59DF0568}">
+      <dgm:prSet/>
+      <dgm:spPr/>
+      <dgm:t>
+        <a:bodyPr/>
+        <a:lstStyle/>
+        <a:p>
+          <a:endParaRPr lang="en-US"/>
+        </a:p>
+      </dgm:t>
+    </dgm:pt>
+    <dgm:pt modelId="{4D0B0B66-0E6D-420D-97F4-44B19E471629}" type="sibTrans" cxnId="{637B023B-BF97-40F3-91ED-91AE59DF0568}">
+      <dgm:prSet/>
+      <dgm:spPr/>
+      <dgm:t>
+        <a:bodyPr/>
+        <a:lstStyle/>
+        <a:p>
+          <a:endParaRPr lang="en-US"/>
+        </a:p>
+      </dgm:t>
+    </dgm:pt>
     <dgm:pt modelId="{1F7E644D-9170-43F0-8C5B-A9CF3986A524}" type="pres">
       <dgm:prSet presAssocID="{45295544-0D20-4229-A153-128F45A8B58E}" presName="linearFlow" presStyleCnt="0">
         <dgm:presLayoutVars>
@@ -1112,13 +1210,20 @@
         </dgm:presLayoutVars>
       </dgm:prSet>
       <dgm:spPr/>
+      <dgm:t>
+        <a:bodyPr/>
+        <a:lstStyle/>
+        <a:p>
+          <a:endParaRPr lang="en-US"/>
+        </a:p>
+      </dgm:t>
     </dgm:pt>
     <dgm:pt modelId="{09C3E3CE-AAA5-43F4-98ED-917EF3B89204}" type="pres">
       <dgm:prSet presAssocID="{8A3EB83F-6EE9-424D-8923-A8991045A53E}" presName="composite" presStyleCnt="0"/>
       <dgm:spPr/>
     </dgm:pt>
     <dgm:pt modelId="{897057DF-4A5A-4171-A3A2-121F4239636A}" type="pres">
-      <dgm:prSet presAssocID="{8A3EB83F-6EE9-424D-8923-A8991045A53E}" presName="parTx" presStyleLbl="node1" presStyleIdx="0" presStyleCnt="3">
+      <dgm:prSet presAssocID="{8A3EB83F-6EE9-424D-8923-A8991045A53E}" presName="parTx" presStyleLbl="node1" presStyleIdx="0" presStyleCnt="4">
         <dgm:presLayoutVars>
           <dgm:chMax val="0"/>
           <dgm:chPref val="0"/>
@@ -1135,7 +1240,7 @@
       </dgm:t>
     </dgm:pt>
     <dgm:pt modelId="{F346B117-C29C-4806-A377-2DE2D2546881}" type="pres">
-      <dgm:prSet presAssocID="{8A3EB83F-6EE9-424D-8923-A8991045A53E}" presName="parSh" presStyleLbl="node1" presStyleIdx="0" presStyleCnt="3"/>
+      <dgm:prSet presAssocID="{8A3EB83F-6EE9-424D-8923-A8991045A53E}" presName="parSh" presStyleLbl="node1" presStyleIdx="0" presStyleCnt="4"/>
       <dgm:spPr/>
       <dgm:t>
         <a:bodyPr/>
@@ -1146,7 +1251,7 @@
       </dgm:t>
     </dgm:pt>
     <dgm:pt modelId="{DB3E874D-C4A6-4DFF-AEB6-6866276431EA}" type="pres">
-      <dgm:prSet presAssocID="{8A3EB83F-6EE9-424D-8923-A8991045A53E}" presName="desTx" presStyleLbl="fgAcc1" presStyleIdx="0" presStyleCnt="3">
+      <dgm:prSet presAssocID="{8A3EB83F-6EE9-424D-8923-A8991045A53E}" presName="desTx" presStyleLbl="fgAcc1" presStyleIdx="0" presStyleCnt="4">
         <dgm:presLayoutVars>
           <dgm:bulletEnabled val="1"/>
         </dgm:presLayoutVars>
@@ -1161,19 +1266,33 @@
       </dgm:t>
     </dgm:pt>
     <dgm:pt modelId="{2E3C21B9-077C-41A0-9719-2C074C75EE14}" type="pres">
-      <dgm:prSet presAssocID="{0DC140F9-A9C1-4694-B6A1-A4905C7C1245}" presName="sibTrans" presStyleLbl="sibTrans2D1" presStyleIdx="0" presStyleCnt="2"/>
+      <dgm:prSet presAssocID="{0DC140F9-A9C1-4694-B6A1-A4905C7C1245}" presName="sibTrans" presStyleLbl="sibTrans2D1" presStyleIdx="0" presStyleCnt="3"/>
       <dgm:spPr/>
+      <dgm:t>
+        <a:bodyPr/>
+        <a:lstStyle/>
+        <a:p>
+          <a:endParaRPr lang="en-US"/>
+        </a:p>
+      </dgm:t>
     </dgm:pt>
     <dgm:pt modelId="{36281CDF-670B-45C2-A761-C9799B24415D}" type="pres">
-      <dgm:prSet presAssocID="{0DC140F9-A9C1-4694-B6A1-A4905C7C1245}" presName="connTx" presStyleLbl="sibTrans2D1" presStyleIdx="0" presStyleCnt="2"/>
+      <dgm:prSet presAssocID="{0DC140F9-A9C1-4694-B6A1-A4905C7C1245}" presName="connTx" presStyleLbl="sibTrans2D1" presStyleIdx="0" presStyleCnt="3"/>
       <dgm:spPr/>
+      <dgm:t>
+        <a:bodyPr/>
+        <a:lstStyle/>
+        <a:p>
+          <a:endParaRPr lang="en-US"/>
+        </a:p>
+      </dgm:t>
     </dgm:pt>
     <dgm:pt modelId="{1C561252-8BBE-44E4-B9B1-756FC29DA43F}" type="pres">
       <dgm:prSet presAssocID="{5E807E5D-858F-485C-93D3-2CA219B37D37}" presName="composite" presStyleCnt="0"/>
       <dgm:spPr/>
     </dgm:pt>
     <dgm:pt modelId="{8AE9E217-1FA9-498F-B9EC-98D5ED20C5AB}" type="pres">
-      <dgm:prSet presAssocID="{5E807E5D-858F-485C-93D3-2CA219B37D37}" presName="parTx" presStyleLbl="node1" presStyleIdx="0" presStyleCnt="3">
+      <dgm:prSet presAssocID="{5E807E5D-858F-485C-93D3-2CA219B37D37}" presName="parTx" presStyleLbl="node1" presStyleIdx="0" presStyleCnt="4">
         <dgm:presLayoutVars>
           <dgm:chMax val="0"/>
           <dgm:chPref val="0"/>
@@ -1190,7 +1309,7 @@
       </dgm:t>
     </dgm:pt>
     <dgm:pt modelId="{E790169A-885B-4A5D-8D1F-CF7E7F0B026D}" type="pres">
-      <dgm:prSet presAssocID="{5E807E5D-858F-485C-93D3-2CA219B37D37}" presName="parSh" presStyleLbl="node1" presStyleIdx="1" presStyleCnt="3"/>
+      <dgm:prSet presAssocID="{5E807E5D-858F-485C-93D3-2CA219B37D37}" presName="parSh" presStyleLbl="node1" presStyleIdx="1" presStyleCnt="4"/>
       <dgm:spPr/>
       <dgm:t>
         <a:bodyPr/>
@@ -1201,7 +1320,7 @@
       </dgm:t>
     </dgm:pt>
     <dgm:pt modelId="{98B39080-9814-4FB1-8242-313D76AE1EE5}" type="pres">
-      <dgm:prSet presAssocID="{5E807E5D-858F-485C-93D3-2CA219B37D37}" presName="desTx" presStyleLbl="fgAcc1" presStyleIdx="1" presStyleCnt="3">
+      <dgm:prSet presAssocID="{5E807E5D-858F-485C-93D3-2CA219B37D37}" presName="desTx" presStyleLbl="fgAcc1" presStyleIdx="1" presStyleCnt="4">
         <dgm:presLayoutVars>
           <dgm:bulletEnabled val="1"/>
         </dgm:presLayoutVars>
@@ -1216,19 +1335,33 @@
       </dgm:t>
     </dgm:pt>
     <dgm:pt modelId="{9A57C195-CD2B-44D7-8E4E-E5EC2FC92A0E}" type="pres">
-      <dgm:prSet presAssocID="{B3D63858-7DC0-4E65-918D-7F365E715B9F}" presName="sibTrans" presStyleLbl="sibTrans2D1" presStyleIdx="1" presStyleCnt="2"/>
+      <dgm:prSet presAssocID="{B3D63858-7DC0-4E65-918D-7F365E715B9F}" presName="sibTrans" presStyleLbl="sibTrans2D1" presStyleIdx="1" presStyleCnt="3"/>
       <dgm:spPr/>
+      <dgm:t>
+        <a:bodyPr/>
+        <a:lstStyle/>
+        <a:p>
+          <a:endParaRPr lang="en-US"/>
+        </a:p>
+      </dgm:t>
     </dgm:pt>
     <dgm:pt modelId="{B2233450-7ADA-47DC-B546-330245948961}" type="pres">
-      <dgm:prSet presAssocID="{B3D63858-7DC0-4E65-918D-7F365E715B9F}" presName="connTx" presStyleLbl="sibTrans2D1" presStyleIdx="1" presStyleCnt="2"/>
+      <dgm:prSet presAssocID="{B3D63858-7DC0-4E65-918D-7F365E715B9F}" presName="connTx" presStyleLbl="sibTrans2D1" presStyleIdx="1" presStyleCnt="3"/>
       <dgm:spPr/>
+      <dgm:t>
+        <a:bodyPr/>
+        <a:lstStyle/>
+        <a:p>
+          <a:endParaRPr lang="en-US"/>
+        </a:p>
+      </dgm:t>
     </dgm:pt>
     <dgm:pt modelId="{0C8ED16C-BBAC-421E-9E75-153AAD985738}" type="pres">
       <dgm:prSet presAssocID="{513FAADA-5489-46B9-A358-44962FC774E2}" presName="composite" presStyleCnt="0"/>
       <dgm:spPr/>
     </dgm:pt>
     <dgm:pt modelId="{E59CECE1-AA1F-4B41-BFD6-7FD30D459104}" type="pres">
-      <dgm:prSet presAssocID="{513FAADA-5489-46B9-A358-44962FC774E2}" presName="parTx" presStyleLbl="node1" presStyleIdx="1" presStyleCnt="3">
+      <dgm:prSet presAssocID="{513FAADA-5489-46B9-A358-44962FC774E2}" presName="parTx" presStyleLbl="node1" presStyleIdx="1" presStyleCnt="4">
         <dgm:presLayoutVars>
           <dgm:chMax val="0"/>
           <dgm:chPref val="0"/>
@@ -1245,7 +1378,7 @@
       </dgm:t>
     </dgm:pt>
     <dgm:pt modelId="{4B02B11E-33F8-4317-BEDB-C258D749C0B9}" type="pres">
-      <dgm:prSet presAssocID="{513FAADA-5489-46B9-A358-44962FC774E2}" presName="parSh" presStyleLbl="node1" presStyleIdx="2" presStyleCnt="3"/>
+      <dgm:prSet presAssocID="{513FAADA-5489-46B9-A358-44962FC774E2}" presName="parSh" presStyleLbl="node1" presStyleIdx="2" presStyleCnt="4"/>
       <dgm:spPr/>
       <dgm:t>
         <a:bodyPr/>
@@ -1256,7 +1389,76 @@
       </dgm:t>
     </dgm:pt>
     <dgm:pt modelId="{4BA35E00-785A-4D49-9ECD-767D2D8AD49D}" type="pres">
-      <dgm:prSet presAssocID="{513FAADA-5489-46B9-A358-44962FC774E2}" presName="desTx" presStyleLbl="fgAcc1" presStyleIdx="2" presStyleCnt="3">
+      <dgm:prSet presAssocID="{513FAADA-5489-46B9-A358-44962FC774E2}" presName="desTx" presStyleLbl="fgAcc1" presStyleIdx="2" presStyleCnt="4">
+        <dgm:presLayoutVars>
+          <dgm:bulletEnabled val="1"/>
+        </dgm:presLayoutVars>
+      </dgm:prSet>
+      <dgm:spPr/>
+      <dgm:t>
+        <a:bodyPr/>
+        <a:lstStyle/>
+        <a:p>
+          <a:endParaRPr lang="en-US"/>
+        </a:p>
+      </dgm:t>
+    </dgm:pt>
+    <dgm:pt modelId="{D6B1DD6E-8958-4552-9385-5A96B02BE001}" type="pres">
+      <dgm:prSet presAssocID="{006B6681-1D01-4724-A8B5-EE7EAAED797B}" presName="sibTrans" presStyleLbl="sibTrans2D1" presStyleIdx="2" presStyleCnt="3"/>
+      <dgm:spPr/>
+      <dgm:t>
+        <a:bodyPr/>
+        <a:lstStyle/>
+        <a:p>
+          <a:endParaRPr lang="en-US"/>
+        </a:p>
+      </dgm:t>
+    </dgm:pt>
+    <dgm:pt modelId="{EEE489C0-1960-4A77-826C-40ABDC8F27EB}" type="pres">
+      <dgm:prSet presAssocID="{006B6681-1D01-4724-A8B5-EE7EAAED797B}" presName="connTx" presStyleLbl="sibTrans2D1" presStyleIdx="2" presStyleCnt="3"/>
+      <dgm:spPr/>
+      <dgm:t>
+        <a:bodyPr/>
+        <a:lstStyle/>
+        <a:p>
+          <a:endParaRPr lang="en-US"/>
+        </a:p>
+      </dgm:t>
+    </dgm:pt>
+    <dgm:pt modelId="{C1D8B4BD-BAC9-4154-991F-DBF1C6BC9981}" type="pres">
+      <dgm:prSet presAssocID="{BA4DF10F-BAB9-4EA0-B113-A5F8011810FE}" presName="composite" presStyleCnt="0"/>
+      <dgm:spPr/>
+    </dgm:pt>
+    <dgm:pt modelId="{D3BCF727-E1E9-4FE1-AF1C-4F4F0FAFA795}" type="pres">
+      <dgm:prSet presAssocID="{BA4DF10F-BAB9-4EA0-B113-A5F8011810FE}" presName="parTx" presStyleLbl="node1" presStyleIdx="2" presStyleCnt="4">
+        <dgm:presLayoutVars>
+          <dgm:chMax val="0"/>
+          <dgm:chPref val="0"/>
+          <dgm:bulletEnabled val="1"/>
+        </dgm:presLayoutVars>
+      </dgm:prSet>
+      <dgm:spPr/>
+      <dgm:t>
+        <a:bodyPr/>
+        <a:lstStyle/>
+        <a:p>
+          <a:endParaRPr lang="en-US"/>
+        </a:p>
+      </dgm:t>
+    </dgm:pt>
+    <dgm:pt modelId="{3256FF14-087B-4093-ABF2-9C42E103BC2C}" type="pres">
+      <dgm:prSet presAssocID="{BA4DF10F-BAB9-4EA0-B113-A5F8011810FE}" presName="parSh" presStyleLbl="node1" presStyleIdx="3" presStyleCnt="4"/>
+      <dgm:spPr/>
+      <dgm:t>
+        <a:bodyPr/>
+        <a:lstStyle/>
+        <a:p>
+          <a:endParaRPr lang="en-US"/>
+        </a:p>
+      </dgm:t>
+    </dgm:pt>
+    <dgm:pt modelId="{0488B641-47E3-4BD4-AC32-73DBB6E33E5E}" type="pres">
+      <dgm:prSet presAssocID="{BA4DF10F-BAB9-4EA0-B113-A5F8011810FE}" presName="desTx" presStyleLbl="fgAcc1" presStyleIdx="3" presStyleCnt="4">
         <dgm:presLayoutVars>
           <dgm:bulletEnabled val="1"/>
         </dgm:presLayoutVars>
@@ -1272,26 +1474,33 @@
     </dgm:pt>
   </dgm:ptLst>
   <dgm:cxnLst>
+    <dgm:cxn modelId="{FCECE245-CFA7-4BCF-907C-80658422E92D}" type="presOf" srcId="{BA4DF10F-BAB9-4EA0-B113-A5F8011810FE}" destId="{3256FF14-087B-4093-ABF2-9C42E103BC2C}" srcOrd="1" destOrd="0" presId="urn:microsoft.com/office/officeart/2005/8/layout/process3"/>
+    <dgm:cxn modelId="{B5178C68-0E13-42D2-A911-87A3C5D0446A}" type="presOf" srcId="{5E807E5D-858F-485C-93D3-2CA219B37D37}" destId="{8AE9E217-1FA9-498F-B9EC-98D5ED20C5AB}" srcOrd="0" destOrd="0" presId="urn:microsoft.com/office/officeart/2005/8/layout/process3"/>
+    <dgm:cxn modelId="{4D19FD30-8583-4281-AC9E-CBADC7144164}" srcId="{45295544-0D20-4229-A153-128F45A8B58E}" destId="{5E807E5D-858F-485C-93D3-2CA219B37D37}" srcOrd="1" destOrd="0" parTransId="{32D85B09-F5E0-49B3-9DFB-FD439688F567}" sibTransId="{B3D63858-7DC0-4E65-918D-7F365E715B9F}"/>
+    <dgm:cxn modelId="{758DB285-750E-49C2-8745-9E24053F56BE}" type="presOf" srcId="{006B6681-1D01-4724-A8B5-EE7EAAED797B}" destId="{D6B1DD6E-8958-4552-9385-5A96B02BE001}" srcOrd="0" destOrd="0" presId="urn:microsoft.com/office/officeart/2005/8/layout/process3"/>
     <dgm:cxn modelId="{B64B0A12-10D1-462E-B175-D8D4C1582BCA}" srcId="{45295544-0D20-4229-A153-128F45A8B58E}" destId="{8A3EB83F-6EE9-424D-8923-A8991045A53E}" srcOrd="0" destOrd="0" parTransId="{CEE7CD13-2752-4F78-8BA8-454AEAA44259}" sibTransId="{0DC140F9-A9C1-4694-B6A1-A4905C7C1245}"/>
+    <dgm:cxn modelId="{30CA0A0D-5136-4F0B-B5C6-FE0A24C647B7}" type="presOf" srcId="{B3D63858-7DC0-4E65-918D-7F365E715B9F}" destId="{9A57C195-CD2B-44D7-8E4E-E5EC2FC92A0E}" srcOrd="0" destOrd="0" presId="urn:microsoft.com/office/officeart/2005/8/layout/process3"/>
+    <dgm:cxn modelId="{32B599F5-A058-4A3D-B098-A073AA77D5CB}" type="presOf" srcId="{97F6295E-0634-4690-B3FE-F44129C45F36}" destId="{0488B641-47E3-4BD4-AC32-73DBB6E33E5E}" srcOrd="0" destOrd="0" presId="urn:microsoft.com/office/officeart/2005/8/layout/process3"/>
+    <dgm:cxn modelId="{CEEF09BF-3ADE-4853-932A-6C726ED7C906}" type="presOf" srcId="{5E807E5D-858F-485C-93D3-2CA219B37D37}" destId="{E790169A-885B-4A5D-8D1F-CF7E7F0B026D}" srcOrd="1" destOrd="0" presId="urn:microsoft.com/office/officeart/2005/8/layout/process3"/>
+    <dgm:cxn modelId="{25FD792F-295C-404F-B5AD-6C6E0FB4B91C}" type="presOf" srcId="{8A3EB83F-6EE9-424D-8923-A8991045A53E}" destId="{F346B117-C29C-4806-A377-2DE2D2546881}" srcOrd="1" destOrd="0" presId="urn:microsoft.com/office/officeart/2005/8/layout/process3"/>
+    <dgm:cxn modelId="{89302608-AA5E-4A77-B9E9-E2B405396E97}" srcId="{45295544-0D20-4229-A153-128F45A8B58E}" destId="{513FAADA-5489-46B9-A358-44962FC774E2}" srcOrd="2" destOrd="0" parTransId="{2EC87C47-B36A-449A-9B92-A5F35FA67598}" sibTransId="{006B6681-1D01-4724-A8B5-EE7EAAED797B}"/>
+    <dgm:cxn modelId="{4DBD389B-A40D-4B80-B95E-DAFC3D4687A3}" type="presOf" srcId="{6795CB83-06AB-4C3E-B307-CDAA113632AC}" destId="{DB3E874D-C4A6-4DFF-AEB6-6866276431EA}" srcOrd="0" destOrd="0" presId="urn:microsoft.com/office/officeart/2005/8/layout/process3"/>
+    <dgm:cxn modelId="{24DBFF3D-A927-4A64-9F0F-BC6563D8DE78}" srcId="{5E807E5D-858F-485C-93D3-2CA219B37D37}" destId="{D8B33D73-70BE-4CF3-BDAE-6D5CF83ABE30}" srcOrd="0" destOrd="0" parTransId="{63DEE733-2D1A-4CF9-A5B7-B6A0BD5E00E9}" sibTransId="{83D50E95-C59C-4153-8C2F-FB3555DFA3A2}"/>
+    <dgm:cxn modelId="{3E6DAE7E-0338-4781-B89C-34A18DEC8AC1}" type="presOf" srcId="{45295544-0D20-4229-A153-128F45A8B58E}" destId="{1F7E644D-9170-43F0-8C5B-A9CF3986A524}" srcOrd="0" destOrd="0" presId="urn:microsoft.com/office/officeart/2005/8/layout/process3"/>
+    <dgm:cxn modelId="{8B828C79-9BB4-4D19-B3A9-2F2DD303596C}" type="presOf" srcId="{5E19D8C5-9EBD-4308-BF74-88501C7405BA}" destId="{4BA35E00-785A-4D49-9ECD-767D2D8AD49D}" srcOrd="0" destOrd="0" presId="urn:microsoft.com/office/officeart/2005/8/layout/process3"/>
+    <dgm:cxn modelId="{55C2795C-3CC6-498D-83EC-A357C3A0D98D}" srcId="{BA4DF10F-BAB9-4EA0-B113-A5F8011810FE}" destId="{97F6295E-0634-4690-B3FE-F44129C45F36}" srcOrd="0" destOrd="0" parTransId="{C82F1BE3-1331-4383-A844-82B7F6A83D0B}" sibTransId="{32040FE1-9D98-4F5A-B4A8-5267AE65E82E}"/>
     <dgm:cxn modelId="{1C8BA9E1-92F3-4C63-B040-745225D3526F}" type="presOf" srcId="{D8B33D73-70BE-4CF3-BDAE-6D5CF83ABE30}" destId="{98B39080-9814-4FB1-8242-313D76AE1EE5}" srcOrd="0" destOrd="0" presId="urn:microsoft.com/office/officeart/2005/8/layout/process3"/>
-    <dgm:cxn modelId="{25FD792F-295C-404F-B5AD-6C6E0FB4B91C}" type="presOf" srcId="{8A3EB83F-6EE9-424D-8923-A8991045A53E}" destId="{F346B117-C29C-4806-A377-2DE2D2546881}" srcOrd="1" destOrd="0" presId="urn:microsoft.com/office/officeart/2005/8/layout/process3"/>
-    <dgm:cxn modelId="{24DBFF3D-A927-4A64-9F0F-BC6563D8DE78}" srcId="{5E807E5D-858F-485C-93D3-2CA219B37D37}" destId="{D8B33D73-70BE-4CF3-BDAE-6D5CF83ABE30}" srcOrd="0" destOrd="0" parTransId="{63DEE733-2D1A-4CF9-A5B7-B6A0BD5E00E9}" sibTransId="{83D50E95-C59C-4153-8C2F-FB3555DFA3A2}"/>
-    <dgm:cxn modelId="{4DBD389B-A40D-4B80-B95E-DAFC3D4687A3}" type="presOf" srcId="{6795CB83-06AB-4C3E-B307-CDAA113632AC}" destId="{DB3E874D-C4A6-4DFF-AEB6-6866276431EA}" srcOrd="0" destOrd="0" presId="urn:microsoft.com/office/officeart/2005/8/layout/process3"/>
-    <dgm:cxn modelId="{4D19FD30-8583-4281-AC9E-CBADC7144164}" srcId="{45295544-0D20-4229-A153-128F45A8B58E}" destId="{5E807E5D-858F-485C-93D3-2CA219B37D37}" srcOrd="1" destOrd="0" parTransId="{32D85B09-F5E0-49B3-9DFB-FD439688F567}" sibTransId="{B3D63858-7DC0-4E65-918D-7F365E715B9F}"/>
+    <dgm:cxn modelId="{637B023B-BF97-40F3-91ED-91AE59DF0568}" srcId="{45295544-0D20-4229-A153-128F45A8B58E}" destId="{BA4DF10F-BAB9-4EA0-B113-A5F8011810FE}" srcOrd="3" destOrd="0" parTransId="{6327A1B7-70B7-4140-89BD-DCBF3966EA8E}" sibTransId="{4D0B0B66-0E6D-420D-97F4-44B19E471629}"/>
+    <dgm:cxn modelId="{837DAA94-2741-494D-9618-675066A0D989}" type="presOf" srcId="{006B6681-1D01-4724-A8B5-EE7EAAED797B}" destId="{EEE489C0-1960-4A77-826C-40ABDC8F27EB}" srcOrd="1" destOrd="0" presId="urn:microsoft.com/office/officeart/2005/8/layout/process3"/>
     <dgm:cxn modelId="{73488AEC-09BD-4D4A-A212-9684808FDCF5}" type="presOf" srcId="{0DC140F9-A9C1-4694-B6A1-A4905C7C1245}" destId="{36281CDF-670B-45C2-A761-C9799B24415D}" srcOrd="1" destOrd="0" presId="urn:microsoft.com/office/officeart/2005/8/layout/process3"/>
-    <dgm:cxn modelId="{B5178C68-0E13-42D2-A911-87A3C5D0446A}" type="presOf" srcId="{5E807E5D-858F-485C-93D3-2CA219B37D37}" destId="{8AE9E217-1FA9-498F-B9EC-98D5ED20C5AB}" srcOrd="0" destOrd="0" presId="urn:microsoft.com/office/officeart/2005/8/layout/process3"/>
-    <dgm:cxn modelId="{89302608-AA5E-4A77-B9E9-E2B405396E97}" srcId="{45295544-0D20-4229-A153-128F45A8B58E}" destId="{513FAADA-5489-46B9-A358-44962FC774E2}" srcOrd="2" destOrd="0" parTransId="{2EC87C47-B36A-449A-9B92-A5F35FA67598}" sibTransId="{006B6681-1D01-4724-A8B5-EE7EAAED797B}"/>
-    <dgm:cxn modelId="{3E6DAE7E-0338-4781-B89C-34A18DEC8AC1}" type="presOf" srcId="{45295544-0D20-4229-A153-128F45A8B58E}" destId="{1F7E644D-9170-43F0-8C5B-A9CF3986A524}" srcOrd="0" destOrd="0" presId="urn:microsoft.com/office/officeart/2005/8/layout/process3"/>
+    <dgm:cxn modelId="{24142144-AC77-48A2-867E-9B76008A87C3}" type="presOf" srcId="{BA4DF10F-BAB9-4EA0-B113-A5F8011810FE}" destId="{D3BCF727-E1E9-4FE1-AF1C-4F4F0FAFA795}" srcOrd="0" destOrd="0" presId="urn:microsoft.com/office/officeart/2005/8/layout/process3"/>
+    <dgm:cxn modelId="{67FA8BFF-237F-416A-9A1F-CD241D1CE842}" type="presOf" srcId="{B3D63858-7DC0-4E65-918D-7F365E715B9F}" destId="{B2233450-7ADA-47DC-B546-330245948961}" srcOrd="1" destOrd="0" presId="urn:microsoft.com/office/officeart/2005/8/layout/process3"/>
+    <dgm:cxn modelId="{2ED09938-18AB-448F-8742-E980868764A8}" type="presOf" srcId="{0DC140F9-A9C1-4694-B6A1-A4905C7C1245}" destId="{2E3C21B9-077C-41A0-9719-2C074C75EE14}" srcOrd="0" destOrd="0" presId="urn:microsoft.com/office/officeart/2005/8/layout/process3"/>
+    <dgm:cxn modelId="{BD29CC99-6F2B-4888-B0FB-939590602E4F}" type="presOf" srcId="{8A3EB83F-6EE9-424D-8923-A8991045A53E}" destId="{897057DF-4A5A-4171-A3A2-121F4239636A}" srcOrd="0" destOrd="0" presId="urn:microsoft.com/office/officeart/2005/8/layout/process3"/>
+    <dgm:cxn modelId="{DBAD6809-825D-464F-91CD-5B769C45540F}" srcId="{8A3EB83F-6EE9-424D-8923-A8991045A53E}" destId="{6795CB83-06AB-4C3E-B307-CDAA113632AC}" srcOrd="0" destOrd="0" parTransId="{944E93B7-2BCE-43DA-AE3D-DA4F642C6AB6}" sibTransId="{5E659F22-FD71-48D3-AC11-1743D5FF5BDA}"/>
     <dgm:cxn modelId="{BB2B5509-7089-48F1-A0FE-761BAEE3A752}" type="presOf" srcId="{513FAADA-5489-46B9-A358-44962FC774E2}" destId="{E59CECE1-AA1F-4B41-BFD6-7FD30D459104}" srcOrd="0" destOrd="0" presId="urn:microsoft.com/office/officeart/2005/8/layout/process3"/>
-    <dgm:cxn modelId="{8B828C79-9BB4-4D19-B3A9-2F2DD303596C}" type="presOf" srcId="{5E19D8C5-9EBD-4308-BF74-88501C7405BA}" destId="{4BA35E00-785A-4D49-9ECD-767D2D8AD49D}" srcOrd="0" destOrd="0" presId="urn:microsoft.com/office/officeart/2005/8/layout/process3"/>
-    <dgm:cxn modelId="{67FA8BFF-237F-416A-9A1F-CD241D1CE842}" type="presOf" srcId="{B3D63858-7DC0-4E65-918D-7F365E715B9F}" destId="{B2233450-7ADA-47DC-B546-330245948961}" srcOrd="1" destOrd="0" presId="urn:microsoft.com/office/officeart/2005/8/layout/process3"/>
     <dgm:cxn modelId="{6484F48E-6705-41A2-A896-C85D2CC10D13}" srcId="{513FAADA-5489-46B9-A358-44962FC774E2}" destId="{5E19D8C5-9EBD-4308-BF74-88501C7405BA}" srcOrd="0" destOrd="0" parTransId="{069371A5-20CB-4096-9396-4D1EE5EA616A}" sibTransId="{2A7E5E44-1C5A-4EFF-825A-E60D4E07D06C}"/>
-    <dgm:cxn modelId="{30CA0A0D-5136-4F0B-B5C6-FE0A24C647B7}" type="presOf" srcId="{B3D63858-7DC0-4E65-918D-7F365E715B9F}" destId="{9A57C195-CD2B-44D7-8E4E-E5EC2FC92A0E}" srcOrd="0" destOrd="0" presId="urn:microsoft.com/office/officeart/2005/8/layout/process3"/>
-    <dgm:cxn modelId="{DBAD6809-825D-464F-91CD-5B769C45540F}" srcId="{8A3EB83F-6EE9-424D-8923-A8991045A53E}" destId="{6795CB83-06AB-4C3E-B307-CDAA113632AC}" srcOrd="0" destOrd="0" parTransId="{944E93B7-2BCE-43DA-AE3D-DA4F642C6AB6}" sibTransId="{5E659F22-FD71-48D3-AC11-1743D5FF5BDA}"/>
-    <dgm:cxn modelId="{BD29CC99-6F2B-4888-B0FB-939590602E4F}" type="presOf" srcId="{8A3EB83F-6EE9-424D-8923-A8991045A53E}" destId="{897057DF-4A5A-4171-A3A2-121F4239636A}" srcOrd="0" destOrd="0" presId="urn:microsoft.com/office/officeart/2005/8/layout/process3"/>
     <dgm:cxn modelId="{B3818AEF-B505-491D-B91C-9FB890C3EDFD}" type="presOf" srcId="{513FAADA-5489-46B9-A358-44962FC774E2}" destId="{4B02B11E-33F8-4317-BEDB-C258D749C0B9}" srcOrd="1" destOrd="0" presId="urn:microsoft.com/office/officeart/2005/8/layout/process3"/>
-    <dgm:cxn modelId="{CEEF09BF-3ADE-4853-932A-6C726ED7C906}" type="presOf" srcId="{5E807E5D-858F-485C-93D3-2CA219B37D37}" destId="{E790169A-885B-4A5D-8D1F-CF7E7F0B026D}" srcOrd="1" destOrd="0" presId="urn:microsoft.com/office/officeart/2005/8/layout/process3"/>
-    <dgm:cxn modelId="{2ED09938-18AB-448F-8742-E980868764A8}" type="presOf" srcId="{0DC140F9-A9C1-4694-B6A1-A4905C7C1245}" destId="{2E3C21B9-077C-41A0-9719-2C074C75EE14}" srcOrd="0" destOrd="0" presId="urn:microsoft.com/office/officeart/2005/8/layout/process3"/>
     <dgm:cxn modelId="{F058A8DF-124A-4C18-AB4E-085CA2376E2A}" type="presParOf" srcId="{1F7E644D-9170-43F0-8C5B-A9CF3986A524}" destId="{09C3E3CE-AAA5-43F4-98ED-917EF3B89204}" srcOrd="0" destOrd="0" presId="urn:microsoft.com/office/officeart/2005/8/layout/process3"/>
     <dgm:cxn modelId="{B10B3C5C-36EA-4C2C-B241-42667DB2E51F}" type="presParOf" srcId="{09C3E3CE-AAA5-43F4-98ED-917EF3B89204}" destId="{897057DF-4A5A-4171-A3A2-121F4239636A}" srcOrd="0" destOrd="0" presId="urn:microsoft.com/office/officeart/2005/8/layout/process3"/>
     <dgm:cxn modelId="{013C741F-1602-41B3-90BA-A26DD5FB1509}" type="presParOf" srcId="{09C3E3CE-AAA5-43F4-98ED-917EF3B89204}" destId="{F346B117-C29C-4806-A377-2DE2D2546881}" srcOrd="1" destOrd="0" presId="urn:microsoft.com/office/officeart/2005/8/layout/process3"/>
@@ -1308,6 +1517,12 @@
     <dgm:cxn modelId="{2D389962-D982-474A-A805-CB8DB144D333}" type="presParOf" srcId="{0C8ED16C-BBAC-421E-9E75-153AAD985738}" destId="{E59CECE1-AA1F-4B41-BFD6-7FD30D459104}" srcOrd="0" destOrd="0" presId="urn:microsoft.com/office/officeart/2005/8/layout/process3"/>
     <dgm:cxn modelId="{9FC74E91-A435-49E3-B9F3-063271C64F82}" type="presParOf" srcId="{0C8ED16C-BBAC-421E-9E75-153AAD985738}" destId="{4B02B11E-33F8-4317-BEDB-C258D749C0B9}" srcOrd="1" destOrd="0" presId="urn:microsoft.com/office/officeart/2005/8/layout/process3"/>
     <dgm:cxn modelId="{1A9F0C19-9B12-4E9B-9AB9-608486509EAA}" type="presParOf" srcId="{0C8ED16C-BBAC-421E-9E75-153AAD985738}" destId="{4BA35E00-785A-4D49-9ECD-767D2D8AD49D}" srcOrd="2" destOrd="0" presId="urn:microsoft.com/office/officeart/2005/8/layout/process3"/>
+    <dgm:cxn modelId="{F8D6D4EC-0CBA-4E35-A3C7-549E31B8D472}" type="presParOf" srcId="{1F7E644D-9170-43F0-8C5B-A9CF3986A524}" destId="{D6B1DD6E-8958-4552-9385-5A96B02BE001}" srcOrd="5" destOrd="0" presId="urn:microsoft.com/office/officeart/2005/8/layout/process3"/>
+    <dgm:cxn modelId="{EAF4E040-75CE-4DCB-9BA8-BEC362A09EDC}" type="presParOf" srcId="{D6B1DD6E-8958-4552-9385-5A96B02BE001}" destId="{EEE489C0-1960-4A77-826C-40ABDC8F27EB}" srcOrd="0" destOrd="0" presId="urn:microsoft.com/office/officeart/2005/8/layout/process3"/>
+    <dgm:cxn modelId="{D7B4C4C1-F37D-4FA5-9837-8949FE279B33}" type="presParOf" srcId="{1F7E644D-9170-43F0-8C5B-A9CF3986A524}" destId="{C1D8B4BD-BAC9-4154-991F-DBF1C6BC9981}" srcOrd="6" destOrd="0" presId="urn:microsoft.com/office/officeart/2005/8/layout/process3"/>
+    <dgm:cxn modelId="{2A05A2E8-8246-49B3-9CAB-BD0965939190}" type="presParOf" srcId="{C1D8B4BD-BAC9-4154-991F-DBF1C6BC9981}" destId="{D3BCF727-E1E9-4FE1-AF1C-4F4F0FAFA795}" srcOrd="0" destOrd="0" presId="urn:microsoft.com/office/officeart/2005/8/layout/process3"/>
+    <dgm:cxn modelId="{C1CE6822-4EBC-41C1-AD31-F32411DECC2B}" type="presParOf" srcId="{C1D8B4BD-BAC9-4154-991F-DBF1C6BC9981}" destId="{3256FF14-087B-4093-ABF2-9C42E103BC2C}" srcOrd="1" destOrd="0" presId="urn:microsoft.com/office/officeart/2005/8/layout/process3"/>
+    <dgm:cxn modelId="{28BA980A-91F8-49A6-89DE-7232CB259E57}" type="presParOf" srcId="{C1D8B4BD-BAC9-4154-991F-DBF1C6BC9981}" destId="{0488B641-47E3-4BD4-AC32-73DBB6E33E5E}" srcOrd="2" destOrd="0" presId="urn:microsoft.com/office/officeart/2005/8/layout/process3"/>
   </dgm:cxnLst>
   <dgm:bg/>
   <dgm:whole/>
@@ -1334,8 +1549,8 @@
       </dsp:nvSpPr>
       <dsp:spPr>
         <a:xfrm>
-          <a:off x="4042" y="1419056"/>
-          <a:ext cx="1838086" cy="1052031"/>
+          <a:off x="1368" y="1490395"/>
+          <a:ext cx="1719643" cy="994612"/>
         </a:xfrm>
         <a:prstGeom prst="roundRect">
           <a:avLst>
@@ -1379,12 +1594,12 @@
         </a:fontRef>
       </dsp:style>
       <dsp:txBody>
-        <a:bodyPr spcFirstLastPara="0" vert="horz" wrap="square" lIns="128016" tIns="128016" rIns="128016" bIns="68580" numCol="1" spcCol="1270" anchor="t" anchorCtr="0">
+        <a:bodyPr spcFirstLastPara="0" vert="horz" wrap="square" lIns="120904" tIns="120904" rIns="120904" bIns="64770" numCol="1" spcCol="1270" anchor="t" anchorCtr="0">
           <a:noAutofit/>
         </a:bodyPr>
         <a:lstStyle/>
         <a:p>
-          <a:pPr lvl="0" algn="l" defTabSz="800100">
+          <a:pPr lvl="0" algn="l" defTabSz="755650">
             <a:lnSpc>
               <a:spcPct val="90000"/>
             </a:lnSpc>
@@ -1396,15 +1611,15 @@
             </a:spcAft>
           </a:pPr>
           <a:r>
-            <a:rPr lang="en-US" sz="1800" kern="1200" dirty="0" smtClean="0"/>
+            <a:rPr lang="en-US" sz="1700" kern="1200" dirty="0" smtClean="0"/>
             <a:t>Process Data</a:t>
           </a:r>
-          <a:endParaRPr lang="en-US" sz="1800" kern="1200" dirty="0"/>
+          <a:endParaRPr lang="en-US" sz="1700" kern="1200" dirty="0"/>
         </a:p>
       </dsp:txBody>
       <dsp:txXfrm>
-        <a:off x="4042" y="1419056"/>
-        <a:ext cx="1838086" cy="701354"/>
+        <a:off x="1368" y="1490395"/>
+        <a:ext cx="1719643" cy="663075"/>
       </dsp:txXfrm>
     </dsp:sp>
     <dsp:sp modelId="{DB3E874D-C4A6-4DFF-AEB6-6866276431EA}">
@@ -1414,8 +1629,8 @@
       </dsp:nvSpPr>
       <dsp:spPr>
         <a:xfrm>
-          <a:off x="380518" y="2120410"/>
-          <a:ext cx="1838086" cy="1879200"/>
+          <a:off x="353584" y="2153471"/>
+          <a:ext cx="1719643" cy="1774800"/>
         </a:xfrm>
         <a:prstGeom prst="roundRect">
           <a:avLst>
@@ -1458,12 +1673,12 @@
         <a:fontRef idx="minor"/>
       </dsp:style>
       <dsp:txBody>
-        <a:bodyPr spcFirstLastPara="0" vert="horz" wrap="square" lIns="128016" tIns="128016" rIns="128016" bIns="128016" numCol="1" spcCol="1270" anchor="t" anchorCtr="0">
+        <a:bodyPr spcFirstLastPara="0" vert="horz" wrap="square" lIns="120904" tIns="120904" rIns="120904" bIns="120904" numCol="1" spcCol="1270" anchor="t" anchorCtr="0">
           <a:noAutofit/>
         </a:bodyPr>
         <a:lstStyle/>
         <a:p>
-          <a:pPr marL="171450" lvl="1" indent="-171450" algn="l" defTabSz="800100">
+          <a:pPr marL="171450" lvl="1" indent="-171450" algn="l" defTabSz="755650">
             <a:lnSpc>
               <a:spcPct val="90000"/>
             </a:lnSpc>
@@ -1476,23 +1691,23 @@
             <a:buChar char="••"/>
           </a:pPr>
           <a:r>
-            <a:rPr lang="en-US" sz="1800" kern="1200" dirty="0" smtClean="0"/>
+            <a:rPr lang="en-US" sz="1700" kern="1200" dirty="0" smtClean="0"/>
             <a:t>Calculate GPS coordinates from final location and </a:t>
           </a:r>
           <a:r>
-            <a:rPr lang="en-US" sz="1800" kern="1200" dirty="0" err="1" smtClean="0"/>
+            <a:rPr lang="en-US" sz="1700" kern="1200" dirty="0" err="1" smtClean="0"/>
             <a:t>Lat</a:t>
           </a:r>
           <a:r>
-            <a:rPr lang="en-US" sz="1800" kern="1200" dirty="0" smtClean="0"/>
+            <a:rPr lang="en-US" sz="1700" kern="1200" dirty="0" smtClean="0"/>
             <a:t>/Long delta</a:t>
           </a:r>
-          <a:endParaRPr lang="en-US" sz="1800" kern="1200" dirty="0"/>
+          <a:endParaRPr lang="en-US" sz="1700" kern="1200" dirty="0"/>
         </a:p>
       </dsp:txBody>
       <dsp:txXfrm>
-        <a:off x="434354" y="2174246"/>
-        <a:ext cx="1730414" cy="1771528"/>
+        <a:off x="403951" y="2203838"/>
+        <a:ext cx="1618909" cy="1674066"/>
       </dsp:txXfrm>
     </dsp:sp>
     <dsp:sp modelId="{2E3C21B9-077C-41A0-9719-2C074C75EE14}">
@@ -1502,8 +1717,8 @@
       </dsp:nvSpPr>
       <dsp:spPr>
         <a:xfrm>
-          <a:off x="2120776" y="1540918"/>
-          <a:ext cx="590732" cy="457630"/>
+          <a:off x="1981703" y="1607862"/>
+          <a:ext cx="552666" cy="428141"/>
         </a:xfrm>
         <a:prstGeom prst="rightArrow">
           <a:avLst>
@@ -1560,8 +1775,8 @@
         </a:p>
       </dsp:txBody>
       <dsp:txXfrm>
-        <a:off x="2120776" y="1632444"/>
-        <a:ext cx="453443" cy="274578"/>
+        <a:off x="1981703" y="1693490"/>
+        <a:ext cx="424224" cy="256885"/>
       </dsp:txXfrm>
     </dsp:sp>
     <dsp:sp modelId="{E790169A-885B-4A5D-8D1F-CF7E7F0B026D}">
@@ -1571,8 +1786,8 @@
       </dsp:nvSpPr>
       <dsp:spPr>
         <a:xfrm>
-          <a:off x="2956718" y="1419056"/>
-          <a:ext cx="1838086" cy="1052031"/>
+          <a:off x="2763779" y="1490395"/>
+          <a:ext cx="1719643" cy="994612"/>
         </a:xfrm>
         <a:prstGeom prst="roundRect">
           <a:avLst>
@@ -1616,12 +1831,12 @@
         </a:fontRef>
       </dsp:style>
       <dsp:txBody>
-        <a:bodyPr spcFirstLastPara="0" vert="horz" wrap="square" lIns="128016" tIns="128016" rIns="128016" bIns="68580" numCol="1" spcCol="1270" anchor="t" anchorCtr="0">
+        <a:bodyPr spcFirstLastPara="0" vert="horz" wrap="square" lIns="120904" tIns="120904" rIns="120904" bIns="64770" numCol="1" spcCol="1270" anchor="t" anchorCtr="0">
           <a:noAutofit/>
         </a:bodyPr>
         <a:lstStyle/>
         <a:p>
-          <a:pPr lvl="0" algn="l" defTabSz="800100">
+          <a:pPr lvl="0" algn="l" defTabSz="755650">
             <a:lnSpc>
               <a:spcPct val="90000"/>
             </a:lnSpc>
@@ -1633,15 +1848,15 @@
             </a:spcAft>
           </a:pPr>
           <a:r>
-            <a:rPr lang="en-US" sz="1800" kern="1200" dirty="0" smtClean="0"/>
+            <a:rPr lang="en-US" sz="1700" kern="1200" dirty="0" smtClean="0"/>
             <a:t>Compare Times</a:t>
           </a:r>
-          <a:endParaRPr lang="en-US" sz="1800" kern="1200" dirty="0"/>
+          <a:endParaRPr lang="en-US" sz="1700" kern="1200" dirty="0"/>
         </a:p>
       </dsp:txBody>
       <dsp:txXfrm>
-        <a:off x="2956718" y="1419056"/>
-        <a:ext cx="1838086" cy="701354"/>
+        <a:off x="2763779" y="1490395"/>
+        <a:ext cx="1719643" cy="663075"/>
       </dsp:txXfrm>
     </dsp:sp>
     <dsp:sp modelId="{98B39080-9814-4FB1-8242-313D76AE1EE5}">
@@ -1651,8 +1866,8 @@
       </dsp:nvSpPr>
       <dsp:spPr>
         <a:xfrm>
-          <a:off x="3333194" y="2120410"/>
-          <a:ext cx="1838086" cy="1879200"/>
+          <a:off x="3115995" y="2153471"/>
+          <a:ext cx="1719643" cy="1774800"/>
         </a:xfrm>
         <a:prstGeom prst="roundRect">
           <a:avLst>
@@ -1695,12 +1910,12 @@
         <a:fontRef idx="minor"/>
       </dsp:style>
       <dsp:txBody>
-        <a:bodyPr spcFirstLastPara="0" vert="horz" wrap="square" lIns="128016" tIns="128016" rIns="128016" bIns="128016" numCol="1" spcCol="1270" anchor="t" anchorCtr="0">
+        <a:bodyPr spcFirstLastPara="0" vert="horz" wrap="square" lIns="120904" tIns="120904" rIns="120904" bIns="120904" numCol="1" spcCol="1270" anchor="t" anchorCtr="0">
           <a:noAutofit/>
         </a:bodyPr>
         <a:lstStyle/>
         <a:p>
-          <a:pPr marL="171450" lvl="1" indent="-171450" algn="l" defTabSz="800100">
+          <a:pPr marL="171450" lvl="1" indent="-171450" algn="l" defTabSz="755650">
             <a:lnSpc>
               <a:spcPct val="90000"/>
             </a:lnSpc>
@@ -1713,15 +1928,15 @@
             <a:buChar char="••"/>
           </a:pPr>
           <a:r>
-            <a:rPr lang="en-US" sz="1800" kern="1200" dirty="0" smtClean="0"/>
+            <a:rPr lang="en-US" sz="1700" kern="1200" dirty="0" smtClean="0"/>
             <a:t>Sort data by the hour it was collected</a:t>
           </a:r>
-          <a:endParaRPr lang="en-US" sz="1800" kern="1200" dirty="0"/>
+          <a:endParaRPr lang="en-US" sz="1700" kern="1200" dirty="0"/>
         </a:p>
       </dsp:txBody>
       <dsp:txXfrm>
-        <a:off x="3387030" y="2174246"/>
-        <a:ext cx="1730414" cy="1771528"/>
+        <a:off x="3166362" y="2203838"/>
+        <a:ext cx="1618909" cy="1674066"/>
       </dsp:txXfrm>
     </dsp:sp>
     <dsp:sp modelId="{9A57C195-CD2B-44D7-8E4E-E5EC2FC92A0E}">
@@ -1731,8 +1946,8 @@
       </dsp:nvSpPr>
       <dsp:spPr>
         <a:xfrm>
-          <a:off x="5073452" y="1540918"/>
-          <a:ext cx="590732" cy="457630"/>
+          <a:off x="4744114" y="1607862"/>
+          <a:ext cx="552666" cy="428141"/>
         </a:xfrm>
         <a:prstGeom prst="rightArrow">
           <a:avLst>
@@ -1789,8 +2004,8 @@
         </a:p>
       </dsp:txBody>
       <dsp:txXfrm>
-        <a:off x="5073452" y="1632444"/>
-        <a:ext cx="453443" cy="274578"/>
+        <a:off x="4744114" y="1693490"/>
+        <a:ext cx="424224" cy="256885"/>
       </dsp:txXfrm>
     </dsp:sp>
     <dsp:sp modelId="{4B02B11E-33F8-4317-BEDB-C258D749C0B9}">
@@ -1800,8 +2015,8 @@
       </dsp:nvSpPr>
       <dsp:spPr>
         <a:xfrm>
-          <a:off x="5909394" y="1419056"/>
-          <a:ext cx="1838086" cy="1052031"/>
+          <a:off x="5526189" y="1490395"/>
+          <a:ext cx="1719643" cy="994612"/>
         </a:xfrm>
         <a:prstGeom prst="roundRect">
           <a:avLst>
@@ -1845,12 +2060,12 @@
         </a:fontRef>
       </dsp:style>
       <dsp:txBody>
-        <a:bodyPr spcFirstLastPara="0" vert="horz" wrap="square" lIns="128016" tIns="128016" rIns="128016" bIns="68580" numCol="1" spcCol="1270" anchor="t" anchorCtr="0">
+        <a:bodyPr spcFirstLastPara="0" vert="horz" wrap="square" lIns="120904" tIns="120904" rIns="120904" bIns="64770" numCol="1" spcCol="1270" anchor="t" anchorCtr="0">
           <a:noAutofit/>
         </a:bodyPr>
         <a:lstStyle/>
         <a:p>
-          <a:pPr lvl="0" algn="l" defTabSz="800100">
+          <a:pPr lvl="0" algn="l" defTabSz="755650">
             <a:lnSpc>
               <a:spcPct val="90000"/>
             </a:lnSpc>
@@ -1862,15 +2077,15 @@
             </a:spcAft>
           </a:pPr>
           <a:r>
-            <a:rPr lang="en-US" sz="1800" kern="1200" dirty="0" smtClean="0"/>
+            <a:rPr lang="en-US" sz="1700" kern="1200" dirty="0" smtClean="0"/>
             <a:t>Compare Locations</a:t>
           </a:r>
-          <a:endParaRPr lang="en-US" sz="1800" kern="1200" dirty="0"/>
+          <a:endParaRPr lang="en-US" sz="1700" kern="1200" dirty="0"/>
         </a:p>
       </dsp:txBody>
       <dsp:txXfrm>
-        <a:off x="5909394" y="1419056"/>
-        <a:ext cx="1838086" cy="701354"/>
+        <a:off x="5526189" y="1490395"/>
+        <a:ext cx="1719643" cy="663075"/>
       </dsp:txXfrm>
     </dsp:sp>
     <dsp:sp modelId="{4BA35E00-785A-4D49-9ECD-767D2D8AD49D}">
@@ -1880,8 +2095,8 @@
       </dsp:nvSpPr>
       <dsp:spPr>
         <a:xfrm>
-          <a:off x="6285870" y="2120410"/>
-          <a:ext cx="1838086" cy="1879200"/>
+          <a:off x="5878406" y="2153471"/>
+          <a:ext cx="1719643" cy="1774800"/>
         </a:xfrm>
         <a:prstGeom prst="roundRect">
           <a:avLst>
@@ -1924,12 +2139,12 @@
         <a:fontRef idx="minor"/>
       </dsp:style>
       <dsp:txBody>
-        <a:bodyPr spcFirstLastPara="0" vert="horz" wrap="square" lIns="128016" tIns="128016" rIns="128016" bIns="128016" numCol="1" spcCol="1270" anchor="t" anchorCtr="0">
+        <a:bodyPr spcFirstLastPara="0" vert="horz" wrap="square" lIns="120904" tIns="120904" rIns="120904" bIns="120904" numCol="1" spcCol="1270" anchor="t" anchorCtr="0">
           <a:noAutofit/>
         </a:bodyPr>
         <a:lstStyle/>
         <a:p>
-          <a:pPr marL="171450" lvl="1" indent="-171450" algn="l" defTabSz="800100">
+          <a:pPr marL="171450" lvl="1" indent="-171450" algn="l" defTabSz="755650">
             <a:lnSpc>
               <a:spcPct val="90000"/>
             </a:lnSpc>
@@ -1942,15 +2157,248 @@
             <a:buChar char="••"/>
           </a:pPr>
           <a:r>
-            <a:rPr lang="en-US" sz="1800" kern="1200" dirty="0" smtClean="0"/>
-            <a:t>Find any data at the same time with similar locations</a:t>
+            <a:rPr lang="en-US" sz="1700" kern="1200" dirty="0" smtClean="0"/>
+            <a:t>Find any data at the </a:t>
           </a:r>
-          <a:endParaRPr lang="en-US" sz="1800" kern="1200" dirty="0"/>
+          <a:r>
+            <a:rPr lang="en-US" sz="1700" kern="1200" dirty="0" smtClean="0"/>
+            <a:t>same</a:t>
+          </a:r>
+          <a:endParaRPr lang="en-US" sz="1700" kern="1200" dirty="0"/>
         </a:p>
       </dsp:txBody>
       <dsp:txXfrm>
-        <a:off x="6339706" y="2174246"/>
-        <a:ext cx="1730414" cy="1771528"/>
+        <a:off x="5928773" y="2203838"/>
+        <a:ext cx="1618909" cy="1674066"/>
+      </dsp:txXfrm>
+    </dsp:sp>
+    <dsp:sp modelId="{D6B1DD6E-8958-4552-9385-5A96B02BE001}">
+      <dsp:nvSpPr>
+        <dsp:cNvPr id="0" name=""/>
+        <dsp:cNvSpPr/>
+      </dsp:nvSpPr>
+      <dsp:spPr>
+        <a:xfrm>
+          <a:off x="7506525" y="1607862"/>
+          <a:ext cx="552666" cy="428141"/>
+        </a:xfrm>
+        <a:prstGeom prst="rightArrow">
+          <a:avLst>
+            <a:gd name="adj1" fmla="val 60000"/>
+            <a:gd name="adj2" fmla="val 50000"/>
+          </a:avLst>
+        </a:prstGeom>
+        <a:solidFill>
+          <a:schemeClr val="accent1">
+            <a:tint val="60000"/>
+            <a:hueOff val="0"/>
+            <a:satOff val="0"/>
+            <a:lumOff val="0"/>
+            <a:alphaOff val="0"/>
+          </a:schemeClr>
+        </a:solidFill>
+        <a:ln>
+          <a:noFill/>
+        </a:ln>
+        <a:effectLst/>
+      </dsp:spPr>
+      <dsp:style>
+        <a:lnRef idx="0">
+          <a:scrgbClr r="0" g="0" b="0"/>
+        </a:lnRef>
+        <a:fillRef idx="1">
+          <a:scrgbClr r="0" g="0" b="0"/>
+        </a:fillRef>
+        <a:effectRef idx="0">
+          <a:scrgbClr r="0" g="0" b="0"/>
+        </a:effectRef>
+        <a:fontRef idx="minor">
+          <a:schemeClr val="lt1"/>
+        </a:fontRef>
+      </dsp:style>
+      <dsp:txBody>
+        <a:bodyPr spcFirstLastPara="0" vert="horz" wrap="square" lIns="0" tIns="0" rIns="0" bIns="0" numCol="1" spcCol="1270" anchor="ctr" anchorCtr="0">
+          <a:noAutofit/>
+        </a:bodyPr>
+        <a:lstStyle/>
+        <a:p>
+          <a:pPr lvl="0" algn="ctr" defTabSz="622300">
+            <a:lnSpc>
+              <a:spcPct val="90000"/>
+            </a:lnSpc>
+            <a:spcBef>
+              <a:spcPct val="0"/>
+            </a:spcBef>
+            <a:spcAft>
+              <a:spcPct val="35000"/>
+            </a:spcAft>
+          </a:pPr>
+          <a:endParaRPr lang="en-US" sz="1400" kern="1200"/>
+        </a:p>
+      </dsp:txBody>
+      <dsp:txXfrm>
+        <a:off x="7506525" y="1693490"/>
+        <a:ext cx="424224" cy="256885"/>
+      </dsp:txXfrm>
+    </dsp:sp>
+    <dsp:sp modelId="{3256FF14-087B-4093-ABF2-9C42E103BC2C}">
+      <dsp:nvSpPr>
+        <dsp:cNvPr id="0" name=""/>
+        <dsp:cNvSpPr/>
+      </dsp:nvSpPr>
+      <dsp:spPr>
+        <a:xfrm>
+          <a:off x="8288600" y="1490395"/>
+          <a:ext cx="1719643" cy="994612"/>
+        </a:xfrm>
+        <a:prstGeom prst="roundRect">
+          <a:avLst>
+            <a:gd name="adj" fmla="val 10000"/>
+          </a:avLst>
+        </a:prstGeom>
+        <a:solidFill>
+          <a:schemeClr val="accent1">
+            <a:hueOff val="0"/>
+            <a:satOff val="0"/>
+            <a:lumOff val="0"/>
+            <a:alphaOff val="0"/>
+          </a:schemeClr>
+        </a:solidFill>
+        <a:ln w="12700" cap="flat" cmpd="sng" algn="ctr">
+          <a:solidFill>
+            <a:schemeClr val="lt1">
+              <a:hueOff val="0"/>
+              <a:satOff val="0"/>
+              <a:lumOff val="0"/>
+              <a:alphaOff val="0"/>
+            </a:schemeClr>
+          </a:solidFill>
+          <a:prstDash val="solid"/>
+          <a:miter lim="800000"/>
+        </a:ln>
+        <a:effectLst/>
+      </dsp:spPr>
+      <dsp:style>
+        <a:lnRef idx="2">
+          <a:scrgbClr r="0" g="0" b="0"/>
+        </a:lnRef>
+        <a:fillRef idx="1">
+          <a:scrgbClr r="0" g="0" b="0"/>
+        </a:fillRef>
+        <a:effectRef idx="0">
+          <a:scrgbClr r="0" g="0" b="0"/>
+        </a:effectRef>
+        <a:fontRef idx="minor">
+          <a:schemeClr val="lt1"/>
+        </a:fontRef>
+      </dsp:style>
+      <dsp:txBody>
+        <a:bodyPr spcFirstLastPara="0" vert="horz" wrap="square" lIns="120904" tIns="120904" rIns="120904" bIns="64770" numCol="1" spcCol="1270" anchor="t" anchorCtr="0">
+          <a:noAutofit/>
+        </a:bodyPr>
+        <a:lstStyle/>
+        <a:p>
+          <a:pPr lvl="0" algn="l" defTabSz="755650">
+            <a:lnSpc>
+              <a:spcPct val="90000"/>
+            </a:lnSpc>
+            <a:spcBef>
+              <a:spcPct val="0"/>
+            </a:spcBef>
+            <a:spcAft>
+              <a:spcPct val="35000"/>
+            </a:spcAft>
+          </a:pPr>
+          <a:r>
+            <a:rPr lang="en-US" sz="1700" kern="1200" dirty="0" smtClean="0"/>
+            <a:t>Display Paths</a:t>
+          </a:r>
+          <a:endParaRPr lang="en-US" sz="1700" kern="1200" dirty="0"/>
+        </a:p>
+      </dsp:txBody>
+      <dsp:txXfrm>
+        <a:off x="8288600" y="1490395"/>
+        <a:ext cx="1719643" cy="663075"/>
+      </dsp:txXfrm>
+    </dsp:sp>
+    <dsp:sp modelId="{0488B641-47E3-4BD4-AC32-73DBB6E33E5E}">
+      <dsp:nvSpPr>
+        <dsp:cNvPr id="0" name=""/>
+        <dsp:cNvSpPr/>
+      </dsp:nvSpPr>
+      <dsp:spPr>
+        <a:xfrm>
+          <a:off x="8640816" y="2153471"/>
+          <a:ext cx="1719643" cy="1774800"/>
+        </a:xfrm>
+        <a:prstGeom prst="roundRect">
+          <a:avLst>
+            <a:gd name="adj" fmla="val 10000"/>
+          </a:avLst>
+        </a:prstGeom>
+        <a:solidFill>
+          <a:schemeClr val="lt1">
+            <a:alpha val="90000"/>
+            <a:hueOff val="0"/>
+            <a:satOff val="0"/>
+            <a:lumOff val="0"/>
+            <a:alphaOff val="0"/>
+          </a:schemeClr>
+        </a:solidFill>
+        <a:ln w="12700" cap="flat" cmpd="sng" algn="ctr">
+          <a:solidFill>
+            <a:schemeClr val="accent1">
+              <a:hueOff val="0"/>
+              <a:satOff val="0"/>
+              <a:lumOff val="0"/>
+              <a:alphaOff val="0"/>
+            </a:schemeClr>
+          </a:solidFill>
+          <a:prstDash val="solid"/>
+          <a:miter lim="800000"/>
+        </a:ln>
+        <a:effectLst/>
+      </dsp:spPr>
+      <dsp:style>
+        <a:lnRef idx="2">
+          <a:scrgbClr r="0" g="0" b="0"/>
+        </a:lnRef>
+        <a:fillRef idx="1">
+          <a:scrgbClr r="0" g="0" b="0"/>
+        </a:fillRef>
+        <a:effectRef idx="0">
+          <a:scrgbClr r="0" g="0" b="0"/>
+        </a:effectRef>
+        <a:fontRef idx="minor"/>
+      </dsp:style>
+      <dsp:txBody>
+        <a:bodyPr spcFirstLastPara="0" vert="horz" wrap="square" lIns="120904" tIns="120904" rIns="120904" bIns="120904" numCol="1" spcCol="1270" anchor="t" anchorCtr="0">
+          <a:noAutofit/>
+        </a:bodyPr>
+        <a:lstStyle/>
+        <a:p>
+          <a:pPr marL="171450" lvl="1" indent="-171450" algn="l" defTabSz="755650">
+            <a:lnSpc>
+              <a:spcPct val="90000"/>
+            </a:lnSpc>
+            <a:spcBef>
+              <a:spcPct val="0"/>
+            </a:spcBef>
+            <a:spcAft>
+              <a:spcPct val="15000"/>
+            </a:spcAft>
+            <a:buChar char="••"/>
+          </a:pPr>
+          <a:r>
+            <a:rPr lang="en-US" sz="1700" kern="1200" dirty="0" smtClean="0"/>
+            <a:t>Use online tool to display geolocations at suspicious points</a:t>
+          </a:r>
+          <a:endParaRPr lang="en-US" sz="1700" kern="1200" dirty="0"/>
+        </a:p>
+      </dsp:txBody>
+      <dsp:txXfrm>
+        <a:off x="8691183" y="2203838"/>
+        <a:ext cx="1618909" cy="1674066"/>
       </dsp:txXfrm>
     </dsp:sp>
   </dsp:spTree>
@@ -3423,7 +3871,7 @@
           <a:p>
             <a:fld id="{38163460-9537-49C2-A504-CDCA7FB2D4DE}" type="datetimeFigureOut">
               <a:rPr lang="en-US" smtClean="0"/>
-              <a:t>11/7/2021</a:t>
+              <a:t>11/9/2021</a:t>
             </a:fld>
             <a:endParaRPr lang="en-US"/>
           </a:p>
@@ -3593,7 +4041,7 @@
           <a:p>
             <a:fld id="{38163460-9537-49C2-A504-CDCA7FB2D4DE}" type="datetimeFigureOut">
               <a:rPr lang="en-US" smtClean="0"/>
-              <a:t>11/7/2021</a:t>
+              <a:t>11/9/2021</a:t>
             </a:fld>
             <a:endParaRPr lang="en-US"/>
           </a:p>
@@ -3773,7 +4221,7 @@
           <a:p>
             <a:fld id="{38163460-9537-49C2-A504-CDCA7FB2D4DE}" type="datetimeFigureOut">
               <a:rPr lang="en-US" smtClean="0"/>
-              <a:t>11/7/2021</a:t>
+              <a:t>11/9/2021</a:t>
             </a:fld>
             <a:endParaRPr lang="en-US"/>
           </a:p>
@@ -3943,7 +4391,7 @@
           <a:p>
             <a:fld id="{38163460-9537-49C2-A504-CDCA7FB2D4DE}" type="datetimeFigureOut">
               <a:rPr lang="en-US" smtClean="0"/>
-              <a:t>11/7/2021</a:t>
+              <a:t>11/9/2021</a:t>
             </a:fld>
             <a:endParaRPr lang="en-US"/>
           </a:p>
@@ -4189,7 +4637,7 @@
           <a:p>
             <a:fld id="{38163460-9537-49C2-A504-CDCA7FB2D4DE}" type="datetimeFigureOut">
               <a:rPr lang="en-US" smtClean="0"/>
-              <a:t>11/7/2021</a:t>
+              <a:t>11/9/2021</a:t>
             </a:fld>
             <a:endParaRPr lang="en-US"/>
           </a:p>
@@ -4421,7 +4869,7 @@
           <a:p>
             <a:fld id="{38163460-9537-49C2-A504-CDCA7FB2D4DE}" type="datetimeFigureOut">
               <a:rPr lang="en-US" smtClean="0"/>
-              <a:t>11/7/2021</a:t>
+              <a:t>11/9/2021</a:t>
             </a:fld>
             <a:endParaRPr lang="en-US"/>
           </a:p>
@@ -4788,7 +5236,7 @@
           <a:p>
             <a:fld id="{38163460-9537-49C2-A504-CDCA7FB2D4DE}" type="datetimeFigureOut">
               <a:rPr lang="en-US" smtClean="0"/>
-              <a:t>11/7/2021</a:t>
+              <a:t>11/9/2021</a:t>
             </a:fld>
             <a:endParaRPr lang="en-US"/>
           </a:p>
@@ -4906,7 +5354,7 @@
           <a:p>
             <a:fld id="{38163460-9537-49C2-A504-CDCA7FB2D4DE}" type="datetimeFigureOut">
               <a:rPr lang="en-US" smtClean="0"/>
-              <a:t>11/7/2021</a:t>
+              <a:t>11/9/2021</a:t>
             </a:fld>
             <a:endParaRPr lang="en-US"/>
           </a:p>
@@ -5001,7 +5449,7 @@
           <a:p>
             <a:fld id="{38163460-9537-49C2-A504-CDCA7FB2D4DE}" type="datetimeFigureOut">
               <a:rPr lang="en-US" smtClean="0"/>
-              <a:t>11/7/2021</a:t>
+              <a:t>11/9/2021</a:t>
             </a:fld>
             <a:endParaRPr lang="en-US"/>
           </a:p>
@@ -5278,7 +5726,7 @@
           <a:p>
             <a:fld id="{38163460-9537-49C2-A504-CDCA7FB2D4DE}" type="datetimeFigureOut">
               <a:rPr lang="en-US" smtClean="0"/>
-              <a:t>11/7/2021</a:t>
+              <a:t>11/9/2021</a:t>
             </a:fld>
             <a:endParaRPr lang="en-US"/>
           </a:p>
@@ -5531,7 +5979,7 @@
           <a:p>
             <a:fld id="{38163460-9537-49C2-A504-CDCA7FB2D4DE}" type="datetimeFigureOut">
               <a:rPr lang="en-US" smtClean="0"/>
-              <a:t>11/7/2021</a:t>
+              <a:t>11/9/2021</a:t>
             </a:fld>
             <a:endParaRPr lang="en-US"/>
           </a:p>
@@ -5744,7 +6192,7 @@
           <a:p>
             <a:fld id="{38163460-9537-49C2-A504-CDCA7FB2D4DE}" type="datetimeFigureOut">
               <a:rPr lang="en-US" smtClean="0"/>
-              <a:t>11/7/2021</a:t>
+              <a:t>11/9/2021</a:t>
             </a:fld>
             <a:endParaRPr lang="en-US"/>
           </a:p>
@@ -6212,6 +6660,163 @@
 </p:sld>
 </file>
 
+<file path=ppt/slides/slide10.xml><?xml version="1.0" encoding="utf-8"?>
+<p:sld xmlns:a="http://schemas.openxmlformats.org/drawingml/2006/main" xmlns:r="http://schemas.openxmlformats.org/officeDocument/2006/relationships" xmlns:p="http://schemas.openxmlformats.org/presentationml/2006/main">
+  <p:cSld>
+    <p:spTree>
+      <p:nvGrpSpPr>
+        <p:cNvPr id="1" name=""/>
+        <p:cNvGrpSpPr/>
+        <p:nvPr/>
+      </p:nvGrpSpPr>
+      <p:grpSpPr>
+        <a:xfrm>
+          <a:off x="0" y="0"/>
+          <a:ext cx="0" cy="0"/>
+          <a:chOff x="0" y="0"/>
+          <a:chExt cx="0" cy="0"/>
+        </a:xfrm>
+      </p:grpSpPr>
+      <p:sp>
+        <p:nvSpPr>
+          <p:cNvPr id="2" name="Title 1"/>
+          <p:cNvSpPr>
+            <a:spLocks noGrp="1"/>
+          </p:cNvSpPr>
+          <p:nvPr>
+            <p:ph type="title"/>
+          </p:nvPr>
+        </p:nvSpPr>
+        <p:spPr/>
+        <p:txBody>
+          <a:bodyPr/>
+          <a:lstStyle/>
+          <a:p>
+            <a:r>
+              <a:rPr lang="en-US" dirty="0" smtClean="0"/>
+              <a:t>Calculating Correlation of </a:t>
+            </a:r>
+            <a:r>
+              <a:rPr lang="en-US" dirty="0" smtClean="0"/>
+              <a:t>Activity and all </a:t>
+            </a:r>
+            <a:r>
+              <a:rPr lang="en-US" dirty="0" smtClean="0"/>
+              <a:t>Other Data </a:t>
+            </a:r>
+            <a:r>
+              <a:rPr lang="en-US" dirty="0" smtClean="0"/>
+              <a:t>Using Random Forest Regression</a:t>
+            </a:r>
+            <a:r>
+              <a:rPr lang="en-US" dirty="0" smtClean="0"/>
+              <a:t>	</a:t>
+            </a:r>
+            <a:endParaRPr lang="en-US" dirty="0"/>
+          </a:p>
+        </p:txBody>
+      </p:sp>
+      <p:sp>
+        <p:nvSpPr>
+          <p:cNvPr id="3" name="Content Placeholder 2"/>
+          <p:cNvSpPr>
+            <a:spLocks noGrp="1"/>
+          </p:cNvSpPr>
+          <p:nvPr>
+            <p:ph idx="1"/>
+          </p:nvPr>
+        </p:nvSpPr>
+        <p:spPr>
+          <a:xfrm>
+            <a:off x="838200" y="1802627"/>
+            <a:ext cx="10515600" cy="4351338"/>
+          </a:xfrm>
+        </p:spPr>
+        <p:txBody>
+          <a:bodyPr/>
+          <a:lstStyle/>
+          <a:p>
+            <a:r>
+              <a:rPr lang="en-US" dirty="0" smtClean="0"/>
+              <a:t>Using a </a:t>
+            </a:r>
+            <a:r>
+              <a:rPr lang="en-US" dirty="0" smtClean="0"/>
+              <a:t>random forest regression model </a:t>
+            </a:r>
+            <a:r>
+              <a:rPr lang="en-US" dirty="0" smtClean="0"/>
+              <a:t>from </a:t>
+            </a:r>
+            <a:r>
+              <a:rPr lang="en-US" dirty="0" err="1" smtClean="0"/>
+              <a:t>sci</a:t>
+            </a:r>
+            <a:r>
+              <a:rPr lang="en-US" dirty="0" smtClean="0"/>
+              <a:t>-kit learn, there is a </a:t>
+            </a:r>
+            <a:r>
+              <a:rPr lang="en-US" dirty="0" smtClean="0"/>
+              <a:t>0.998-0.989 (depending on max samples) </a:t>
+            </a:r>
+            <a:r>
+              <a:rPr lang="en-US" dirty="0"/>
+              <a:t>coefficient of </a:t>
+            </a:r>
+            <a:r>
+              <a:rPr lang="en-US" dirty="0" smtClean="0"/>
+              <a:t>determination from </a:t>
+            </a:r>
+            <a:r>
+              <a:rPr lang="en-US" dirty="0" smtClean="0"/>
+              <a:t>all other data to </a:t>
+            </a:r>
+            <a:r>
+              <a:rPr lang="en-US" dirty="0" smtClean="0"/>
+              <a:t>activity type</a:t>
+            </a:r>
+          </a:p>
+          <a:p>
+            <a:r>
+              <a:rPr lang="en-US" dirty="0" smtClean="0"/>
+              <a:t>Worst case = 0, Best case = 1</a:t>
+            </a:r>
+          </a:p>
+          <a:p>
+            <a:r>
+              <a:rPr lang="en-US" dirty="0" smtClean="0"/>
+              <a:t>Conclusion: There is a </a:t>
+            </a:r>
+            <a:r>
+              <a:rPr lang="en-US" dirty="0" smtClean="0"/>
+              <a:t>very strong positive linear </a:t>
+            </a:r>
+            <a:r>
+              <a:rPr lang="en-US" dirty="0" smtClean="0"/>
+              <a:t>correlation between activity type and </a:t>
+            </a:r>
+            <a:r>
+              <a:rPr lang="en-US" dirty="0" smtClean="0"/>
+              <a:t>all other data</a:t>
+            </a:r>
+            <a:endParaRPr lang="en-US" dirty="0"/>
+          </a:p>
+        </p:txBody>
+      </p:sp>
+    </p:spTree>
+    <p:extLst>
+      <p:ext uri="{BB962C8B-B14F-4D97-AF65-F5344CB8AC3E}">
+        <p14:creationId xmlns:p14="http://schemas.microsoft.com/office/powerpoint/2010/main" val="2559239204"/>
+      </p:ext>
+    </p:extLst>
+  </p:cSld>
+  <p:clrMapOvr>
+    <a:masterClrMapping/>
+  </p:clrMapOvr>
+</p:sld>
+</file>
+
 <file path=ppt/slides/slide2.xml><?xml version="1.0" encoding="utf-8"?>
 <p:sld xmlns:a="http://schemas.openxmlformats.org/drawingml/2006/main" xmlns:r="http://schemas.openxmlformats.org/officeDocument/2006/relationships" xmlns:p="http://schemas.openxmlformats.org/presentationml/2006/main">
   <p:cSld>
@@ -6269,15 +6874,7 @@
           <a:p>
             <a:r>
               <a:rPr lang="en-US" dirty="0" smtClean="0"/>
-              <a:t>Used </a:t>
-            </a:r>
-            <a:r>
-              <a:rPr lang="en-US" dirty="0" smtClean="0"/>
-              <a:t>custom Python script </a:t>
-            </a:r>
-            <a:r>
-              <a:rPr lang="en-US" dirty="0" smtClean="0"/>
-              <a:t>created by McNichols, Ramos, and Enid</a:t>
+              <a:t>Used custom Python script created by McNichols, Ramos, and Enid</a:t>
             </a:r>
           </a:p>
           <a:p>
@@ -6310,14 +6907,14 @@
           <p:nvPr>
             <p:extLst>
               <p:ext uri="{D42A27DB-BD31-4B8C-83A1-F6EECF244321}">
-                <p14:modId xmlns:p14="http://schemas.microsoft.com/office/powerpoint/2010/main" val="12257524"/>
+                <p14:modId xmlns:p14="http://schemas.microsoft.com/office/powerpoint/2010/main" val="2753938239"/>
               </p:ext>
             </p:extLst>
           </p:nvPr>
         </p:nvGraphicFramePr>
         <p:xfrm>
-          <a:off x="1539020" y="2751298"/>
-          <a:ext cx="8128000" cy="5418667"/>
+          <a:off x="838200" y="2737651"/>
+          <a:ext cx="10361829" cy="5418667"/>
         </p:xfrm>
         <a:graphic>
           <a:graphicData uri="http://schemas.openxmlformats.org/drawingml/2006/diagram">
@@ -6365,7 +6962,12 @@
             <p:ph type="title"/>
           </p:nvPr>
         </p:nvSpPr>
-        <p:spPr/>
+        <p:spPr>
+          <a:xfrm>
+            <a:off x="839788" y="107476"/>
+            <a:ext cx="3932237" cy="1600200"/>
+          </a:xfrm>
+        </p:spPr>
         <p:txBody>
           <a:bodyPr/>
           <a:lstStyle/>
@@ -6378,15 +6980,43 @@
           </a:p>
         </p:txBody>
       </p:sp>
+      <p:sp>
+        <p:nvSpPr>
+          <p:cNvPr id="4" name="Text Placeholder 3"/>
+          <p:cNvSpPr>
+            <a:spLocks noGrp="1"/>
+          </p:cNvSpPr>
+          <p:nvPr>
+            <p:ph type="body" sz="half" idx="2"/>
+          </p:nvPr>
+        </p:nvSpPr>
+        <p:spPr>
+          <a:xfrm>
+            <a:off x="839787" y="1707676"/>
+            <a:ext cx="3932237" cy="3811588"/>
+          </a:xfrm>
+        </p:spPr>
+        <p:txBody>
+          <a:bodyPr/>
+          <a:lstStyle/>
+          <a:p>
+            <a:r>
+              <a:rPr lang="en-US" dirty="0" smtClean="0"/>
+              <a:t>241.16530843870947 meters away from each other at 2pm on 12/13</a:t>
+            </a:r>
+          </a:p>
+          <a:p>
+            <a:endParaRPr lang="en-US" dirty="0"/>
+          </a:p>
+        </p:txBody>
+      </p:sp>
       <p:pic>
         <p:nvPicPr>
-          <p:cNvPr id="5" name="Content Placeholder 4"/>
+          <p:cNvPr id="7" name="Picture 6"/>
           <p:cNvPicPr>
-            <a:picLocks noGrp="1" noChangeAspect="1"/>
+            <a:picLocks noChangeAspect="1"/>
           </p:cNvPicPr>
-          <p:nvPr>
-            <p:ph idx="1"/>
-          </p:nvPr>
+          <p:nvPr/>
         </p:nvPicPr>
         <p:blipFill>
           <a:blip r:embed="rId2"/>
@@ -6396,101 +7026,36 @@
         </p:blipFill>
         <p:spPr>
           <a:xfrm>
-            <a:off x="5464175" y="1462087"/>
-            <a:ext cx="5610225" cy="3924300"/>
+            <a:off x="5822776" y="1299025"/>
+            <a:ext cx="5397390" cy="4965296"/>
           </a:xfrm>
           <a:prstGeom prst="rect">
             <a:avLst/>
           </a:prstGeom>
         </p:spPr>
       </p:pic>
-      <p:sp>
-        <p:nvSpPr>
-          <p:cNvPr id="4" name="Text Placeholder 3"/>
-          <p:cNvSpPr>
-            <a:spLocks noGrp="1"/>
-          </p:cNvSpPr>
-          <p:nvPr>
-            <p:ph type="body" sz="half" idx="2"/>
-          </p:nvPr>
-        </p:nvSpPr>
-        <p:spPr/>
-        <p:txBody>
-          <a:bodyPr/>
-          <a:lstStyle/>
-          <a:p>
-            <a:r>
-              <a:rPr lang="en-US" dirty="0" smtClean="0"/>
-              <a:t>241.16530843870947 meters away from each other at 2pm on 12/13</a:t>
-            </a:r>
-          </a:p>
-          <a:p>
-            <a:endParaRPr lang="en-US" dirty="0"/>
-          </a:p>
-        </p:txBody>
-      </p:sp>
       <p:pic>
         <p:nvPicPr>
-          <p:cNvPr id="1027" name="Picture 3"/>
+          <p:cNvPr id="8" name="Picture 7"/>
           <p:cNvPicPr>
-            <a:picLocks noChangeAspect="1" noChangeArrowheads="1"/>
+            <a:picLocks noChangeAspect="1"/>
           </p:cNvPicPr>
           <p:nvPr/>
         </p:nvPicPr>
         <p:blipFill>
-          <a:blip r:embed="rId3" cstate="print">
-            <a:extLst>
-              <a:ext uri="{28A0092B-C50C-407E-A947-70E740481C1C}">
-                <a14:useLocalDpi xmlns:a14="http://schemas.microsoft.com/office/drawing/2010/main" val="0"/>
-              </a:ext>
-            </a:extLst>
-          </a:blip>
-          <a:srcRect/>
+          <a:blip r:embed="rId3"/>
           <a:stretch>
             <a:fillRect/>
           </a:stretch>
         </p:blipFill>
-        <p:spPr bwMode="auto">
+        <p:spPr>
           <a:xfrm>
-            <a:off x="931296" y="2608028"/>
-            <a:ext cx="3829144" cy="3837222"/>
+            <a:off x="839786" y="2167791"/>
+            <a:ext cx="4554123" cy="4560555"/>
           </a:xfrm>
           <a:prstGeom prst="rect">
             <a:avLst/>
           </a:prstGeom>
-          <a:noFill/>
-          <a:ln>
-            <a:noFill/>
-          </a:ln>
-          <a:effectLst/>
-          <a:extLst>
-            <a:ext uri="{909E8E84-426E-40DD-AFC4-6F175D3DCCD1}">
-              <a14:hiddenFill xmlns:a14="http://schemas.microsoft.com/office/drawing/2010/main">
-                <a:solidFill>
-                  <a:schemeClr val="accent1"/>
-                </a:solidFill>
-              </a14:hiddenFill>
-            </a:ext>
-            <a:ext uri="{91240B29-F687-4F45-9708-019B960494DF}">
-              <a14:hiddenLine xmlns:a14="http://schemas.microsoft.com/office/drawing/2010/main" w="9525">
-                <a:solidFill>
-                  <a:schemeClr val="tx1"/>
-                </a:solidFill>
-                <a:miter lim="800000"/>
-                <a:headEnd/>
-                <a:tailEnd/>
-              </a14:hiddenLine>
-            </a:ext>
-            <a:ext uri="{AF507438-7753-43E0-B8FC-AC1667EBCBE1}">
-              <a14:hiddenEffects xmlns:a14="http://schemas.microsoft.com/office/drawing/2010/main">
-                <a:effectLst>
-                  <a:outerShdw dist="35921" dir="2700000" algn="ctr" rotWithShape="0">
-                    <a:schemeClr val="bg2"/>
-                  </a:outerShdw>
-                </a:effectLst>
-              </a14:hiddenEffects>
-            </a:ext>
-          </a:extLst>
         </p:spPr>
       </p:pic>
     </p:spTree>
@@ -6533,7 +7098,12 @@
             <p:ph type="title"/>
           </p:nvPr>
         </p:nvSpPr>
-        <p:spPr/>
+        <p:spPr>
+          <a:xfrm>
+            <a:off x="839788" y="121124"/>
+            <a:ext cx="3932237" cy="1600200"/>
+          </a:xfrm>
+        </p:spPr>
         <p:txBody>
           <a:bodyPr/>
           <a:lstStyle/>
@@ -6546,15 +7116,41 @@
           </a:p>
         </p:txBody>
       </p:sp>
+      <p:sp>
+        <p:nvSpPr>
+          <p:cNvPr id="4" name="Text Placeholder 3"/>
+          <p:cNvSpPr>
+            <a:spLocks noGrp="1"/>
+          </p:cNvSpPr>
+          <p:nvPr>
+            <p:ph type="body" sz="half" idx="2"/>
+          </p:nvPr>
+        </p:nvSpPr>
+        <p:spPr>
+          <a:xfrm>
+            <a:off x="839788" y="1721324"/>
+            <a:ext cx="3932237" cy="3811588"/>
+          </a:xfrm>
+        </p:spPr>
+        <p:txBody>
+          <a:bodyPr/>
+          <a:lstStyle/>
+          <a:p>
+            <a:r>
+              <a:rPr lang="en-US" dirty="0" smtClean="0"/>
+              <a:t>168.41657051367866 meters away from each other at 4pm on 12/13</a:t>
+            </a:r>
+            <a:endParaRPr lang="en-US" dirty="0"/>
+          </a:p>
+        </p:txBody>
+      </p:sp>
       <p:pic>
         <p:nvPicPr>
-          <p:cNvPr id="5" name="Content Placeholder 4"/>
+          <p:cNvPr id="7" name="Picture 6"/>
           <p:cNvPicPr>
-            <a:picLocks noGrp="1" noChangeAspect="1"/>
+            <a:picLocks noChangeAspect="1"/>
           </p:cNvPicPr>
-          <p:nvPr>
-            <p:ph idx="1"/>
-          </p:nvPr>
+          <p:nvPr/>
         </p:nvPicPr>
         <p:blipFill>
           <a:blip r:embed="rId2"/>
@@ -6564,40 +7160,17 @@
         </p:blipFill>
         <p:spPr>
           <a:xfrm>
-            <a:off x="5464175" y="1462087"/>
-            <a:ext cx="5610225" cy="3924300"/>
+            <a:off x="839788" y="2306471"/>
+            <a:ext cx="4201586" cy="4148920"/>
           </a:xfrm>
           <a:prstGeom prst="rect">
             <a:avLst/>
           </a:prstGeom>
         </p:spPr>
       </p:pic>
-      <p:sp>
-        <p:nvSpPr>
-          <p:cNvPr id="4" name="Text Placeholder 3"/>
-          <p:cNvSpPr>
-            <a:spLocks noGrp="1"/>
-          </p:cNvSpPr>
-          <p:nvPr>
-            <p:ph type="body" sz="half" idx="2"/>
-          </p:nvPr>
-        </p:nvSpPr>
-        <p:spPr/>
-        <p:txBody>
-          <a:bodyPr/>
-          <a:lstStyle/>
-          <a:p>
-            <a:r>
-              <a:rPr lang="en-US" dirty="0" smtClean="0"/>
-              <a:t>168.41657051367866 meters away from each other at 4pm on 12/13</a:t>
-            </a:r>
-            <a:endParaRPr lang="en-US" dirty="0"/>
-          </a:p>
-        </p:txBody>
-      </p:sp>
       <p:pic>
         <p:nvPicPr>
-          <p:cNvPr id="3" name="Picture 2"/>
+          <p:cNvPr id="8" name="Picture 7"/>
           <p:cNvPicPr>
             <a:picLocks noChangeAspect="1"/>
           </p:cNvPicPr>
@@ -6611,76 +7184,12 @@
         </p:blipFill>
         <p:spPr>
           <a:xfrm>
-            <a:off x="5540375" y="1395412"/>
-            <a:ext cx="5534025" cy="3990975"/>
+            <a:off x="5858054" y="1610436"/>
+            <a:ext cx="5266577" cy="4844955"/>
           </a:xfrm>
           <a:prstGeom prst="rect">
             <a:avLst/>
           </a:prstGeom>
-        </p:spPr>
-      </p:pic>
-      <p:pic>
-        <p:nvPicPr>
-          <p:cNvPr id="2051" name="Picture 3"/>
-          <p:cNvPicPr>
-            <a:picLocks noChangeAspect="1" noChangeArrowheads="1"/>
-          </p:cNvPicPr>
-          <p:nvPr/>
-        </p:nvPicPr>
-        <p:blipFill>
-          <a:blip r:embed="rId4">
-            <a:extLst>
-              <a:ext uri="{28A0092B-C50C-407E-A947-70E740481C1C}">
-                <a14:useLocalDpi xmlns:a14="http://schemas.microsoft.com/office/drawing/2010/main" val="0"/>
-              </a:ext>
-            </a:extLst>
-          </a:blip>
-          <a:srcRect/>
-          <a:stretch>
-            <a:fillRect/>
-          </a:stretch>
-        </p:blipFill>
-        <p:spPr bwMode="auto">
-          <a:xfrm>
-            <a:off x="907883" y="2608027"/>
-            <a:ext cx="4355879" cy="3889783"/>
-          </a:xfrm>
-          <a:prstGeom prst="rect">
-            <a:avLst/>
-          </a:prstGeom>
-          <a:noFill/>
-          <a:ln>
-            <a:noFill/>
-          </a:ln>
-          <a:effectLst/>
-          <a:extLst>
-            <a:ext uri="{909E8E84-426E-40DD-AFC4-6F175D3DCCD1}">
-              <a14:hiddenFill xmlns:a14="http://schemas.microsoft.com/office/drawing/2010/main">
-                <a:solidFill>
-                  <a:schemeClr val="accent1"/>
-                </a:solidFill>
-              </a14:hiddenFill>
-            </a:ext>
-            <a:ext uri="{91240B29-F687-4F45-9708-019B960494DF}">
-              <a14:hiddenLine xmlns:a14="http://schemas.microsoft.com/office/drawing/2010/main" w="9525">
-                <a:solidFill>
-                  <a:schemeClr val="tx1"/>
-                </a:solidFill>
-                <a:miter lim="800000"/>
-                <a:headEnd/>
-                <a:tailEnd/>
-              </a14:hiddenLine>
-            </a:ext>
-            <a:ext uri="{AF507438-7753-43E0-B8FC-AC1667EBCBE1}">
-              <a14:hiddenEffects xmlns:a14="http://schemas.microsoft.com/office/drawing/2010/main">
-                <a:effectLst>
-                  <a:outerShdw dist="35921" dir="2700000" algn="ctr" rotWithShape="0">
-                    <a:schemeClr val="bg2"/>
-                  </a:outerShdw>
-                </a:effectLst>
-              </a14:hiddenEffects>
-            </a:ext>
-          </a:extLst>
         </p:spPr>
       </p:pic>
     </p:spTree>
@@ -6723,7 +7232,12 @@
             <p:ph type="title"/>
           </p:nvPr>
         </p:nvSpPr>
-        <p:spPr/>
+        <p:spPr>
+          <a:xfrm>
+            <a:off x="839788" y="0"/>
+            <a:ext cx="3932237" cy="1600200"/>
+          </a:xfrm>
+        </p:spPr>
         <p:txBody>
           <a:bodyPr/>
           <a:lstStyle/>
@@ -6736,15 +7250,40 @@
           </a:p>
         </p:txBody>
       </p:sp>
+      <p:sp>
+        <p:nvSpPr>
+          <p:cNvPr id="12" name="Text Placeholder 11"/>
+          <p:cNvSpPr>
+            <a:spLocks noGrp="1"/>
+          </p:cNvSpPr>
+          <p:nvPr>
+            <p:ph type="body" sz="half" idx="2"/>
+          </p:nvPr>
+        </p:nvSpPr>
+        <p:spPr>
+          <a:xfrm>
+            <a:off x="839788" y="1600200"/>
+            <a:ext cx="3932237" cy="3811588"/>
+          </a:xfrm>
+        </p:spPr>
+        <p:txBody>
+          <a:bodyPr/>
+          <a:lstStyle/>
+          <a:p>
+            <a:r>
+              <a:rPr lang="en-US" dirty="0" smtClean="0"/>
+              <a:t>107.38879720503698 meters away from each other at 9pm on 12/12</a:t>
+            </a:r>
+          </a:p>
+        </p:txBody>
+      </p:sp>
       <p:pic>
         <p:nvPicPr>
-          <p:cNvPr id="5" name="Content Placeholder 4"/>
+          <p:cNvPr id="3" name="Picture 2"/>
           <p:cNvPicPr>
-            <a:picLocks noGrp="1" noChangeAspect="1"/>
+            <a:picLocks noChangeAspect="1"/>
           </p:cNvPicPr>
-          <p:nvPr>
-            <p:ph idx="1"/>
-          </p:nvPr>
+          <p:nvPr/>
         </p:nvPicPr>
         <p:blipFill>
           <a:blip r:embed="rId2"/>
@@ -6754,36 +7293,17 @@
         </p:blipFill>
         <p:spPr>
           <a:xfrm>
-            <a:off x="5464175" y="1462087"/>
-            <a:ext cx="5610225" cy="3924300"/>
+            <a:off x="6196097" y="1269241"/>
+            <a:ext cx="5392558" cy="5119901"/>
           </a:xfrm>
+          <a:prstGeom prst="rect">
+            <a:avLst/>
+          </a:prstGeom>
         </p:spPr>
       </p:pic>
-      <p:sp>
-        <p:nvSpPr>
-          <p:cNvPr id="12" name="Text Placeholder 11"/>
-          <p:cNvSpPr>
-            <a:spLocks noGrp="1"/>
-          </p:cNvSpPr>
-          <p:nvPr>
-            <p:ph type="body" sz="half" idx="2"/>
-          </p:nvPr>
-        </p:nvSpPr>
-        <p:spPr/>
-        <p:txBody>
-          <a:bodyPr/>
-          <a:lstStyle/>
-          <a:p>
-            <a:r>
-              <a:rPr lang="en-US" dirty="0" smtClean="0"/>
-              <a:t>107.38879720503698 meters away from each other at 9pm on 12/12</a:t>
-            </a:r>
-          </a:p>
-        </p:txBody>
-      </p:sp>
       <p:pic>
         <p:nvPicPr>
-          <p:cNvPr id="13" name="Picture 12"/>
+          <p:cNvPr id="4" name="Picture 3"/>
           <p:cNvPicPr>
             <a:picLocks noChangeAspect="1"/>
           </p:cNvPicPr>
@@ -6797,76 +7317,12 @@
         </p:blipFill>
         <p:spPr>
           <a:xfrm>
-            <a:off x="5511800" y="1481137"/>
-            <a:ext cx="5562600" cy="3905250"/>
+            <a:off x="824468" y="2042473"/>
+            <a:ext cx="4539101" cy="4539101"/>
           </a:xfrm>
           <a:prstGeom prst="rect">
             <a:avLst/>
           </a:prstGeom>
-        </p:spPr>
-      </p:pic>
-      <p:pic>
-        <p:nvPicPr>
-          <p:cNvPr id="3075" name="Picture 3"/>
-          <p:cNvPicPr>
-            <a:picLocks noChangeAspect="1" noChangeArrowheads="1"/>
-          </p:cNvPicPr>
-          <p:nvPr/>
-        </p:nvPicPr>
-        <p:blipFill>
-          <a:blip r:embed="rId4">
-            <a:extLst>
-              <a:ext uri="{28A0092B-C50C-407E-A947-70E740481C1C}">
-                <a14:useLocalDpi xmlns:a14="http://schemas.microsoft.com/office/drawing/2010/main" val="0"/>
-              </a:ext>
-            </a:extLst>
-          </a:blip>
-          <a:srcRect/>
-          <a:stretch>
-            <a:fillRect/>
-          </a:stretch>
-        </p:blipFill>
-        <p:spPr bwMode="auto">
-          <a:xfrm>
-            <a:off x="1018374" y="2676721"/>
-            <a:ext cx="2798252" cy="3481215"/>
-          </a:xfrm>
-          <a:prstGeom prst="rect">
-            <a:avLst/>
-          </a:prstGeom>
-          <a:noFill/>
-          <a:ln>
-            <a:noFill/>
-          </a:ln>
-          <a:effectLst/>
-          <a:extLst>
-            <a:ext uri="{909E8E84-426E-40DD-AFC4-6F175D3DCCD1}">
-              <a14:hiddenFill xmlns:a14="http://schemas.microsoft.com/office/drawing/2010/main">
-                <a:solidFill>
-                  <a:schemeClr val="accent1"/>
-                </a:solidFill>
-              </a14:hiddenFill>
-            </a:ext>
-            <a:ext uri="{91240B29-F687-4F45-9708-019B960494DF}">
-              <a14:hiddenLine xmlns:a14="http://schemas.microsoft.com/office/drawing/2010/main" w="9525">
-                <a:solidFill>
-                  <a:schemeClr val="tx1"/>
-                </a:solidFill>
-                <a:miter lim="800000"/>
-                <a:headEnd/>
-                <a:tailEnd/>
-              </a14:hiddenLine>
-            </a:ext>
-            <a:ext uri="{AF507438-7753-43E0-B8FC-AC1667EBCBE1}">
-              <a14:hiddenEffects xmlns:a14="http://schemas.microsoft.com/office/drawing/2010/main">
-                <a:effectLst>
-                  <a:outerShdw dist="35921" dir="2700000" algn="ctr" rotWithShape="0">
-                    <a:schemeClr val="bg2"/>
-                  </a:outerShdw>
-                </a:effectLst>
-              </a14:hiddenEffects>
-            </a:ext>
-          </a:extLst>
         </p:spPr>
       </p:pic>
     </p:spTree>
@@ -6916,7 +7372,15 @@
           <a:p>
             <a:r>
               <a:rPr lang="en-US" dirty="0" smtClean="0"/>
-              <a:t>Calculating Correlation of Activity, Time, and Location	</a:t>
+              <a:t>Calculating Correlation of Activity, Time, and </a:t>
+            </a:r>
+            <a:r>
+              <a:rPr lang="en-US" dirty="0" smtClean="0"/>
+              <a:t>Location Using Linear Regression</a:t>
+            </a:r>
+            <a:r>
+              <a:rPr lang="en-US" dirty="0" smtClean="0"/>
+              <a:t>	</a:t>
             </a:r>
             <a:endParaRPr lang="en-US" dirty="0"/>
           </a:p>
@@ -6932,7 +7396,12 @@
             <p:ph idx="1"/>
           </p:nvPr>
         </p:nvSpPr>
-        <p:spPr/>
+        <p:spPr>
+          <a:xfrm>
+            <a:off x="838200" y="1802627"/>
+            <a:ext cx="10515600" cy="4351338"/>
+          </a:xfrm>
+        </p:spPr>
         <p:txBody>
           <a:bodyPr/>
           <a:lstStyle/>
@@ -6955,15 +7424,7 @@
             </a:r>
             <a:r>
               <a:rPr lang="en-US" dirty="0" smtClean="0"/>
-              <a:t>determination from </a:t>
-            </a:r>
-            <a:r>
-              <a:rPr lang="en-US" dirty="0" smtClean="0"/>
-              <a:t>time and location </a:t>
-            </a:r>
-            <a:r>
-              <a:rPr lang="en-US" dirty="0" smtClean="0"/>
-              <a:t>to activity type</a:t>
+              <a:t>determination from time and location to activity type</a:t>
             </a:r>
           </a:p>
           <a:p>
@@ -6975,7 +7436,15 @@
           <a:p>
             <a:r>
               <a:rPr lang="en-US" dirty="0" smtClean="0"/>
-              <a:t>Conclusion: There is a low correlation between activity type and time/location</a:t>
+              <a:t>Conclusion: There is a </a:t>
+            </a:r>
+            <a:r>
+              <a:rPr lang="en-US" dirty="0" smtClean="0"/>
+              <a:t>low linear </a:t>
+            </a:r>
+            <a:r>
+              <a:rPr lang="en-US" dirty="0" smtClean="0"/>
+              <a:t>correlation between activity type and time/location</a:t>
             </a:r>
             <a:endParaRPr lang="en-US" dirty="0"/>
           </a:p>
@@ -7173,6 +7642,625 @@
     <p:extLst>
       <p:ext uri="{BB962C8B-B14F-4D97-AF65-F5344CB8AC3E}">
         <p14:creationId xmlns:p14="http://schemas.microsoft.com/office/powerpoint/2010/main" val="1819874977"/>
+      </p:ext>
+    </p:extLst>
+  </p:cSld>
+  <p:clrMapOvr>
+    <a:masterClrMapping/>
+  </p:clrMapOvr>
+</p:sld>
+</file>
+
+<file path=ppt/slides/slide7.xml><?xml version="1.0" encoding="utf-8"?>
+<p:sld xmlns:a="http://schemas.openxmlformats.org/drawingml/2006/main" xmlns:r="http://schemas.openxmlformats.org/officeDocument/2006/relationships" xmlns:p="http://schemas.openxmlformats.org/presentationml/2006/main">
+  <p:cSld>
+    <p:spTree>
+      <p:nvGrpSpPr>
+        <p:cNvPr id="1" name=""/>
+        <p:cNvGrpSpPr/>
+        <p:nvPr/>
+      </p:nvGrpSpPr>
+      <p:grpSpPr>
+        <a:xfrm>
+          <a:off x="0" y="0"/>
+          <a:ext cx="0" cy="0"/>
+          <a:chOff x="0" y="0"/>
+          <a:chExt cx="0" cy="0"/>
+        </a:xfrm>
+      </p:grpSpPr>
+      <p:sp>
+        <p:nvSpPr>
+          <p:cNvPr id="2" name="Title 1"/>
+          <p:cNvSpPr>
+            <a:spLocks noGrp="1"/>
+          </p:cNvSpPr>
+          <p:nvPr>
+            <p:ph type="title"/>
+          </p:nvPr>
+        </p:nvSpPr>
+        <p:spPr/>
+        <p:txBody>
+          <a:bodyPr/>
+          <a:lstStyle/>
+          <a:p>
+            <a:r>
+              <a:rPr lang="en-US" dirty="0" smtClean="0"/>
+              <a:t>Calculating Correlation of Activity, Time, and </a:t>
+            </a:r>
+            <a:r>
+              <a:rPr lang="en-US" dirty="0" smtClean="0"/>
+              <a:t>Location Using SVM’s</a:t>
+            </a:r>
+            <a:endParaRPr lang="en-US" dirty="0"/>
+          </a:p>
+        </p:txBody>
+      </p:sp>
+      <p:sp>
+        <p:nvSpPr>
+          <p:cNvPr id="3" name="Content Placeholder 2"/>
+          <p:cNvSpPr>
+            <a:spLocks noGrp="1"/>
+          </p:cNvSpPr>
+          <p:nvPr>
+            <p:ph idx="1"/>
+          </p:nvPr>
+        </p:nvSpPr>
+        <p:spPr/>
+        <p:txBody>
+          <a:bodyPr/>
+          <a:lstStyle/>
+          <a:p>
+            <a:r>
+              <a:rPr lang="en-US" dirty="0" smtClean="0"/>
+              <a:t>Using </a:t>
+            </a:r>
+            <a:r>
+              <a:rPr lang="en-US" dirty="0" smtClean="0"/>
+              <a:t>a Support Vector Machine with </a:t>
+            </a:r>
+            <a:r>
+              <a:rPr lang="en-US" dirty="0" err="1" smtClean="0"/>
+              <a:t>rbf</a:t>
+            </a:r>
+            <a:r>
+              <a:rPr lang="en-US" dirty="0" smtClean="0"/>
+              <a:t> kernel </a:t>
+            </a:r>
+            <a:r>
+              <a:rPr lang="en-US" dirty="0" smtClean="0"/>
+              <a:t>from </a:t>
+            </a:r>
+            <a:r>
+              <a:rPr lang="en-US" dirty="0" err="1" smtClean="0"/>
+              <a:t>sci</a:t>
+            </a:r>
+            <a:r>
+              <a:rPr lang="en-US" dirty="0" smtClean="0"/>
+              <a:t>-kit learn, there is a </a:t>
+            </a:r>
+            <a:r>
+              <a:rPr lang="en-US" dirty="0" smtClean="0"/>
+              <a:t>.5 accuracy on guessing the activity type</a:t>
+            </a:r>
+          </a:p>
+          <a:p>
+            <a:r>
+              <a:rPr lang="en-US" dirty="0" smtClean="0"/>
+              <a:t>Worst </a:t>
+            </a:r>
+            <a:r>
+              <a:rPr lang="en-US" dirty="0" smtClean="0"/>
+              <a:t>case = 0, Best case = </a:t>
+            </a:r>
+            <a:r>
+              <a:rPr lang="en-US" dirty="0" smtClean="0"/>
+              <a:t>1</a:t>
+            </a:r>
+          </a:p>
+          <a:p>
+            <a:r>
+              <a:rPr lang="en-US" dirty="0" smtClean="0"/>
+              <a:t>The SVM model was able to guess correctly the activity of a person given only their timestamp and location 50% of the time</a:t>
+            </a:r>
+            <a:endParaRPr lang="en-US" dirty="0" smtClean="0"/>
+          </a:p>
+          <a:p>
+            <a:r>
+              <a:rPr lang="en-US" dirty="0" smtClean="0"/>
+              <a:t>Conclusion: There is </a:t>
+            </a:r>
+            <a:r>
+              <a:rPr lang="en-US" dirty="0" smtClean="0"/>
+              <a:t>a positive non-linear correlation between activity type and time/location</a:t>
+            </a:r>
+            <a:endParaRPr lang="en-US" dirty="0"/>
+          </a:p>
+        </p:txBody>
+      </p:sp>
+    </p:spTree>
+    <p:extLst>
+      <p:ext uri="{BB962C8B-B14F-4D97-AF65-F5344CB8AC3E}">
+        <p14:creationId xmlns:p14="http://schemas.microsoft.com/office/powerpoint/2010/main" val="3573564160"/>
+      </p:ext>
+    </p:extLst>
+  </p:cSld>
+  <p:clrMapOvr>
+    <a:masterClrMapping/>
+  </p:clrMapOvr>
+</p:sld>
+</file>
+
+<file path=ppt/slides/slide8.xml><?xml version="1.0" encoding="utf-8"?>
+<p:sld xmlns:a="http://schemas.openxmlformats.org/drawingml/2006/main" xmlns:r="http://schemas.openxmlformats.org/officeDocument/2006/relationships" xmlns:p="http://schemas.openxmlformats.org/presentationml/2006/main">
+  <p:cSld>
+    <p:spTree>
+      <p:nvGrpSpPr>
+        <p:cNvPr id="1" name=""/>
+        <p:cNvGrpSpPr/>
+        <p:nvPr/>
+      </p:nvGrpSpPr>
+      <p:grpSpPr>
+        <a:xfrm>
+          <a:off x="0" y="0"/>
+          <a:ext cx="0" cy="0"/>
+          <a:chOff x="0" y="0"/>
+          <a:chExt cx="0" cy="0"/>
+        </a:xfrm>
+      </p:grpSpPr>
+      <p:sp>
+        <p:nvSpPr>
+          <p:cNvPr id="2" name="Title 1"/>
+          <p:cNvSpPr>
+            <a:spLocks noGrp="1"/>
+          </p:cNvSpPr>
+          <p:nvPr>
+            <p:ph type="title"/>
+          </p:nvPr>
+        </p:nvSpPr>
+        <p:spPr/>
+        <p:txBody>
+          <a:bodyPr/>
+          <a:lstStyle/>
+          <a:p>
+            <a:r>
+              <a:rPr lang="en-US" dirty="0" smtClean="0"/>
+              <a:t>Calculating Correlation of Activity, Time, and </a:t>
+            </a:r>
+            <a:r>
+              <a:rPr lang="en-US" dirty="0" smtClean="0"/>
+              <a:t>Location Using Random Forest Regression</a:t>
+            </a:r>
+            <a:endParaRPr lang="en-US" dirty="0"/>
+          </a:p>
+        </p:txBody>
+      </p:sp>
+      <p:sp>
+        <p:nvSpPr>
+          <p:cNvPr id="3" name="Content Placeholder 2"/>
+          <p:cNvSpPr>
+            <a:spLocks noGrp="1"/>
+          </p:cNvSpPr>
+          <p:nvPr>
+            <p:ph idx="1"/>
+          </p:nvPr>
+        </p:nvSpPr>
+        <p:spPr/>
+        <p:txBody>
+          <a:bodyPr/>
+          <a:lstStyle/>
+          <a:p>
+            <a:r>
+              <a:rPr lang="en-US" dirty="0" smtClean="0"/>
+              <a:t>Using </a:t>
+            </a:r>
+            <a:r>
+              <a:rPr lang="en-US" dirty="0" smtClean="0"/>
+              <a:t>a </a:t>
+            </a:r>
+            <a:r>
+              <a:rPr lang="en-US" dirty="0" smtClean="0"/>
+              <a:t>Random Forest Regression model </a:t>
+            </a:r>
+            <a:r>
+              <a:rPr lang="en-US" dirty="0" smtClean="0"/>
+              <a:t>from </a:t>
+            </a:r>
+            <a:r>
+              <a:rPr lang="en-US" dirty="0" err="1" smtClean="0"/>
+              <a:t>sci</a:t>
+            </a:r>
+            <a:r>
+              <a:rPr lang="en-US" dirty="0" smtClean="0"/>
+              <a:t>-kit learn, there is a </a:t>
+            </a:r>
+            <a:r>
+              <a:rPr lang="en-US" dirty="0" smtClean="0"/>
+              <a:t>.917 accuracy on guessing the activity type</a:t>
+            </a:r>
+          </a:p>
+          <a:p>
+            <a:r>
+              <a:rPr lang="en-US" dirty="0" smtClean="0"/>
+              <a:t>Worst </a:t>
+            </a:r>
+            <a:r>
+              <a:rPr lang="en-US" dirty="0" smtClean="0"/>
+              <a:t>case = 0, Best case = </a:t>
+            </a:r>
+            <a:r>
+              <a:rPr lang="en-US" dirty="0" smtClean="0"/>
+              <a:t>1</a:t>
+            </a:r>
+          </a:p>
+          <a:p>
+            <a:r>
+              <a:rPr lang="en-US" dirty="0" smtClean="0"/>
+              <a:t>The </a:t>
+            </a:r>
+            <a:r>
+              <a:rPr lang="en-US" dirty="0"/>
+              <a:t>Random Forest Regression</a:t>
+            </a:r>
+            <a:r>
+              <a:rPr lang="en-US" dirty="0" smtClean="0"/>
+              <a:t> model was able to guess correctly the activity of a person given only their timestamp and location 91.7% of the time</a:t>
+            </a:r>
+            <a:endParaRPr lang="en-US" dirty="0" smtClean="0"/>
+          </a:p>
+          <a:p>
+            <a:r>
+              <a:rPr lang="en-US" dirty="0" smtClean="0"/>
+              <a:t>Conclusion: There is </a:t>
+            </a:r>
+            <a:r>
+              <a:rPr lang="en-US" dirty="0" smtClean="0"/>
+              <a:t>a strong positive non-linear correlation between activity type and time/location</a:t>
+            </a:r>
+            <a:endParaRPr lang="en-US" dirty="0"/>
+          </a:p>
+        </p:txBody>
+      </p:sp>
+    </p:spTree>
+    <p:extLst>
+      <p:ext uri="{BB962C8B-B14F-4D97-AF65-F5344CB8AC3E}">
+        <p14:creationId xmlns:p14="http://schemas.microsoft.com/office/powerpoint/2010/main" val="1217655872"/>
+      </p:ext>
+    </p:extLst>
+  </p:cSld>
+  <p:clrMapOvr>
+    <a:masterClrMapping/>
+  </p:clrMapOvr>
+</p:sld>
+</file>
+
+<file path=ppt/slides/slide9.xml><?xml version="1.0" encoding="utf-8"?>
+<p:sld xmlns:a="http://schemas.openxmlformats.org/drawingml/2006/main" xmlns:r="http://schemas.openxmlformats.org/officeDocument/2006/relationships" xmlns:p="http://schemas.openxmlformats.org/presentationml/2006/main">
+  <p:cSld>
+    <p:spTree>
+      <p:nvGrpSpPr>
+        <p:cNvPr id="1" name=""/>
+        <p:cNvGrpSpPr/>
+        <p:nvPr/>
+      </p:nvGrpSpPr>
+      <p:grpSpPr>
+        <a:xfrm>
+          <a:off x="0" y="0"/>
+          <a:ext cx="0" cy="0"/>
+          <a:chOff x="0" y="0"/>
+          <a:chExt cx="0" cy="0"/>
+        </a:xfrm>
+      </p:grpSpPr>
+      <p:sp>
+        <p:nvSpPr>
+          <p:cNvPr id="2" name="Title 1"/>
+          <p:cNvSpPr>
+            <a:spLocks noGrp="1"/>
+          </p:cNvSpPr>
+          <p:nvPr>
+            <p:ph type="title"/>
+          </p:nvPr>
+        </p:nvSpPr>
+        <p:spPr/>
+        <p:txBody>
+          <a:bodyPr/>
+          <a:lstStyle/>
+          <a:p>
+            <a:r>
+              <a:rPr lang="en-US" dirty="0" smtClean="0"/>
+              <a:t>Calculating Correlation of </a:t>
+            </a:r>
+            <a:r>
+              <a:rPr lang="en-US" dirty="0" smtClean="0"/>
+              <a:t>Activity and all </a:t>
+            </a:r>
+            <a:r>
+              <a:rPr lang="en-US" dirty="0" smtClean="0"/>
+              <a:t>Other Data </a:t>
+            </a:r>
+            <a:r>
+              <a:rPr lang="en-US" dirty="0" smtClean="0"/>
+              <a:t>Using Linear Regression</a:t>
+            </a:r>
+            <a:r>
+              <a:rPr lang="en-US" dirty="0" smtClean="0"/>
+              <a:t>	</a:t>
+            </a:r>
+            <a:endParaRPr lang="en-US" dirty="0"/>
+          </a:p>
+        </p:txBody>
+      </p:sp>
+      <p:sp>
+        <p:nvSpPr>
+          <p:cNvPr id="3" name="Content Placeholder 2"/>
+          <p:cNvSpPr>
+            <a:spLocks noGrp="1"/>
+          </p:cNvSpPr>
+          <p:nvPr>
+            <p:ph idx="1"/>
+          </p:nvPr>
+        </p:nvSpPr>
+        <p:spPr>
+          <a:xfrm>
+            <a:off x="838200" y="1802627"/>
+            <a:ext cx="10515600" cy="4351338"/>
+          </a:xfrm>
+        </p:spPr>
+        <p:txBody>
+          <a:bodyPr/>
+          <a:lstStyle/>
+          <a:p>
+            <a:r>
+              <a:rPr lang="en-US" dirty="0" smtClean="0"/>
+              <a:t>Using a linear regression model from </a:t>
+            </a:r>
+            <a:r>
+              <a:rPr lang="en-US" dirty="0" err="1" smtClean="0"/>
+              <a:t>sci</a:t>
+            </a:r>
+            <a:r>
+              <a:rPr lang="en-US" dirty="0" smtClean="0"/>
+              <a:t>-kit learn, there is a </a:t>
+            </a:r>
+            <a:r>
+              <a:rPr lang="en-US" dirty="0" smtClean="0"/>
+              <a:t>0.016 </a:t>
+            </a:r>
+            <a:r>
+              <a:rPr lang="en-US" dirty="0"/>
+              <a:t>coefficient of </a:t>
+            </a:r>
+            <a:r>
+              <a:rPr lang="en-US" dirty="0" smtClean="0"/>
+              <a:t>determination from </a:t>
+            </a:r>
+            <a:r>
+              <a:rPr lang="en-US" dirty="0" smtClean="0"/>
+              <a:t>all other data to </a:t>
+            </a:r>
+            <a:r>
+              <a:rPr lang="en-US" dirty="0" smtClean="0"/>
+              <a:t>activity type</a:t>
+            </a:r>
+          </a:p>
+          <a:p>
+            <a:r>
+              <a:rPr lang="en-US" dirty="0" smtClean="0"/>
+              <a:t>Worst case = 0, Best case = 1</a:t>
+            </a:r>
+          </a:p>
+          <a:p>
+            <a:r>
+              <a:rPr lang="en-US" dirty="0" smtClean="0"/>
+              <a:t>Conclusion: There is a </a:t>
+            </a:r>
+            <a:r>
+              <a:rPr lang="en-US" dirty="0" smtClean="0"/>
+              <a:t>low linear </a:t>
+            </a:r>
+            <a:r>
+              <a:rPr lang="en-US" dirty="0" smtClean="0"/>
+              <a:t>correlation between activity type and </a:t>
+            </a:r>
+            <a:r>
+              <a:rPr lang="en-US" dirty="0" smtClean="0"/>
+              <a:t>all other data</a:t>
+            </a:r>
+            <a:endParaRPr lang="en-US" dirty="0"/>
+          </a:p>
+        </p:txBody>
+      </p:sp>
+      <p:pic>
+        <p:nvPicPr>
+          <p:cNvPr id="4098" name="Picture 2"/>
+          <p:cNvPicPr>
+            <a:picLocks noChangeAspect="1" noChangeArrowheads="1"/>
+          </p:cNvPicPr>
+          <p:nvPr/>
+        </p:nvPicPr>
+        <p:blipFill>
+          <a:blip r:embed="rId2" cstate="print">
+            <a:extLst>
+              <a:ext uri="{28A0092B-C50C-407E-A947-70E740481C1C}">
+                <a14:useLocalDpi xmlns:a14="http://schemas.microsoft.com/office/drawing/2010/main" val="0"/>
+              </a:ext>
+            </a:extLst>
+          </a:blip>
+          <a:srcRect/>
+          <a:stretch>
+            <a:fillRect/>
+          </a:stretch>
+        </p:blipFill>
+        <p:spPr bwMode="auto">
+          <a:xfrm>
+            <a:off x="863683" y="4073831"/>
+            <a:ext cx="3843489" cy="2641294"/>
+          </a:xfrm>
+          <a:prstGeom prst="rect">
+            <a:avLst/>
+          </a:prstGeom>
+          <a:noFill/>
+          <a:ln>
+            <a:noFill/>
+          </a:ln>
+          <a:effectLst/>
+          <a:extLst>
+            <a:ext uri="{909E8E84-426E-40DD-AFC4-6F175D3DCCD1}">
+              <a14:hiddenFill xmlns:a14="http://schemas.microsoft.com/office/drawing/2010/main">
+                <a:solidFill>
+                  <a:schemeClr val="accent1"/>
+                </a:solidFill>
+              </a14:hiddenFill>
+            </a:ext>
+            <a:ext uri="{91240B29-F687-4F45-9708-019B960494DF}">
+              <a14:hiddenLine xmlns:a14="http://schemas.microsoft.com/office/drawing/2010/main" w="9525">
+                <a:solidFill>
+                  <a:schemeClr val="tx1"/>
+                </a:solidFill>
+                <a:miter lim="800000"/>
+                <a:headEnd/>
+                <a:tailEnd/>
+              </a14:hiddenLine>
+            </a:ext>
+            <a:ext uri="{AF507438-7753-43E0-B8FC-AC1667EBCBE1}">
+              <a14:hiddenEffects xmlns:a14="http://schemas.microsoft.com/office/drawing/2010/main">
+                <a:effectLst>
+                  <a:outerShdw dist="35921" dir="2700000" algn="ctr" rotWithShape="0">
+                    <a:schemeClr val="bg2"/>
+                  </a:outerShdw>
+                </a:effectLst>
+              </a14:hiddenEffects>
+            </a:ext>
+          </a:extLst>
+        </p:spPr>
+      </p:pic>
+      <p:pic>
+        <p:nvPicPr>
+          <p:cNvPr id="4099" name="Picture 3"/>
+          <p:cNvPicPr>
+            <a:picLocks noChangeAspect="1" noChangeArrowheads="1"/>
+          </p:cNvPicPr>
+          <p:nvPr/>
+        </p:nvPicPr>
+        <p:blipFill>
+          <a:blip r:embed="rId3">
+            <a:extLst>
+              <a:ext uri="{28A0092B-C50C-407E-A947-70E740481C1C}">
+                <a14:useLocalDpi xmlns:a14="http://schemas.microsoft.com/office/drawing/2010/main" val="0"/>
+              </a:ext>
+            </a:extLst>
+          </a:blip>
+          <a:srcRect/>
+          <a:stretch>
+            <a:fillRect/>
+          </a:stretch>
+        </p:blipFill>
+        <p:spPr bwMode="auto">
+          <a:xfrm>
+            <a:off x="5768382" y="4127529"/>
+            <a:ext cx="5293543" cy="2533898"/>
+          </a:xfrm>
+          <a:prstGeom prst="rect">
+            <a:avLst/>
+          </a:prstGeom>
+          <a:noFill/>
+          <a:ln>
+            <a:noFill/>
+          </a:ln>
+          <a:effectLst/>
+          <a:extLst>
+            <a:ext uri="{909E8E84-426E-40DD-AFC4-6F175D3DCCD1}">
+              <a14:hiddenFill xmlns:a14="http://schemas.microsoft.com/office/drawing/2010/main">
+                <a:solidFill>
+                  <a:schemeClr val="accent1"/>
+                </a:solidFill>
+              </a14:hiddenFill>
+            </a:ext>
+            <a:ext uri="{91240B29-F687-4F45-9708-019B960494DF}">
+              <a14:hiddenLine xmlns:a14="http://schemas.microsoft.com/office/drawing/2010/main" w="9525">
+                <a:solidFill>
+                  <a:schemeClr val="tx1"/>
+                </a:solidFill>
+                <a:miter lim="800000"/>
+                <a:headEnd/>
+                <a:tailEnd/>
+              </a14:hiddenLine>
+            </a:ext>
+            <a:ext uri="{AF507438-7753-43E0-B8FC-AC1667EBCBE1}">
+              <a14:hiddenEffects xmlns:a14="http://schemas.microsoft.com/office/drawing/2010/main">
+                <a:effectLst>
+                  <a:outerShdw dist="35921" dir="2700000" algn="ctr" rotWithShape="0">
+                    <a:schemeClr val="bg2"/>
+                  </a:outerShdw>
+                </a:effectLst>
+              </a14:hiddenEffects>
+            </a:ext>
+          </a:extLst>
+        </p:spPr>
+      </p:pic>
+      <p:sp>
+        <p:nvSpPr>
+          <p:cNvPr id="4" name="TextBox 3"/>
+          <p:cNvSpPr txBox="1"/>
+          <p:nvPr/>
+        </p:nvSpPr>
+        <p:spPr>
+          <a:xfrm>
+            <a:off x="1200647" y="4127529"/>
+            <a:ext cx="1753365" cy="369332"/>
+          </a:xfrm>
+          <a:prstGeom prst="rect">
+            <a:avLst/>
+          </a:prstGeom>
+          <a:noFill/>
+        </p:spPr>
+        <p:txBody>
+          <a:bodyPr wrap="none" rtlCol="0">
+            <a:spAutoFit/>
+          </a:bodyPr>
+          <a:lstStyle/>
+          <a:p>
+            <a:r>
+              <a:rPr lang="en-US" dirty="0" smtClean="0"/>
+              <a:t>High correlation:</a:t>
+            </a:r>
+            <a:endParaRPr lang="en-US" dirty="0"/>
+          </a:p>
+        </p:txBody>
+      </p:sp>
+      <p:sp>
+        <p:nvSpPr>
+          <p:cNvPr id="7" name="TextBox 6"/>
+          <p:cNvSpPr txBox="1"/>
+          <p:nvPr/>
+        </p:nvSpPr>
+        <p:spPr>
+          <a:xfrm>
+            <a:off x="6004560" y="4145559"/>
+            <a:ext cx="2304990" cy="369332"/>
+          </a:xfrm>
+          <a:prstGeom prst="rect">
+            <a:avLst/>
+          </a:prstGeom>
+          <a:noFill/>
+        </p:spPr>
+        <p:txBody>
+          <a:bodyPr wrap="none" rtlCol="0">
+            <a:spAutoFit/>
+          </a:bodyPr>
+          <a:lstStyle/>
+          <a:p>
+            <a:r>
+              <a:rPr lang="en-US" dirty="0" smtClean="0"/>
+              <a:t>Calculated correlation:</a:t>
+            </a:r>
+            <a:endParaRPr lang="en-US" dirty="0"/>
+          </a:p>
+        </p:txBody>
+      </p:sp>
+    </p:spTree>
+    <p:extLst>
+      <p:ext uri="{BB962C8B-B14F-4D97-AF65-F5344CB8AC3E}">
+        <p14:creationId xmlns:p14="http://schemas.microsoft.com/office/powerpoint/2010/main" val="3558646274"/>
       </p:ext>
     </p:extLst>
   </p:cSld>
@@ -7437,7 +8525,7 @@
   <a:extraClrSchemeLst/>
   <a:extLst>
     <a:ext uri="{05A4C25C-085E-4340-85A3-A5531E510DB2}">
-      <thm15:themeFamily xmlns:thm15="http://schemas.microsoft.com/office/thememl/2012/main" xmlns="" name="Office Theme" id="{62F939B6-93AF-4DB8-9C6B-D6C7DFDC589F}" vid="{4A3C46E8-61CC-4603-A589-7422A47A8E4A}"/>
+      <thm15:themeFamily xmlns:thm15="http://schemas.microsoft.com/office/thememl/2012/main" name="Office Theme" id="{62F939B6-93AF-4DB8-9C6B-D6C7DFDC589F}" vid="{4A3C46E8-61CC-4603-A589-7422A47A8E4A}"/>
     </a:ext>
   </a:extLst>
 </a:theme>

--- a/480_HW1.pptx
+++ b/480_HW1.pptx
@@ -10,11 +10,16 @@
     <p:sldId id="257" r:id="rId4"/>
     <p:sldId id="259" r:id="rId5"/>
     <p:sldId id="258" r:id="rId6"/>
-    <p:sldId id="262" r:id="rId7"/>
-    <p:sldId id="263" r:id="rId8"/>
-    <p:sldId id="264" r:id="rId9"/>
-    <p:sldId id="265" r:id="rId10"/>
-    <p:sldId id="266" r:id="rId11"/>
+    <p:sldId id="270" r:id="rId7"/>
+    <p:sldId id="271" r:id="rId8"/>
+    <p:sldId id="267" r:id="rId9"/>
+    <p:sldId id="269" r:id="rId10"/>
+    <p:sldId id="262" r:id="rId11"/>
+    <p:sldId id="263" r:id="rId12"/>
+    <p:sldId id="264" r:id="rId13"/>
+    <p:sldId id="268" r:id="rId14"/>
+    <p:sldId id="265" r:id="rId15"/>
+    <p:sldId id="266" r:id="rId16"/>
   </p:sldIdLst>
   <p:sldSz cx="12192000" cy="6858000"/>
   <p:notesSz cx="6858000" cy="9144000"/>
@@ -1050,11 +1055,7 @@
         <a:p>
           <a:r>
             <a:rPr lang="en-US" dirty="0" smtClean="0"/>
-            <a:t>Find any data at the </a:t>
-          </a:r>
-          <a:r>
-            <a:rPr lang="en-US" dirty="0" smtClean="0"/>
-            <a:t>same</a:t>
+            <a:t>Find any data at the same</a:t>
           </a:r>
           <a:endParaRPr lang="en-US" dirty="0"/>
         </a:p>
@@ -1474,33 +1475,33 @@
     </dgm:pt>
   </dgm:ptLst>
   <dgm:cxnLst>
-    <dgm:cxn modelId="{FCECE245-CFA7-4BCF-907C-80658422E92D}" type="presOf" srcId="{BA4DF10F-BAB9-4EA0-B113-A5F8011810FE}" destId="{3256FF14-087B-4093-ABF2-9C42E103BC2C}" srcOrd="1" destOrd="0" presId="urn:microsoft.com/office/officeart/2005/8/layout/process3"/>
+    <dgm:cxn modelId="{6484F48E-6705-41A2-A896-C85D2CC10D13}" srcId="{513FAADA-5489-46B9-A358-44962FC774E2}" destId="{5E19D8C5-9EBD-4308-BF74-88501C7405BA}" srcOrd="0" destOrd="0" parTransId="{069371A5-20CB-4096-9396-4D1EE5EA616A}" sibTransId="{2A7E5E44-1C5A-4EFF-825A-E60D4E07D06C}"/>
+    <dgm:cxn modelId="{89302608-AA5E-4A77-B9E9-E2B405396E97}" srcId="{45295544-0D20-4229-A153-128F45A8B58E}" destId="{513FAADA-5489-46B9-A358-44962FC774E2}" srcOrd="2" destOrd="0" parTransId="{2EC87C47-B36A-449A-9B92-A5F35FA67598}" sibTransId="{006B6681-1D01-4724-A8B5-EE7EAAED797B}"/>
     <dgm:cxn modelId="{B5178C68-0E13-42D2-A911-87A3C5D0446A}" type="presOf" srcId="{5E807E5D-858F-485C-93D3-2CA219B37D37}" destId="{8AE9E217-1FA9-498F-B9EC-98D5ED20C5AB}" srcOrd="0" destOrd="0" presId="urn:microsoft.com/office/officeart/2005/8/layout/process3"/>
-    <dgm:cxn modelId="{4D19FD30-8583-4281-AC9E-CBADC7144164}" srcId="{45295544-0D20-4229-A153-128F45A8B58E}" destId="{5E807E5D-858F-485C-93D3-2CA219B37D37}" srcOrd="1" destOrd="0" parTransId="{32D85B09-F5E0-49B3-9DFB-FD439688F567}" sibTransId="{B3D63858-7DC0-4E65-918D-7F365E715B9F}"/>
+    <dgm:cxn modelId="{637B023B-BF97-40F3-91ED-91AE59DF0568}" srcId="{45295544-0D20-4229-A153-128F45A8B58E}" destId="{BA4DF10F-BAB9-4EA0-B113-A5F8011810FE}" srcOrd="3" destOrd="0" parTransId="{6327A1B7-70B7-4140-89BD-DCBF3966EA8E}" sibTransId="{4D0B0B66-0E6D-420D-97F4-44B19E471629}"/>
+    <dgm:cxn modelId="{B64B0A12-10D1-462E-B175-D8D4C1582BCA}" srcId="{45295544-0D20-4229-A153-128F45A8B58E}" destId="{8A3EB83F-6EE9-424D-8923-A8991045A53E}" srcOrd="0" destOrd="0" parTransId="{CEE7CD13-2752-4F78-8BA8-454AEAA44259}" sibTransId="{0DC140F9-A9C1-4694-B6A1-A4905C7C1245}"/>
+    <dgm:cxn modelId="{BB2B5509-7089-48F1-A0FE-761BAEE3A752}" type="presOf" srcId="{513FAADA-5489-46B9-A358-44962FC774E2}" destId="{E59CECE1-AA1F-4B41-BFD6-7FD30D459104}" srcOrd="0" destOrd="0" presId="urn:microsoft.com/office/officeart/2005/8/layout/process3"/>
+    <dgm:cxn modelId="{24142144-AC77-48A2-867E-9B76008A87C3}" type="presOf" srcId="{BA4DF10F-BAB9-4EA0-B113-A5F8011810FE}" destId="{D3BCF727-E1E9-4FE1-AF1C-4F4F0FAFA795}" srcOrd="0" destOrd="0" presId="urn:microsoft.com/office/officeart/2005/8/layout/process3"/>
     <dgm:cxn modelId="{758DB285-750E-49C2-8745-9E24053F56BE}" type="presOf" srcId="{006B6681-1D01-4724-A8B5-EE7EAAED797B}" destId="{D6B1DD6E-8958-4552-9385-5A96B02BE001}" srcOrd="0" destOrd="0" presId="urn:microsoft.com/office/officeart/2005/8/layout/process3"/>
-    <dgm:cxn modelId="{B64B0A12-10D1-462E-B175-D8D4C1582BCA}" srcId="{45295544-0D20-4229-A153-128F45A8B58E}" destId="{8A3EB83F-6EE9-424D-8923-A8991045A53E}" srcOrd="0" destOrd="0" parTransId="{CEE7CD13-2752-4F78-8BA8-454AEAA44259}" sibTransId="{0DC140F9-A9C1-4694-B6A1-A4905C7C1245}"/>
-    <dgm:cxn modelId="{30CA0A0D-5136-4F0B-B5C6-FE0A24C647B7}" type="presOf" srcId="{B3D63858-7DC0-4E65-918D-7F365E715B9F}" destId="{9A57C195-CD2B-44D7-8E4E-E5EC2FC92A0E}" srcOrd="0" destOrd="0" presId="urn:microsoft.com/office/officeart/2005/8/layout/process3"/>
-    <dgm:cxn modelId="{32B599F5-A058-4A3D-B098-A073AA77D5CB}" type="presOf" srcId="{97F6295E-0634-4690-B3FE-F44129C45F36}" destId="{0488B641-47E3-4BD4-AC32-73DBB6E33E5E}" srcOrd="0" destOrd="0" presId="urn:microsoft.com/office/officeart/2005/8/layout/process3"/>
-    <dgm:cxn modelId="{CEEF09BF-3ADE-4853-932A-6C726ED7C906}" type="presOf" srcId="{5E807E5D-858F-485C-93D3-2CA219B37D37}" destId="{E790169A-885B-4A5D-8D1F-CF7E7F0B026D}" srcOrd="1" destOrd="0" presId="urn:microsoft.com/office/officeart/2005/8/layout/process3"/>
-    <dgm:cxn modelId="{25FD792F-295C-404F-B5AD-6C6E0FB4B91C}" type="presOf" srcId="{8A3EB83F-6EE9-424D-8923-A8991045A53E}" destId="{F346B117-C29C-4806-A377-2DE2D2546881}" srcOrd="1" destOrd="0" presId="urn:microsoft.com/office/officeart/2005/8/layout/process3"/>
-    <dgm:cxn modelId="{89302608-AA5E-4A77-B9E9-E2B405396E97}" srcId="{45295544-0D20-4229-A153-128F45A8B58E}" destId="{513FAADA-5489-46B9-A358-44962FC774E2}" srcOrd="2" destOrd="0" parTransId="{2EC87C47-B36A-449A-9B92-A5F35FA67598}" sibTransId="{006B6681-1D01-4724-A8B5-EE7EAAED797B}"/>
-    <dgm:cxn modelId="{4DBD389B-A40D-4B80-B95E-DAFC3D4687A3}" type="presOf" srcId="{6795CB83-06AB-4C3E-B307-CDAA113632AC}" destId="{DB3E874D-C4A6-4DFF-AEB6-6866276431EA}" srcOrd="0" destOrd="0" presId="urn:microsoft.com/office/officeart/2005/8/layout/process3"/>
-    <dgm:cxn modelId="{24DBFF3D-A927-4A64-9F0F-BC6563D8DE78}" srcId="{5E807E5D-858F-485C-93D3-2CA219B37D37}" destId="{D8B33D73-70BE-4CF3-BDAE-6D5CF83ABE30}" srcOrd="0" destOrd="0" parTransId="{63DEE733-2D1A-4CF9-A5B7-B6A0BD5E00E9}" sibTransId="{83D50E95-C59C-4153-8C2F-FB3555DFA3A2}"/>
-    <dgm:cxn modelId="{3E6DAE7E-0338-4781-B89C-34A18DEC8AC1}" type="presOf" srcId="{45295544-0D20-4229-A153-128F45A8B58E}" destId="{1F7E644D-9170-43F0-8C5B-A9CF3986A524}" srcOrd="0" destOrd="0" presId="urn:microsoft.com/office/officeart/2005/8/layout/process3"/>
-    <dgm:cxn modelId="{8B828C79-9BB4-4D19-B3A9-2F2DD303596C}" type="presOf" srcId="{5E19D8C5-9EBD-4308-BF74-88501C7405BA}" destId="{4BA35E00-785A-4D49-9ECD-767D2D8AD49D}" srcOrd="0" destOrd="0" presId="urn:microsoft.com/office/officeart/2005/8/layout/process3"/>
     <dgm:cxn modelId="{55C2795C-3CC6-498D-83EC-A357C3A0D98D}" srcId="{BA4DF10F-BAB9-4EA0-B113-A5F8011810FE}" destId="{97F6295E-0634-4690-B3FE-F44129C45F36}" srcOrd="0" destOrd="0" parTransId="{C82F1BE3-1331-4383-A844-82B7F6A83D0B}" sibTransId="{32040FE1-9D98-4F5A-B4A8-5267AE65E82E}"/>
     <dgm:cxn modelId="{1C8BA9E1-92F3-4C63-B040-745225D3526F}" type="presOf" srcId="{D8B33D73-70BE-4CF3-BDAE-6D5CF83ABE30}" destId="{98B39080-9814-4FB1-8242-313D76AE1EE5}" srcOrd="0" destOrd="0" presId="urn:microsoft.com/office/officeart/2005/8/layout/process3"/>
-    <dgm:cxn modelId="{637B023B-BF97-40F3-91ED-91AE59DF0568}" srcId="{45295544-0D20-4229-A153-128F45A8B58E}" destId="{BA4DF10F-BAB9-4EA0-B113-A5F8011810FE}" srcOrd="3" destOrd="0" parTransId="{6327A1B7-70B7-4140-89BD-DCBF3966EA8E}" sibTransId="{4D0B0B66-0E6D-420D-97F4-44B19E471629}"/>
+    <dgm:cxn modelId="{DBAD6809-825D-464F-91CD-5B769C45540F}" srcId="{8A3EB83F-6EE9-424D-8923-A8991045A53E}" destId="{6795CB83-06AB-4C3E-B307-CDAA113632AC}" srcOrd="0" destOrd="0" parTransId="{944E93B7-2BCE-43DA-AE3D-DA4F642C6AB6}" sibTransId="{5E659F22-FD71-48D3-AC11-1743D5FF5BDA}"/>
     <dgm:cxn modelId="{837DAA94-2741-494D-9618-675066A0D989}" type="presOf" srcId="{006B6681-1D01-4724-A8B5-EE7EAAED797B}" destId="{EEE489C0-1960-4A77-826C-40ABDC8F27EB}" srcOrd="1" destOrd="0" presId="urn:microsoft.com/office/officeart/2005/8/layout/process3"/>
-    <dgm:cxn modelId="{73488AEC-09BD-4D4A-A212-9684808FDCF5}" type="presOf" srcId="{0DC140F9-A9C1-4694-B6A1-A4905C7C1245}" destId="{36281CDF-670B-45C2-A761-C9799B24415D}" srcOrd="1" destOrd="0" presId="urn:microsoft.com/office/officeart/2005/8/layout/process3"/>
-    <dgm:cxn modelId="{24142144-AC77-48A2-867E-9B76008A87C3}" type="presOf" srcId="{BA4DF10F-BAB9-4EA0-B113-A5F8011810FE}" destId="{D3BCF727-E1E9-4FE1-AF1C-4F4F0FAFA795}" srcOrd="0" destOrd="0" presId="urn:microsoft.com/office/officeart/2005/8/layout/process3"/>
+    <dgm:cxn modelId="{3E6DAE7E-0338-4781-B89C-34A18DEC8AC1}" type="presOf" srcId="{45295544-0D20-4229-A153-128F45A8B58E}" destId="{1F7E644D-9170-43F0-8C5B-A9CF3986A524}" srcOrd="0" destOrd="0" presId="urn:microsoft.com/office/officeart/2005/8/layout/process3"/>
     <dgm:cxn modelId="{67FA8BFF-237F-416A-9A1F-CD241D1CE842}" type="presOf" srcId="{B3D63858-7DC0-4E65-918D-7F365E715B9F}" destId="{B2233450-7ADA-47DC-B546-330245948961}" srcOrd="1" destOrd="0" presId="urn:microsoft.com/office/officeart/2005/8/layout/process3"/>
+    <dgm:cxn modelId="{CEEF09BF-3ADE-4853-932A-6C726ED7C906}" type="presOf" srcId="{5E807E5D-858F-485C-93D3-2CA219B37D37}" destId="{E790169A-885B-4A5D-8D1F-CF7E7F0B026D}" srcOrd="1" destOrd="0" presId="urn:microsoft.com/office/officeart/2005/8/layout/process3"/>
+    <dgm:cxn modelId="{8B828C79-9BB4-4D19-B3A9-2F2DD303596C}" type="presOf" srcId="{5E19D8C5-9EBD-4308-BF74-88501C7405BA}" destId="{4BA35E00-785A-4D49-9ECD-767D2D8AD49D}" srcOrd="0" destOrd="0" presId="urn:microsoft.com/office/officeart/2005/8/layout/process3"/>
+    <dgm:cxn modelId="{32B599F5-A058-4A3D-B098-A073AA77D5CB}" type="presOf" srcId="{97F6295E-0634-4690-B3FE-F44129C45F36}" destId="{0488B641-47E3-4BD4-AC32-73DBB6E33E5E}" srcOrd="0" destOrd="0" presId="urn:microsoft.com/office/officeart/2005/8/layout/process3"/>
+    <dgm:cxn modelId="{B3818AEF-B505-491D-B91C-9FB890C3EDFD}" type="presOf" srcId="{513FAADA-5489-46B9-A358-44962FC774E2}" destId="{4B02B11E-33F8-4317-BEDB-C258D749C0B9}" srcOrd="1" destOrd="0" presId="urn:microsoft.com/office/officeart/2005/8/layout/process3"/>
+    <dgm:cxn modelId="{FCECE245-CFA7-4BCF-907C-80658422E92D}" type="presOf" srcId="{BA4DF10F-BAB9-4EA0-B113-A5F8011810FE}" destId="{3256FF14-087B-4093-ABF2-9C42E103BC2C}" srcOrd="1" destOrd="0" presId="urn:microsoft.com/office/officeart/2005/8/layout/process3"/>
     <dgm:cxn modelId="{2ED09938-18AB-448F-8742-E980868764A8}" type="presOf" srcId="{0DC140F9-A9C1-4694-B6A1-A4905C7C1245}" destId="{2E3C21B9-077C-41A0-9719-2C074C75EE14}" srcOrd="0" destOrd="0" presId="urn:microsoft.com/office/officeart/2005/8/layout/process3"/>
     <dgm:cxn modelId="{BD29CC99-6F2B-4888-B0FB-939590602E4F}" type="presOf" srcId="{8A3EB83F-6EE9-424D-8923-A8991045A53E}" destId="{897057DF-4A5A-4171-A3A2-121F4239636A}" srcOrd="0" destOrd="0" presId="urn:microsoft.com/office/officeart/2005/8/layout/process3"/>
-    <dgm:cxn modelId="{DBAD6809-825D-464F-91CD-5B769C45540F}" srcId="{8A3EB83F-6EE9-424D-8923-A8991045A53E}" destId="{6795CB83-06AB-4C3E-B307-CDAA113632AC}" srcOrd="0" destOrd="0" parTransId="{944E93B7-2BCE-43DA-AE3D-DA4F642C6AB6}" sibTransId="{5E659F22-FD71-48D3-AC11-1743D5FF5BDA}"/>
-    <dgm:cxn modelId="{BB2B5509-7089-48F1-A0FE-761BAEE3A752}" type="presOf" srcId="{513FAADA-5489-46B9-A358-44962FC774E2}" destId="{E59CECE1-AA1F-4B41-BFD6-7FD30D459104}" srcOrd="0" destOrd="0" presId="urn:microsoft.com/office/officeart/2005/8/layout/process3"/>
-    <dgm:cxn modelId="{6484F48E-6705-41A2-A896-C85D2CC10D13}" srcId="{513FAADA-5489-46B9-A358-44962FC774E2}" destId="{5E19D8C5-9EBD-4308-BF74-88501C7405BA}" srcOrd="0" destOrd="0" parTransId="{069371A5-20CB-4096-9396-4D1EE5EA616A}" sibTransId="{2A7E5E44-1C5A-4EFF-825A-E60D4E07D06C}"/>
-    <dgm:cxn modelId="{B3818AEF-B505-491D-B91C-9FB890C3EDFD}" type="presOf" srcId="{513FAADA-5489-46B9-A358-44962FC774E2}" destId="{4B02B11E-33F8-4317-BEDB-C258D749C0B9}" srcOrd="1" destOrd="0" presId="urn:microsoft.com/office/officeart/2005/8/layout/process3"/>
+    <dgm:cxn modelId="{25FD792F-295C-404F-B5AD-6C6E0FB4B91C}" type="presOf" srcId="{8A3EB83F-6EE9-424D-8923-A8991045A53E}" destId="{F346B117-C29C-4806-A377-2DE2D2546881}" srcOrd="1" destOrd="0" presId="urn:microsoft.com/office/officeart/2005/8/layout/process3"/>
+    <dgm:cxn modelId="{4D19FD30-8583-4281-AC9E-CBADC7144164}" srcId="{45295544-0D20-4229-A153-128F45A8B58E}" destId="{5E807E5D-858F-485C-93D3-2CA219B37D37}" srcOrd="1" destOrd="0" parTransId="{32D85B09-F5E0-49B3-9DFB-FD439688F567}" sibTransId="{B3D63858-7DC0-4E65-918D-7F365E715B9F}"/>
+    <dgm:cxn modelId="{73488AEC-09BD-4D4A-A212-9684808FDCF5}" type="presOf" srcId="{0DC140F9-A9C1-4694-B6A1-A4905C7C1245}" destId="{36281CDF-670B-45C2-A761-C9799B24415D}" srcOrd="1" destOrd="0" presId="urn:microsoft.com/office/officeart/2005/8/layout/process3"/>
+    <dgm:cxn modelId="{24DBFF3D-A927-4A64-9F0F-BC6563D8DE78}" srcId="{5E807E5D-858F-485C-93D3-2CA219B37D37}" destId="{D8B33D73-70BE-4CF3-BDAE-6D5CF83ABE30}" srcOrd="0" destOrd="0" parTransId="{63DEE733-2D1A-4CF9-A5B7-B6A0BD5E00E9}" sibTransId="{83D50E95-C59C-4153-8C2F-FB3555DFA3A2}"/>
+    <dgm:cxn modelId="{4DBD389B-A40D-4B80-B95E-DAFC3D4687A3}" type="presOf" srcId="{6795CB83-06AB-4C3E-B307-CDAA113632AC}" destId="{DB3E874D-C4A6-4DFF-AEB6-6866276431EA}" srcOrd="0" destOrd="0" presId="urn:microsoft.com/office/officeart/2005/8/layout/process3"/>
+    <dgm:cxn modelId="{30CA0A0D-5136-4F0B-B5C6-FE0A24C647B7}" type="presOf" srcId="{B3D63858-7DC0-4E65-918D-7F365E715B9F}" destId="{9A57C195-CD2B-44D7-8E4E-E5EC2FC92A0E}" srcOrd="0" destOrd="0" presId="urn:microsoft.com/office/officeart/2005/8/layout/process3"/>
     <dgm:cxn modelId="{F058A8DF-124A-4C18-AB4E-085CA2376E2A}" type="presParOf" srcId="{1F7E644D-9170-43F0-8C5B-A9CF3986A524}" destId="{09C3E3CE-AAA5-43F4-98ED-917EF3B89204}" srcOrd="0" destOrd="0" presId="urn:microsoft.com/office/officeart/2005/8/layout/process3"/>
     <dgm:cxn modelId="{B10B3C5C-36EA-4C2C-B241-42667DB2E51F}" type="presParOf" srcId="{09C3E3CE-AAA5-43F4-98ED-917EF3B89204}" destId="{897057DF-4A5A-4171-A3A2-121F4239636A}" srcOrd="0" destOrd="0" presId="urn:microsoft.com/office/officeart/2005/8/layout/process3"/>
     <dgm:cxn modelId="{013C741F-1602-41B3-90BA-A26DD5FB1509}" type="presParOf" srcId="{09C3E3CE-AAA5-43F4-98ED-917EF3B89204}" destId="{F346B117-C29C-4806-A377-2DE2D2546881}" srcOrd="1" destOrd="0" presId="urn:microsoft.com/office/officeart/2005/8/layout/process3"/>
@@ -2158,11 +2159,7 @@
           </a:pPr>
           <a:r>
             <a:rPr lang="en-US" sz="1700" kern="1200" dirty="0" smtClean="0"/>
-            <a:t>Find any data at the </a:t>
-          </a:r>
-          <a:r>
-            <a:rPr lang="en-US" sz="1700" kern="1200" dirty="0" smtClean="0"/>
-            <a:t>same</a:t>
+            <a:t>Find any data at the same</a:t>
           </a:r>
           <a:endParaRPr lang="en-US" sz="1700" kern="1200" dirty="0"/>
         </a:p>
@@ -3871,7 +3868,7 @@
           <a:p>
             <a:fld id="{38163460-9537-49C2-A504-CDCA7FB2D4DE}" type="datetimeFigureOut">
               <a:rPr lang="en-US" smtClean="0"/>
-              <a:t>11/9/2021</a:t>
+              <a:t>11/10/2021</a:t>
             </a:fld>
             <a:endParaRPr lang="en-US"/>
           </a:p>
@@ -4041,7 +4038,7 @@
           <a:p>
             <a:fld id="{38163460-9537-49C2-A504-CDCA7FB2D4DE}" type="datetimeFigureOut">
               <a:rPr lang="en-US" smtClean="0"/>
-              <a:t>11/9/2021</a:t>
+              <a:t>11/10/2021</a:t>
             </a:fld>
             <a:endParaRPr lang="en-US"/>
           </a:p>
@@ -4221,7 +4218,7 @@
           <a:p>
             <a:fld id="{38163460-9537-49C2-A504-CDCA7FB2D4DE}" type="datetimeFigureOut">
               <a:rPr lang="en-US" smtClean="0"/>
-              <a:t>11/9/2021</a:t>
+              <a:t>11/10/2021</a:t>
             </a:fld>
             <a:endParaRPr lang="en-US"/>
           </a:p>
@@ -4391,7 +4388,7 @@
           <a:p>
             <a:fld id="{38163460-9537-49C2-A504-CDCA7FB2D4DE}" type="datetimeFigureOut">
               <a:rPr lang="en-US" smtClean="0"/>
-              <a:t>11/9/2021</a:t>
+              <a:t>11/10/2021</a:t>
             </a:fld>
             <a:endParaRPr lang="en-US"/>
           </a:p>
@@ -4637,7 +4634,7 @@
           <a:p>
             <a:fld id="{38163460-9537-49C2-A504-CDCA7FB2D4DE}" type="datetimeFigureOut">
               <a:rPr lang="en-US" smtClean="0"/>
-              <a:t>11/9/2021</a:t>
+              <a:t>11/10/2021</a:t>
             </a:fld>
             <a:endParaRPr lang="en-US"/>
           </a:p>
@@ -4869,7 +4866,7 @@
           <a:p>
             <a:fld id="{38163460-9537-49C2-A504-CDCA7FB2D4DE}" type="datetimeFigureOut">
               <a:rPr lang="en-US" smtClean="0"/>
-              <a:t>11/9/2021</a:t>
+              <a:t>11/10/2021</a:t>
             </a:fld>
             <a:endParaRPr lang="en-US"/>
           </a:p>
@@ -5236,7 +5233,7 @@
           <a:p>
             <a:fld id="{38163460-9537-49C2-A504-CDCA7FB2D4DE}" type="datetimeFigureOut">
               <a:rPr lang="en-US" smtClean="0"/>
-              <a:t>11/9/2021</a:t>
+              <a:t>11/10/2021</a:t>
             </a:fld>
             <a:endParaRPr lang="en-US"/>
           </a:p>
@@ -5354,7 +5351,7 @@
           <a:p>
             <a:fld id="{38163460-9537-49C2-A504-CDCA7FB2D4DE}" type="datetimeFigureOut">
               <a:rPr lang="en-US" smtClean="0"/>
-              <a:t>11/9/2021</a:t>
+              <a:t>11/10/2021</a:t>
             </a:fld>
             <a:endParaRPr lang="en-US"/>
           </a:p>
@@ -5449,7 +5446,7 @@
           <a:p>
             <a:fld id="{38163460-9537-49C2-A504-CDCA7FB2D4DE}" type="datetimeFigureOut">
               <a:rPr lang="en-US" smtClean="0"/>
-              <a:t>11/9/2021</a:t>
+              <a:t>11/10/2021</a:t>
             </a:fld>
             <a:endParaRPr lang="en-US"/>
           </a:p>
@@ -5726,7 +5723,7 @@
           <a:p>
             <a:fld id="{38163460-9537-49C2-A504-CDCA7FB2D4DE}" type="datetimeFigureOut">
               <a:rPr lang="en-US" smtClean="0"/>
-              <a:t>11/9/2021</a:t>
+              <a:t>11/10/2021</a:t>
             </a:fld>
             <a:endParaRPr lang="en-US"/>
           </a:p>
@@ -5979,7 +5976,7 @@
           <a:p>
             <a:fld id="{38163460-9537-49C2-A504-CDCA7FB2D4DE}" type="datetimeFigureOut">
               <a:rPr lang="en-US" smtClean="0"/>
-              <a:t>11/9/2021</a:t>
+              <a:t>11/10/2021</a:t>
             </a:fld>
             <a:endParaRPr lang="en-US"/>
           </a:p>
@@ -6192,7 +6189,7 @@
           <a:p>
             <a:fld id="{38163460-9537-49C2-A504-CDCA7FB2D4DE}" type="datetimeFigureOut">
               <a:rPr lang="en-US" smtClean="0"/>
-              <a:t>11/9/2021</a:t>
+              <a:t>11/10/2021</a:t>
             </a:fld>
             <a:endParaRPr lang="en-US"/>
           </a:p>
@@ -6643,6 +6640,10 @@
               <a:rPr lang="en-US" dirty="0" err="1" smtClean="0"/>
               <a:t>JoEnid</a:t>
             </a:r>
+            <a:r>
+              <a:rPr lang="en-US" smtClean="0"/>
+              <a:t> Acevedo</a:t>
+            </a:r>
             <a:endParaRPr lang="en-US" dirty="0"/>
           </a:p>
         </p:txBody>
@@ -6694,23 +6695,7 @@
           <a:p>
             <a:r>
               <a:rPr lang="en-US" dirty="0" smtClean="0"/>
-              <a:t>Calculating Correlation of </a:t>
-            </a:r>
-            <a:r>
-              <a:rPr lang="en-US" dirty="0" smtClean="0"/>
-              <a:t>Activity and all </a:t>
-            </a:r>
-            <a:r>
-              <a:rPr lang="en-US" dirty="0" smtClean="0"/>
-              <a:t>Other Data </a:t>
-            </a:r>
-            <a:r>
-              <a:rPr lang="en-US" dirty="0" smtClean="0"/>
-              <a:t>Using Random Forest Regression</a:t>
-            </a:r>
-            <a:r>
-              <a:rPr lang="en-US" dirty="0" smtClean="0"/>
-              <a:t>	</a:t>
+              <a:t>Calculating Correlation of Activity, Time, and Location Using Linear Regression	</a:t>
             </a:r>
             <a:endParaRPr lang="en-US" dirty="0"/>
           </a:p>
@@ -6738,15 +6723,7 @@
           <a:p>
             <a:r>
               <a:rPr lang="en-US" dirty="0" smtClean="0"/>
-              <a:t>Using a </a:t>
-            </a:r>
-            <a:r>
-              <a:rPr lang="en-US" dirty="0" smtClean="0"/>
-              <a:t>random forest regression model </a:t>
-            </a:r>
-            <a:r>
-              <a:rPr lang="en-US" dirty="0" smtClean="0"/>
-              <a:t>from </a:t>
+              <a:t>Using a linear regression model from </a:t>
             </a:r>
             <a:r>
               <a:rPr lang="en-US" dirty="0" err="1" smtClean="0"/>
@@ -6754,11 +6731,7 @@
             </a:r>
             <a:r>
               <a:rPr lang="en-US" dirty="0" smtClean="0"/>
-              <a:t>-kit learn, there is a </a:t>
-            </a:r>
-            <a:r>
-              <a:rPr lang="en-US" dirty="0" smtClean="0"/>
-              <a:t>0.998-0.989 (depending on max samples) </a:t>
+              <a:t>-kit learn, there is a 0.005 </a:t>
             </a:r>
             <a:r>
               <a:rPr lang="en-US" dirty="0"/>
@@ -6766,15 +6739,7 @@
             </a:r>
             <a:r>
               <a:rPr lang="en-US" dirty="0" smtClean="0"/>
-              <a:t>determination from </a:t>
-            </a:r>
-            <a:r>
-              <a:rPr lang="en-US" dirty="0" smtClean="0"/>
-              <a:t>all other data to </a:t>
-            </a:r>
-            <a:r>
-              <a:rPr lang="en-US" dirty="0" smtClean="0"/>
-              <a:t>activity type</a:t>
+              <a:t>determination from time and location to activity type</a:t>
             </a:r>
           </a:p>
           <a:p>
@@ -6786,665 +6751,7 @@
           <a:p>
             <a:r>
               <a:rPr lang="en-US" dirty="0" smtClean="0"/>
-              <a:t>Conclusion: There is a </a:t>
-            </a:r>
-            <a:r>
-              <a:rPr lang="en-US" dirty="0" smtClean="0"/>
-              <a:t>very strong positive linear </a:t>
-            </a:r>
-            <a:r>
-              <a:rPr lang="en-US" dirty="0" smtClean="0"/>
-              <a:t>correlation between activity type and </a:t>
-            </a:r>
-            <a:r>
-              <a:rPr lang="en-US" dirty="0" smtClean="0"/>
-              <a:t>all other data</a:t>
-            </a:r>
-            <a:endParaRPr lang="en-US" dirty="0"/>
-          </a:p>
-        </p:txBody>
-      </p:sp>
-    </p:spTree>
-    <p:extLst>
-      <p:ext uri="{BB962C8B-B14F-4D97-AF65-F5344CB8AC3E}">
-        <p14:creationId xmlns:p14="http://schemas.microsoft.com/office/powerpoint/2010/main" val="2559239204"/>
-      </p:ext>
-    </p:extLst>
-  </p:cSld>
-  <p:clrMapOvr>
-    <a:masterClrMapping/>
-  </p:clrMapOvr>
-</p:sld>
-</file>
-
-<file path=ppt/slides/slide2.xml><?xml version="1.0" encoding="utf-8"?>
-<p:sld xmlns:a="http://schemas.openxmlformats.org/drawingml/2006/main" xmlns:r="http://schemas.openxmlformats.org/officeDocument/2006/relationships" xmlns:p="http://schemas.openxmlformats.org/presentationml/2006/main">
-  <p:cSld>
-    <p:spTree>
-      <p:nvGrpSpPr>
-        <p:cNvPr id="1" name=""/>
-        <p:cNvGrpSpPr/>
-        <p:nvPr/>
-      </p:nvGrpSpPr>
-      <p:grpSpPr>
-        <a:xfrm>
-          <a:off x="0" y="0"/>
-          <a:ext cx="0" cy="0"/>
-          <a:chOff x="0" y="0"/>
-          <a:chExt cx="0" cy="0"/>
-        </a:xfrm>
-      </p:grpSpPr>
-      <p:sp>
-        <p:nvSpPr>
-          <p:cNvPr id="2" name="Title 1"/>
-          <p:cNvSpPr>
-            <a:spLocks noGrp="1"/>
-          </p:cNvSpPr>
-          <p:nvPr>
-            <p:ph type="title"/>
-          </p:nvPr>
-        </p:nvSpPr>
-        <p:spPr/>
-        <p:txBody>
-          <a:bodyPr/>
-          <a:lstStyle/>
-          <a:p>
-            <a:r>
-              <a:rPr lang="en-US" dirty="0" smtClean="0"/>
-              <a:t>Data Analysis Techniques	</a:t>
-            </a:r>
-            <a:endParaRPr lang="en-US" dirty="0"/>
-          </a:p>
-        </p:txBody>
-      </p:sp>
-      <p:sp>
-        <p:nvSpPr>
-          <p:cNvPr id="3" name="Content Placeholder 2"/>
-          <p:cNvSpPr>
-            <a:spLocks noGrp="1"/>
-          </p:cNvSpPr>
-          <p:nvPr>
-            <p:ph idx="1"/>
-          </p:nvPr>
-        </p:nvSpPr>
-        <p:spPr/>
-        <p:txBody>
-          <a:bodyPr/>
-          <a:lstStyle/>
-          <a:p>
-            <a:r>
-              <a:rPr lang="en-US" dirty="0" smtClean="0"/>
-              <a:t>Used custom Python script created by McNichols, Ramos, and Enid</a:t>
-            </a:r>
-          </a:p>
-          <a:p>
-            <a:r>
-              <a:rPr lang="en-US" dirty="0" smtClean="0"/>
-              <a:t>Calculated GPS location of each suspect using phone bearing and </a:t>
-            </a:r>
-            <a:r>
-              <a:rPr lang="en-US" dirty="0" err="1" smtClean="0"/>
-              <a:t>lat</a:t>
-            </a:r>
-            <a:r>
-              <a:rPr lang="en-US" dirty="0" smtClean="0"/>
-              <a:t>/long changes over time</a:t>
-            </a:r>
-          </a:p>
-          <a:p>
-            <a:r>
-              <a:rPr lang="en-US" dirty="0" smtClean="0"/>
-              <a:t>Grabbed any users that had locations overlapping by 250m or less at the same hour</a:t>
-            </a:r>
-            <a:endParaRPr lang="en-US" dirty="0"/>
-          </a:p>
-        </p:txBody>
-      </p:sp>
-      <p:graphicFrame>
-        <p:nvGraphicFramePr>
-          <p:cNvPr id="4" name="Diagram 3"/>
-          <p:cNvGraphicFramePr/>
-          <p:nvPr>
-            <p:extLst>
-              <p:ext uri="{D42A27DB-BD31-4B8C-83A1-F6EECF244321}">
-                <p14:modId xmlns:p14="http://schemas.microsoft.com/office/powerpoint/2010/main" val="2753938239"/>
-              </p:ext>
-            </p:extLst>
-          </p:nvPr>
-        </p:nvGraphicFramePr>
-        <p:xfrm>
-          <a:off x="838200" y="2737651"/>
-          <a:ext cx="10361829" cy="5418667"/>
-        </p:xfrm>
-        <a:graphic>
-          <a:graphicData uri="http://schemas.openxmlformats.org/drawingml/2006/diagram">
-            <dgm:relIds xmlns:dgm="http://schemas.openxmlformats.org/drawingml/2006/diagram" xmlns:r="http://schemas.openxmlformats.org/officeDocument/2006/relationships" r:dm="rId2" r:lo="rId3" r:qs="rId4" r:cs="rId5"/>
-          </a:graphicData>
-        </a:graphic>
-      </p:graphicFrame>
-    </p:spTree>
-    <p:extLst>
-      <p:ext uri="{BB962C8B-B14F-4D97-AF65-F5344CB8AC3E}">
-        <p14:creationId xmlns:p14="http://schemas.microsoft.com/office/powerpoint/2010/main" val="1724640030"/>
-      </p:ext>
-    </p:extLst>
-  </p:cSld>
-  <p:clrMapOvr>
-    <a:masterClrMapping/>
-  </p:clrMapOvr>
-</p:sld>
-</file>
-
-<file path=ppt/slides/slide3.xml><?xml version="1.0" encoding="utf-8"?>
-<p:sld xmlns:a="http://schemas.openxmlformats.org/drawingml/2006/main" xmlns:r="http://schemas.openxmlformats.org/officeDocument/2006/relationships" xmlns:p="http://schemas.openxmlformats.org/presentationml/2006/main">
-  <p:cSld>
-    <p:spTree>
-      <p:nvGrpSpPr>
-        <p:cNvPr id="1" name=""/>
-        <p:cNvGrpSpPr/>
-        <p:nvPr/>
-      </p:nvGrpSpPr>
-      <p:grpSpPr>
-        <a:xfrm>
-          <a:off x="0" y="0"/>
-          <a:ext cx="0" cy="0"/>
-          <a:chOff x="0" y="0"/>
-          <a:chExt cx="0" cy="0"/>
-        </a:xfrm>
-      </p:grpSpPr>
-      <p:sp>
-        <p:nvSpPr>
-          <p:cNvPr id="2" name="Title 1"/>
-          <p:cNvSpPr>
-            <a:spLocks noGrp="1"/>
-          </p:cNvSpPr>
-          <p:nvPr>
-            <p:ph type="title"/>
-          </p:nvPr>
-        </p:nvSpPr>
-        <p:spPr>
-          <a:xfrm>
-            <a:off x="839788" y="107476"/>
-            <a:ext cx="3932237" cy="1600200"/>
-          </a:xfrm>
-        </p:spPr>
-        <p:txBody>
-          <a:bodyPr/>
-          <a:lstStyle/>
-          <a:p>
-            <a:r>
-              <a:rPr lang="en-US" dirty="0" smtClean="0"/>
-              <a:t>Suspects ID 8 and 13</a:t>
-            </a:r>
-            <a:endParaRPr lang="en-US" dirty="0"/>
-          </a:p>
-        </p:txBody>
-      </p:sp>
-      <p:sp>
-        <p:nvSpPr>
-          <p:cNvPr id="4" name="Text Placeholder 3"/>
-          <p:cNvSpPr>
-            <a:spLocks noGrp="1"/>
-          </p:cNvSpPr>
-          <p:nvPr>
-            <p:ph type="body" sz="half" idx="2"/>
-          </p:nvPr>
-        </p:nvSpPr>
-        <p:spPr>
-          <a:xfrm>
-            <a:off x="839787" y="1707676"/>
-            <a:ext cx="3932237" cy="3811588"/>
-          </a:xfrm>
-        </p:spPr>
-        <p:txBody>
-          <a:bodyPr/>
-          <a:lstStyle/>
-          <a:p>
-            <a:r>
-              <a:rPr lang="en-US" dirty="0" smtClean="0"/>
-              <a:t>241.16530843870947 meters away from each other at 2pm on 12/13</a:t>
-            </a:r>
-          </a:p>
-          <a:p>
-            <a:endParaRPr lang="en-US" dirty="0"/>
-          </a:p>
-        </p:txBody>
-      </p:sp>
-      <p:pic>
-        <p:nvPicPr>
-          <p:cNvPr id="7" name="Picture 6"/>
-          <p:cNvPicPr>
-            <a:picLocks noChangeAspect="1"/>
-          </p:cNvPicPr>
-          <p:nvPr/>
-        </p:nvPicPr>
-        <p:blipFill>
-          <a:blip r:embed="rId2"/>
-          <a:stretch>
-            <a:fillRect/>
-          </a:stretch>
-        </p:blipFill>
-        <p:spPr>
-          <a:xfrm>
-            <a:off x="5822776" y="1299025"/>
-            <a:ext cx="5397390" cy="4965296"/>
-          </a:xfrm>
-          <a:prstGeom prst="rect">
-            <a:avLst/>
-          </a:prstGeom>
-        </p:spPr>
-      </p:pic>
-      <p:pic>
-        <p:nvPicPr>
-          <p:cNvPr id="8" name="Picture 7"/>
-          <p:cNvPicPr>
-            <a:picLocks noChangeAspect="1"/>
-          </p:cNvPicPr>
-          <p:nvPr/>
-        </p:nvPicPr>
-        <p:blipFill>
-          <a:blip r:embed="rId3"/>
-          <a:stretch>
-            <a:fillRect/>
-          </a:stretch>
-        </p:blipFill>
-        <p:spPr>
-          <a:xfrm>
-            <a:off x="839786" y="2167791"/>
-            <a:ext cx="4554123" cy="4560555"/>
-          </a:xfrm>
-          <a:prstGeom prst="rect">
-            <a:avLst/>
-          </a:prstGeom>
-        </p:spPr>
-      </p:pic>
-    </p:spTree>
-    <p:extLst>
-      <p:ext uri="{BB962C8B-B14F-4D97-AF65-F5344CB8AC3E}">
-        <p14:creationId xmlns:p14="http://schemas.microsoft.com/office/powerpoint/2010/main" val="2533820200"/>
-      </p:ext>
-    </p:extLst>
-  </p:cSld>
-  <p:clrMapOvr>
-    <a:masterClrMapping/>
-  </p:clrMapOvr>
-</p:sld>
-</file>
-
-<file path=ppt/slides/slide4.xml><?xml version="1.0" encoding="utf-8"?>
-<p:sld xmlns:a="http://schemas.openxmlformats.org/drawingml/2006/main" xmlns:r="http://schemas.openxmlformats.org/officeDocument/2006/relationships" xmlns:p="http://schemas.openxmlformats.org/presentationml/2006/main">
-  <p:cSld>
-    <p:spTree>
-      <p:nvGrpSpPr>
-        <p:cNvPr id="1" name=""/>
-        <p:cNvGrpSpPr/>
-        <p:nvPr/>
-      </p:nvGrpSpPr>
-      <p:grpSpPr>
-        <a:xfrm>
-          <a:off x="0" y="0"/>
-          <a:ext cx="0" cy="0"/>
-          <a:chOff x="0" y="0"/>
-          <a:chExt cx="0" cy="0"/>
-        </a:xfrm>
-      </p:grpSpPr>
-      <p:sp>
-        <p:nvSpPr>
-          <p:cNvPr id="2" name="Title 1"/>
-          <p:cNvSpPr>
-            <a:spLocks noGrp="1"/>
-          </p:cNvSpPr>
-          <p:nvPr>
-            <p:ph type="title"/>
-          </p:nvPr>
-        </p:nvSpPr>
-        <p:spPr>
-          <a:xfrm>
-            <a:off x="839788" y="121124"/>
-            <a:ext cx="3932237" cy="1600200"/>
-          </a:xfrm>
-        </p:spPr>
-        <p:txBody>
-          <a:bodyPr/>
-          <a:lstStyle/>
-          <a:p>
-            <a:r>
-              <a:rPr lang="en-US" dirty="0" smtClean="0"/>
-              <a:t>Suspects ID 3 and 13</a:t>
-            </a:r>
-            <a:endParaRPr lang="en-US" dirty="0"/>
-          </a:p>
-        </p:txBody>
-      </p:sp>
-      <p:sp>
-        <p:nvSpPr>
-          <p:cNvPr id="4" name="Text Placeholder 3"/>
-          <p:cNvSpPr>
-            <a:spLocks noGrp="1"/>
-          </p:cNvSpPr>
-          <p:nvPr>
-            <p:ph type="body" sz="half" idx="2"/>
-          </p:nvPr>
-        </p:nvSpPr>
-        <p:spPr>
-          <a:xfrm>
-            <a:off x="839788" y="1721324"/>
-            <a:ext cx="3932237" cy="3811588"/>
-          </a:xfrm>
-        </p:spPr>
-        <p:txBody>
-          <a:bodyPr/>
-          <a:lstStyle/>
-          <a:p>
-            <a:r>
-              <a:rPr lang="en-US" dirty="0" smtClean="0"/>
-              <a:t>168.41657051367866 meters away from each other at 4pm on 12/13</a:t>
-            </a:r>
-            <a:endParaRPr lang="en-US" dirty="0"/>
-          </a:p>
-        </p:txBody>
-      </p:sp>
-      <p:pic>
-        <p:nvPicPr>
-          <p:cNvPr id="7" name="Picture 6"/>
-          <p:cNvPicPr>
-            <a:picLocks noChangeAspect="1"/>
-          </p:cNvPicPr>
-          <p:nvPr/>
-        </p:nvPicPr>
-        <p:blipFill>
-          <a:blip r:embed="rId2"/>
-          <a:stretch>
-            <a:fillRect/>
-          </a:stretch>
-        </p:blipFill>
-        <p:spPr>
-          <a:xfrm>
-            <a:off x="839788" y="2306471"/>
-            <a:ext cx="4201586" cy="4148920"/>
-          </a:xfrm>
-          <a:prstGeom prst="rect">
-            <a:avLst/>
-          </a:prstGeom>
-        </p:spPr>
-      </p:pic>
-      <p:pic>
-        <p:nvPicPr>
-          <p:cNvPr id="8" name="Picture 7"/>
-          <p:cNvPicPr>
-            <a:picLocks noChangeAspect="1"/>
-          </p:cNvPicPr>
-          <p:nvPr/>
-        </p:nvPicPr>
-        <p:blipFill>
-          <a:blip r:embed="rId3"/>
-          <a:stretch>
-            <a:fillRect/>
-          </a:stretch>
-        </p:blipFill>
-        <p:spPr>
-          <a:xfrm>
-            <a:off x="5858054" y="1610436"/>
-            <a:ext cx="5266577" cy="4844955"/>
-          </a:xfrm>
-          <a:prstGeom prst="rect">
-            <a:avLst/>
-          </a:prstGeom>
-        </p:spPr>
-      </p:pic>
-    </p:spTree>
-    <p:extLst>
-      <p:ext uri="{BB962C8B-B14F-4D97-AF65-F5344CB8AC3E}">
-        <p14:creationId xmlns:p14="http://schemas.microsoft.com/office/powerpoint/2010/main" val="1440575213"/>
-      </p:ext>
-    </p:extLst>
-  </p:cSld>
-  <p:clrMapOvr>
-    <a:masterClrMapping/>
-  </p:clrMapOvr>
-</p:sld>
-</file>
-
-<file path=ppt/slides/slide5.xml><?xml version="1.0" encoding="utf-8"?>
-<p:sld xmlns:a="http://schemas.openxmlformats.org/drawingml/2006/main" xmlns:r="http://schemas.openxmlformats.org/officeDocument/2006/relationships" xmlns:p="http://schemas.openxmlformats.org/presentationml/2006/main">
-  <p:cSld>
-    <p:spTree>
-      <p:nvGrpSpPr>
-        <p:cNvPr id="1" name=""/>
-        <p:cNvGrpSpPr/>
-        <p:nvPr/>
-      </p:nvGrpSpPr>
-      <p:grpSpPr>
-        <a:xfrm>
-          <a:off x="0" y="0"/>
-          <a:ext cx="0" cy="0"/>
-          <a:chOff x="0" y="0"/>
-          <a:chExt cx="0" cy="0"/>
-        </a:xfrm>
-      </p:grpSpPr>
-      <p:sp>
-        <p:nvSpPr>
-          <p:cNvPr id="11" name="Title 10"/>
-          <p:cNvSpPr>
-            <a:spLocks noGrp="1"/>
-          </p:cNvSpPr>
-          <p:nvPr>
-            <p:ph type="title"/>
-          </p:nvPr>
-        </p:nvSpPr>
-        <p:spPr>
-          <a:xfrm>
-            <a:off x="839788" y="0"/>
-            <a:ext cx="3932237" cy="1600200"/>
-          </a:xfrm>
-        </p:spPr>
-        <p:txBody>
-          <a:bodyPr/>
-          <a:lstStyle/>
-          <a:p>
-            <a:r>
-              <a:rPr lang="en-US" dirty="0" smtClean="0"/>
-              <a:t>Suspects ID 12 and 18</a:t>
-            </a:r>
-            <a:endParaRPr lang="en-US" dirty="0"/>
-          </a:p>
-        </p:txBody>
-      </p:sp>
-      <p:sp>
-        <p:nvSpPr>
-          <p:cNvPr id="12" name="Text Placeholder 11"/>
-          <p:cNvSpPr>
-            <a:spLocks noGrp="1"/>
-          </p:cNvSpPr>
-          <p:nvPr>
-            <p:ph type="body" sz="half" idx="2"/>
-          </p:nvPr>
-        </p:nvSpPr>
-        <p:spPr>
-          <a:xfrm>
-            <a:off x="839788" y="1600200"/>
-            <a:ext cx="3932237" cy="3811588"/>
-          </a:xfrm>
-        </p:spPr>
-        <p:txBody>
-          <a:bodyPr/>
-          <a:lstStyle/>
-          <a:p>
-            <a:r>
-              <a:rPr lang="en-US" dirty="0" smtClean="0"/>
-              <a:t>107.38879720503698 meters away from each other at 9pm on 12/12</a:t>
-            </a:r>
-          </a:p>
-        </p:txBody>
-      </p:sp>
-      <p:pic>
-        <p:nvPicPr>
-          <p:cNvPr id="3" name="Picture 2"/>
-          <p:cNvPicPr>
-            <a:picLocks noChangeAspect="1"/>
-          </p:cNvPicPr>
-          <p:nvPr/>
-        </p:nvPicPr>
-        <p:blipFill>
-          <a:blip r:embed="rId2"/>
-          <a:stretch>
-            <a:fillRect/>
-          </a:stretch>
-        </p:blipFill>
-        <p:spPr>
-          <a:xfrm>
-            <a:off x="6196097" y="1269241"/>
-            <a:ext cx="5392558" cy="5119901"/>
-          </a:xfrm>
-          <a:prstGeom prst="rect">
-            <a:avLst/>
-          </a:prstGeom>
-        </p:spPr>
-      </p:pic>
-      <p:pic>
-        <p:nvPicPr>
-          <p:cNvPr id="4" name="Picture 3"/>
-          <p:cNvPicPr>
-            <a:picLocks noChangeAspect="1"/>
-          </p:cNvPicPr>
-          <p:nvPr/>
-        </p:nvPicPr>
-        <p:blipFill>
-          <a:blip r:embed="rId3"/>
-          <a:stretch>
-            <a:fillRect/>
-          </a:stretch>
-        </p:blipFill>
-        <p:spPr>
-          <a:xfrm>
-            <a:off x="824468" y="2042473"/>
-            <a:ext cx="4539101" cy="4539101"/>
-          </a:xfrm>
-          <a:prstGeom prst="rect">
-            <a:avLst/>
-          </a:prstGeom>
-        </p:spPr>
-      </p:pic>
-    </p:spTree>
-    <p:extLst>
-      <p:ext uri="{BB962C8B-B14F-4D97-AF65-F5344CB8AC3E}">
-        <p14:creationId xmlns:p14="http://schemas.microsoft.com/office/powerpoint/2010/main" val="3292523917"/>
-      </p:ext>
-    </p:extLst>
-  </p:cSld>
-  <p:clrMapOvr>
-    <a:masterClrMapping/>
-  </p:clrMapOvr>
-</p:sld>
-</file>
-
-<file path=ppt/slides/slide6.xml><?xml version="1.0" encoding="utf-8"?>
-<p:sld xmlns:a="http://schemas.openxmlformats.org/drawingml/2006/main" xmlns:r="http://schemas.openxmlformats.org/officeDocument/2006/relationships" xmlns:p="http://schemas.openxmlformats.org/presentationml/2006/main">
-  <p:cSld>
-    <p:spTree>
-      <p:nvGrpSpPr>
-        <p:cNvPr id="1" name=""/>
-        <p:cNvGrpSpPr/>
-        <p:nvPr/>
-      </p:nvGrpSpPr>
-      <p:grpSpPr>
-        <a:xfrm>
-          <a:off x="0" y="0"/>
-          <a:ext cx="0" cy="0"/>
-          <a:chOff x="0" y="0"/>
-          <a:chExt cx="0" cy="0"/>
-        </a:xfrm>
-      </p:grpSpPr>
-      <p:sp>
-        <p:nvSpPr>
-          <p:cNvPr id="2" name="Title 1"/>
-          <p:cNvSpPr>
-            <a:spLocks noGrp="1"/>
-          </p:cNvSpPr>
-          <p:nvPr>
-            <p:ph type="title"/>
-          </p:nvPr>
-        </p:nvSpPr>
-        <p:spPr/>
-        <p:txBody>
-          <a:bodyPr/>
-          <a:lstStyle/>
-          <a:p>
-            <a:r>
-              <a:rPr lang="en-US" dirty="0" smtClean="0"/>
-              <a:t>Calculating Correlation of Activity, Time, and </a:t>
-            </a:r>
-            <a:r>
-              <a:rPr lang="en-US" dirty="0" smtClean="0"/>
-              <a:t>Location Using Linear Regression</a:t>
-            </a:r>
-            <a:r>
-              <a:rPr lang="en-US" dirty="0" smtClean="0"/>
-              <a:t>	</a:t>
-            </a:r>
-            <a:endParaRPr lang="en-US" dirty="0"/>
-          </a:p>
-        </p:txBody>
-      </p:sp>
-      <p:sp>
-        <p:nvSpPr>
-          <p:cNvPr id="3" name="Content Placeholder 2"/>
-          <p:cNvSpPr>
-            <a:spLocks noGrp="1"/>
-          </p:cNvSpPr>
-          <p:nvPr>
-            <p:ph idx="1"/>
-          </p:nvPr>
-        </p:nvSpPr>
-        <p:spPr>
-          <a:xfrm>
-            <a:off x="838200" y="1802627"/>
-            <a:ext cx="10515600" cy="4351338"/>
-          </a:xfrm>
-        </p:spPr>
-        <p:txBody>
-          <a:bodyPr/>
-          <a:lstStyle/>
-          <a:p>
-            <a:r>
-              <a:rPr lang="en-US" dirty="0" smtClean="0"/>
-              <a:t>Using a linear regression model from </a:t>
-            </a:r>
-            <a:r>
-              <a:rPr lang="en-US" dirty="0" err="1" smtClean="0"/>
-              <a:t>sci</a:t>
-            </a:r>
-            <a:r>
-              <a:rPr lang="en-US" dirty="0" smtClean="0"/>
-              <a:t>-kit learn, there is a 0.005 </a:t>
-            </a:r>
-            <a:r>
-              <a:rPr lang="en-US" dirty="0"/>
-              <a:t>coefficient of </a:t>
-            </a:r>
-            <a:r>
-              <a:rPr lang="en-US" dirty="0" smtClean="0"/>
-              <a:t>determination from time and location to activity type</a:t>
-            </a:r>
-          </a:p>
-          <a:p>
-            <a:r>
-              <a:rPr lang="en-US" dirty="0" smtClean="0"/>
-              <a:t>Worst case = 0, Best case = 1</a:t>
-            </a:r>
-          </a:p>
-          <a:p>
-            <a:r>
-              <a:rPr lang="en-US" dirty="0" smtClean="0"/>
-              <a:t>Conclusion: There is a </a:t>
-            </a:r>
-            <a:r>
-              <a:rPr lang="en-US" dirty="0" smtClean="0"/>
-              <a:t>low linear </a:t>
-            </a:r>
-            <a:r>
-              <a:rPr lang="en-US" dirty="0" smtClean="0"/>
-              <a:t>correlation between activity type and time/location</a:t>
+              <a:t>Conclusion: There is a low linear correlation between activity type and time/location</a:t>
             </a:r>
             <a:endParaRPr lang="en-US" dirty="0"/>
           </a:p>
@@ -7651,7 +6958,7 @@
 </p:sld>
 </file>
 
-<file path=ppt/slides/slide7.xml><?xml version="1.0" encoding="utf-8"?>
+<file path=ppt/slides/slide11.xml><?xml version="1.0" encoding="utf-8"?>
 <p:sld xmlns:a="http://schemas.openxmlformats.org/drawingml/2006/main" xmlns:r="http://schemas.openxmlformats.org/officeDocument/2006/relationships" xmlns:p="http://schemas.openxmlformats.org/presentationml/2006/main">
   <p:cSld>
     <p:spTree>
@@ -7685,11 +6992,7 @@
           <a:p>
             <a:r>
               <a:rPr lang="en-US" dirty="0" smtClean="0"/>
-              <a:t>Calculating Correlation of Activity, Time, and </a:t>
-            </a:r>
-            <a:r>
-              <a:rPr lang="en-US" dirty="0" smtClean="0"/>
-              <a:t>Location Using SVM’s</a:t>
+              <a:t>Calculating Correlation of Activity, Time, and Location Using SVM’s</a:t>
             </a:r>
             <a:endParaRPr lang="en-US" dirty="0"/>
           </a:p>
@@ -7712,11 +7015,7 @@
           <a:p>
             <a:r>
               <a:rPr lang="en-US" dirty="0" smtClean="0"/>
-              <a:t>Using </a:t>
-            </a:r>
-            <a:r>
-              <a:rPr lang="en-US" dirty="0" smtClean="0"/>
-              <a:t>a Support Vector Machine with </a:t>
+              <a:t>Using a Support Vector Machine with </a:t>
             </a:r>
             <a:r>
               <a:rPr lang="en-US" dirty="0" err="1" smtClean="0"/>
@@ -7724,11 +7023,7 @@
             </a:r>
             <a:r>
               <a:rPr lang="en-US" dirty="0" smtClean="0"/>
-              <a:t> kernel </a:t>
-            </a:r>
-            <a:r>
-              <a:rPr lang="en-US" dirty="0" smtClean="0"/>
-              <a:t>from </a:t>
+              <a:t> kernel from </a:t>
             </a:r>
             <a:r>
               <a:rPr lang="en-US" dirty="0" err="1" smtClean="0"/>
@@ -7736,25 +7031,13 @@
             </a:r>
             <a:r>
               <a:rPr lang="en-US" dirty="0" smtClean="0"/>
-              <a:t>-kit learn, there is a </a:t>
-            </a:r>
+              <a:t>-kit learn, there is a .5 accuracy on guessing the activity type</a:t>
+            </a:r>
+          </a:p>
+          <a:p>
             <a:r>
               <a:rPr lang="en-US" dirty="0" smtClean="0"/>
-              <a:t>.5 accuracy on guessing the activity type</a:t>
-            </a:r>
-          </a:p>
-          <a:p>
-            <a:r>
-              <a:rPr lang="en-US" dirty="0" smtClean="0"/>
-              <a:t>Worst </a:t>
-            </a:r>
-            <a:r>
-              <a:rPr lang="en-US" dirty="0" smtClean="0"/>
-              <a:t>case = 0, Best case = </a:t>
-            </a:r>
-            <a:r>
-              <a:rPr lang="en-US" dirty="0" smtClean="0"/>
-              <a:t>1</a:t>
+              <a:t>Worst case = 0, Best case = 1</a:t>
             </a:r>
           </a:p>
           <a:p>
@@ -7762,16 +7045,11 @@
               <a:rPr lang="en-US" dirty="0" smtClean="0"/>
               <a:t>The SVM model was able to guess correctly the activity of a person given only their timestamp and location 50% of the time</a:t>
             </a:r>
-            <a:endParaRPr lang="en-US" dirty="0" smtClean="0"/>
           </a:p>
           <a:p>
             <a:r>
               <a:rPr lang="en-US" dirty="0" smtClean="0"/>
-              <a:t>Conclusion: There is </a:t>
-            </a:r>
-            <a:r>
-              <a:rPr lang="en-US" dirty="0" smtClean="0"/>
-              <a:t>a positive non-linear correlation between activity type and time/location</a:t>
+              <a:t>Conclusion: There is a positive non-linear correlation between activity type and time/location</a:t>
             </a:r>
             <a:endParaRPr lang="en-US" dirty="0"/>
           </a:p>
@@ -7790,7 +7068,7 @@
 </p:sld>
 </file>
 
-<file path=ppt/slides/slide8.xml><?xml version="1.0" encoding="utf-8"?>
+<file path=ppt/slides/slide12.xml><?xml version="1.0" encoding="utf-8"?>
 <p:sld xmlns:a="http://schemas.openxmlformats.org/drawingml/2006/main" xmlns:r="http://schemas.openxmlformats.org/officeDocument/2006/relationships" xmlns:p="http://schemas.openxmlformats.org/presentationml/2006/main">
   <p:cSld>
     <p:spTree>
@@ -7824,11 +7102,7 @@
           <a:p>
             <a:r>
               <a:rPr lang="en-US" dirty="0" smtClean="0"/>
-              <a:t>Calculating Correlation of Activity, Time, and </a:t>
-            </a:r>
-            <a:r>
-              <a:rPr lang="en-US" dirty="0" smtClean="0"/>
-              <a:t>Location Using Random Forest Regression</a:t>
+              <a:t>Calculating Correlation of Activity, Time, and Location Using Random Forest Regression</a:t>
             </a:r>
             <a:endParaRPr lang="en-US" dirty="0"/>
           </a:p>
@@ -7851,19 +7125,7 @@
           <a:p>
             <a:r>
               <a:rPr lang="en-US" dirty="0" smtClean="0"/>
-              <a:t>Using </a:t>
-            </a:r>
-            <a:r>
-              <a:rPr lang="en-US" dirty="0" smtClean="0"/>
-              <a:t>a </a:t>
-            </a:r>
-            <a:r>
-              <a:rPr lang="en-US" dirty="0" smtClean="0"/>
-              <a:t>Random Forest Regression model </a:t>
-            </a:r>
-            <a:r>
-              <a:rPr lang="en-US" dirty="0" smtClean="0"/>
-              <a:t>from </a:t>
+              <a:t>Using a Random Forest Regression model from </a:t>
             </a:r>
             <a:r>
               <a:rPr lang="en-US" dirty="0" err="1" smtClean="0"/>
@@ -7871,25 +7133,7 @@
             </a:r>
             <a:r>
               <a:rPr lang="en-US" dirty="0" smtClean="0"/>
-              <a:t>-kit learn, there is a </a:t>
-            </a:r>
-            <a:r>
-              <a:rPr lang="en-US" dirty="0" smtClean="0"/>
-              <a:t>.917 accuracy on guessing the activity type</a:t>
-            </a:r>
-          </a:p>
-          <a:p>
-            <a:r>
-              <a:rPr lang="en-US" dirty="0" smtClean="0"/>
-              <a:t>Worst </a:t>
-            </a:r>
-            <a:r>
-              <a:rPr lang="en-US" dirty="0" smtClean="0"/>
-              <a:t>case = 0, Best case = </a:t>
-            </a:r>
-            <a:r>
-              <a:rPr lang="en-US" dirty="0" smtClean="0"/>
-              <a:t>1</a:t>
+              <a:t>-kit learn, there is a .3975 accuracy on guessing the activity type</a:t>
             </a:r>
           </a:p>
           <a:p>
@@ -7903,18 +7147,19 @@
             </a:r>
             <a:r>
               <a:rPr lang="en-US" dirty="0" smtClean="0"/>
-              <a:t> model was able to guess correctly the activity of a person given only their timestamp and location 91.7% of the time</a:t>
-            </a:r>
-            <a:endParaRPr lang="en-US" dirty="0" smtClean="0"/>
+              <a:t> model was able to guess correctly the activity of a person given only their timestamp and location 39.75% of the time</a:t>
+            </a:r>
           </a:p>
           <a:p>
             <a:r>
               <a:rPr lang="en-US" dirty="0" smtClean="0"/>
-              <a:t>Conclusion: There is </a:t>
-            </a:r>
+              <a:t>Trained on 80% of the data, tested on 20%</a:t>
+            </a:r>
+          </a:p>
+          <a:p>
             <a:r>
               <a:rPr lang="en-US" dirty="0" smtClean="0"/>
-              <a:t>a strong positive non-linear correlation between activity type and time/location</a:t>
+              <a:t>Conclusion: There is a positive but weak non-linear correlation between activity type and time/location</a:t>
             </a:r>
             <a:endParaRPr lang="en-US" dirty="0"/>
           </a:p>
@@ -7933,7 +7178,7 @@
 </p:sld>
 </file>
 
-<file path=ppt/slides/slide9.xml><?xml version="1.0" encoding="utf-8"?>
+<file path=ppt/slides/slide13.xml><?xml version="1.0" encoding="utf-8"?>
 <p:sld xmlns:a="http://schemas.openxmlformats.org/drawingml/2006/main" xmlns:r="http://schemas.openxmlformats.org/officeDocument/2006/relationships" xmlns:p="http://schemas.openxmlformats.org/presentationml/2006/main">
   <p:cSld>
     <p:spTree>
@@ -7966,24 +7211,161 @@
           <a:lstStyle/>
           <a:p>
             <a:r>
+              <a:rPr lang="en-US" dirty="0"/>
+              <a:t>Dimensionality </a:t>
+            </a:r>
+            <a:r>
               <a:rPr lang="en-US" dirty="0" smtClean="0"/>
-              <a:t>Calculating Correlation of </a:t>
-            </a:r>
+              <a:t>Reduction on all Data</a:t>
+            </a:r>
+            <a:endParaRPr lang="en-US" dirty="0"/>
+          </a:p>
+        </p:txBody>
+      </p:sp>
+      <p:pic>
+        <p:nvPicPr>
+          <p:cNvPr id="4" name="Picture 3"/>
+          <p:cNvPicPr>
+            <a:picLocks noChangeAspect="1"/>
+          </p:cNvPicPr>
+          <p:nvPr/>
+        </p:nvPicPr>
+        <p:blipFill>
+          <a:blip r:embed="rId2"/>
+          <a:stretch>
+            <a:fillRect/>
+          </a:stretch>
+        </p:blipFill>
+        <p:spPr>
+          <a:xfrm>
+            <a:off x="169460" y="1868109"/>
+            <a:ext cx="6854363" cy="3768416"/>
+          </a:xfrm>
+          <a:prstGeom prst="rect">
+            <a:avLst/>
+          </a:prstGeom>
+        </p:spPr>
+      </p:pic>
+      <p:pic>
+        <p:nvPicPr>
+          <p:cNvPr id="5" name="Picture 4"/>
+          <p:cNvPicPr>
+            <a:picLocks noChangeAspect="1"/>
+          </p:cNvPicPr>
+          <p:nvPr/>
+        </p:nvPicPr>
+        <p:blipFill>
+          <a:blip r:embed="rId3"/>
+          <a:stretch>
+            <a:fillRect/>
+          </a:stretch>
+        </p:blipFill>
+        <p:spPr>
+          <a:xfrm>
+            <a:off x="5804208" y="1514900"/>
+            <a:ext cx="5040633" cy="4865569"/>
+          </a:xfrm>
+          <a:prstGeom prst="rect">
+            <a:avLst/>
+          </a:prstGeom>
+        </p:spPr>
+      </p:pic>
+      <p:pic>
+        <p:nvPicPr>
+          <p:cNvPr id="6" name="Picture 5"/>
+          <p:cNvPicPr>
+            <a:picLocks noChangeAspect="1"/>
+          </p:cNvPicPr>
+          <p:nvPr/>
+        </p:nvPicPr>
+        <p:blipFill>
+          <a:blip r:embed="rId4"/>
+          <a:stretch>
+            <a:fillRect/>
+          </a:stretch>
+        </p:blipFill>
+        <p:spPr>
+          <a:xfrm>
+            <a:off x="8181936" y="3946092"/>
+            <a:ext cx="2850414" cy="2434377"/>
+          </a:xfrm>
+          <a:prstGeom prst="rect">
+            <a:avLst/>
+          </a:prstGeom>
+        </p:spPr>
+      </p:pic>
+      <p:pic>
+        <p:nvPicPr>
+          <p:cNvPr id="7" name="Picture 6"/>
+          <p:cNvPicPr>
+            <a:picLocks noChangeAspect="1"/>
+          </p:cNvPicPr>
+          <p:nvPr/>
+        </p:nvPicPr>
+        <p:blipFill>
+          <a:blip r:embed="rId5"/>
+          <a:stretch>
+            <a:fillRect/>
+          </a:stretch>
+        </p:blipFill>
+        <p:spPr>
+          <a:xfrm>
+            <a:off x="9405986" y="1485255"/>
+            <a:ext cx="1800225" cy="1885950"/>
+          </a:xfrm>
+          <a:prstGeom prst="rect">
+            <a:avLst/>
+          </a:prstGeom>
+        </p:spPr>
+      </p:pic>
+    </p:spTree>
+    <p:extLst>
+      <p:ext uri="{BB962C8B-B14F-4D97-AF65-F5344CB8AC3E}">
+        <p14:creationId xmlns:p14="http://schemas.microsoft.com/office/powerpoint/2010/main" val="4032815618"/>
+      </p:ext>
+    </p:extLst>
+  </p:cSld>
+  <p:clrMapOvr>
+    <a:masterClrMapping/>
+  </p:clrMapOvr>
+</p:sld>
+</file>
+
+<file path=ppt/slides/slide14.xml><?xml version="1.0" encoding="utf-8"?>
+<p:sld xmlns:a="http://schemas.openxmlformats.org/drawingml/2006/main" xmlns:r="http://schemas.openxmlformats.org/officeDocument/2006/relationships" xmlns:p="http://schemas.openxmlformats.org/presentationml/2006/main">
+  <p:cSld>
+    <p:spTree>
+      <p:nvGrpSpPr>
+        <p:cNvPr id="1" name=""/>
+        <p:cNvGrpSpPr/>
+        <p:nvPr/>
+      </p:nvGrpSpPr>
+      <p:grpSpPr>
+        <a:xfrm>
+          <a:off x="0" y="0"/>
+          <a:ext cx="0" cy="0"/>
+          <a:chOff x="0" y="0"/>
+          <a:chExt cx="0" cy="0"/>
+        </a:xfrm>
+      </p:grpSpPr>
+      <p:sp>
+        <p:nvSpPr>
+          <p:cNvPr id="2" name="Title 1"/>
+          <p:cNvSpPr>
+            <a:spLocks noGrp="1"/>
+          </p:cNvSpPr>
+          <p:nvPr>
+            <p:ph type="title"/>
+          </p:nvPr>
+        </p:nvSpPr>
+        <p:spPr/>
+        <p:txBody>
+          <a:bodyPr/>
+          <a:lstStyle/>
+          <a:p>
             <a:r>
               <a:rPr lang="en-US" dirty="0" smtClean="0"/>
-              <a:t>Activity and all </a:t>
-            </a:r>
-            <a:r>
-              <a:rPr lang="en-US" dirty="0" smtClean="0"/>
-              <a:t>Other Data </a:t>
-            </a:r>
-            <a:r>
-              <a:rPr lang="en-US" dirty="0" smtClean="0"/>
-              <a:t>Using Linear Regression</a:t>
-            </a:r>
-            <a:r>
-              <a:rPr lang="en-US" dirty="0" smtClean="0"/>
-              <a:t>	</a:t>
+              <a:t>Calculating Correlation of Activity and all Other Data Using Linear Regression	</a:t>
             </a:r>
             <a:endParaRPr lang="en-US" dirty="0"/>
           </a:p>
@@ -8019,11 +7401,7 @@
             </a:r>
             <a:r>
               <a:rPr lang="en-US" dirty="0" smtClean="0"/>
-              <a:t>-kit learn, there is a </a:t>
-            </a:r>
-            <a:r>
-              <a:rPr lang="en-US" dirty="0" smtClean="0"/>
-              <a:t>0.016 </a:t>
+              <a:t>-kit learn, there is a 0.016 </a:t>
             </a:r>
             <a:r>
               <a:rPr lang="en-US" dirty="0"/>
@@ -8031,15 +7409,7 @@
             </a:r>
             <a:r>
               <a:rPr lang="en-US" dirty="0" smtClean="0"/>
-              <a:t>determination from </a:t>
-            </a:r>
-            <a:r>
-              <a:rPr lang="en-US" dirty="0" smtClean="0"/>
-              <a:t>all other data to </a:t>
-            </a:r>
-            <a:r>
-              <a:rPr lang="en-US" dirty="0" smtClean="0"/>
-              <a:t>activity type</a:t>
+              <a:t>determination from all other data to activity type</a:t>
             </a:r>
           </a:p>
           <a:p>
@@ -8051,19 +7421,7 @@
           <a:p>
             <a:r>
               <a:rPr lang="en-US" dirty="0" smtClean="0"/>
-              <a:t>Conclusion: There is a </a:t>
-            </a:r>
-            <a:r>
-              <a:rPr lang="en-US" dirty="0" smtClean="0"/>
-              <a:t>low linear </a:t>
-            </a:r>
-            <a:r>
-              <a:rPr lang="en-US" dirty="0" smtClean="0"/>
-              <a:t>correlation between activity type and </a:t>
-            </a:r>
-            <a:r>
-              <a:rPr lang="en-US" dirty="0" smtClean="0"/>
-              <a:t>all other data</a:t>
+              <a:t>Conclusion: There is a low linear correlation between activity type and all other data</a:t>
             </a:r>
             <a:endParaRPr lang="en-US" dirty="0"/>
           </a:p>
@@ -8261,6 +7619,1061 @@
     <p:extLst>
       <p:ext uri="{BB962C8B-B14F-4D97-AF65-F5344CB8AC3E}">
         <p14:creationId xmlns:p14="http://schemas.microsoft.com/office/powerpoint/2010/main" val="3558646274"/>
+      </p:ext>
+    </p:extLst>
+  </p:cSld>
+  <p:clrMapOvr>
+    <a:masterClrMapping/>
+  </p:clrMapOvr>
+</p:sld>
+</file>
+
+<file path=ppt/slides/slide15.xml><?xml version="1.0" encoding="utf-8"?>
+<p:sld xmlns:a="http://schemas.openxmlformats.org/drawingml/2006/main" xmlns:r="http://schemas.openxmlformats.org/officeDocument/2006/relationships" xmlns:p="http://schemas.openxmlformats.org/presentationml/2006/main">
+  <p:cSld>
+    <p:spTree>
+      <p:nvGrpSpPr>
+        <p:cNvPr id="1" name=""/>
+        <p:cNvGrpSpPr/>
+        <p:nvPr/>
+      </p:nvGrpSpPr>
+      <p:grpSpPr>
+        <a:xfrm>
+          <a:off x="0" y="0"/>
+          <a:ext cx="0" cy="0"/>
+          <a:chOff x="0" y="0"/>
+          <a:chExt cx="0" cy="0"/>
+        </a:xfrm>
+      </p:grpSpPr>
+      <p:sp>
+        <p:nvSpPr>
+          <p:cNvPr id="2" name="Title 1"/>
+          <p:cNvSpPr>
+            <a:spLocks noGrp="1"/>
+          </p:cNvSpPr>
+          <p:nvPr>
+            <p:ph type="title"/>
+          </p:nvPr>
+        </p:nvSpPr>
+        <p:spPr/>
+        <p:txBody>
+          <a:bodyPr/>
+          <a:lstStyle/>
+          <a:p>
+            <a:r>
+              <a:rPr lang="en-US" dirty="0" smtClean="0"/>
+              <a:t>Calculating Correlation of Activity and all Other Data Using Random Forest Regression	</a:t>
+            </a:r>
+            <a:endParaRPr lang="en-US" dirty="0"/>
+          </a:p>
+        </p:txBody>
+      </p:sp>
+      <p:sp>
+        <p:nvSpPr>
+          <p:cNvPr id="3" name="Content Placeholder 2"/>
+          <p:cNvSpPr>
+            <a:spLocks noGrp="1"/>
+          </p:cNvSpPr>
+          <p:nvPr>
+            <p:ph idx="1"/>
+          </p:nvPr>
+        </p:nvSpPr>
+        <p:spPr>
+          <a:xfrm>
+            <a:off x="838200" y="1802627"/>
+            <a:ext cx="10515600" cy="4351338"/>
+          </a:xfrm>
+        </p:spPr>
+        <p:txBody>
+          <a:bodyPr/>
+          <a:lstStyle/>
+          <a:p>
+            <a:r>
+              <a:rPr lang="en-US" dirty="0" smtClean="0"/>
+              <a:t>Using a random forest regression model from </a:t>
+            </a:r>
+            <a:r>
+              <a:rPr lang="en-US" dirty="0" err="1" smtClean="0"/>
+              <a:t>sci</a:t>
+            </a:r>
+            <a:r>
+              <a:rPr lang="en-US" dirty="0" smtClean="0"/>
+              <a:t>-kit learn, there is a 0.975 accuracy from all other data to activity type</a:t>
+            </a:r>
+          </a:p>
+          <a:p>
+            <a:r>
+              <a:rPr lang="en-US" dirty="0" smtClean="0"/>
+              <a:t>Trained with 60% of the data and tested on 40%, guessed correctly the activity type 97.5% of the time given phone data</a:t>
+            </a:r>
+          </a:p>
+          <a:p>
+            <a:r>
+              <a:rPr lang="en-US" dirty="0" smtClean="0"/>
+              <a:t>Conclusion: There is a very strong positive correlation between activity type and all other data</a:t>
+            </a:r>
+            <a:endParaRPr lang="en-US" dirty="0"/>
+          </a:p>
+        </p:txBody>
+      </p:sp>
+    </p:spTree>
+    <p:extLst>
+      <p:ext uri="{BB962C8B-B14F-4D97-AF65-F5344CB8AC3E}">
+        <p14:creationId xmlns:p14="http://schemas.microsoft.com/office/powerpoint/2010/main" val="2559239204"/>
+      </p:ext>
+    </p:extLst>
+  </p:cSld>
+  <p:clrMapOvr>
+    <a:masterClrMapping/>
+  </p:clrMapOvr>
+</p:sld>
+</file>
+
+<file path=ppt/slides/slide2.xml><?xml version="1.0" encoding="utf-8"?>
+<p:sld xmlns:a="http://schemas.openxmlformats.org/drawingml/2006/main" xmlns:r="http://schemas.openxmlformats.org/officeDocument/2006/relationships" xmlns:p="http://schemas.openxmlformats.org/presentationml/2006/main">
+  <p:cSld>
+    <p:spTree>
+      <p:nvGrpSpPr>
+        <p:cNvPr id="1" name=""/>
+        <p:cNvGrpSpPr/>
+        <p:nvPr/>
+      </p:nvGrpSpPr>
+      <p:grpSpPr>
+        <a:xfrm>
+          <a:off x="0" y="0"/>
+          <a:ext cx="0" cy="0"/>
+          <a:chOff x="0" y="0"/>
+          <a:chExt cx="0" cy="0"/>
+        </a:xfrm>
+      </p:grpSpPr>
+      <p:sp>
+        <p:nvSpPr>
+          <p:cNvPr id="2" name="Title 1"/>
+          <p:cNvSpPr>
+            <a:spLocks noGrp="1"/>
+          </p:cNvSpPr>
+          <p:nvPr>
+            <p:ph type="title"/>
+          </p:nvPr>
+        </p:nvSpPr>
+        <p:spPr/>
+        <p:txBody>
+          <a:bodyPr/>
+          <a:lstStyle/>
+          <a:p>
+            <a:r>
+              <a:rPr lang="en-US" dirty="0" smtClean="0"/>
+              <a:t>Data Analysis Techniques	</a:t>
+            </a:r>
+            <a:endParaRPr lang="en-US" dirty="0"/>
+          </a:p>
+        </p:txBody>
+      </p:sp>
+      <p:sp>
+        <p:nvSpPr>
+          <p:cNvPr id="3" name="Content Placeholder 2"/>
+          <p:cNvSpPr>
+            <a:spLocks noGrp="1"/>
+          </p:cNvSpPr>
+          <p:nvPr>
+            <p:ph idx="1"/>
+          </p:nvPr>
+        </p:nvSpPr>
+        <p:spPr/>
+        <p:txBody>
+          <a:bodyPr/>
+          <a:lstStyle/>
+          <a:p>
+            <a:r>
+              <a:rPr lang="en-US" dirty="0" smtClean="0"/>
+              <a:t>Used custom Python script created by McNichols, Ramos, and Enid</a:t>
+            </a:r>
+          </a:p>
+          <a:p>
+            <a:r>
+              <a:rPr lang="en-US" dirty="0" smtClean="0"/>
+              <a:t>Calculated GPS location of each suspect using phone bearing and </a:t>
+            </a:r>
+            <a:r>
+              <a:rPr lang="en-US" dirty="0" err="1" smtClean="0"/>
+              <a:t>lat</a:t>
+            </a:r>
+            <a:r>
+              <a:rPr lang="en-US" dirty="0" smtClean="0"/>
+              <a:t>/long changes over time</a:t>
+            </a:r>
+          </a:p>
+          <a:p>
+            <a:r>
+              <a:rPr lang="en-US" dirty="0" smtClean="0"/>
+              <a:t>Grabbed any users that had locations overlapping by 250m or less at the same hour</a:t>
+            </a:r>
+            <a:endParaRPr lang="en-US" dirty="0"/>
+          </a:p>
+        </p:txBody>
+      </p:sp>
+      <p:graphicFrame>
+        <p:nvGraphicFramePr>
+          <p:cNvPr id="4" name="Diagram 3"/>
+          <p:cNvGraphicFramePr/>
+          <p:nvPr>
+            <p:extLst>
+              <p:ext uri="{D42A27DB-BD31-4B8C-83A1-F6EECF244321}">
+                <p14:modId xmlns:p14="http://schemas.microsoft.com/office/powerpoint/2010/main" val="2753938239"/>
+              </p:ext>
+            </p:extLst>
+          </p:nvPr>
+        </p:nvGraphicFramePr>
+        <p:xfrm>
+          <a:off x="838200" y="2737651"/>
+          <a:ext cx="10361829" cy="5418667"/>
+        </p:xfrm>
+        <a:graphic>
+          <a:graphicData uri="http://schemas.openxmlformats.org/drawingml/2006/diagram">
+            <dgm:relIds xmlns:dgm="http://schemas.openxmlformats.org/drawingml/2006/diagram" xmlns:r="http://schemas.openxmlformats.org/officeDocument/2006/relationships" r:dm="rId2" r:lo="rId3" r:qs="rId4" r:cs="rId5"/>
+          </a:graphicData>
+        </a:graphic>
+      </p:graphicFrame>
+    </p:spTree>
+    <p:extLst>
+      <p:ext uri="{BB962C8B-B14F-4D97-AF65-F5344CB8AC3E}">
+        <p14:creationId xmlns:p14="http://schemas.microsoft.com/office/powerpoint/2010/main" val="1724640030"/>
+      </p:ext>
+    </p:extLst>
+  </p:cSld>
+  <p:clrMapOvr>
+    <a:masterClrMapping/>
+  </p:clrMapOvr>
+</p:sld>
+</file>
+
+<file path=ppt/slides/slide3.xml><?xml version="1.0" encoding="utf-8"?>
+<p:sld xmlns:a="http://schemas.openxmlformats.org/drawingml/2006/main" xmlns:r="http://schemas.openxmlformats.org/officeDocument/2006/relationships" xmlns:p="http://schemas.openxmlformats.org/presentationml/2006/main">
+  <p:cSld>
+    <p:spTree>
+      <p:nvGrpSpPr>
+        <p:cNvPr id="1" name=""/>
+        <p:cNvGrpSpPr/>
+        <p:nvPr/>
+      </p:nvGrpSpPr>
+      <p:grpSpPr>
+        <a:xfrm>
+          <a:off x="0" y="0"/>
+          <a:ext cx="0" cy="0"/>
+          <a:chOff x="0" y="0"/>
+          <a:chExt cx="0" cy="0"/>
+        </a:xfrm>
+      </p:grpSpPr>
+      <p:sp>
+        <p:nvSpPr>
+          <p:cNvPr id="2" name="Title 1"/>
+          <p:cNvSpPr>
+            <a:spLocks noGrp="1"/>
+          </p:cNvSpPr>
+          <p:nvPr>
+            <p:ph type="title"/>
+          </p:nvPr>
+        </p:nvSpPr>
+        <p:spPr>
+          <a:xfrm>
+            <a:off x="839788" y="107476"/>
+            <a:ext cx="3932237" cy="1600200"/>
+          </a:xfrm>
+        </p:spPr>
+        <p:txBody>
+          <a:bodyPr/>
+          <a:lstStyle/>
+          <a:p>
+            <a:r>
+              <a:rPr lang="en-US" dirty="0" smtClean="0"/>
+              <a:t>Suspects ID 8 and 13</a:t>
+            </a:r>
+            <a:endParaRPr lang="en-US" dirty="0"/>
+          </a:p>
+        </p:txBody>
+      </p:sp>
+      <p:sp>
+        <p:nvSpPr>
+          <p:cNvPr id="4" name="Text Placeholder 3"/>
+          <p:cNvSpPr>
+            <a:spLocks noGrp="1"/>
+          </p:cNvSpPr>
+          <p:nvPr>
+            <p:ph type="body" sz="half" idx="2"/>
+          </p:nvPr>
+        </p:nvSpPr>
+        <p:spPr>
+          <a:xfrm>
+            <a:off x="839787" y="1707676"/>
+            <a:ext cx="3932237" cy="3811588"/>
+          </a:xfrm>
+        </p:spPr>
+        <p:txBody>
+          <a:bodyPr/>
+          <a:lstStyle/>
+          <a:p>
+            <a:r>
+              <a:rPr lang="en-US" dirty="0" smtClean="0"/>
+              <a:t>241.16530843870947 meters away from each other at 2pm on 12/13</a:t>
+            </a:r>
+          </a:p>
+          <a:p>
+            <a:endParaRPr lang="en-US" dirty="0"/>
+          </a:p>
+        </p:txBody>
+      </p:sp>
+      <p:pic>
+        <p:nvPicPr>
+          <p:cNvPr id="7" name="Picture 6"/>
+          <p:cNvPicPr>
+            <a:picLocks noChangeAspect="1"/>
+          </p:cNvPicPr>
+          <p:nvPr/>
+        </p:nvPicPr>
+        <p:blipFill>
+          <a:blip r:embed="rId2"/>
+          <a:stretch>
+            <a:fillRect/>
+          </a:stretch>
+        </p:blipFill>
+        <p:spPr>
+          <a:xfrm>
+            <a:off x="5822776" y="1299025"/>
+            <a:ext cx="5397390" cy="4965296"/>
+          </a:xfrm>
+          <a:prstGeom prst="rect">
+            <a:avLst/>
+          </a:prstGeom>
+        </p:spPr>
+      </p:pic>
+      <p:pic>
+        <p:nvPicPr>
+          <p:cNvPr id="8" name="Picture 7"/>
+          <p:cNvPicPr>
+            <a:picLocks noChangeAspect="1"/>
+          </p:cNvPicPr>
+          <p:nvPr/>
+        </p:nvPicPr>
+        <p:blipFill>
+          <a:blip r:embed="rId3"/>
+          <a:stretch>
+            <a:fillRect/>
+          </a:stretch>
+        </p:blipFill>
+        <p:spPr>
+          <a:xfrm>
+            <a:off x="839786" y="2167791"/>
+            <a:ext cx="4554123" cy="4560555"/>
+          </a:xfrm>
+          <a:prstGeom prst="rect">
+            <a:avLst/>
+          </a:prstGeom>
+        </p:spPr>
+      </p:pic>
+    </p:spTree>
+    <p:extLst>
+      <p:ext uri="{BB962C8B-B14F-4D97-AF65-F5344CB8AC3E}">
+        <p14:creationId xmlns:p14="http://schemas.microsoft.com/office/powerpoint/2010/main" val="2533820200"/>
+      </p:ext>
+    </p:extLst>
+  </p:cSld>
+  <p:clrMapOvr>
+    <a:masterClrMapping/>
+  </p:clrMapOvr>
+</p:sld>
+</file>
+
+<file path=ppt/slides/slide4.xml><?xml version="1.0" encoding="utf-8"?>
+<p:sld xmlns:a="http://schemas.openxmlformats.org/drawingml/2006/main" xmlns:r="http://schemas.openxmlformats.org/officeDocument/2006/relationships" xmlns:p="http://schemas.openxmlformats.org/presentationml/2006/main">
+  <p:cSld>
+    <p:spTree>
+      <p:nvGrpSpPr>
+        <p:cNvPr id="1" name=""/>
+        <p:cNvGrpSpPr/>
+        <p:nvPr/>
+      </p:nvGrpSpPr>
+      <p:grpSpPr>
+        <a:xfrm>
+          <a:off x="0" y="0"/>
+          <a:ext cx="0" cy="0"/>
+          <a:chOff x="0" y="0"/>
+          <a:chExt cx="0" cy="0"/>
+        </a:xfrm>
+      </p:grpSpPr>
+      <p:sp>
+        <p:nvSpPr>
+          <p:cNvPr id="2" name="Title 1"/>
+          <p:cNvSpPr>
+            <a:spLocks noGrp="1"/>
+          </p:cNvSpPr>
+          <p:nvPr>
+            <p:ph type="title"/>
+          </p:nvPr>
+        </p:nvSpPr>
+        <p:spPr>
+          <a:xfrm>
+            <a:off x="839788" y="121124"/>
+            <a:ext cx="3932237" cy="1600200"/>
+          </a:xfrm>
+        </p:spPr>
+        <p:txBody>
+          <a:bodyPr/>
+          <a:lstStyle/>
+          <a:p>
+            <a:r>
+              <a:rPr lang="en-US" dirty="0" smtClean="0"/>
+              <a:t>Suspects ID 3 and 13</a:t>
+            </a:r>
+            <a:endParaRPr lang="en-US" dirty="0"/>
+          </a:p>
+        </p:txBody>
+      </p:sp>
+      <p:sp>
+        <p:nvSpPr>
+          <p:cNvPr id="4" name="Text Placeholder 3"/>
+          <p:cNvSpPr>
+            <a:spLocks noGrp="1"/>
+          </p:cNvSpPr>
+          <p:nvPr>
+            <p:ph type="body" sz="half" idx="2"/>
+          </p:nvPr>
+        </p:nvSpPr>
+        <p:spPr>
+          <a:xfrm>
+            <a:off x="839788" y="1721324"/>
+            <a:ext cx="3932237" cy="3811588"/>
+          </a:xfrm>
+        </p:spPr>
+        <p:txBody>
+          <a:bodyPr/>
+          <a:lstStyle/>
+          <a:p>
+            <a:r>
+              <a:rPr lang="en-US" dirty="0" smtClean="0"/>
+              <a:t>168.41657051367866 meters away from each other at 4pm on 12/13</a:t>
+            </a:r>
+            <a:endParaRPr lang="en-US" dirty="0"/>
+          </a:p>
+        </p:txBody>
+      </p:sp>
+      <p:pic>
+        <p:nvPicPr>
+          <p:cNvPr id="7" name="Picture 6"/>
+          <p:cNvPicPr>
+            <a:picLocks noChangeAspect="1"/>
+          </p:cNvPicPr>
+          <p:nvPr/>
+        </p:nvPicPr>
+        <p:blipFill>
+          <a:blip r:embed="rId2"/>
+          <a:stretch>
+            <a:fillRect/>
+          </a:stretch>
+        </p:blipFill>
+        <p:spPr>
+          <a:xfrm>
+            <a:off x="839788" y="2306471"/>
+            <a:ext cx="4201586" cy="4148920"/>
+          </a:xfrm>
+          <a:prstGeom prst="rect">
+            <a:avLst/>
+          </a:prstGeom>
+        </p:spPr>
+      </p:pic>
+      <p:pic>
+        <p:nvPicPr>
+          <p:cNvPr id="8" name="Picture 7"/>
+          <p:cNvPicPr>
+            <a:picLocks noChangeAspect="1"/>
+          </p:cNvPicPr>
+          <p:nvPr/>
+        </p:nvPicPr>
+        <p:blipFill>
+          <a:blip r:embed="rId3"/>
+          <a:stretch>
+            <a:fillRect/>
+          </a:stretch>
+        </p:blipFill>
+        <p:spPr>
+          <a:xfrm>
+            <a:off x="5858054" y="1610436"/>
+            <a:ext cx="5266577" cy="4844955"/>
+          </a:xfrm>
+          <a:prstGeom prst="rect">
+            <a:avLst/>
+          </a:prstGeom>
+        </p:spPr>
+      </p:pic>
+    </p:spTree>
+    <p:extLst>
+      <p:ext uri="{BB962C8B-B14F-4D97-AF65-F5344CB8AC3E}">
+        <p14:creationId xmlns:p14="http://schemas.microsoft.com/office/powerpoint/2010/main" val="1440575213"/>
+      </p:ext>
+    </p:extLst>
+  </p:cSld>
+  <p:clrMapOvr>
+    <a:masterClrMapping/>
+  </p:clrMapOvr>
+</p:sld>
+</file>
+
+<file path=ppt/slides/slide5.xml><?xml version="1.0" encoding="utf-8"?>
+<p:sld xmlns:a="http://schemas.openxmlformats.org/drawingml/2006/main" xmlns:r="http://schemas.openxmlformats.org/officeDocument/2006/relationships" xmlns:p="http://schemas.openxmlformats.org/presentationml/2006/main">
+  <p:cSld>
+    <p:spTree>
+      <p:nvGrpSpPr>
+        <p:cNvPr id="1" name=""/>
+        <p:cNvGrpSpPr/>
+        <p:nvPr/>
+      </p:nvGrpSpPr>
+      <p:grpSpPr>
+        <a:xfrm>
+          <a:off x="0" y="0"/>
+          <a:ext cx="0" cy="0"/>
+          <a:chOff x="0" y="0"/>
+          <a:chExt cx="0" cy="0"/>
+        </a:xfrm>
+      </p:grpSpPr>
+      <p:sp>
+        <p:nvSpPr>
+          <p:cNvPr id="11" name="Title 10"/>
+          <p:cNvSpPr>
+            <a:spLocks noGrp="1"/>
+          </p:cNvSpPr>
+          <p:nvPr>
+            <p:ph type="title"/>
+          </p:nvPr>
+        </p:nvSpPr>
+        <p:spPr>
+          <a:xfrm>
+            <a:off x="839788" y="0"/>
+            <a:ext cx="3932237" cy="1600200"/>
+          </a:xfrm>
+        </p:spPr>
+        <p:txBody>
+          <a:bodyPr/>
+          <a:lstStyle/>
+          <a:p>
+            <a:r>
+              <a:rPr lang="en-US" dirty="0" smtClean="0"/>
+              <a:t>Suspects ID 12 and 18</a:t>
+            </a:r>
+            <a:endParaRPr lang="en-US" dirty="0"/>
+          </a:p>
+        </p:txBody>
+      </p:sp>
+      <p:sp>
+        <p:nvSpPr>
+          <p:cNvPr id="12" name="Text Placeholder 11"/>
+          <p:cNvSpPr>
+            <a:spLocks noGrp="1"/>
+          </p:cNvSpPr>
+          <p:nvPr>
+            <p:ph type="body" sz="half" idx="2"/>
+          </p:nvPr>
+        </p:nvSpPr>
+        <p:spPr>
+          <a:xfrm>
+            <a:off x="839788" y="1600200"/>
+            <a:ext cx="3932237" cy="3811588"/>
+          </a:xfrm>
+        </p:spPr>
+        <p:txBody>
+          <a:bodyPr/>
+          <a:lstStyle/>
+          <a:p>
+            <a:r>
+              <a:rPr lang="en-US" dirty="0" smtClean="0"/>
+              <a:t>107.38879720503698 meters away from each other at 9pm on 12/12</a:t>
+            </a:r>
+          </a:p>
+        </p:txBody>
+      </p:sp>
+      <p:pic>
+        <p:nvPicPr>
+          <p:cNvPr id="3" name="Picture 2"/>
+          <p:cNvPicPr>
+            <a:picLocks noChangeAspect="1"/>
+          </p:cNvPicPr>
+          <p:nvPr/>
+        </p:nvPicPr>
+        <p:blipFill>
+          <a:blip r:embed="rId2"/>
+          <a:stretch>
+            <a:fillRect/>
+          </a:stretch>
+        </p:blipFill>
+        <p:spPr>
+          <a:xfrm>
+            <a:off x="6196097" y="1269241"/>
+            <a:ext cx="5392558" cy="5119901"/>
+          </a:xfrm>
+          <a:prstGeom prst="rect">
+            <a:avLst/>
+          </a:prstGeom>
+        </p:spPr>
+      </p:pic>
+      <p:pic>
+        <p:nvPicPr>
+          <p:cNvPr id="4" name="Picture 3"/>
+          <p:cNvPicPr>
+            <a:picLocks noChangeAspect="1"/>
+          </p:cNvPicPr>
+          <p:nvPr/>
+        </p:nvPicPr>
+        <p:blipFill>
+          <a:blip r:embed="rId3"/>
+          <a:stretch>
+            <a:fillRect/>
+          </a:stretch>
+        </p:blipFill>
+        <p:spPr>
+          <a:xfrm>
+            <a:off x="824468" y="2042473"/>
+            <a:ext cx="4539101" cy="4539101"/>
+          </a:xfrm>
+          <a:prstGeom prst="rect">
+            <a:avLst/>
+          </a:prstGeom>
+        </p:spPr>
+      </p:pic>
+    </p:spTree>
+    <p:extLst>
+      <p:ext uri="{BB962C8B-B14F-4D97-AF65-F5344CB8AC3E}">
+        <p14:creationId xmlns:p14="http://schemas.microsoft.com/office/powerpoint/2010/main" val="3292523917"/>
+      </p:ext>
+    </p:extLst>
+  </p:cSld>
+  <p:clrMapOvr>
+    <a:masterClrMapping/>
+  </p:clrMapOvr>
+</p:sld>
+</file>
+
+<file path=ppt/slides/slide6.xml><?xml version="1.0" encoding="utf-8"?>
+<p:sld xmlns:a="http://schemas.openxmlformats.org/drawingml/2006/main" xmlns:r="http://schemas.openxmlformats.org/officeDocument/2006/relationships" xmlns:p="http://schemas.openxmlformats.org/presentationml/2006/main">
+  <p:cSld>
+    <p:spTree>
+      <p:nvGrpSpPr>
+        <p:cNvPr id="1" name=""/>
+        <p:cNvGrpSpPr/>
+        <p:nvPr/>
+      </p:nvGrpSpPr>
+      <p:grpSpPr>
+        <a:xfrm>
+          <a:off x="0" y="0"/>
+          <a:ext cx="0" cy="0"/>
+          <a:chOff x="0" y="0"/>
+          <a:chExt cx="0" cy="0"/>
+        </a:xfrm>
+      </p:grpSpPr>
+      <p:sp>
+        <p:nvSpPr>
+          <p:cNvPr id="2" name="Title 1"/>
+          <p:cNvSpPr>
+            <a:spLocks noGrp="1"/>
+          </p:cNvSpPr>
+          <p:nvPr>
+            <p:ph type="title"/>
+          </p:nvPr>
+        </p:nvSpPr>
+        <p:spPr/>
+        <p:txBody>
+          <a:bodyPr/>
+          <a:lstStyle/>
+          <a:p>
+            <a:r>
+              <a:rPr lang="en-US" dirty="0" smtClean="0"/>
+              <a:t>Conclusion: Not guilty</a:t>
+            </a:r>
+            <a:endParaRPr lang="en-US" dirty="0"/>
+          </a:p>
+        </p:txBody>
+      </p:sp>
+      <p:sp>
+        <p:nvSpPr>
+          <p:cNvPr id="3" name="Content Placeholder 2"/>
+          <p:cNvSpPr>
+            <a:spLocks noGrp="1"/>
+          </p:cNvSpPr>
+          <p:nvPr>
+            <p:ph idx="1"/>
+          </p:nvPr>
+        </p:nvSpPr>
+        <p:spPr>
+          <a:xfrm>
+            <a:off x="838200" y="1825625"/>
+            <a:ext cx="10515600" cy="4657062"/>
+          </a:xfrm>
+        </p:spPr>
+        <p:txBody>
+          <a:bodyPr>
+            <a:normAutofit/>
+          </a:bodyPr>
+          <a:lstStyle/>
+          <a:p>
+            <a:r>
+              <a:rPr lang="en-US" dirty="0" smtClean="0"/>
+              <a:t>No jail</a:t>
+            </a:r>
+          </a:p>
+          <a:p>
+            <a:endParaRPr lang="en-US" dirty="0" smtClean="0"/>
+          </a:p>
+        </p:txBody>
+      </p:sp>
+    </p:spTree>
+    <p:extLst>
+      <p:ext uri="{BB962C8B-B14F-4D97-AF65-F5344CB8AC3E}">
+        <p14:creationId xmlns:p14="http://schemas.microsoft.com/office/powerpoint/2010/main" val="317913459"/>
+      </p:ext>
+    </p:extLst>
+  </p:cSld>
+  <p:clrMapOvr>
+    <a:masterClrMapping/>
+  </p:clrMapOvr>
+</p:sld>
+</file>
+
+<file path=ppt/slides/slide7.xml><?xml version="1.0" encoding="utf-8"?>
+<p:sld xmlns:a="http://schemas.openxmlformats.org/drawingml/2006/main" xmlns:r="http://schemas.openxmlformats.org/officeDocument/2006/relationships" xmlns:p="http://schemas.openxmlformats.org/presentationml/2006/main">
+  <p:cSld>
+    <p:spTree>
+      <p:nvGrpSpPr>
+        <p:cNvPr id="1" name=""/>
+        <p:cNvGrpSpPr/>
+        <p:nvPr/>
+      </p:nvGrpSpPr>
+      <p:grpSpPr>
+        <a:xfrm>
+          <a:off x="0" y="0"/>
+          <a:ext cx="0" cy="0"/>
+          <a:chOff x="0" y="0"/>
+          <a:chExt cx="0" cy="0"/>
+        </a:xfrm>
+      </p:grpSpPr>
+      <p:sp>
+        <p:nvSpPr>
+          <p:cNvPr id="2" name="Title 1"/>
+          <p:cNvSpPr>
+            <a:spLocks noGrp="1"/>
+          </p:cNvSpPr>
+          <p:nvPr>
+            <p:ph type="title"/>
+          </p:nvPr>
+        </p:nvSpPr>
+        <p:spPr/>
+        <p:txBody>
+          <a:bodyPr/>
+          <a:lstStyle/>
+          <a:p>
+            <a:r>
+              <a:rPr lang="en-US" dirty="0" smtClean="0"/>
+              <a:t>Dimensionality Reduction Overview</a:t>
+            </a:r>
+            <a:endParaRPr lang="en-US" dirty="0"/>
+          </a:p>
+        </p:txBody>
+      </p:sp>
+      <p:sp>
+        <p:nvSpPr>
+          <p:cNvPr id="3" name="Content Placeholder 2"/>
+          <p:cNvSpPr>
+            <a:spLocks noGrp="1"/>
+          </p:cNvSpPr>
+          <p:nvPr>
+            <p:ph idx="1"/>
+          </p:nvPr>
+        </p:nvSpPr>
+        <p:spPr>
+          <a:xfrm>
+            <a:off x="838200" y="1825625"/>
+            <a:ext cx="10515600" cy="4657062"/>
+          </a:xfrm>
+        </p:spPr>
+        <p:txBody>
+          <a:bodyPr>
+            <a:normAutofit/>
+          </a:bodyPr>
+          <a:lstStyle/>
+          <a:p>
+            <a:r>
+              <a:rPr lang="en-US" dirty="0" smtClean="0"/>
+              <a:t>Uses statistics to get rid of dimensions in data, like turning a plane into a line or a line into a point</a:t>
+            </a:r>
+          </a:p>
+          <a:p>
+            <a:r>
+              <a:rPr lang="en-US" dirty="0" smtClean="0"/>
+              <a:t>Allows us to see the data displayed on a 2d or 3d plot even if it’s more than 3d data (like we have)</a:t>
+            </a:r>
+          </a:p>
+          <a:p>
+            <a:r>
+              <a:rPr lang="en-US" dirty="0" smtClean="0"/>
+              <a:t>If there are distinct differences between different types of data (like walking, driving, etc.) they will cluster together</a:t>
+            </a:r>
+          </a:p>
+          <a:p>
+            <a:r>
+              <a:rPr lang="en-US" dirty="0" smtClean="0"/>
+              <a:t>Increasing dimensions can help cluster better until there are too many dimensions for the number of classes</a:t>
+            </a:r>
+          </a:p>
+          <a:p>
+            <a:r>
+              <a:rPr lang="en-US" dirty="0" smtClean="0"/>
+              <a:t>A nice way to see if there is a correlation between the data and types of activity</a:t>
+            </a:r>
+            <a:endParaRPr lang="en-US" dirty="0"/>
+          </a:p>
+        </p:txBody>
+      </p:sp>
+    </p:spTree>
+    <p:extLst>
+      <p:ext uri="{BB962C8B-B14F-4D97-AF65-F5344CB8AC3E}">
+        <p14:creationId xmlns:p14="http://schemas.microsoft.com/office/powerpoint/2010/main" val="1047510381"/>
+      </p:ext>
+    </p:extLst>
+  </p:cSld>
+  <p:clrMapOvr>
+    <a:masterClrMapping/>
+  </p:clrMapOvr>
+</p:sld>
+</file>
+
+<file path=ppt/slides/slide8.xml><?xml version="1.0" encoding="utf-8"?>
+<p:sld xmlns:a="http://schemas.openxmlformats.org/drawingml/2006/main" xmlns:r="http://schemas.openxmlformats.org/officeDocument/2006/relationships" xmlns:p="http://schemas.openxmlformats.org/presentationml/2006/main">
+  <p:cSld>
+    <p:spTree>
+      <p:nvGrpSpPr>
+        <p:cNvPr id="1" name=""/>
+        <p:cNvGrpSpPr/>
+        <p:nvPr/>
+      </p:nvGrpSpPr>
+      <p:grpSpPr>
+        <a:xfrm>
+          <a:off x="0" y="0"/>
+          <a:ext cx="0" cy="0"/>
+          <a:chOff x="0" y="0"/>
+          <a:chExt cx="0" cy="0"/>
+        </a:xfrm>
+      </p:grpSpPr>
+      <p:sp>
+        <p:nvSpPr>
+          <p:cNvPr id="2" name="Title 1"/>
+          <p:cNvSpPr>
+            <a:spLocks noGrp="1"/>
+          </p:cNvSpPr>
+          <p:nvPr>
+            <p:ph type="title"/>
+          </p:nvPr>
+        </p:nvSpPr>
+        <p:spPr/>
+        <p:txBody>
+          <a:bodyPr/>
+          <a:lstStyle/>
+          <a:p>
+            <a:r>
+              <a:rPr lang="en-US" dirty="0" smtClean="0"/>
+              <a:t>Dimensionality Reduction on Location/Time</a:t>
+            </a:r>
+            <a:endParaRPr lang="en-US" dirty="0"/>
+          </a:p>
+        </p:txBody>
+      </p:sp>
+      <p:pic>
+        <p:nvPicPr>
+          <p:cNvPr id="4" name="Picture 3"/>
+          <p:cNvPicPr>
+            <a:picLocks noChangeAspect="1"/>
+          </p:cNvPicPr>
+          <p:nvPr/>
+        </p:nvPicPr>
+        <p:blipFill>
+          <a:blip r:embed="rId2"/>
+          <a:stretch>
+            <a:fillRect/>
+          </a:stretch>
+        </p:blipFill>
+        <p:spPr>
+          <a:xfrm>
+            <a:off x="606188" y="2112228"/>
+            <a:ext cx="5692353" cy="4465993"/>
+          </a:xfrm>
+          <a:prstGeom prst="rect">
+            <a:avLst/>
+          </a:prstGeom>
+        </p:spPr>
+      </p:pic>
+      <p:pic>
+        <p:nvPicPr>
+          <p:cNvPr id="5" name="Picture 4"/>
+          <p:cNvPicPr>
+            <a:picLocks noChangeAspect="1"/>
+          </p:cNvPicPr>
+          <p:nvPr/>
+        </p:nvPicPr>
+        <p:blipFill>
+          <a:blip r:embed="rId3"/>
+          <a:stretch>
+            <a:fillRect/>
+          </a:stretch>
+        </p:blipFill>
+        <p:spPr>
+          <a:xfrm>
+            <a:off x="6568269" y="1690688"/>
+            <a:ext cx="5102383" cy="4712434"/>
+          </a:xfrm>
+          <a:prstGeom prst="rect">
+            <a:avLst/>
+          </a:prstGeom>
+        </p:spPr>
+      </p:pic>
+      <p:pic>
+        <p:nvPicPr>
+          <p:cNvPr id="6" name="Picture 5"/>
+          <p:cNvPicPr>
+            <a:picLocks noChangeAspect="1"/>
+          </p:cNvPicPr>
+          <p:nvPr/>
+        </p:nvPicPr>
+        <p:blipFill>
+          <a:blip r:embed="rId4"/>
+          <a:stretch>
+            <a:fillRect/>
+          </a:stretch>
+        </p:blipFill>
+        <p:spPr>
+          <a:xfrm>
+            <a:off x="6674109" y="2565447"/>
+            <a:ext cx="2251525" cy="3559553"/>
+          </a:xfrm>
+          <a:prstGeom prst="rect">
+            <a:avLst/>
+          </a:prstGeom>
+        </p:spPr>
+      </p:pic>
+    </p:spTree>
+    <p:extLst>
+      <p:ext uri="{BB962C8B-B14F-4D97-AF65-F5344CB8AC3E}">
+        <p14:creationId xmlns:p14="http://schemas.microsoft.com/office/powerpoint/2010/main" val="605617231"/>
+      </p:ext>
+    </p:extLst>
+  </p:cSld>
+  <p:clrMapOvr>
+    <a:masterClrMapping/>
+  </p:clrMapOvr>
+</p:sld>
+</file>
+
+<file path=ppt/slides/slide9.xml><?xml version="1.0" encoding="utf-8"?>
+<p:sld xmlns:a="http://schemas.openxmlformats.org/drawingml/2006/main" xmlns:r="http://schemas.openxmlformats.org/officeDocument/2006/relationships" xmlns:p="http://schemas.openxmlformats.org/presentationml/2006/main">
+  <p:cSld>
+    <p:spTree>
+      <p:nvGrpSpPr>
+        <p:cNvPr id="1" name=""/>
+        <p:cNvGrpSpPr/>
+        <p:nvPr/>
+      </p:nvGrpSpPr>
+      <p:grpSpPr>
+        <a:xfrm>
+          <a:off x="0" y="0"/>
+          <a:ext cx="0" cy="0"/>
+          <a:chOff x="0" y="0"/>
+          <a:chExt cx="0" cy="0"/>
+        </a:xfrm>
+      </p:grpSpPr>
+      <p:sp>
+        <p:nvSpPr>
+          <p:cNvPr id="2" name="Title 1"/>
+          <p:cNvSpPr>
+            <a:spLocks noGrp="1"/>
+          </p:cNvSpPr>
+          <p:nvPr>
+            <p:ph type="title"/>
+          </p:nvPr>
+        </p:nvSpPr>
+        <p:spPr/>
+        <p:txBody>
+          <a:bodyPr/>
+          <a:lstStyle/>
+          <a:p>
+            <a:r>
+              <a:rPr lang="en-US" dirty="0"/>
+              <a:t>Dimensionality Reduction on </a:t>
+            </a:r>
+            <a:r>
+              <a:rPr lang="en-US" dirty="0" smtClean="0"/>
+              <a:t>Location/Time</a:t>
+            </a:r>
+            <a:br>
+              <a:rPr lang="en-US" dirty="0" smtClean="0"/>
+            </a:br>
+            <a:r>
+              <a:rPr lang="en-US" dirty="0" smtClean="0"/>
+              <a:t>Analysis</a:t>
+            </a:r>
+            <a:endParaRPr lang="en-US" dirty="0"/>
+          </a:p>
+        </p:txBody>
+      </p:sp>
+      <p:sp>
+        <p:nvSpPr>
+          <p:cNvPr id="3" name="Content Placeholder 2"/>
+          <p:cNvSpPr>
+            <a:spLocks noGrp="1"/>
+          </p:cNvSpPr>
+          <p:nvPr>
+            <p:ph idx="1"/>
+          </p:nvPr>
+        </p:nvSpPr>
+        <p:spPr>
+          <a:xfrm>
+            <a:off x="838200" y="1690688"/>
+            <a:ext cx="10515600" cy="4351338"/>
+          </a:xfrm>
+        </p:spPr>
+        <p:txBody>
+          <a:bodyPr/>
+          <a:lstStyle/>
+          <a:p>
+            <a:r>
+              <a:rPr lang="en-US" dirty="0" smtClean="0"/>
+              <a:t>As dimensions increase, the 4 different types of activity cluster more</a:t>
+            </a:r>
+          </a:p>
+          <a:p>
+            <a:r>
+              <a:rPr lang="en-US" dirty="0" smtClean="0"/>
+              <a:t>Actual data has latitude, longitude, timestamp</a:t>
+            </a:r>
+          </a:p>
+          <a:p>
+            <a:r>
+              <a:rPr lang="en-US" dirty="0" smtClean="0"/>
+              <a:t>Clusters are visible, but have significant overlap</a:t>
+            </a:r>
+          </a:p>
+          <a:p>
+            <a:r>
+              <a:rPr lang="en-US" dirty="0" smtClean="0"/>
+              <a:t>Explains why the SVM is correct half of the time, but not more</a:t>
+            </a:r>
+          </a:p>
+          <a:p>
+            <a:pPr lvl="1"/>
+            <a:r>
+              <a:rPr lang="en-US" dirty="0" smtClean="0"/>
+              <a:t>There are enough differences to guess the different types of activity some of the time, but not enough to guess every time</a:t>
+            </a:r>
+          </a:p>
+        </p:txBody>
+      </p:sp>
+    </p:spTree>
+    <p:extLst>
+      <p:ext uri="{BB962C8B-B14F-4D97-AF65-F5344CB8AC3E}">
+        <p14:creationId xmlns:p14="http://schemas.microsoft.com/office/powerpoint/2010/main" val="2794015051"/>
       </p:ext>
     </p:extLst>
   </p:cSld>

--- a/480_HW1.pptx
+++ b/480_HW1.pptx
@@ -10,16 +10,18 @@
     <p:sldId id="257" r:id="rId4"/>
     <p:sldId id="259" r:id="rId5"/>
     <p:sldId id="258" r:id="rId6"/>
-    <p:sldId id="270" r:id="rId7"/>
-    <p:sldId id="271" r:id="rId8"/>
-    <p:sldId id="267" r:id="rId9"/>
+    <p:sldId id="271" r:id="rId7"/>
+    <p:sldId id="267" r:id="rId8"/>
+    <p:sldId id="268" r:id="rId9"/>
     <p:sldId id="269" r:id="rId10"/>
-    <p:sldId id="262" r:id="rId11"/>
-    <p:sldId id="263" r:id="rId12"/>
-    <p:sldId id="264" r:id="rId13"/>
-    <p:sldId id="268" r:id="rId14"/>
+    <p:sldId id="272" r:id="rId11"/>
+    <p:sldId id="274" r:id="rId12"/>
+    <p:sldId id="262" r:id="rId13"/>
+    <p:sldId id="264" r:id="rId14"/>
     <p:sldId id="265" r:id="rId15"/>
     <p:sldId id="266" r:id="rId16"/>
+    <p:sldId id="273" r:id="rId17"/>
+    <p:sldId id="263" r:id="rId18"/>
   </p:sldIdLst>
   <p:sldSz cx="12192000" cy="6858000"/>
   <p:notesSz cx="6858000" cy="9144000"/>
@@ -3868,7 +3870,7 @@
           <a:p>
             <a:fld id="{38163460-9537-49C2-A504-CDCA7FB2D4DE}" type="datetimeFigureOut">
               <a:rPr lang="en-US" smtClean="0"/>
-              <a:t>11/10/2021</a:t>
+              <a:t>11/15/2021</a:t>
             </a:fld>
             <a:endParaRPr lang="en-US"/>
           </a:p>
@@ -4038,7 +4040,7 @@
           <a:p>
             <a:fld id="{38163460-9537-49C2-A504-CDCA7FB2D4DE}" type="datetimeFigureOut">
               <a:rPr lang="en-US" smtClean="0"/>
-              <a:t>11/10/2021</a:t>
+              <a:t>11/15/2021</a:t>
             </a:fld>
             <a:endParaRPr lang="en-US"/>
           </a:p>
@@ -4218,7 +4220,7 @@
           <a:p>
             <a:fld id="{38163460-9537-49C2-A504-CDCA7FB2D4DE}" type="datetimeFigureOut">
               <a:rPr lang="en-US" smtClean="0"/>
-              <a:t>11/10/2021</a:t>
+              <a:t>11/15/2021</a:t>
             </a:fld>
             <a:endParaRPr lang="en-US"/>
           </a:p>
@@ -4388,7 +4390,7 @@
           <a:p>
             <a:fld id="{38163460-9537-49C2-A504-CDCA7FB2D4DE}" type="datetimeFigureOut">
               <a:rPr lang="en-US" smtClean="0"/>
-              <a:t>11/10/2021</a:t>
+              <a:t>11/15/2021</a:t>
             </a:fld>
             <a:endParaRPr lang="en-US"/>
           </a:p>
@@ -4634,7 +4636,7 @@
           <a:p>
             <a:fld id="{38163460-9537-49C2-A504-CDCA7FB2D4DE}" type="datetimeFigureOut">
               <a:rPr lang="en-US" smtClean="0"/>
-              <a:t>11/10/2021</a:t>
+              <a:t>11/15/2021</a:t>
             </a:fld>
             <a:endParaRPr lang="en-US"/>
           </a:p>
@@ -4866,7 +4868,7 @@
           <a:p>
             <a:fld id="{38163460-9537-49C2-A504-CDCA7FB2D4DE}" type="datetimeFigureOut">
               <a:rPr lang="en-US" smtClean="0"/>
-              <a:t>11/10/2021</a:t>
+              <a:t>11/15/2021</a:t>
             </a:fld>
             <a:endParaRPr lang="en-US"/>
           </a:p>
@@ -5233,7 +5235,7 @@
           <a:p>
             <a:fld id="{38163460-9537-49C2-A504-CDCA7FB2D4DE}" type="datetimeFigureOut">
               <a:rPr lang="en-US" smtClean="0"/>
-              <a:t>11/10/2021</a:t>
+              <a:t>11/15/2021</a:t>
             </a:fld>
             <a:endParaRPr lang="en-US"/>
           </a:p>
@@ -5351,7 +5353,7 @@
           <a:p>
             <a:fld id="{38163460-9537-49C2-A504-CDCA7FB2D4DE}" type="datetimeFigureOut">
               <a:rPr lang="en-US" smtClean="0"/>
-              <a:t>11/10/2021</a:t>
+              <a:t>11/15/2021</a:t>
             </a:fld>
             <a:endParaRPr lang="en-US"/>
           </a:p>
@@ -5446,7 +5448,7 @@
           <a:p>
             <a:fld id="{38163460-9537-49C2-A504-CDCA7FB2D4DE}" type="datetimeFigureOut">
               <a:rPr lang="en-US" smtClean="0"/>
-              <a:t>11/10/2021</a:t>
+              <a:t>11/15/2021</a:t>
             </a:fld>
             <a:endParaRPr lang="en-US"/>
           </a:p>
@@ -5723,7 +5725,7 @@
           <a:p>
             <a:fld id="{38163460-9537-49C2-A504-CDCA7FB2D4DE}" type="datetimeFigureOut">
               <a:rPr lang="en-US" smtClean="0"/>
-              <a:t>11/10/2021</a:t>
+              <a:t>11/15/2021</a:t>
             </a:fld>
             <a:endParaRPr lang="en-US"/>
           </a:p>
@@ -5976,7 +5978,7 @@
           <a:p>
             <a:fld id="{38163460-9537-49C2-A504-CDCA7FB2D4DE}" type="datetimeFigureOut">
               <a:rPr lang="en-US" smtClean="0"/>
-              <a:t>11/10/2021</a:t>
+              <a:t>11/15/2021</a:t>
             </a:fld>
             <a:endParaRPr lang="en-US"/>
           </a:p>
@@ -6189,7 +6191,7 @@
           <a:p>
             <a:fld id="{38163460-9537-49C2-A504-CDCA7FB2D4DE}" type="datetimeFigureOut">
               <a:rPr lang="en-US" smtClean="0"/>
-              <a:t>11/10/2021</a:t>
+              <a:t>11/15/2021</a:t>
             </a:fld>
             <a:endParaRPr lang="en-US"/>
           </a:p>
@@ -6695,6 +6697,275 @@
           <a:p>
             <a:r>
               <a:rPr lang="en-US" dirty="0" smtClean="0"/>
+              <a:t>Linear Regression Overview</a:t>
+            </a:r>
+            <a:endParaRPr lang="en-US" dirty="0"/>
+          </a:p>
+        </p:txBody>
+      </p:sp>
+      <p:sp>
+        <p:nvSpPr>
+          <p:cNvPr id="3" name="Content Placeholder 2"/>
+          <p:cNvSpPr>
+            <a:spLocks noGrp="1"/>
+          </p:cNvSpPr>
+          <p:nvPr>
+            <p:ph idx="1"/>
+          </p:nvPr>
+        </p:nvSpPr>
+        <p:spPr/>
+        <p:txBody>
+          <a:bodyPr/>
+          <a:lstStyle/>
+          <a:p>
+            <a:r>
+              <a:rPr lang="en-US" dirty="0" smtClean="0"/>
+              <a:t>Linear regression takes 2 inputs and calculates the correlation between them in a linear matter</a:t>
+            </a:r>
+          </a:p>
+          <a:p>
+            <a:r>
+              <a:rPr lang="en-US" dirty="0" smtClean="0"/>
+              <a:t>High correlation means the 2 inputs are related</a:t>
+            </a:r>
+          </a:p>
+          <a:p>
+            <a:r>
+              <a:rPr lang="en-US" dirty="0" smtClean="0"/>
+              <a:t>Example: </a:t>
+            </a:r>
+            <a:endParaRPr lang="en-US" dirty="0"/>
+          </a:p>
+        </p:txBody>
+      </p:sp>
+      <p:pic>
+        <p:nvPicPr>
+          <p:cNvPr id="4" name="Picture 2"/>
+          <p:cNvPicPr>
+            <a:picLocks noChangeAspect="1" noChangeArrowheads="1"/>
+          </p:cNvPicPr>
+          <p:nvPr/>
+        </p:nvPicPr>
+        <p:blipFill>
+          <a:blip r:embed="rId2" cstate="print">
+            <a:extLst>
+              <a:ext uri="{28A0092B-C50C-407E-A947-70E740481C1C}">
+                <a14:useLocalDpi xmlns:a14="http://schemas.microsoft.com/office/drawing/2010/main" val="0"/>
+              </a:ext>
+            </a:extLst>
+          </a:blip>
+          <a:srcRect/>
+          <a:stretch>
+            <a:fillRect/>
+          </a:stretch>
+        </p:blipFill>
+        <p:spPr bwMode="auto">
+          <a:xfrm>
+            <a:off x="838200" y="3869115"/>
+            <a:ext cx="3843489" cy="2641294"/>
+          </a:xfrm>
+          <a:prstGeom prst="rect">
+            <a:avLst/>
+          </a:prstGeom>
+          <a:noFill/>
+          <a:ln>
+            <a:noFill/>
+          </a:ln>
+          <a:effectLst/>
+          <a:extLst>
+            <a:ext uri="{909E8E84-426E-40DD-AFC4-6F175D3DCCD1}">
+              <a14:hiddenFill xmlns:a14="http://schemas.microsoft.com/office/drawing/2010/main">
+                <a:solidFill>
+                  <a:schemeClr val="accent1"/>
+                </a:solidFill>
+              </a14:hiddenFill>
+            </a:ext>
+            <a:ext uri="{91240B29-F687-4F45-9708-019B960494DF}">
+              <a14:hiddenLine xmlns:a14="http://schemas.microsoft.com/office/drawing/2010/main" w="9525">
+                <a:solidFill>
+                  <a:schemeClr val="tx1"/>
+                </a:solidFill>
+                <a:miter lim="800000"/>
+                <a:headEnd/>
+                <a:tailEnd/>
+              </a14:hiddenLine>
+            </a:ext>
+            <a:ext uri="{AF507438-7753-43E0-B8FC-AC1667EBCBE1}">
+              <a14:hiddenEffects xmlns:a14="http://schemas.microsoft.com/office/drawing/2010/main">
+                <a:effectLst>
+                  <a:outerShdw dist="35921" dir="2700000" algn="ctr" rotWithShape="0">
+                    <a:schemeClr val="bg2"/>
+                  </a:outerShdw>
+                </a:effectLst>
+              </a14:hiddenEffects>
+            </a:ext>
+          </a:extLst>
+        </p:spPr>
+      </p:pic>
+    </p:spTree>
+    <p:extLst>
+      <p:ext uri="{BB962C8B-B14F-4D97-AF65-F5344CB8AC3E}">
+        <p14:creationId xmlns:p14="http://schemas.microsoft.com/office/powerpoint/2010/main" val="4104942567"/>
+      </p:ext>
+    </p:extLst>
+  </p:cSld>
+  <p:clrMapOvr>
+    <a:masterClrMapping/>
+  </p:clrMapOvr>
+</p:sld>
+</file>
+
+<file path=ppt/slides/slide11.xml><?xml version="1.0" encoding="utf-8"?>
+<p:sld xmlns:a="http://schemas.openxmlformats.org/drawingml/2006/main" xmlns:r="http://schemas.openxmlformats.org/officeDocument/2006/relationships" xmlns:p="http://schemas.openxmlformats.org/presentationml/2006/main">
+  <p:cSld>
+    <p:spTree>
+      <p:nvGrpSpPr>
+        <p:cNvPr id="1" name=""/>
+        <p:cNvGrpSpPr/>
+        <p:nvPr/>
+      </p:nvGrpSpPr>
+      <p:grpSpPr>
+        <a:xfrm>
+          <a:off x="0" y="0"/>
+          <a:ext cx="0" cy="0"/>
+          <a:chOff x="0" y="0"/>
+          <a:chExt cx="0" cy="0"/>
+        </a:xfrm>
+      </p:grpSpPr>
+      <p:sp>
+        <p:nvSpPr>
+          <p:cNvPr id="2" name="Title 1"/>
+          <p:cNvSpPr>
+            <a:spLocks noGrp="1"/>
+          </p:cNvSpPr>
+          <p:nvPr>
+            <p:ph type="title"/>
+          </p:nvPr>
+        </p:nvSpPr>
+        <p:spPr/>
+        <p:txBody>
+          <a:bodyPr/>
+          <a:lstStyle/>
+          <a:p>
+            <a:r>
+              <a:rPr lang="en-US" dirty="0" smtClean="0"/>
+              <a:t>Random Forest Regression Overview</a:t>
+            </a:r>
+            <a:endParaRPr lang="en-US" dirty="0"/>
+          </a:p>
+        </p:txBody>
+      </p:sp>
+      <p:sp>
+        <p:nvSpPr>
+          <p:cNvPr id="3" name="Content Placeholder 2"/>
+          <p:cNvSpPr>
+            <a:spLocks noGrp="1"/>
+          </p:cNvSpPr>
+          <p:nvPr>
+            <p:ph idx="1"/>
+          </p:nvPr>
+        </p:nvSpPr>
+        <p:spPr/>
+        <p:txBody>
+          <a:bodyPr/>
+          <a:lstStyle/>
+          <a:p>
+            <a:r>
+              <a:rPr lang="en-US" dirty="0" smtClean="0"/>
+              <a:t>If data has many dimensions, linear relationships can be harder to find</a:t>
+            </a:r>
+          </a:p>
+          <a:p>
+            <a:r>
+              <a:rPr lang="en-US" dirty="0" smtClean="0"/>
+              <a:t>There can still be other relationships in 3-n dimensions</a:t>
+            </a:r>
+          </a:p>
+          <a:p>
+            <a:r>
+              <a:rPr lang="en-US" dirty="0" smtClean="0"/>
+              <a:t>For example, data can cluster or group in spheres</a:t>
+            </a:r>
+          </a:p>
+          <a:p>
+            <a:r>
+              <a:rPr lang="en-US" dirty="0" smtClean="0"/>
+              <a:t>Random Forest Regression tests for non-linear relationships in data by exploring all classes and giving out the mean of each one</a:t>
+            </a:r>
+          </a:p>
+        </p:txBody>
+      </p:sp>
+      <p:pic>
+        <p:nvPicPr>
+          <p:cNvPr id="4" name="Picture 3"/>
+          <p:cNvPicPr>
+            <a:picLocks noChangeAspect="1"/>
+          </p:cNvPicPr>
+          <p:nvPr/>
+        </p:nvPicPr>
+        <p:blipFill>
+          <a:blip r:embed="rId2"/>
+          <a:stretch>
+            <a:fillRect/>
+          </a:stretch>
+        </p:blipFill>
+        <p:spPr>
+          <a:xfrm>
+            <a:off x="838200" y="4523886"/>
+            <a:ext cx="4129585" cy="2334114"/>
+          </a:xfrm>
+          <a:prstGeom prst="rect">
+            <a:avLst/>
+          </a:prstGeom>
+        </p:spPr>
+      </p:pic>
+    </p:spTree>
+    <p:extLst>
+      <p:ext uri="{BB962C8B-B14F-4D97-AF65-F5344CB8AC3E}">
+        <p14:creationId xmlns:p14="http://schemas.microsoft.com/office/powerpoint/2010/main" val="2401008592"/>
+      </p:ext>
+    </p:extLst>
+  </p:cSld>
+  <p:clrMapOvr>
+    <a:masterClrMapping/>
+  </p:clrMapOvr>
+</p:sld>
+</file>
+
+<file path=ppt/slides/slide12.xml><?xml version="1.0" encoding="utf-8"?>
+<p:sld xmlns:a="http://schemas.openxmlformats.org/drawingml/2006/main" xmlns:r="http://schemas.openxmlformats.org/officeDocument/2006/relationships" xmlns:p="http://schemas.openxmlformats.org/presentationml/2006/main">
+  <p:cSld>
+    <p:spTree>
+      <p:nvGrpSpPr>
+        <p:cNvPr id="1" name=""/>
+        <p:cNvGrpSpPr/>
+        <p:nvPr/>
+      </p:nvGrpSpPr>
+      <p:grpSpPr>
+        <a:xfrm>
+          <a:off x="0" y="0"/>
+          <a:ext cx="0" cy="0"/>
+          <a:chOff x="0" y="0"/>
+          <a:chExt cx="0" cy="0"/>
+        </a:xfrm>
+      </p:grpSpPr>
+      <p:sp>
+        <p:nvSpPr>
+          <p:cNvPr id="2" name="Title 1"/>
+          <p:cNvSpPr>
+            <a:spLocks noGrp="1"/>
+          </p:cNvSpPr>
+          <p:nvPr>
+            <p:ph type="title"/>
+          </p:nvPr>
+        </p:nvSpPr>
+        <p:spPr/>
+        <p:txBody>
+          <a:bodyPr/>
+          <a:lstStyle/>
+          <a:p>
+            <a:r>
+              <a:rPr lang="en-US" dirty="0" smtClean="0"/>
               <a:t>Calculating Correlation of Activity, Time, and Location Using Linear Regression	</a:t>
             </a:r>
             <a:endParaRPr lang="en-US" dirty="0"/>
@@ -6752,6 +7023,319 @@
             <a:r>
               <a:rPr lang="en-US" dirty="0" smtClean="0"/>
               <a:t>Conclusion: There is a low linear correlation between activity type and time/location</a:t>
+            </a:r>
+            <a:endParaRPr lang="en-US" dirty="0"/>
+          </a:p>
+        </p:txBody>
+      </p:sp>
+      <p:pic>
+        <p:nvPicPr>
+          <p:cNvPr id="4099" name="Picture 3"/>
+          <p:cNvPicPr>
+            <a:picLocks noChangeAspect="1" noChangeArrowheads="1"/>
+          </p:cNvPicPr>
+          <p:nvPr/>
+        </p:nvPicPr>
+        <p:blipFill>
+          <a:blip r:embed="rId2">
+            <a:extLst>
+              <a:ext uri="{28A0092B-C50C-407E-A947-70E740481C1C}">
+                <a14:useLocalDpi xmlns:a14="http://schemas.microsoft.com/office/drawing/2010/main" val="0"/>
+              </a:ext>
+            </a:extLst>
+          </a:blip>
+          <a:srcRect/>
+          <a:stretch>
+            <a:fillRect/>
+          </a:stretch>
+        </p:blipFill>
+        <p:spPr bwMode="auto">
+          <a:xfrm>
+            <a:off x="3357788" y="4145559"/>
+            <a:ext cx="5293543" cy="2533898"/>
+          </a:xfrm>
+          <a:prstGeom prst="rect">
+            <a:avLst/>
+          </a:prstGeom>
+          <a:noFill/>
+          <a:ln>
+            <a:noFill/>
+          </a:ln>
+          <a:effectLst/>
+          <a:extLst>
+            <a:ext uri="{909E8E84-426E-40DD-AFC4-6F175D3DCCD1}">
+              <a14:hiddenFill xmlns:a14="http://schemas.microsoft.com/office/drawing/2010/main">
+                <a:solidFill>
+                  <a:schemeClr val="accent1"/>
+                </a:solidFill>
+              </a14:hiddenFill>
+            </a:ext>
+            <a:ext uri="{91240B29-F687-4F45-9708-019B960494DF}">
+              <a14:hiddenLine xmlns:a14="http://schemas.microsoft.com/office/drawing/2010/main" w="9525">
+                <a:solidFill>
+                  <a:schemeClr val="tx1"/>
+                </a:solidFill>
+                <a:miter lim="800000"/>
+                <a:headEnd/>
+                <a:tailEnd/>
+              </a14:hiddenLine>
+            </a:ext>
+            <a:ext uri="{AF507438-7753-43E0-B8FC-AC1667EBCBE1}">
+              <a14:hiddenEffects xmlns:a14="http://schemas.microsoft.com/office/drawing/2010/main">
+                <a:effectLst>
+                  <a:outerShdw dist="35921" dir="2700000" algn="ctr" rotWithShape="0">
+                    <a:schemeClr val="bg2"/>
+                  </a:outerShdw>
+                </a:effectLst>
+              </a14:hiddenEffects>
+            </a:ext>
+          </a:extLst>
+        </p:spPr>
+      </p:pic>
+      <p:sp>
+        <p:nvSpPr>
+          <p:cNvPr id="7" name="TextBox 6"/>
+          <p:cNvSpPr txBox="1"/>
+          <p:nvPr/>
+        </p:nvSpPr>
+        <p:spPr>
+          <a:xfrm>
+            <a:off x="3699569" y="4169494"/>
+            <a:ext cx="2304990" cy="369332"/>
+          </a:xfrm>
+          <a:prstGeom prst="rect">
+            <a:avLst/>
+          </a:prstGeom>
+          <a:noFill/>
+        </p:spPr>
+        <p:txBody>
+          <a:bodyPr wrap="none" rtlCol="0">
+            <a:spAutoFit/>
+          </a:bodyPr>
+          <a:lstStyle/>
+          <a:p>
+            <a:r>
+              <a:rPr lang="en-US" dirty="0" smtClean="0"/>
+              <a:t>Calculated correlation:</a:t>
+            </a:r>
+            <a:endParaRPr lang="en-US" dirty="0"/>
+          </a:p>
+        </p:txBody>
+      </p:sp>
+    </p:spTree>
+    <p:extLst>
+      <p:ext uri="{BB962C8B-B14F-4D97-AF65-F5344CB8AC3E}">
+        <p14:creationId xmlns:p14="http://schemas.microsoft.com/office/powerpoint/2010/main" val="1819874977"/>
+      </p:ext>
+    </p:extLst>
+  </p:cSld>
+  <p:clrMapOvr>
+    <a:masterClrMapping/>
+  </p:clrMapOvr>
+</p:sld>
+</file>
+
+<file path=ppt/slides/slide13.xml><?xml version="1.0" encoding="utf-8"?>
+<p:sld xmlns:a="http://schemas.openxmlformats.org/drawingml/2006/main" xmlns:r="http://schemas.openxmlformats.org/officeDocument/2006/relationships" xmlns:p="http://schemas.openxmlformats.org/presentationml/2006/main">
+  <p:cSld>
+    <p:spTree>
+      <p:nvGrpSpPr>
+        <p:cNvPr id="1" name=""/>
+        <p:cNvGrpSpPr/>
+        <p:nvPr/>
+      </p:nvGrpSpPr>
+      <p:grpSpPr>
+        <a:xfrm>
+          <a:off x="0" y="0"/>
+          <a:ext cx="0" cy="0"/>
+          <a:chOff x="0" y="0"/>
+          <a:chExt cx="0" cy="0"/>
+        </a:xfrm>
+      </p:grpSpPr>
+      <p:sp>
+        <p:nvSpPr>
+          <p:cNvPr id="2" name="Title 1"/>
+          <p:cNvSpPr>
+            <a:spLocks noGrp="1"/>
+          </p:cNvSpPr>
+          <p:nvPr>
+            <p:ph type="title"/>
+          </p:nvPr>
+        </p:nvSpPr>
+        <p:spPr/>
+        <p:txBody>
+          <a:bodyPr/>
+          <a:lstStyle/>
+          <a:p>
+            <a:r>
+              <a:rPr lang="en-US" dirty="0" smtClean="0"/>
+              <a:t>Calculating Correlation of Activity, Time, and Location Using Random Forest Regression</a:t>
+            </a:r>
+            <a:endParaRPr lang="en-US" dirty="0"/>
+          </a:p>
+        </p:txBody>
+      </p:sp>
+      <p:sp>
+        <p:nvSpPr>
+          <p:cNvPr id="3" name="Content Placeholder 2"/>
+          <p:cNvSpPr>
+            <a:spLocks noGrp="1"/>
+          </p:cNvSpPr>
+          <p:nvPr>
+            <p:ph idx="1"/>
+          </p:nvPr>
+        </p:nvSpPr>
+        <p:spPr/>
+        <p:txBody>
+          <a:bodyPr/>
+          <a:lstStyle/>
+          <a:p>
+            <a:r>
+              <a:rPr lang="en-US" dirty="0" smtClean="0"/>
+              <a:t>Using a Random Forest Regression model from </a:t>
+            </a:r>
+            <a:r>
+              <a:rPr lang="en-US" dirty="0" err="1" smtClean="0"/>
+              <a:t>sci</a:t>
+            </a:r>
+            <a:r>
+              <a:rPr lang="en-US" dirty="0" smtClean="0"/>
+              <a:t>-kit learn, there is a .3975 accuracy on guessing the activity type</a:t>
+            </a:r>
+          </a:p>
+          <a:p>
+            <a:r>
+              <a:rPr lang="en-US" dirty="0" smtClean="0"/>
+              <a:t>The </a:t>
+            </a:r>
+            <a:r>
+              <a:rPr lang="en-US" dirty="0"/>
+              <a:t>Random Forest Regression</a:t>
+            </a:r>
+            <a:r>
+              <a:rPr lang="en-US" dirty="0" smtClean="0"/>
+              <a:t> model was able to guess correctly the activity of a person given only their timestamp and location 39.75% of the time</a:t>
+            </a:r>
+          </a:p>
+          <a:p>
+            <a:r>
+              <a:rPr lang="en-US" dirty="0" smtClean="0"/>
+              <a:t>Trained on 80% of the data, tested on 20%</a:t>
+            </a:r>
+          </a:p>
+          <a:p>
+            <a:r>
+              <a:rPr lang="en-US" dirty="0" smtClean="0"/>
+              <a:t>Conclusion: There is a positive but weak non-linear correlation between activity type and time/location</a:t>
+            </a:r>
+            <a:endParaRPr lang="en-US" dirty="0"/>
+          </a:p>
+        </p:txBody>
+      </p:sp>
+    </p:spTree>
+    <p:extLst>
+      <p:ext uri="{BB962C8B-B14F-4D97-AF65-F5344CB8AC3E}">
+        <p14:creationId xmlns:p14="http://schemas.microsoft.com/office/powerpoint/2010/main" val="1217655872"/>
+      </p:ext>
+    </p:extLst>
+  </p:cSld>
+  <p:clrMapOvr>
+    <a:masterClrMapping/>
+  </p:clrMapOvr>
+</p:sld>
+</file>
+
+<file path=ppt/slides/slide14.xml><?xml version="1.0" encoding="utf-8"?>
+<p:sld xmlns:a="http://schemas.openxmlformats.org/drawingml/2006/main" xmlns:r="http://schemas.openxmlformats.org/officeDocument/2006/relationships" xmlns:p="http://schemas.openxmlformats.org/presentationml/2006/main">
+  <p:cSld>
+    <p:spTree>
+      <p:nvGrpSpPr>
+        <p:cNvPr id="1" name=""/>
+        <p:cNvGrpSpPr/>
+        <p:nvPr/>
+      </p:nvGrpSpPr>
+      <p:grpSpPr>
+        <a:xfrm>
+          <a:off x="0" y="0"/>
+          <a:ext cx="0" cy="0"/>
+          <a:chOff x="0" y="0"/>
+          <a:chExt cx="0" cy="0"/>
+        </a:xfrm>
+      </p:grpSpPr>
+      <p:sp>
+        <p:nvSpPr>
+          <p:cNvPr id="2" name="Title 1"/>
+          <p:cNvSpPr>
+            <a:spLocks noGrp="1"/>
+          </p:cNvSpPr>
+          <p:nvPr>
+            <p:ph type="title"/>
+          </p:nvPr>
+        </p:nvSpPr>
+        <p:spPr/>
+        <p:txBody>
+          <a:bodyPr/>
+          <a:lstStyle/>
+          <a:p>
+            <a:r>
+              <a:rPr lang="en-US" dirty="0" smtClean="0"/>
+              <a:t>Calculating Correlation of Activity and all Other Data Using Linear Regression	</a:t>
+            </a:r>
+            <a:endParaRPr lang="en-US" dirty="0"/>
+          </a:p>
+        </p:txBody>
+      </p:sp>
+      <p:sp>
+        <p:nvSpPr>
+          <p:cNvPr id="3" name="Content Placeholder 2"/>
+          <p:cNvSpPr>
+            <a:spLocks noGrp="1"/>
+          </p:cNvSpPr>
+          <p:nvPr>
+            <p:ph idx="1"/>
+          </p:nvPr>
+        </p:nvSpPr>
+        <p:spPr>
+          <a:xfrm>
+            <a:off x="838200" y="1802627"/>
+            <a:ext cx="10515600" cy="4351338"/>
+          </a:xfrm>
+        </p:spPr>
+        <p:txBody>
+          <a:bodyPr/>
+          <a:lstStyle/>
+          <a:p>
+            <a:r>
+              <a:rPr lang="en-US" dirty="0" smtClean="0"/>
+              <a:t>Using a linear regression model from </a:t>
+            </a:r>
+            <a:r>
+              <a:rPr lang="en-US" dirty="0" err="1" smtClean="0"/>
+              <a:t>sci</a:t>
+            </a:r>
+            <a:r>
+              <a:rPr lang="en-US" dirty="0" smtClean="0"/>
+              <a:t>-kit learn, there is a 0.016 </a:t>
+            </a:r>
+            <a:r>
+              <a:rPr lang="en-US" dirty="0"/>
+              <a:t>coefficient of </a:t>
+            </a:r>
+            <a:r>
+              <a:rPr lang="en-US" dirty="0" smtClean="0"/>
+              <a:t>determination from all other data to activity type</a:t>
+            </a:r>
+          </a:p>
+          <a:p>
+            <a:r>
+              <a:rPr lang="en-US" dirty="0" smtClean="0"/>
+              <a:t>Worst case = 0, Best case = 1</a:t>
+            </a:r>
+          </a:p>
+          <a:p>
+            <a:r>
+              <a:rPr lang="en-US" dirty="0" smtClean="0"/>
+              <a:t>Conclusion: There is a low linear correlation between activity type and all other data</a:t>
             </a:r>
             <a:endParaRPr lang="en-US" dirty="0"/>
           </a:p>
@@ -6948,7 +7532,7 @@
     </p:spTree>
     <p:extLst>
       <p:ext uri="{BB962C8B-B14F-4D97-AF65-F5344CB8AC3E}">
-        <p14:creationId xmlns:p14="http://schemas.microsoft.com/office/powerpoint/2010/main" val="1819874977"/>
+        <p14:creationId xmlns:p14="http://schemas.microsoft.com/office/powerpoint/2010/main" val="3558646274"/>
       </p:ext>
     </p:extLst>
   </p:cSld>
@@ -6958,7 +7542,7 @@
 </p:sld>
 </file>
 
-<file path=ppt/slides/slide11.xml><?xml version="1.0" encoding="utf-8"?>
+<file path=ppt/slides/slide15.xml><?xml version="1.0" encoding="utf-8"?>
 <p:sld xmlns:a="http://schemas.openxmlformats.org/drawingml/2006/main" xmlns:r="http://schemas.openxmlformats.org/officeDocument/2006/relationships" xmlns:p="http://schemas.openxmlformats.org/presentationml/2006/main">
   <p:cSld>
     <p:spTree>
@@ -6992,7 +7576,7 @@
           <a:p>
             <a:r>
               <a:rPr lang="en-US" dirty="0" smtClean="0"/>
-              <a:t>Calculating Correlation of Activity, Time, and Location Using SVM’s</a:t>
+              <a:t>Calculating Correlation of Activity and all Other Data Using Random Forest Regression	</a:t>
             </a:r>
             <a:endParaRPr lang="en-US" dirty="0"/>
           </a:p>
@@ -7008,22 +7592,19 @@
             <p:ph idx="1"/>
           </p:nvPr>
         </p:nvSpPr>
-        <p:spPr/>
+        <p:spPr>
+          <a:xfrm>
+            <a:off x="838200" y="1802627"/>
+            <a:ext cx="10515600" cy="4351338"/>
+          </a:xfrm>
+        </p:spPr>
         <p:txBody>
           <a:bodyPr/>
           <a:lstStyle/>
           <a:p>
             <a:r>
               <a:rPr lang="en-US" dirty="0" smtClean="0"/>
-              <a:t>Using a Support Vector Machine with </a:t>
-            </a:r>
-            <a:r>
-              <a:rPr lang="en-US" dirty="0" err="1" smtClean="0"/>
-              <a:t>rbf</a:t>
-            </a:r>
-            <a:r>
-              <a:rPr lang="en-US" dirty="0" smtClean="0"/>
-              <a:t> kernel from </a:t>
+              <a:t>Using a random forest regression model from </a:t>
             </a:r>
             <a:r>
               <a:rPr lang="en-US" dirty="0" err="1" smtClean="0"/>
@@ -7031,25 +7612,19 @@
             </a:r>
             <a:r>
               <a:rPr lang="en-US" dirty="0" smtClean="0"/>
-              <a:t>-kit learn, there is a .5 accuracy on guessing the activity type</a:t>
+              <a:t>-kit learn, there is a 0.975 accuracy from all other data to activity type</a:t>
             </a:r>
           </a:p>
           <a:p>
             <a:r>
               <a:rPr lang="en-US" dirty="0" smtClean="0"/>
-              <a:t>Worst case = 0, Best case = 1</a:t>
+              <a:t>Trained with 60% of the data and tested on 40%, guessed correctly the activity type 97.5% of the time given phone data</a:t>
             </a:r>
           </a:p>
           <a:p>
             <a:r>
               <a:rPr lang="en-US" dirty="0" smtClean="0"/>
-              <a:t>The SVM model was able to guess correctly the activity of a person given only their timestamp and location 50% of the time</a:t>
-            </a:r>
-          </a:p>
-          <a:p>
-            <a:r>
-              <a:rPr lang="en-US" dirty="0" smtClean="0"/>
-              <a:t>Conclusion: There is a positive non-linear correlation between activity type and time/location</a:t>
+              <a:t>Conclusion: There is a very strong positive correlation between activity type and all other data</a:t>
             </a:r>
             <a:endParaRPr lang="en-US" dirty="0"/>
           </a:p>
@@ -7058,7 +7633,7 @@
     </p:spTree>
     <p:extLst>
       <p:ext uri="{BB962C8B-B14F-4D97-AF65-F5344CB8AC3E}">
-        <p14:creationId xmlns:p14="http://schemas.microsoft.com/office/powerpoint/2010/main" val="3573564160"/>
+        <p14:creationId xmlns:p14="http://schemas.microsoft.com/office/powerpoint/2010/main" val="2559239204"/>
       </p:ext>
     </p:extLst>
   </p:cSld>
@@ -7068,7 +7643,7 @@
 </p:sld>
 </file>
 
-<file path=ppt/slides/slide12.xml><?xml version="1.0" encoding="utf-8"?>
+<file path=ppt/slides/slide16.xml><?xml version="1.0" encoding="utf-8"?>
 <p:sld xmlns:a="http://schemas.openxmlformats.org/drawingml/2006/main" xmlns:r="http://schemas.openxmlformats.org/officeDocument/2006/relationships" xmlns:p="http://schemas.openxmlformats.org/presentationml/2006/main">
   <p:cSld>
     <p:spTree>
@@ -7102,7 +7677,7 @@
           <a:p>
             <a:r>
               <a:rPr lang="en-US" dirty="0" smtClean="0"/>
-              <a:t>Calculating Correlation of Activity, Time, and Location Using Random Forest Regression</a:t>
+              <a:t>SVM (Support Vector Machine) Overview</a:t>
             </a:r>
             <a:endParaRPr lang="en-US" dirty="0"/>
           </a:p>
@@ -7125,41 +7700,13 @@
           <a:p>
             <a:r>
               <a:rPr lang="en-US" dirty="0" smtClean="0"/>
-              <a:t>Using a Random Forest Regression model from </a:t>
-            </a:r>
-            <a:r>
-              <a:rPr lang="en-US" dirty="0" err="1" smtClean="0"/>
-              <a:t>sci</a:t>
-            </a:r>
+              <a:t>SVM’s work by sorting data into classes that are as different as possible</a:t>
+            </a:r>
+          </a:p>
+          <a:p>
             <a:r>
               <a:rPr lang="en-US" dirty="0" smtClean="0"/>
-              <a:t>-kit learn, there is a .3975 accuracy on guessing the activity type</a:t>
-            </a:r>
-          </a:p>
-          <a:p>
-            <a:r>
-              <a:rPr lang="en-US" dirty="0" smtClean="0"/>
-              <a:t>The </a:t>
-            </a:r>
-            <a:r>
-              <a:rPr lang="en-US" dirty="0"/>
-              <a:t>Random Forest Regression</a:t>
-            </a:r>
-            <a:r>
-              <a:rPr lang="en-US" dirty="0" smtClean="0"/>
-              <a:t> model was able to guess correctly the activity of a person given only their timestamp and location 39.75% of the time</a:t>
-            </a:r>
-          </a:p>
-          <a:p>
-            <a:r>
-              <a:rPr lang="en-US" dirty="0" smtClean="0"/>
-              <a:t>Trained on 80% of the data, tested on 20%</a:t>
-            </a:r>
-          </a:p>
-          <a:p>
-            <a:r>
-              <a:rPr lang="en-US" dirty="0" smtClean="0"/>
-              <a:t>Conclusion: There is a positive but weak non-linear correlation between activity type and time/location</a:t>
+              <a:t>Maps to a higher dimension to find differences in the data</a:t>
             </a:r>
             <a:endParaRPr lang="en-US" dirty="0"/>
           </a:p>
@@ -7168,7 +7715,7 @@
     </p:spTree>
     <p:extLst>
       <p:ext uri="{BB962C8B-B14F-4D97-AF65-F5344CB8AC3E}">
-        <p14:creationId xmlns:p14="http://schemas.microsoft.com/office/powerpoint/2010/main" val="1217655872"/>
+        <p14:creationId xmlns:p14="http://schemas.microsoft.com/office/powerpoint/2010/main" val="380654821"/>
       </p:ext>
     </p:extLst>
   </p:cSld>
@@ -7178,7 +7725,870 @@
 </p:sld>
 </file>
 
-<file path=ppt/slides/slide13.xml><?xml version="1.0" encoding="utf-8"?>
+<file path=ppt/slides/slide17.xml><?xml version="1.0" encoding="utf-8"?>
+<p:sld xmlns:a="http://schemas.openxmlformats.org/drawingml/2006/main" xmlns:r="http://schemas.openxmlformats.org/officeDocument/2006/relationships" xmlns:p="http://schemas.openxmlformats.org/presentationml/2006/main">
+  <p:cSld>
+    <p:spTree>
+      <p:nvGrpSpPr>
+        <p:cNvPr id="1" name=""/>
+        <p:cNvGrpSpPr/>
+        <p:nvPr/>
+      </p:nvGrpSpPr>
+      <p:grpSpPr>
+        <a:xfrm>
+          <a:off x="0" y="0"/>
+          <a:ext cx="0" cy="0"/>
+          <a:chOff x="0" y="0"/>
+          <a:chExt cx="0" cy="0"/>
+        </a:xfrm>
+      </p:grpSpPr>
+      <p:sp>
+        <p:nvSpPr>
+          <p:cNvPr id="2" name="Title 1"/>
+          <p:cNvSpPr>
+            <a:spLocks noGrp="1"/>
+          </p:cNvSpPr>
+          <p:nvPr>
+            <p:ph type="title"/>
+          </p:nvPr>
+        </p:nvSpPr>
+        <p:spPr/>
+        <p:txBody>
+          <a:bodyPr/>
+          <a:lstStyle/>
+          <a:p>
+            <a:r>
+              <a:rPr lang="en-US" dirty="0" smtClean="0"/>
+              <a:t>Calculating Correlation of Activity, Time, and Location Using SVM’s</a:t>
+            </a:r>
+            <a:endParaRPr lang="en-US" dirty="0"/>
+          </a:p>
+        </p:txBody>
+      </p:sp>
+      <p:sp>
+        <p:nvSpPr>
+          <p:cNvPr id="3" name="Content Placeholder 2"/>
+          <p:cNvSpPr>
+            <a:spLocks noGrp="1"/>
+          </p:cNvSpPr>
+          <p:nvPr>
+            <p:ph idx="1"/>
+          </p:nvPr>
+        </p:nvSpPr>
+        <p:spPr/>
+        <p:txBody>
+          <a:bodyPr/>
+          <a:lstStyle/>
+          <a:p>
+            <a:r>
+              <a:rPr lang="en-US" dirty="0" smtClean="0"/>
+              <a:t>Using a Support Vector Machine with </a:t>
+            </a:r>
+            <a:r>
+              <a:rPr lang="en-US" dirty="0" err="1" smtClean="0"/>
+              <a:t>rbf</a:t>
+            </a:r>
+            <a:r>
+              <a:rPr lang="en-US" dirty="0" smtClean="0"/>
+              <a:t> kernel from </a:t>
+            </a:r>
+            <a:r>
+              <a:rPr lang="en-US" dirty="0" err="1" smtClean="0"/>
+              <a:t>sci</a:t>
+            </a:r>
+            <a:r>
+              <a:rPr lang="en-US" dirty="0" smtClean="0"/>
+              <a:t>-kit learn, there is a .5 accuracy on guessing the activity type</a:t>
+            </a:r>
+          </a:p>
+          <a:p>
+            <a:r>
+              <a:rPr lang="en-US" dirty="0" smtClean="0"/>
+              <a:t>Worst case = 0, Best case = 1</a:t>
+            </a:r>
+          </a:p>
+          <a:p>
+            <a:r>
+              <a:rPr lang="en-US" dirty="0" smtClean="0"/>
+              <a:t>The SVM model was able to guess correctly the activity of a person given only their timestamp and location 50% of the time</a:t>
+            </a:r>
+          </a:p>
+          <a:p>
+            <a:r>
+              <a:rPr lang="en-US" dirty="0" smtClean="0"/>
+              <a:t>Conclusion: There is a positive non-linear correlation between activity type and time/location</a:t>
+            </a:r>
+            <a:endParaRPr lang="en-US" dirty="0"/>
+          </a:p>
+        </p:txBody>
+      </p:sp>
+    </p:spTree>
+    <p:extLst>
+      <p:ext uri="{BB962C8B-B14F-4D97-AF65-F5344CB8AC3E}">
+        <p14:creationId xmlns:p14="http://schemas.microsoft.com/office/powerpoint/2010/main" val="3573564160"/>
+      </p:ext>
+    </p:extLst>
+  </p:cSld>
+  <p:clrMapOvr>
+    <a:masterClrMapping/>
+  </p:clrMapOvr>
+</p:sld>
+</file>
+
+<file path=ppt/slides/slide2.xml><?xml version="1.0" encoding="utf-8"?>
+<p:sld xmlns:a="http://schemas.openxmlformats.org/drawingml/2006/main" xmlns:r="http://schemas.openxmlformats.org/officeDocument/2006/relationships" xmlns:p="http://schemas.openxmlformats.org/presentationml/2006/main">
+  <p:cSld>
+    <p:spTree>
+      <p:nvGrpSpPr>
+        <p:cNvPr id="1" name=""/>
+        <p:cNvGrpSpPr/>
+        <p:nvPr/>
+      </p:nvGrpSpPr>
+      <p:grpSpPr>
+        <a:xfrm>
+          <a:off x="0" y="0"/>
+          <a:ext cx="0" cy="0"/>
+          <a:chOff x="0" y="0"/>
+          <a:chExt cx="0" cy="0"/>
+        </a:xfrm>
+      </p:grpSpPr>
+      <p:sp>
+        <p:nvSpPr>
+          <p:cNvPr id="2" name="Title 1"/>
+          <p:cNvSpPr>
+            <a:spLocks noGrp="1"/>
+          </p:cNvSpPr>
+          <p:nvPr>
+            <p:ph type="title"/>
+          </p:nvPr>
+        </p:nvSpPr>
+        <p:spPr/>
+        <p:txBody>
+          <a:bodyPr/>
+          <a:lstStyle/>
+          <a:p>
+            <a:r>
+              <a:rPr lang="en-US" dirty="0" smtClean="0"/>
+              <a:t>Data Analysis Techniques	</a:t>
+            </a:r>
+            <a:endParaRPr lang="en-US" dirty="0"/>
+          </a:p>
+        </p:txBody>
+      </p:sp>
+      <p:sp>
+        <p:nvSpPr>
+          <p:cNvPr id="3" name="Content Placeholder 2"/>
+          <p:cNvSpPr>
+            <a:spLocks noGrp="1"/>
+          </p:cNvSpPr>
+          <p:nvPr>
+            <p:ph idx="1"/>
+          </p:nvPr>
+        </p:nvSpPr>
+        <p:spPr/>
+        <p:txBody>
+          <a:bodyPr/>
+          <a:lstStyle/>
+          <a:p>
+            <a:r>
+              <a:rPr lang="en-US" dirty="0" smtClean="0"/>
+              <a:t>Used custom Python script created by McNichols, Ramos, and Enid</a:t>
+            </a:r>
+          </a:p>
+          <a:p>
+            <a:r>
+              <a:rPr lang="en-US" dirty="0" smtClean="0"/>
+              <a:t>Calculated GPS location of each suspect using phone bearing and </a:t>
+            </a:r>
+            <a:r>
+              <a:rPr lang="en-US" dirty="0" err="1" smtClean="0"/>
+              <a:t>lat</a:t>
+            </a:r>
+            <a:r>
+              <a:rPr lang="en-US" dirty="0" smtClean="0"/>
+              <a:t>/long changes over time</a:t>
+            </a:r>
+          </a:p>
+          <a:p>
+            <a:r>
+              <a:rPr lang="en-US" dirty="0" smtClean="0"/>
+              <a:t>Grabbed any users that had locations overlapping by 250m or less at the same hour</a:t>
+            </a:r>
+            <a:endParaRPr lang="en-US" dirty="0"/>
+          </a:p>
+        </p:txBody>
+      </p:sp>
+      <p:graphicFrame>
+        <p:nvGraphicFramePr>
+          <p:cNvPr id="4" name="Diagram 3"/>
+          <p:cNvGraphicFramePr/>
+          <p:nvPr>
+            <p:extLst>
+              <p:ext uri="{D42A27DB-BD31-4B8C-83A1-F6EECF244321}">
+                <p14:modId xmlns:p14="http://schemas.microsoft.com/office/powerpoint/2010/main" val="2753938239"/>
+              </p:ext>
+            </p:extLst>
+          </p:nvPr>
+        </p:nvGraphicFramePr>
+        <p:xfrm>
+          <a:off x="838200" y="2737651"/>
+          <a:ext cx="10361829" cy="5418667"/>
+        </p:xfrm>
+        <a:graphic>
+          <a:graphicData uri="http://schemas.openxmlformats.org/drawingml/2006/diagram">
+            <dgm:relIds xmlns:dgm="http://schemas.openxmlformats.org/drawingml/2006/diagram" xmlns:r="http://schemas.openxmlformats.org/officeDocument/2006/relationships" r:dm="rId2" r:lo="rId3" r:qs="rId4" r:cs="rId5"/>
+          </a:graphicData>
+        </a:graphic>
+      </p:graphicFrame>
+    </p:spTree>
+    <p:extLst>
+      <p:ext uri="{BB962C8B-B14F-4D97-AF65-F5344CB8AC3E}">
+        <p14:creationId xmlns:p14="http://schemas.microsoft.com/office/powerpoint/2010/main" val="1724640030"/>
+      </p:ext>
+    </p:extLst>
+  </p:cSld>
+  <p:clrMapOvr>
+    <a:masterClrMapping/>
+  </p:clrMapOvr>
+</p:sld>
+</file>
+
+<file path=ppt/slides/slide3.xml><?xml version="1.0" encoding="utf-8"?>
+<p:sld xmlns:a="http://schemas.openxmlformats.org/drawingml/2006/main" xmlns:r="http://schemas.openxmlformats.org/officeDocument/2006/relationships" xmlns:p="http://schemas.openxmlformats.org/presentationml/2006/main">
+  <p:cSld>
+    <p:spTree>
+      <p:nvGrpSpPr>
+        <p:cNvPr id="1" name=""/>
+        <p:cNvGrpSpPr/>
+        <p:nvPr/>
+      </p:nvGrpSpPr>
+      <p:grpSpPr>
+        <a:xfrm>
+          <a:off x="0" y="0"/>
+          <a:ext cx="0" cy="0"/>
+          <a:chOff x="0" y="0"/>
+          <a:chExt cx="0" cy="0"/>
+        </a:xfrm>
+      </p:grpSpPr>
+      <p:sp>
+        <p:nvSpPr>
+          <p:cNvPr id="2" name="Title 1"/>
+          <p:cNvSpPr>
+            <a:spLocks noGrp="1"/>
+          </p:cNvSpPr>
+          <p:nvPr>
+            <p:ph type="title"/>
+          </p:nvPr>
+        </p:nvSpPr>
+        <p:spPr>
+          <a:xfrm>
+            <a:off x="839788" y="107476"/>
+            <a:ext cx="3932237" cy="1600200"/>
+          </a:xfrm>
+        </p:spPr>
+        <p:txBody>
+          <a:bodyPr/>
+          <a:lstStyle/>
+          <a:p>
+            <a:r>
+              <a:rPr lang="en-US" dirty="0" smtClean="0"/>
+              <a:t>Suspects ID 8 and 13</a:t>
+            </a:r>
+            <a:endParaRPr lang="en-US" dirty="0"/>
+          </a:p>
+        </p:txBody>
+      </p:sp>
+      <p:sp>
+        <p:nvSpPr>
+          <p:cNvPr id="4" name="Text Placeholder 3"/>
+          <p:cNvSpPr>
+            <a:spLocks noGrp="1"/>
+          </p:cNvSpPr>
+          <p:nvPr>
+            <p:ph type="body" sz="half" idx="2"/>
+          </p:nvPr>
+        </p:nvSpPr>
+        <p:spPr>
+          <a:xfrm>
+            <a:off x="839787" y="1707676"/>
+            <a:ext cx="3932237" cy="3811588"/>
+          </a:xfrm>
+        </p:spPr>
+        <p:txBody>
+          <a:bodyPr/>
+          <a:lstStyle/>
+          <a:p>
+            <a:r>
+              <a:rPr lang="en-US" dirty="0" smtClean="0"/>
+              <a:t>241.16530843870947 meters away from each other at 2pm on 12/13</a:t>
+            </a:r>
+          </a:p>
+          <a:p>
+            <a:endParaRPr lang="en-US" dirty="0"/>
+          </a:p>
+        </p:txBody>
+      </p:sp>
+      <p:pic>
+        <p:nvPicPr>
+          <p:cNvPr id="7" name="Picture 6"/>
+          <p:cNvPicPr>
+            <a:picLocks noChangeAspect="1"/>
+          </p:cNvPicPr>
+          <p:nvPr/>
+        </p:nvPicPr>
+        <p:blipFill>
+          <a:blip r:embed="rId2"/>
+          <a:stretch>
+            <a:fillRect/>
+          </a:stretch>
+        </p:blipFill>
+        <p:spPr>
+          <a:xfrm>
+            <a:off x="5822776" y="1299025"/>
+            <a:ext cx="5397390" cy="4965296"/>
+          </a:xfrm>
+          <a:prstGeom prst="rect">
+            <a:avLst/>
+          </a:prstGeom>
+        </p:spPr>
+      </p:pic>
+      <p:pic>
+        <p:nvPicPr>
+          <p:cNvPr id="8" name="Picture 7"/>
+          <p:cNvPicPr>
+            <a:picLocks noChangeAspect="1"/>
+          </p:cNvPicPr>
+          <p:nvPr/>
+        </p:nvPicPr>
+        <p:blipFill>
+          <a:blip r:embed="rId3"/>
+          <a:stretch>
+            <a:fillRect/>
+          </a:stretch>
+        </p:blipFill>
+        <p:spPr>
+          <a:xfrm>
+            <a:off x="839786" y="2167791"/>
+            <a:ext cx="4554123" cy="4560555"/>
+          </a:xfrm>
+          <a:prstGeom prst="rect">
+            <a:avLst/>
+          </a:prstGeom>
+        </p:spPr>
+      </p:pic>
+    </p:spTree>
+    <p:extLst>
+      <p:ext uri="{BB962C8B-B14F-4D97-AF65-F5344CB8AC3E}">
+        <p14:creationId xmlns:p14="http://schemas.microsoft.com/office/powerpoint/2010/main" val="2533820200"/>
+      </p:ext>
+    </p:extLst>
+  </p:cSld>
+  <p:clrMapOvr>
+    <a:masterClrMapping/>
+  </p:clrMapOvr>
+</p:sld>
+</file>
+
+<file path=ppt/slides/slide4.xml><?xml version="1.0" encoding="utf-8"?>
+<p:sld xmlns:a="http://schemas.openxmlformats.org/drawingml/2006/main" xmlns:r="http://schemas.openxmlformats.org/officeDocument/2006/relationships" xmlns:p="http://schemas.openxmlformats.org/presentationml/2006/main">
+  <p:cSld>
+    <p:spTree>
+      <p:nvGrpSpPr>
+        <p:cNvPr id="1" name=""/>
+        <p:cNvGrpSpPr/>
+        <p:nvPr/>
+      </p:nvGrpSpPr>
+      <p:grpSpPr>
+        <a:xfrm>
+          <a:off x="0" y="0"/>
+          <a:ext cx="0" cy="0"/>
+          <a:chOff x="0" y="0"/>
+          <a:chExt cx="0" cy="0"/>
+        </a:xfrm>
+      </p:grpSpPr>
+      <p:sp>
+        <p:nvSpPr>
+          <p:cNvPr id="2" name="Title 1"/>
+          <p:cNvSpPr>
+            <a:spLocks noGrp="1"/>
+          </p:cNvSpPr>
+          <p:nvPr>
+            <p:ph type="title"/>
+          </p:nvPr>
+        </p:nvSpPr>
+        <p:spPr>
+          <a:xfrm>
+            <a:off x="839788" y="121124"/>
+            <a:ext cx="3932237" cy="1600200"/>
+          </a:xfrm>
+        </p:spPr>
+        <p:txBody>
+          <a:bodyPr/>
+          <a:lstStyle/>
+          <a:p>
+            <a:r>
+              <a:rPr lang="en-US" dirty="0" smtClean="0"/>
+              <a:t>Suspects ID 3 and 13</a:t>
+            </a:r>
+            <a:endParaRPr lang="en-US" dirty="0"/>
+          </a:p>
+        </p:txBody>
+      </p:sp>
+      <p:sp>
+        <p:nvSpPr>
+          <p:cNvPr id="4" name="Text Placeholder 3"/>
+          <p:cNvSpPr>
+            <a:spLocks noGrp="1"/>
+          </p:cNvSpPr>
+          <p:nvPr>
+            <p:ph type="body" sz="half" idx="2"/>
+          </p:nvPr>
+        </p:nvSpPr>
+        <p:spPr>
+          <a:xfrm>
+            <a:off x="839788" y="1721324"/>
+            <a:ext cx="3932237" cy="3811588"/>
+          </a:xfrm>
+        </p:spPr>
+        <p:txBody>
+          <a:bodyPr/>
+          <a:lstStyle/>
+          <a:p>
+            <a:r>
+              <a:rPr lang="en-US" dirty="0" smtClean="0"/>
+              <a:t>168.41657051367866 meters away from each other at 4pm on 12/13</a:t>
+            </a:r>
+            <a:endParaRPr lang="en-US" dirty="0"/>
+          </a:p>
+        </p:txBody>
+      </p:sp>
+      <p:pic>
+        <p:nvPicPr>
+          <p:cNvPr id="7" name="Picture 6"/>
+          <p:cNvPicPr>
+            <a:picLocks noChangeAspect="1"/>
+          </p:cNvPicPr>
+          <p:nvPr/>
+        </p:nvPicPr>
+        <p:blipFill>
+          <a:blip r:embed="rId2"/>
+          <a:stretch>
+            <a:fillRect/>
+          </a:stretch>
+        </p:blipFill>
+        <p:spPr>
+          <a:xfrm>
+            <a:off x="839788" y="2306471"/>
+            <a:ext cx="4201586" cy="4148920"/>
+          </a:xfrm>
+          <a:prstGeom prst="rect">
+            <a:avLst/>
+          </a:prstGeom>
+        </p:spPr>
+      </p:pic>
+      <p:pic>
+        <p:nvPicPr>
+          <p:cNvPr id="8" name="Picture 7"/>
+          <p:cNvPicPr>
+            <a:picLocks noChangeAspect="1"/>
+          </p:cNvPicPr>
+          <p:nvPr/>
+        </p:nvPicPr>
+        <p:blipFill>
+          <a:blip r:embed="rId3"/>
+          <a:stretch>
+            <a:fillRect/>
+          </a:stretch>
+        </p:blipFill>
+        <p:spPr>
+          <a:xfrm>
+            <a:off x="5858054" y="1610436"/>
+            <a:ext cx="5266577" cy="4844955"/>
+          </a:xfrm>
+          <a:prstGeom prst="rect">
+            <a:avLst/>
+          </a:prstGeom>
+        </p:spPr>
+      </p:pic>
+    </p:spTree>
+    <p:extLst>
+      <p:ext uri="{BB962C8B-B14F-4D97-AF65-F5344CB8AC3E}">
+        <p14:creationId xmlns:p14="http://schemas.microsoft.com/office/powerpoint/2010/main" val="1440575213"/>
+      </p:ext>
+    </p:extLst>
+  </p:cSld>
+  <p:clrMapOvr>
+    <a:masterClrMapping/>
+  </p:clrMapOvr>
+</p:sld>
+</file>
+
+<file path=ppt/slides/slide5.xml><?xml version="1.0" encoding="utf-8"?>
+<p:sld xmlns:a="http://schemas.openxmlformats.org/drawingml/2006/main" xmlns:r="http://schemas.openxmlformats.org/officeDocument/2006/relationships" xmlns:p="http://schemas.openxmlformats.org/presentationml/2006/main">
+  <p:cSld>
+    <p:spTree>
+      <p:nvGrpSpPr>
+        <p:cNvPr id="1" name=""/>
+        <p:cNvGrpSpPr/>
+        <p:nvPr/>
+      </p:nvGrpSpPr>
+      <p:grpSpPr>
+        <a:xfrm>
+          <a:off x="0" y="0"/>
+          <a:ext cx="0" cy="0"/>
+          <a:chOff x="0" y="0"/>
+          <a:chExt cx="0" cy="0"/>
+        </a:xfrm>
+      </p:grpSpPr>
+      <p:sp>
+        <p:nvSpPr>
+          <p:cNvPr id="11" name="Title 10"/>
+          <p:cNvSpPr>
+            <a:spLocks noGrp="1"/>
+          </p:cNvSpPr>
+          <p:nvPr>
+            <p:ph type="title"/>
+          </p:nvPr>
+        </p:nvSpPr>
+        <p:spPr>
+          <a:xfrm>
+            <a:off x="839788" y="0"/>
+            <a:ext cx="3932237" cy="1600200"/>
+          </a:xfrm>
+        </p:spPr>
+        <p:txBody>
+          <a:bodyPr/>
+          <a:lstStyle/>
+          <a:p>
+            <a:r>
+              <a:rPr lang="en-US" dirty="0" smtClean="0"/>
+              <a:t>Suspects ID 12 and 18</a:t>
+            </a:r>
+            <a:endParaRPr lang="en-US" dirty="0"/>
+          </a:p>
+        </p:txBody>
+      </p:sp>
+      <p:sp>
+        <p:nvSpPr>
+          <p:cNvPr id="12" name="Text Placeholder 11"/>
+          <p:cNvSpPr>
+            <a:spLocks noGrp="1"/>
+          </p:cNvSpPr>
+          <p:nvPr>
+            <p:ph type="body" sz="half" idx="2"/>
+          </p:nvPr>
+        </p:nvSpPr>
+        <p:spPr>
+          <a:xfrm>
+            <a:off x="839788" y="1600200"/>
+            <a:ext cx="3932237" cy="3811588"/>
+          </a:xfrm>
+        </p:spPr>
+        <p:txBody>
+          <a:bodyPr/>
+          <a:lstStyle/>
+          <a:p>
+            <a:r>
+              <a:rPr lang="en-US" dirty="0" smtClean="0"/>
+              <a:t>107.38879720503698 meters away from each other at 9pm on 12/12</a:t>
+            </a:r>
+          </a:p>
+        </p:txBody>
+      </p:sp>
+      <p:pic>
+        <p:nvPicPr>
+          <p:cNvPr id="3" name="Picture 2"/>
+          <p:cNvPicPr>
+            <a:picLocks noChangeAspect="1"/>
+          </p:cNvPicPr>
+          <p:nvPr/>
+        </p:nvPicPr>
+        <p:blipFill>
+          <a:blip r:embed="rId2"/>
+          <a:stretch>
+            <a:fillRect/>
+          </a:stretch>
+        </p:blipFill>
+        <p:spPr>
+          <a:xfrm>
+            <a:off x="6196097" y="1269241"/>
+            <a:ext cx="5392558" cy="5119901"/>
+          </a:xfrm>
+          <a:prstGeom prst="rect">
+            <a:avLst/>
+          </a:prstGeom>
+        </p:spPr>
+      </p:pic>
+      <p:pic>
+        <p:nvPicPr>
+          <p:cNvPr id="4" name="Picture 3"/>
+          <p:cNvPicPr>
+            <a:picLocks noChangeAspect="1"/>
+          </p:cNvPicPr>
+          <p:nvPr/>
+        </p:nvPicPr>
+        <p:blipFill>
+          <a:blip r:embed="rId3"/>
+          <a:stretch>
+            <a:fillRect/>
+          </a:stretch>
+        </p:blipFill>
+        <p:spPr>
+          <a:xfrm>
+            <a:off x="824468" y="2042473"/>
+            <a:ext cx="4539101" cy="4539101"/>
+          </a:xfrm>
+          <a:prstGeom prst="rect">
+            <a:avLst/>
+          </a:prstGeom>
+        </p:spPr>
+      </p:pic>
+    </p:spTree>
+    <p:extLst>
+      <p:ext uri="{BB962C8B-B14F-4D97-AF65-F5344CB8AC3E}">
+        <p14:creationId xmlns:p14="http://schemas.microsoft.com/office/powerpoint/2010/main" val="3292523917"/>
+      </p:ext>
+    </p:extLst>
+  </p:cSld>
+  <p:clrMapOvr>
+    <a:masterClrMapping/>
+  </p:clrMapOvr>
+</p:sld>
+</file>
+
+<file path=ppt/slides/slide6.xml><?xml version="1.0" encoding="utf-8"?>
+<p:sld xmlns:a="http://schemas.openxmlformats.org/drawingml/2006/main" xmlns:r="http://schemas.openxmlformats.org/officeDocument/2006/relationships" xmlns:p="http://schemas.openxmlformats.org/presentationml/2006/main">
+  <p:cSld>
+    <p:spTree>
+      <p:nvGrpSpPr>
+        <p:cNvPr id="1" name=""/>
+        <p:cNvGrpSpPr/>
+        <p:nvPr/>
+      </p:nvGrpSpPr>
+      <p:grpSpPr>
+        <a:xfrm>
+          <a:off x="0" y="0"/>
+          <a:ext cx="0" cy="0"/>
+          <a:chOff x="0" y="0"/>
+          <a:chExt cx="0" cy="0"/>
+        </a:xfrm>
+      </p:grpSpPr>
+      <p:sp>
+        <p:nvSpPr>
+          <p:cNvPr id="2" name="Title 1"/>
+          <p:cNvSpPr>
+            <a:spLocks noGrp="1"/>
+          </p:cNvSpPr>
+          <p:nvPr>
+            <p:ph type="title"/>
+          </p:nvPr>
+        </p:nvSpPr>
+        <p:spPr/>
+        <p:txBody>
+          <a:bodyPr/>
+          <a:lstStyle/>
+          <a:p>
+            <a:r>
+              <a:rPr lang="en-US" dirty="0" smtClean="0"/>
+              <a:t>Dimensionality Reduction Overview</a:t>
+            </a:r>
+            <a:endParaRPr lang="en-US" dirty="0"/>
+          </a:p>
+        </p:txBody>
+      </p:sp>
+      <p:sp>
+        <p:nvSpPr>
+          <p:cNvPr id="3" name="Content Placeholder 2"/>
+          <p:cNvSpPr>
+            <a:spLocks noGrp="1"/>
+          </p:cNvSpPr>
+          <p:nvPr>
+            <p:ph idx="1"/>
+          </p:nvPr>
+        </p:nvSpPr>
+        <p:spPr>
+          <a:xfrm>
+            <a:off x="838200" y="1825625"/>
+            <a:ext cx="10515600" cy="4657062"/>
+          </a:xfrm>
+        </p:spPr>
+        <p:txBody>
+          <a:bodyPr>
+            <a:normAutofit/>
+          </a:bodyPr>
+          <a:lstStyle/>
+          <a:p>
+            <a:r>
+              <a:rPr lang="en-US" dirty="0" smtClean="0"/>
+              <a:t>Uses statistics to get rid of dimensions in data, like turning a plane into a line or a line into a point</a:t>
+            </a:r>
+          </a:p>
+          <a:p>
+            <a:r>
+              <a:rPr lang="en-US" dirty="0" smtClean="0"/>
+              <a:t>Allows us to see the data displayed on a 2d or 3d plot even if it’s more than 3d data (like we have)</a:t>
+            </a:r>
+          </a:p>
+          <a:p>
+            <a:r>
+              <a:rPr lang="en-US" dirty="0" smtClean="0"/>
+              <a:t>If there are distinct differences between different types of data (like walking, driving, etc.) they will cluster together</a:t>
+            </a:r>
+          </a:p>
+          <a:p>
+            <a:r>
+              <a:rPr lang="en-US" dirty="0" smtClean="0"/>
+              <a:t>Increasing dimensions can help cluster better until there are too many dimensions for the number of classes</a:t>
+            </a:r>
+          </a:p>
+          <a:p>
+            <a:r>
+              <a:rPr lang="en-US" dirty="0" smtClean="0"/>
+              <a:t>A nice way to see if there is a correlation between the data and types of activity</a:t>
+            </a:r>
+            <a:endParaRPr lang="en-US" dirty="0"/>
+          </a:p>
+        </p:txBody>
+      </p:sp>
+    </p:spTree>
+    <p:extLst>
+      <p:ext uri="{BB962C8B-B14F-4D97-AF65-F5344CB8AC3E}">
+        <p14:creationId xmlns:p14="http://schemas.microsoft.com/office/powerpoint/2010/main" val="1047510381"/>
+      </p:ext>
+    </p:extLst>
+  </p:cSld>
+  <p:clrMapOvr>
+    <a:masterClrMapping/>
+  </p:clrMapOvr>
+</p:sld>
+</file>
+
+<file path=ppt/slides/slide7.xml><?xml version="1.0" encoding="utf-8"?>
+<p:sld xmlns:a="http://schemas.openxmlformats.org/drawingml/2006/main" xmlns:r="http://schemas.openxmlformats.org/officeDocument/2006/relationships" xmlns:p="http://schemas.openxmlformats.org/presentationml/2006/main">
+  <p:cSld>
+    <p:spTree>
+      <p:nvGrpSpPr>
+        <p:cNvPr id="1" name=""/>
+        <p:cNvGrpSpPr/>
+        <p:nvPr/>
+      </p:nvGrpSpPr>
+      <p:grpSpPr>
+        <a:xfrm>
+          <a:off x="0" y="0"/>
+          <a:ext cx="0" cy="0"/>
+          <a:chOff x="0" y="0"/>
+          <a:chExt cx="0" cy="0"/>
+        </a:xfrm>
+      </p:grpSpPr>
+      <p:sp>
+        <p:nvSpPr>
+          <p:cNvPr id="2" name="Title 1"/>
+          <p:cNvSpPr>
+            <a:spLocks noGrp="1"/>
+          </p:cNvSpPr>
+          <p:nvPr>
+            <p:ph type="title"/>
+          </p:nvPr>
+        </p:nvSpPr>
+        <p:spPr/>
+        <p:txBody>
+          <a:bodyPr/>
+          <a:lstStyle/>
+          <a:p>
+            <a:r>
+              <a:rPr lang="en-US" dirty="0" smtClean="0"/>
+              <a:t>Dimensionality Reduction on Location/Time</a:t>
+            </a:r>
+            <a:endParaRPr lang="en-US" dirty="0"/>
+          </a:p>
+        </p:txBody>
+      </p:sp>
+      <p:pic>
+        <p:nvPicPr>
+          <p:cNvPr id="4" name="Picture 3"/>
+          <p:cNvPicPr>
+            <a:picLocks noChangeAspect="1"/>
+          </p:cNvPicPr>
+          <p:nvPr/>
+        </p:nvPicPr>
+        <p:blipFill>
+          <a:blip r:embed="rId2"/>
+          <a:stretch>
+            <a:fillRect/>
+          </a:stretch>
+        </p:blipFill>
+        <p:spPr>
+          <a:xfrm>
+            <a:off x="606188" y="2112228"/>
+            <a:ext cx="5692353" cy="4465993"/>
+          </a:xfrm>
+          <a:prstGeom prst="rect">
+            <a:avLst/>
+          </a:prstGeom>
+        </p:spPr>
+      </p:pic>
+      <p:pic>
+        <p:nvPicPr>
+          <p:cNvPr id="5" name="Picture 4"/>
+          <p:cNvPicPr>
+            <a:picLocks noChangeAspect="1"/>
+          </p:cNvPicPr>
+          <p:nvPr/>
+        </p:nvPicPr>
+        <p:blipFill>
+          <a:blip r:embed="rId3"/>
+          <a:stretch>
+            <a:fillRect/>
+          </a:stretch>
+        </p:blipFill>
+        <p:spPr>
+          <a:xfrm>
+            <a:off x="6568269" y="1690688"/>
+            <a:ext cx="5102383" cy="4712434"/>
+          </a:xfrm>
+          <a:prstGeom prst="rect">
+            <a:avLst/>
+          </a:prstGeom>
+        </p:spPr>
+      </p:pic>
+      <p:pic>
+        <p:nvPicPr>
+          <p:cNvPr id="6" name="Picture 5"/>
+          <p:cNvPicPr>
+            <a:picLocks noChangeAspect="1"/>
+          </p:cNvPicPr>
+          <p:nvPr/>
+        </p:nvPicPr>
+        <p:blipFill>
+          <a:blip r:embed="rId4"/>
+          <a:stretch>
+            <a:fillRect/>
+          </a:stretch>
+        </p:blipFill>
+        <p:spPr>
+          <a:xfrm>
+            <a:off x="6674109" y="2565447"/>
+            <a:ext cx="2251525" cy="3559553"/>
+          </a:xfrm>
+          <a:prstGeom prst="rect">
+            <a:avLst/>
+          </a:prstGeom>
+        </p:spPr>
+      </p:pic>
+    </p:spTree>
+    <p:extLst>
+      <p:ext uri="{BB962C8B-B14F-4D97-AF65-F5344CB8AC3E}">
+        <p14:creationId xmlns:p14="http://schemas.microsoft.com/office/powerpoint/2010/main" val="605617231"/>
+      </p:ext>
+    </p:extLst>
+  </p:cSld>
+  <p:clrMapOvr>
+    <a:masterClrMapping/>
+  </p:clrMapOvr>
+</p:sld>
+</file>
+
+<file path=ppt/slides/slide8.xml><?xml version="1.0" encoding="utf-8"?>
 <p:sld xmlns:a="http://schemas.openxmlformats.org/drawingml/2006/main" xmlns:r="http://schemas.openxmlformats.org/officeDocument/2006/relationships" xmlns:p="http://schemas.openxmlformats.org/presentationml/2006/main">
   <p:cSld>
     <p:spTree>
@@ -7322,1242 +8732,6 @@
     <p:extLst>
       <p:ext uri="{BB962C8B-B14F-4D97-AF65-F5344CB8AC3E}">
         <p14:creationId xmlns:p14="http://schemas.microsoft.com/office/powerpoint/2010/main" val="4032815618"/>
-      </p:ext>
-    </p:extLst>
-  </p:cSld>
-  <p:clrMapOvr>
-    <a:masterClrMapping/>
-  </p:clrMapOvr>
-</p:sld>
-</file>
-
-<file path=ppt/slides/slide14.xml><?xml version="1.0" encoding="utf-8"?>
-<p:sld xmlns:a="http://schemas.openxmlformats.org/drawingml/2006/main" xmlns:r="http://schemas.openxmlformats.org/officeDocument/2006/relationships" xmlns:p="http://schemas.openxmlformats.org/presentationml/2006/main">
-  <p:cSld>
-    <p:spTree>
-      <p:nvGrpSpPr>
-        <p:cNvPr id="1" name=""/>
-        <p:cNvGrpSpPr/>
-        <p:nvPr/>
-      </p:nvGrpSpPr>
-      <p:grpSpPr>
-        <a:xfrm>
-          <a:off x="0" y="0"/>
-          <a:ext cx="0" cy="0"/>
-          <a:chOff x="0" y="0"/>
-          <a:chExt cx="0" cy="0"/>
-        </a:xfrm>
-      </p:grpSpPr>
-      <p:sp>
-        <p:nvSpPr>
-          <p:cNvPr id="2" name="Title 1"/>
-          <p:cNvSpPr>
-            <a:spLocks noGrp="1"/>
-          </p:cNvSpPr>
-          <p:nvPr>
-            <p:ph type="title"/>
-          </p:nvPr>
-        </p:nvSpPr>
-        <p:spPr/>
-        <p:txBody>
-          <a:bodyPr/>
-          <a:lstStyle/>
-          <a:p>
-            <a:r>
-              <a:rPr lang="en-US" dirty="0" smtClean="0"/>
-              <a:t>Calculating Correlation of Activity and all Other Data Using Linear Regression	</a:t>
-            </a:r>
-            <a:endParaRPr lang="en-US" dirty="0"/>
-          </a:p>
-        </p:txBody>
-      </p:sp>
-      <p:sp>
-        <p:nvSpPr>
-          <p:cNvPr id="3" name="Content Placeholder 2"/>
-          <p:cNvSpPr>
-            <a:spLocks noGrp="1"/>
-          </p:cNvSpPr>
-          <p:nvPr>
-            <p:ph idx="1"/>
-          </p:nvPr>
-        </p:nvSpPr>
-        <p:spPr>
-          <a:xfrm>
-            <a:off x="838200" y="1802627"/>
-            <a:ext cx="10515600" cy="4351338"/>
-          </a:xfrm>
-        </p:spPr>
-        <p:txBody>
-          <a:bodyPr/>
-          <a:lstStyle/>
-          <a:p>
-            <a:r>
-              <a:rPr lang="en-US" dirty="0" smtClean="0"/>
-              <a:t>Using a linear regression model from </a:t>
-            </a:r>
-            <a:r>
-              <a:rPr lang="en-US" dirty="0" err="1" smtClean="0"/>
-              <a:t>sci</a:t>
-            </a:r>
-            <a:r>
-              <a:rPr lang="en-US" dirty="0" smtClean="0"/>
-              <a:t>-kit learn, there is a 0.016 </a:t>
-            </a:r>
-            <a:r>
-              <a:rPr lang="en-US" dirty="0"/>
-              <a:t>coefficient of </a:t>
-            </a:r>
-            <a:r>
-              <a:rPr lang="en-US" dirty="0" smtClean="0"/>
-              <a:t>determination from all other data to activity type</a:t>
-            </a:r>
-          </a:p>
-          <a:p>
-            <a:r>
-              <a:rPr lang="en-US" dirty="0" smtClean="0"/>
-              <a:t>Worst case = 0, Best case = 1</a:t>
-            </a:r>
-          </a:p>
-          <a:p>
-            <a:r>
-              <a:rPr lang="en-US" dirty="0" smtClean="0"/>
-              <a:t>Conclusion: There is a low linear correlation between activity type and all other data</a:t>
-            </a:r>
-            <a:endParaRPr lang="en-US" dirty="0"/>
-          </a:p>
-        </p:txBody>
-      </p:sp>
-      <p:pic>
-        <p:nvPicPr>
-          <p:cNvPr id="4098" name="Picture 2"/>
-          <p:cNvPicPr>
-            <a:picLocks noChangeAspect="1" noChangeArrowheads="1"/>
-          </p:cNvPicPr>
-          <p:nvPr/>
-        </p:nvPicPr>
-        <p:blipFill>
-          <a:blip r:embed="rId2" cstate="print">
-            <a:extLst>
-              <a:ext uri="{28A0092B-C50C-407E-A947-70E740481C1C}">
-                <a14:useLocalDpi xmlns:a14="http://schemas.microsoft.com/office/drawing/2010/main" val="0"/>
-              </a:ext>
-            </a:extLst>
-          </a:blip>
-          <a:srcRect/>
-          <a:stretch>
-            <a:fillRect/>
-          </a:stretch>
-        </p:blipFill>
-        <p:spPr bwMode="auto">
-          <a:xfrm>
-            <a:off x="863683" y="4073831"/>
-            <a:ext cx="3843489" cy="2641294"/>
-          </a:xfrm>
-          <a:prstGeom prst="rect">
-            <a:avLst/>
-          </a:prstGeom>
-          <a:noFill/>
-          <a:ln>
-            <a:noFill/>
-          </a:ln>
-          <a:effectLst/>
-          <a:extLst>
-            <a:ext uri="{909E8E84-426E-40DD-AFC4-6F175D3DCCD1}">
-              <a14:hiddenFill xmlns:a14="http://schemas.microsoft.com/office/drawing/2010/main">
-                <a:solidFill>
-                  <a:schemeClr val="accent1"/>
-                </a:solidFill>
-              </a14:hiddenFill>
-            </a:ext>
-            <a:ext uri="{91240B29-F687-4F45-9708-019B960494DF}">
-              <a14:hiddenLine xmlns:a14="http://schemas.microsoft.com/office/drawing/2010/main" w="9525">
-                <a:solidFill>
-                  <a:schemeClr val="tx1"/>
-                </a:solidFill>
-                <a:miter lim="800000"/>
-                <a:headEnd/>
-                <a:tailEnd/>
-              </a14:hiddenLine>
-            </a:ext>
-            <a:ext uri="{AF507438-7753-43E0-B8FC-AC1667EBCBE1}">
-              <a14:hiddenEffects xmlns:a14="http://schemas.microsoft.com/office/drawing/2010/main">
-                <a:effectLst>
-                  <a:outerShdw dist="35921" dir="2700000" algn="ctr" rotWithShape="0">
-                    <a:schemeClr val="bg2"/>
-                  </a:outerShdw>
-                </a:effectLst>
-              </a14:hiddenEffects>
-            </a:ext>
-          </a:extLst>
-        </p:spPr>
-      </p:pic>
-      <p:pic>
-        <p:nvPicPr>
-          <p:cNvPr id="4099" name="Picture 3"/>
-          <p:cNvPicPr>
-            <a:picLocks noChangeAspect="1" noChangeArrowheads="1"/>
-          </p:cNvPicPr>
-          <p:nvPr/>
-        </p:nvPicPr>
-        <p:blipFill>
-          <a:blip r:embed="rId3">
-            <a:extLst>
-              <a:ext uri="{28A0092B-C50C-407E-A947-70E740481C1C}">
-                <a14:useLocalDpi xmlns:a14="http://schemas.microsoft.com/office/drawing/2010/main" val="0"/>
-              </a:ext>
-            </a:extLst>
-          </a:blip>
-          <a:srcRect/>
-          <a:stretch>
-            <a:fillRect/>
-          </a:stretch>
-        </p:blipFill>
-        <p:spPr bwMode="auto">
-          <a:xfrm>
-            <a:off x="5768382" y="4127529"/>
-            <a:ext cx="5293543" cy="2533898"/>
-          </a:xfrm>
-          <a:prstGeom prst="rect">
-            <a:avLst/>
-          </a:prstGeom>
-          <a:noFill/>
-          <a:ln>
-            <a:noFill/>
-          </a:ln>
-          <a:effectLst/>
-          <a:extLst>
-            <a:ext uri="{909E8E84-426E-40DD-AFC4-6F175D3DCCD1}">
-              <a14:hiddenFill xmlns:a14="http://schemas.microsoft.com/office/drawing/2010/main">
-                <a:solidFill>
-                  <a:schemeClr val="accent1"/>
-                </a:solidFill>
-              </a14:hiddenFill>
-            </a:ext>
-            <a:ext uri="{91240B29-F687-4F45-9708-019B960494DF}">
-              <a14:hiddenLine xmlns:a14="http://schemas.microsoft.com/office/drawing/2010/main" w="9525">
-                <a:solidFill>
-                  <a:schemeClr val="tx1"/>
-                </a:solidFill>
-                <a:miter lim="800000"/>
-                <a:headEnd/>
-                <a:tailEnd/>
-              </a14:hiddenLine>
-            </a:ext>
-            <a:ext uri="{AF507438-7753-43E0-B8FC-AC1667EBCBE1}">
-              <a14:hiddenEffects xmlns:a14="http://schemas.microsoft.com/office/drawing/2010/main">
-                <a:effectLst>
-                  <a:outerShdw dist="35921" dir="2700000" algn="ctr" rotWithShape="0">
-                    <a:schemeClr val="bg2"/>
-                  </a:outerShdw>
-                </a:effectLst>
-              </a14:hiddenEffects>
-            </a:ext>
-          </a:extLst>
-        </p:spPr>
-      </p:pic>
-      <p:sp>
-        <p:nvSpPr>
-          <p:cNvPr id="4" name="TextBox 3"/>
-          <p:cNvSpPr txBox="1"/>
-          <p:nvPr/>
-        </p:nvSpPr>
-        <p:spPr>
-          <a:xfrm>
-            <a:off x="1200647" y="4127529"/>
-            <a:ext cx="1753365" cy="369332"/>
-          </a:xfrm>
-          <a:prstGeom prst="rect">
-            <a:avLst/>
-          </a:prstGeom>
-          <a:noFill/>
-        </p:spPr>
-        <p:txBody>
-          <a:bodyPr wrap="none" rtlCol="0">
-            <a:spAutoFit/>
-          </a:bodyPr>
-          <a:lstStyle/>
-          <a:p>
-            <a:r>
-              <a:rPr lang="en-US" dirty="0" smtClean="0"/>
-              <a:t>High correlation:</a:t>
-            </a:r>
-            <a:endParaRPr lang="en-US" dirty="0"/>
-          </a:p>
-        </p:txBody>
-      </p:sp>
-      <p:sp>
-        <p:nvSpPr>
-          <p:cNvPr id="7" name="TextBox 6"/>
-          <p:cNvSpPr txBox="1"/>
-          <p:nvPr/>
-        </p:nvSpPr>
-        <p:spPr>
-          <a:xfrm>
-            <a:off x="6004560" y="4145559"/>
-            <a:ext cx="2304990" cy="369332"/>
-          </a:xfrm>
-          <a:prstGeom prst="rect">
-            <a:avLst/>
-          </a:prstGeom>
-          <a:noFill/>
-        </p:spPr>
-        <p:txBody>
-          <a:bodyPr wrap="none" rtlCol="0">
-            <a:spAutoFit/>
-          </a:bodyPr>
-          <a:lstStyle/>
-          <a:p>
-            <a:r>
-              <a:rPr lang="en-US" dirty="0" smtClean="0"/>
-              <a:t>Calculated correlation:</a:t>
-            </a:r>
-            <a:endParaRPr lang="en-US" dirty="0"/>
-          </a:p>
-        </p:txBody>
-      </p:sp>
-    </p:spTree>
-    <p:extLst>
-      <p:ext uri="{BB962C8B-B14F-4D97-AF65-F5344CB8AC3E}">
-        <p14:creationId xmlns:p14="http://schemas.microsoft.com/office/powerpoint/2010/main" val="3558646274"/>
-      </p:ext>
-    </p:extLst>
-  </p:cSld>
-  <p:clrMapOvr>
-    <a:masterClrMapping/>
-  </p:clrMapOvr>
-</p:sld>
-</file>
-
-<file path=ppt/slides/slide15.xml><?xml version="1.0" encoding="utf-8"?>
-<p:sld xmlns:a="http://schemas.openxmlformats.org/drawingml/2006/main" xmlns:r="http://schemas.openxmlformats.org/officeDocument/2006/relationships" xmlns:p="http://schemas.openxmlformats.org/presentationml/2006/main">
-  <p:cSld>
-    <p:spTree>
-      <p:nvGrpSpPr>
-        <p:cNvPr id="1" name=""/>
-        <p:cNvGrpSpPr/>
-        <p:nvPr/>
-      </p:nvGrpSpPr>
-      <p:grpSpPr>
-        <a:xfrm>
-          <a:off x="0" y="0"/>
-          <a:ext cx="0" cy="0"/>
-          <a:chOff x="0" y="0"/>
-          <a:chExt cx="0" cy="0"/>
-        </a:xfrm>
-      </p:grpSpPr>
-      <p:sp>
-        <p:nvSpPr>
-          <p:cNvPr id="2" name="Title 1"/>
-          <p:cNvSpPr>
-            <a:spLocks noGrp="1"/>
-          </p:cNvSpPr>
-          <p:nvPr>
-            <p:ph type="title"/>
-          </p:nvPr>
-        </p:nvSpPr>
-        <p:spPr/>
-        <p:txBody>
-          <a:bodyPr/>
-          <a:lstStyle/>
-          <a:p>
-            <a:r>
-              <a:rPr lang="en-US" dirty="0" smtClean="0"/>
-              <a:t>Calculating Correlation of Activity and all Other Data Using Random Forest Regression	</a:t>
-            </a:r>
-            <a:endParaRPr lang="en-US" dirty="0"/>
-          </a:p>
-        </p:txBody>
-      </p:sp>
-      <p:sp>
-        <p:nvSpPr>
-          <p:cNvPr id="3" name="Content Placeholder 2"/>
-          <p:cNvSpPr>
-            <a:spLocks noGrp="1"/>
-          </p:cNvSpPr>
-          <p:nvPr>
-            <p:ph idx="1"/>
-          </p:nvPr>
-        </p:nvSpPr>
-        <p:spPr>
-          <a:xfrm>
-            <a:off x="838200" y="1802627"/>
-            <a:ext cx="10515600" cy="4351338"/>
-          </a:xfrm>
-        </p:spPr>
-        <p:txBody>
-          <a:bodyPr/>
-          <a:lstStyle/>
-          <a:p>
-            <a:r>
-              <a:rPr lang="en-US" dirty="0" smtClean="0"/>
-              <a:t>Using a random forest regression model from </a:t>
-            </a:r>
-            <a:r>
-              <a:rPr lang="en-US" dirty="0" err="1" smtClean="0"/>
-              <a:t>sci</a:t>
-            </a:r>
-            <a:r>
-              <a:rPr lang="en-US" dirty="0" smtClean="0"/>
-              <a:t>-kit learn, there is a 0.975 accuracy from all other data to activity type</a:t>
-            </a:r>
-          </a:p>
-          <a:p>
-            <a:r>
-              <a:rPr lang="en-US" dirty="0" smtClean="0"/>
-              <a:t>Trained with 60% of the data and tested on 40%, guessed correctly the activity type 97.5% of the time given phone data</a:t>
-            </a:r>
-          </a:p>
-          <a:p>
-            <a:r>
-              <a:rPr lang="en-US" dirty="0" smtClean="0"/>
-              <a:t>Conclusion: There is a very strong positive correlation between activity type and all other data</a:t>
-            </a:r>
-            <a:endParaRPr lang="en-US" dirty="0"/>
-          </a:p>
-        </p:txBody>
-      </p:sp>
-    </p:spTree>
-    <p:extLst>
-      <p:ext uri="{BB962C8B-B14F-4D97-AF65-F5344CB8AC3E}">
-        <p14:creationId xmlns:p14="http://schemas.microsoft.com/office/powerpoint/2010/main" val="2559239204"/>
-      </p:ext>
-    </p:extLst>
-  </p:cSld>
-  <p:clrMapOvr>
-    <a:masterClrMapping/>
-  </p:clrMapOvr>
-</p:sld>
-</file>
-
-<file path=ppt/slides/slide2.xml><?xml version="1.0" encoding="utf-8"?>
-<p:sld xmlns:a="http://schemas.openxmlformats.org/drawingml/2006/main" xmlns:r="http://schemas.openxmlformats.org/officeDocument/2006/relationships" xmlns:p="http://schemas.openxmlformats.org/presentationml/2006/main">
-  <p:cSld>
-    <p:spTree>
-      <p:nvGrpSpPr>
-        <p:cNvPr id="1" name=""/>
-        <p:cNvGrpSpPr/>
-        <p:nvPr/>
-      </p:nvGrpSpPr>
-      <p:grpSpPr>
-        <a:xfrm>
-          <a:off x="0" y="0"/>
-          <a:ext cx="0" cy="0"/>
-          <a:chOff x="0" y="0"/>
-          <a:chExt cx="0" cy="0"/>
-        </a:xfrm>
-      </p:grpSpPr>
-      <p:sp>
-        <p:nvSpPr>
-          <p:cNvPr id="2" name="Title 1"/>
-          <p:cNvSpPr>
-            <a:spLocks noGrp="1"/>
-          </p:cNvSpPr>
-          <p:nvPr>
-            <p:ph type="title"/>
-          </p:nvPr>
-        </p:nvSpPr>
-        <p:spPr/>
-        <p:txBody>
-          <a:bodyPr/>
-          <a:lstStyle/>
-          <a:p>
-            <a:r>
-              <a:rPr lang="en-US" dirty="0" smtClean="0"/>
-              <a:t>Data Analysis Techniques	</a:t>
-            </a:r>
-            <a:endParaRPr lang="en-US" dirty="0"/>
-          </a:p>
-        </p:txBody>
-      </p:sp>
-      <p:sp>
-        <p:nvSpPr>
-          <p:cNvPr id="3" name="Content Placeholder 2"/>
-          <p:cNvSpPr>
-            <a:spLocks noGrp="1"/>
-          </p:cNvSpPr>
-          <p:nvPr>
-            <p:ph idx="1"/>
-          </p:nvPr>
-        </p:nvSpPr>
-        <p:spPr/>
-        <p:txBody>
-          <a:bodyPr/>
-          <a:lstStyle/>
-          <a:p>
-            <a:r>
-              <a:rPr lang="en-US" dirty="0" smtClean="0"/>
-              <a:t>Used custom Python script created by McNichols, Ramos, and Enid</a:t>
-            </a:r>
-          </a:p>
-          <a:p>
-            <a:r>
-              <a:rPr lang="en-US" dirty="0" smtClean="0"/>
-              <a:t>Calculated GPS location of each suspect using phone bearing and </a:t>
-            </a:r>
-            <a:r>
-              <a:rPr lang="en-US" dirty="0" err="1" smtClean="0"/>
-              <a:t>lat</a:t>
-            </a:r>
-            <a:r>
-              <a:rPr lang="en-US" dirty="0" smtClean="0"/>
-              <a:t>/long changes over time</a:t>
-            </a:r>
-          </a:p>
-          <a:p>
-            <a:r>
-              <a:rPr lang="en-US" dirty="0" smtClean="0"/>
-              <a:t>Grabbed any users that had locations overlapping by 250m or less at the same hour</a:t>
-            </a:r>
-            <a:endParaRPr lang="en-US" dirty="0"/>
-          </a:p>
-        </p:txBody>
-      </p:sp>
-      <p:graphicFrame>
-        <p:nvGraphicFramePr>
-          <p:cNvPr id="4" name="Diagram 3"/>
-          <p:cNvGraphicFramePr/>
-          <p:nvPr>
-            <p:extLst>
-              <p:ext uri="{D42A27DB-BD31-4B8C-83A1-F6EECF244321}">
-                <p14:modId xmlns:p14="http://schemas.microsoft.com/office/powerpoint/2010/main" val="2753938239"/>
-              </p:ext>
-            </p:extLst>
-          </p:nvPr>
-        </p:nvGraphicFramePr>
-        <p:xfrm>
-          <a:off x="838200" y="2737651"/>
-          <a:ext cx="10361829" cy="5418667"/>
-        </p:xfrm>
-        <a:graphic>
-          <a:graphicData uri="http://schemas.openxmlformats.org/drawingml/2006/diagram">
-            <dgm:relIds xmlns:dgm="http://schemas.openxmlformats.org/drawingml/2006/diagram" xmlns:r="http://schemas.openxmlformats.org/officeDocument/2006/relationships" r:dm="rId2" r:lo="rId3" r:qs="rId4" r:cs="rId5"/>
-          </a:graphicData>
-        </a:graphic>
-      </p:graphicFrame>
-    </p:spTree>
-    <p:extLst>
-      <p:ext uri="{BB962C8B-B14F-4D97-AF65-F5344CB8AC3E}">
-        <p14:creationId xmlns:p14="http://schemas.microsoft.com/office/powerpoint/2010/main" val="1724640030"/>
-      </p:ext>
-    </p:extLst>
-  </p:cSld>
-  <p:clrMapOvr>
-    <a:masterClrMapping/>
-  </p:clrMapOvr>
-</p:sld>
-</file>
-
-<file path=ppt/slides/slide3.xml><?xml version="1.0" encoding="utf-8"?>
-<p:sld xmlns:a="http://schemas.openxmlformats.org/drawingml/2006/main" xmlns:r="http://schemas.openxmlformats.org/officeDocument/2006/relationships" xmlns:p="http://schemas.openxmlformats.org/presentationml/2006/main">
-  <p:cSld>
-    <p:spTree>
-      <p:nvGrpSpPr>
-        <p:cNvPr id="1" name=""/>
-        <p:cNvGrpSpPr/>
-        <p:nvPr/>
-      </p:nvGrpSpPr>
-      <p:grpSpPr>
-        <a:xfrm>
-          <a:off x="0" y="0"/>
-          <a:ext cx="0" cy="0"/>
-          <a:chOff x="0" y="0"/>
-          <a:chExt cx="0" cy="0"/>
-        </a:xfrm>
-      </p:grpSpPr>
-      <p:sp>
-        <p:nvSpPr>
-          <p:cNvPr id="2" name="Title 1"/>
-          <p:cNvSpPr>
-            <a:spLocks noGrp="1"/>
-          </p:cNvSpPr>
-          <p:nvPr>
-            <p:ph type="title"/>
-          </p:nvPr>
-        </p:nvSpPr>
-        <p:spPr>
-          <a:xfrm>
-            <a:off x="839788" y="107476"/>
-            <a:ext cx="3932237" cy="1600200"/>
-          </a:xfrm>
-        </p:spPr>
-        <p:txBody>
-          <a:bodyPr/>
-          <a:lstStyle/>
-          <a:p>
-            <a:r>
-              <a:rPr lang="en-US" dirty="0" smtClean="0"/>
-              <a:t>Suspects ID 8 and 13</a:t>
-            </a:r>
-            <a:endParaRPr lang="en-US" dirty="0"/>
-          </a:p>
-        </p:txBody>
-      </p:sp>
-      <p:sp>
-        <p:nvSpPr>
-          <p:cNvPr id="4" name="Text Placeholder 3"/>
-          <p:cNvSpPr>
-            <a:spLocks noGrp="1"/>
-          </p:cNvSpPr>
-          <p:nvPr>
-            <p:ph type="body" sz="half" idx="2"/>
-          </p:nvPr>
-        </p:nvSpPr>
-        <p:spPr>
-          <a:xfrm>
-            <a:off x="839787" y="1707676"/>
-            <a:ext cx="3932237" cy="3811588"/>
-          </a:xfrm>
-        </p:spPr>
-        <p:txBody>
-          <a:bodyPr/>
-          <a:lstStyle/>
-          <a:p>
-            <a:r>
-              <a:rPr lang="en-US" dirty="0" smtClean="0"/>
-              <a:t>241.16530843870947 meters away from each other at 2pm on 12/13</a:t>
-            </a:r>
-          </a:p>
-          <a:p>
-            <a:endParaRPr lang="en-US" dirty="0"/>
-          </a:p>
-        </p:txBody>
-      </p:sp>
-      <p:pic>
-        <p:nvPicPr>
-          <p:cNvPr id="7" name="Picture 6"/>
-          <p:cNvPicPr>
-            <a:picLocks noChangeAspect="1"/>
-          </p:cNvPicPr>
-          <p:nvPr/>
-        </p:nvPicPr>
-        <p:blipFill>
-          <a:blip r:embed="rId2"/>
-          <a:stretch>
-            <a:fillRect/>
-          </a:stretch>
-        </p:blipFill>
-        <p:spPr>
-          <a:xfrm>
-            <a:off x="5822776" y="1299025"/>
-            <a:ext cx="5397390" cy="4965296"/>
-          </a:xfrm>
-          <a:prstGeom prst="rect">
-            <a:avLst/>
-          </a:prstGeom>
-        </p:spPr>
-      </p:pic>
-      <p:pic>
-        <p:nvPicPr>
-          <p:cNvPr id="8" name="Picture 7"/>
-          <p:cNvPicPr>
-            <a:picLocks noChangeAspect="1"/>
-          </p:cNvPicPr>
-          <p:nvPr/>
-        </p:nvPicPr>
-        <p:blipFill>
-          <a:blip r:embed="rId3"/>
-          <a:stretch>
-            <a:fillRect/>
-          </a:stretch>
-        </p:blipFill>
-        <p:spPr>
-          <a:xfrm>
-            <a:off x="839786" y="2167791"/>
-            <a:ext cx="4554123" cy="4560555"/>
-          </a:xfrm>
-          <a:prstGeom prst="rect">
-            <a:avLst/>
-          </a:prstGeom>
-        </p:spPr>
-      </p:pic>
-    </p:spTree>
-    <p:extLst>
-      <p:ext uri="{BB962C8B-B14F-4D97-AF65-F5344CB8AC3E}">
-        <p14:creationId xmlns:p14="http://schemas.microsoft.com/office/powerpoint/2010/main" val="2533820200"/>
-      </p:ext>
-    </p:extLst>
-  </p:cSld>
-  <p:clrMapOvr>
-    <a:masterClrMapping/>
-  </p:clrMapOvr>
-</p:sld>
-</file>
-
-<file path=ppt/slides/slide4.xml><?xml version="1.0" encoding="utf-8"?>
-<p:sld xmlns:a="http://schemas.openxmlformats.org/drawingml/2006/main" xmlns:r="http://schemas.openxmlformats.org/officeDocument/2006/relationships" xmlns:p="http://schemas.openxmlformats.org/presentationml/2006/main">
-  <p:cSld>
-    <p:spTree>
-      <p:nvGrpSpPr>
-        <p:cNvPr id="1" name=""/>
-        <p:cNvGrpSpPr/>
-        <p:nvPr/>
-      </p:nvGrpSpPr>
-      <p:grpSpPr>
-        <a:xfrm>
-          <a:off x="0" y="0"/>
-          <a:ext cx="0" cy="0"/>
-          <a:chOff x="0" y="0"/>
-          <a:chExt cx="0" cy="0"/>
-        </a:xfrm>
-      </p:grpSpPr>
-      <p:sp>
-        <p:nvSpPr>
-          <p:cNvPr id="2" name="Title 1"/>
-          <p:cNvSpPr>
-            <a:spLocks noGrp="1"/>
-          </p:cNvSpPr>
-          <p:nvPr>
-            <p:ph type="title"/>
-          </p:nvPr>
-        </p:nvSpPr>
-        <p:spPr>
-          <a:xfrm>
-            <a:off x="839788" y="121124"/>
-            <a:ext cx="3932237" cy="1600200"/>
-          </a:xfrm>
-        </p:spPr>
-        <p:txBody>
-          <a:bodyPr/>
-          <a:lstStyle/>
-          <a:p>
-            <a:r>
-              <a:rPr lang="en-US" dirty="0" smtClean="0"/>
-              <a:t>Suspects ID 3 and 13</a:t>
-            </a:r>
-            <a:endParaRPr lang="en-US" dirty="0"/>
-          </a:p>
-        </p:txBody>
-      </p:sp>
-      <p:sp>
-        <p:nvSpPr>
-          <p:cNvPr id="4" name="Text Placeholder 3"/>
-          <p:cNvSpPr>
-            <a:spLocks noGrp="1"/>
-          </p:cNvSpPr>
-          <p:nvPr>
-            <p:ph type="body" sz="half" idx="2"/>
-          </p:nvPr>
-        </p:nvSpPr>
-        <p:spPr>
-          <a:xfrm>
-            <a:off x="839788" y="1721324"/>
-            <a:ext cx="3932237" cy="3811588"/>
-          </a:xfrm>
-        </p:spPr>
-        <p:txBody>
-          <a:bodyPr/>
-          <a:lstStyle/>
-          <a:p>
-            <a:r>
-              <a:rPr lang="en-US" dirty="0" smtClean="0"/>
-              <a:t>168.41657051367866 meters away from each other at 4pm on 12/13</a:t>
-            </a:r>
-            <a:endParaRPr lang="en-US" dirty="0"/>
-          </a:p>
-        </p:txBody>
-      </p:sp>
-      <p:pic>
-        <p:nvPicPr>
-          <p:cNvPr id="7" name="Picture 6"/>
-          <p:cNvPicPr>
-            <a:picLocks noChangeAspect="1"/>
-          </p:cNvPicPr>
-          <p:nvPr/>
-        </p:nvPicPr>
-        <p:blipFill>
-          <a:blip r:embed="rId2"/>
-          <a:stretch>
-            <a:fillRect/>
-          </a:stretch>
-        </p:blipFill>
-        <p:spPr>
-          <a:xfrm>
-            <a:off x="839788" y="2306471"/>
-            <a:ext cx="4201586" cy="4148920"/>
-          </a:xfrm>
-          <a:prstGeom prst="rect">
-            <a:avLst/>
-          </a:prstGeom>
-        </p:spPr>
-      </p:pic>
-      <p:pic>
-        <p:nvPicPr>
-          <p:cNvPr id="8" name="Picture 7"/>
-          <p:cNvPicPr>
-            <a:picLocks noChangeAspect="1"/>
-          </p:cNvPicPr>
-          <p:nvPr/>
-        </p:nvPicPr>
-        <p:blipFill>
-          <a:blip r:embed="rId3"/>
-          <a:stretch>
-            <a:fillRect/>
-          </a:stretch>
-        </p:blipFill>
-        <p:spPr>
-          <a:xfrm>
-            <a:off x="5858054" y="1610436"/>
-            <a:ext cx="5266577" cy="4844955"/>
-          </a:xfrm>
-          <a:prstGeom prst="rect">
-            <a:avLst/>
-          </a:prstGeom>
-        </p:spPr>
-      </p:pic>
-    </p:spTree>
-    <p:extLst>
-      <p:ext uri="{BB962C8B-B14F-4D97-AF65-F5344CB8AC3E}">
-        <p14:creationId xmlns:p14="http://schemas.microsoft.com/office/powerpoint/2010/main" val="1440575213"/>
-      </p:ext>
-    </p:extLst>
-  </p:cSld>
-  <p:clrMapOvr>
-    <a:masterClrMapping/>
-  </p:clrMapOvr>
-</p:sld>
-</file>
-
-<file path=ppt/slides/slide5.xml><?xml version="1.0" encoding="utf-8"?>
-<p:sld xmlns:a="http://schemas.openxmlformats.org/drawingml/2006/main" xmlns:r="http://schemas.openxmlformats.org/officeDocument/2006/relationships" xmlns:p="http://schemas.openxmlformats.org/presentationml/2006/main">
-  <p:cSld>
-    <p:spTree>
-      <p:nvGrpSpPr>
-        <p:cNvPr id="1" name=""/>
-        <p:cNvGrpSpPr/>
-        <p:nvPr/>
-      </p:nvGrpSpPr>
-      <p:grpSpPr>
-        <a:xfrm>
-          <a:off x="0" y="0"/>
-          <a:ext cx="0" cy="0"/>
-          <a:chOff x="0" y="0"/>
-          <a:chExt cx="0" cy="0"/>
-        </a:xfrm>
-      </p:grpSpPr>
-      <p:sp>
-        <p:nvSpPr>
-          <p:cNvPr id="11" name="Title 10"/>
-          <p:cNvSpPr>
-            <a:spLocks noGrp="1"/>
-          </p:cNvSpPr>
-          <p:nvPr>
-            <p:ph type="title"/>
-          </p:nvPr>
-        </p:nvSpPr>
-        <p:spPr>
-          <a:xfrm>
-            <a:off x="839788" y="0"/>
-            <a:ext cx="3932237" cy="1600200"/>
-          </a:xfrm>
-        </p:spPr>
-        <p:txBody>
-          <a:bodyPr/>
-          <a:lstStyle/>
-          <a:p>
-            <a:r>
-              <a:rPr lang="en-US" dirty="0" smtClean="0"/>
-              <a:t>Suspects ID 12 and 18</a:t>
-            </a:r>
-            <a:endParaRPr lang="en-US" dirty="0"/>
-          </a:p>
-        </p:txBody>
-      </p:sp>
-      <p:sp>
-        <p:nvSpPr>
-          <p:cNvPr id="12" name="Text Placeholder 11"/>
-          <p:cNvSpPr>
-            <a:spLocks noGrp="1"/>
-          </p:cNvSpPr>
-          <p:nvPr>
-            <p:ph type="body" sz="half" idx="2"/>
-          </p:nvPr>
-        </p:nvSpPr>
-        <p:spPr>
-          <a:xfrm>
-            <a:off x="839788" y="1600200"/>
-            <a:ext cx="3932237" cy="3811588"/>
-          </a:xfrm>
-        </p:spPr>
-        <p:txBody>
-          <a:bodyPr/>
-          <a:lstStyle/>
-          <a:p>
-            <a:r>
-              <a:rPr lang="en-US" dirty="0" smtClean="0"/>
-              <a:t>107.38879720503698 meters away from each other at 9pm on 12/12</a:t>
-            </a:r>
-          </a:p>
-        </p:txBody>
-      </p:sp>
-      <p:pic>
-        <p:nvPicPr>
-          <p:cNvPr id="3" name="Picture 2"/>
-          <p:cNvPicPr>
-            <a:picLocks noChangeAspect="1"/>
-          </p:cNvPicPr>
-          <p:nvPr/>
-        </p:nvPicPr>
-        <p:blipFill>
-          <a:blip r:embed="rId2"/>
-          <a:stretch>
-            <a:fillRect/>
-          </a:stretch>
-        </p:blipFill>
-        <p:spPr>
-          <a:xfrm>
-            <a:off x="6196097" y="1269241"/>
-            <a:ext cx="5392558" cy="5119901"/>
-          </a:xfrm>
-          <a:prstGeom prst="rect">
-            <a:avLst/>
-          </a:prstGeom>
-        </p:spPr>
-      </p:pic>
-      <p:pic>
-        <p:nvPicPr>
-          <p:cNvPr id="4" name="Picture 3"/>
-          <p:cNvPicPr>
-            <a:picLocks noChangeAspect="1"/>
-          </p:cNvPicPr>
-          <p:nvPr/>
-        </p:nvPicPr>
-        <p:blipFill>
-          <a:blip r:embed="rId3"/>
-          <a:stretch>
-            <a:fillRect/>
-          </a:stretch>
-        </p:blipFill>
-        <p:spPr>
-          <a:xfrm>
-            <a:off x="824468" y="2042473"/>
-            <a:ext cx="4539101" cy="4539101"/>
-          </a:xfrm>
-          <a:prstGeom prst="rect">
-            <a:avLst/>
-          </a:prstGeom>
-        </p:spPr>
-      </p:pic>
-    </p:spTree>
-    <p:extLst>
-      <p:ext uri="{BB962C8B-B14F-4D97-AF65-F5344CB8AC3E}">
-        <p14:creationId xmlns:p14="http://schemas.microsoft.com/office/powerpoint/2010/main" val="3292523917"/>
-      </p:ext>
-    </p:extLst>
-  </p:cSld>
-  <p:clrMapOvr>
-    <a:masterClrMapping/>
-  </p:clrMapOvr>
-</p:sld>
-</file>
-
-<file path=ppt/slides/slide6.xml><?xml version="1.0" encoding="utf-8"?>
-<p:sld xmlns:a="http://schemas.openxmlformats.org/drawingml/2006/main" xmlns:r="http://schemas.openxmlformats.org/officeDocument/2006/relationships" xmlns:p="http://schemas.openxmlformats.org/presentationml/2006/main">
-  <p:cSld>
-    <p:spTree>
-      <p:nvGrpSpPr>
-        <p:cNvPr id="1" name=""/>
-        <p:cNvGrpSpPr/>
-        <p:nvPr/>
-      </p:nvGrpSpPr>
-      <p:grpSpPr>
-        <a:xfrm>
-          <a:off x="0" y="0"/>
-          <a:ext cx="0" cy="0"/>
-          <a:chOff x="0" y="0"/>
-          <a:chExt cx="0" cy="0"/>
-        </a:xfrm>
-      </p:grpSpPr>
-      <p:sp>
-        <p:nvSpPr>
-          <p:cNvPr id="2" name="Title 1"/>
-          <p:cNvSpPr>
-            <a:spLocks noGrp="1"/>
-          </p:cNvSpPr>
-          <p:nvPr>
-            <p:ph type="title"/>
-          </p:nvPr>
-        </p:nvSpPr>
-        <p:spPr/>
-        <p:txBody>
-          <a:bodyPr/>
-          <a:lstStyle/>
-          <a:p>
-            <a:r>
-              <a:rPr lang="en-US" dirty="0" smtClean="0"/>
-              <a:t>Conclusion: Not guilty</a:t>
-            </a:r>
-            <a:endParaRPr lang="en-US" dirty="0"/>
-          </a:p>
-        </p:txBody>
-      </p:sp>
-      <p:sp>
-        <p:nvSpPr>
-          <p:cNvPr id="3" name="Content Placeholder 2"/>
-          <p:cNvSpPr>
-            <a:spLocks noGrp="1"/>
-          </p:cNvSpPr>
-          <p:nvPr>
-            <p:ph idx="1"/>
-          </p:nvPr>
-        </p:nvSpPr>
-        <p:spPr>
-          <a:xfrm>
-            <a:off x="838200" y="1825625"/>
-            <a:ext cx="10515600" cy="4657062"/>
-          </a:xfrm>
-        </p:spPr>
-        <p:txBody>
-          <a:bodyPr>
-            <a:normAutofit/>
-          </a:bodyPr>
-          <a:lstStyle/>
-          <a:p>
-            <a:r>
-              <a:rPr lang="en-US" dirty="0" smtClean="0"/>
-              <a:t>No jail</a:t>
-            </a:r>
-          </a:p>
-          <a:p>
-            <a:endParaRPr lang="en-US" dirty="0" smtClean="0"/>
-          </a:p>
-        </p:txBody>
-      </p:sp>
-    </p:spTree>
-    <p:extLst>
-      <p:ext uri="{BB962C8B-B14F-4D97-AF65-F5344CB8AC3E}">
-        <p14:creationId xmlns:p14="http://schemas.microsoft.com/office/powerpoint/2010/main" val="317913459"/>
-      </p:ext>
-    </p:extLst>
-  </p:cSld>
-  <p:clrMapOvr>
-    <a:masterClrMapping/>
-  </p:clrMapOvr>
-</p:sld>
-</file>
-
-<file path=ppt/slides/slide7.xml><?xml version="1.0" encoding="utf-8"?>
-<p:sld xmlns:a="http://schemas.openxmlformats.org/drawingml/2006/main" xmlns:r="http://schemas.openxmlformats.org/officeDocument/2006/relationships" xmlns:p="http://schemas.openxmlformats.org/presentationml/2006/main">
-  <p:cSld>
-    <p:spTree>
-      <p:nvGrpSpPr>
-        <p:cNvPr id="1" name=""/>
-        <p:cNvGrpSpPr/>
-        <p:nvPr/>
-      </p:nvGrpSpPr>
-      <p:grpSpPr>
-        <a:xfrm>
-          <a:off x="0" y="0"/>
-          <a:ext cx="0" cy="0"/>
-          <a:chOff x="0" y="0"/>
-          <a:chExt cx="0" cy="0"/>
-        </a:xfrm>
-      </p:grpSpPr>
-      <p:sp>
-        <p:nvSpPr>
-          <p:cNvPr id="2" name="Title 1"/>
-          <p:cNvSpPr>
-            <a:spLocks noGrp="1"/>
-          </p:cNvSpPr>
-          <p:nvPr>
-            <p:ph type="title"/>
-          </p:nvPr>
-        </p:nvSpPr>
-        <p:spPr/>
-        <p:txBody>
-          <a:bodyPr/>
-          <a:lstStyle/>
-          <a:p>
-            <a:r>
-              <a:rPr lang="en-US" dirty="0" smtClean="0"/>
-              <a:t>Dimensionality Reduction Overview</a:t>
-            </a:r>
-            <a:endParaRPr lang="en-US" dirty="0"/>
-          </a:p>
-        </p:txBody>
-      </p:sp>
-      <p:sp>
-        <p:nvSpPr>
-          <p:cNvPr id="3" name="Content Placeholder 2"/>
-          <p:cNvSpPr>
-            <a:spLocks noGrp="1"/>
-          </p:cNvSpPr>
-          <p:nvPr>
-            <p:ph idx="1"/>
-          </p:nvPr>
-        </p:nvSpPr>
-        <p:spPr>
-          <a:xfrm>
-            <a:off x="838200" y="1825625"/>
-            <a:ext cx="10515600" cy="4657062"/>
-          </a:xfrm>
-        </p:spPr>
-        <p:txBody>
-          <a:bodyPr>
-            <a:normAutofit/>
-          </a:bodyPr>
-          <a:lstStyle/>
-          <a:p>
-            <a:r>
-              <a:rPr lang="en-US" dirty="0" smtClean="0"/>
-              <a:t>Uses statistics to get rid of dimensions in data, like turning a plane into a line or a line into a point</a:t>
-            </a:r>
-          </a:p>
-          <a:p>
-            <a:r>
-              <a:rPr lang="en-US" dirty="0" smtClean="0"/>
-              <a:t>Allows us to see the data displayed on a 2d or 3d plot even if it’s more than 3d data (like we have)</a:t>
-            </a:r>
-          </a:p>
-          <a:p>
-            <a:r>
-              <a:rPr lang="en-US" dirty="0" smtClean="0"/>
-              <a:t>If there are distinct differences between different types of data (like walking, driving, etc.) they will cluster together</a:t>
-            </a:r>
-          </a:p>
-          <a:p>
-            <a:r>
-              <a:rPr lang="en-US" dirty="0" smtClean="0"/>
-              <a:t>Increasing dimensions can help cluster better until there are too many dimensions for the number of classes</a:t>
-            </a:r>
-          </a:p>
-          <a:p>
-            <a:r>
-              <a:rPr lang="en-US" dirty="0" smtClean="0"/>
-              <a:t>A nice way to see if there is a correlation between the data and types of activity</a:t>
-            </a:r>
-            <a:endParaRPr lang="en-US" dirty="0"/>
-          </a:p>
-        </p:txBody>
-      </p:sp>
-    </p:spTree>
-    <p:extLst>
-      <p:ext uri="{BB962C8B-B14F-4D97-AF65-F5344CB8AC3E}">
-        <p14:creationId xmlns:p14="http://schemas.microsoft.com/office/powerpoint/2010/main" val="1047510381"/>
-      </p:ext>
-    </p:extLst>
-  </p:cSld>
-  <p:clrMapOvr>
-    <a:masterClrMapping/>
-  </p:clrMapOvr>
-</p:sld>
-</file>
-
-<file path=ppt/slides/slide8.xml><?xml version="1.0" encoding="utf-8"?>
-<p:sld xmlns:a="http://schemas.openxmlformats.org/drawingml/2006/main" xmlns:r="http://schemas.openxmlformats.org/officeDocument/2006/relationships" xmlns:p="http://schemas.openxmlformats.org/presentationml/2006/main">
-  <p:cSld>
-    <p:spTree>
-      <p:nvGrpSpPr>
-        <p:cNvPr id="1" name=""/>
-        <p:cNvGrpSpPr/>
-        <p:nvPr/>
-      </p:nvGrpSpPr>
-      <p:grpSpPr>
-        <a:xfrm>
-          <a:off x="0" y="0"/>
-          <a:ext cx="0" cy="0"/>
-          <a:chOff x="0" y="0"/>
-          <a:chExt cx="0" cy="0"/>
-        </a:xfrm>
-      </p:grpSpPr>
-      <p:sp>
-        <p:nvSpPr>
-          <p:cNvPr id="2" name="Title 1"/>
-          <p:cNvSpPr>
-            <a:spLocks noGrp="1"/>
-          </p:cNvSpPr>
-          <p:nvPr>
-            <p:ph type="title"/>
-          </p:nvPr>
-        </p:nvSpPr>
-        <p:spPr/>
-        <p:txBody>
-          <a:bodyPr/>
-          <a:lstStyle/>
-          <a:p>
-            <a:r>
-              <a:rPr lang="en-US" dirty="0" smtClean="0"/>
-              <a:t>Dimensionality Reduction on Location/Time</a:t>
-            </a:r>
-            <a:endParaRPr lang="en-US" dirty="0"/>
-          </a:p>
-        </p:txBody>
-      </p:sp>
-      <p:pic>
-        <p:nvPicPr>
-          <p:cNvPr id="4" name="Picture 3"/>
-          <p:cNvPicPr>
-            <a:picLocks noChangeAspect="1"/>
-          </p:cNvPicPr>
-          <p:nvPr/>
-        </p:nvPicPr>
-        <p:blipFill>
-          <a:blip r:embed="rId2"/>
-          <a:stretch>
-            <a:fillRect/>
-          </a:stretch>
-        </p:blipFill>
-        <p:spPr>
-          <a:xfrm>
-            <a:off x="606188" y="2112228"/>
-            <a:ext cx="5692353" cy="4465993"/>
-          </a:xfrm>
-          <a:prstGeom prst="rect">
-            <a:avLst/>
-          </a:prstGeom>
-        </p:spPr>
-      </p:pic>
-      <p:pic>
-        <p:nvPicPr>
-          <p:cNvPr id="5" name="Picture 4"/>
-          <p:cNvPicPr>
-            <a:picLocks noChangeAspect="1"/>
-          </p:cNvPicPr>
-          <p:nvPr/>
-        </p:nvPicPr>
-        <p:blipFill>
-          <a:blip r:embed="rId3"/>
-          <a:stretch>
-            <a:fillRect/>
-          </a:stretch>
-        </p:blipFill>
-        <p:spPr>
-          <a:xfrm>
-            <a:off x="6568269" y="1690688"/>
-            <a:ext cx="5102383" cy="4712434"/>
-          </a:xfrm>
-          <a:prstGeom prst="rect">
-            <a:avLst/>
-          </a:prstGeom>
-        </p:spPr>
-      </p:pic>
-      <p:pic>
-        <p:nvPicPr>
-          <p:cNvPr id="6" name="Picture 5"/>
-          <p:cNvPicPr>
-            <a:picLocks noChangeAspect="1"/>
-          </p:cNvPicPr>
-          <p:nvPr/>
-        </p:nvPicPr>
-        <p:blipFill>
-          <a:blip r:embed="rId4"/>
-          <a:stretch>
-            <a:fillRect/>
-          </a:stretch>
-        </p:blipFill>
-        <p:spPr>
-          <a:xfrm>
-            <a:off x="6674109" y="2565447"/>
-            <a:ext cx="2251525" cy="3559553"/>
-          </a:xfrm>
-          <a:prstGeom prst="rect">
-            <a:avLst/>
-          </a:prstGeom>
-        </p:spPr>
-      </p:pic>
-    </p:spTree>
-    <p:extLst>
-      <p:ext uri="{BB962C8B-B14F-4D97-AF65-F5344CB8AC3E}">
-        <p14:creationId xmlns:p14="http://schemas.microsoft.com/office/powerpoint/2010/main" val="605617231"/>
       </p:ext>
     </p:extLst>
   </p:cSld>

--- a/480_HW1.pptx
+++ b/480_HW1.pptx
@@ -7,21 +7,28 @@
   <p:sldIdLst>
     <p:sldId id="256" r:id="rId2"/>
     <p:sldId id="260" r:id="rId3"/>
-    <p:sldId id="257" r:id="rId4"/>
-    <p:sldId id="259" r:id="rId5"/>
-    <p:sldId id="258" r:id="rId6"/>
-    <p:sldId id="271" r:id="rId7"/>
-    <p:sldId id="267" r:id="rId8"/>
-    <p:sldId id="268" r:id="rId9"/>
-    <p:sldId id="269" r:id="rId10"/>
-    <p:sldId id="272" r:id="rId11"/>
-    <p:sldId id="274" r:id="rId12"/>
-    <p:sldId id="262" r:id="rId13"/>
-    <p:sldId id="264" r:id="rId14"/>
-    <p:sldId id="265" r:id="rId15"/>
-    <p:sldId id="266" r:id="rId16"/>
-    <p:sldId id="273" r:id="rId17"/>
-    <p:sldId id="263" r:id="rId18"/>
+    <p:sldId id="278" r:id="rId4"/>
+    <p:sldId id="279" r:id="rId5"/>
+    <p:sldId id="280" r:id="rId6"/>
+    <p:sldId id="281" r:id="rId7"/>
+    <p:sldId id="257" r:id="rId8"/>
+    <p:sldId id="275" r:id="rId9"/>
+    <p:sldId id="259" r:id="rId10"/>
+    <p:sldId id="276" r:id="rId11"/>
+    <p:sldId id="258" r:id="rId12"/>
+    <p:sldId id="277" r:id="rId13"/>
+    <p:sldId id="271" r:id="rId14"/>
+    <p:sldId id="267" r:id="rId15"/>
+    <p:sldId id="268" r:id="rId16"/>
+    <p:sldId id="269" r:id="rId17"/>
+    <p:sldId id="272" r:id="rId18"/>
+    <p:sldId id="274" r:id="rId19"/>
+    <p:sldId id="262" r:id="rId20"/>
+    <p:sldId id="264" r:id="rId21"/>
+    <p:sldId id="265" r:id="rId22"/>
+    <p:sldId id="266" r:id="rId23"/>
+    <p:sldId id="273" r:id="rId24"/>
+    <p:sldId id="263" r:id="rId25"/>
   </p:sldIdLst>
   <p:sldSz cx="12192000" cy="6858000"/>
   <p:notesSz cx="6858000" cy="9144000"/>
@@ -6697,6 +6704,792 @@
           <a:p>
             <a:r>
               <a:rPr lang="en-US" dirty="0" smtClean="0"/>
+              <a:t>Suggestions:</a:t>
+            </a:r>
+            <a:endParaRPr lang="en-US" dirty="0"/>
+          </a:p>
+        </p:txBody>
+      </p:sp>
+      <p:sp>
+        <p:nvSpPr>
+          <p:cNvPr id="3" name="Content Placeholder 2"/>
+          <p:cNvSpPr>
+            <a:spLocks noGrp="1"/>
+          </p:cNvSpPr>
+          <p:nvPr>
+            <p:ph idx="1"/>
+          </p:nvPr>
+        </p:nvSpPr>
+        <p:spPr/>
+        <p:txBody>
+          <a:bodyPr/>
+          <a:lstStyle/>
+          <a:p>
+            <a:r>
+              <a:rPr lang="en-US" dirty="0" smtClean="0"/>
+              <a:t>These suspects should be more closely investigated. While they were 168 meters away from each other, they each spent extended amounts time in the same area. It’s possible there was a drop or related activity. Further investigation would help to clarify.</a:t>
+            </a:r>
+            <a:endParaRPr lang="en-US" dirty="0"/>
+          </a:p>
+        </p:txBody>
+      </p:sp>
+    </p:spTree>
+    <p:extLst>
+      <p:ext uri="{BB962C8B-B14F-4D97-AF65-F5344CB8AC3E}">
+        <p14:creationId xmlns:p14="http://schemas.microsoft.com/office/powerpoint/2010/main" val="3335963925"/>
+      </p:ext>
+    </p:extLst>
+  </p:cSld>
+  <p:clrMapOvr>
+    <a:masterClrMapping/>
+  </p:clrMapOvr>
+</p:sld>
+</file>
+
+<file path=ppt/slides/slide11.xml><?xml version="1.0" encoding="utf-8"?>
+<p:sld xmlns:a="http://schemas.openxmlformats.org/drawingml/2006/main" xmlns:r="http://schemas.openxmlformats.org/officeDocument/2006/relationships" xmlns:p="http://schemas.openxmlformats.org/presentationml/2006/main">
+  <p:cSld>
+    <p:spTree>
+      <p:nvGrpSpPr>
+        <p:cNvPr id="1" name=""/>
+        <p:cNvGrpSpPr/>
+        <p:nvPr/>
+      </p:nvGrpSpPr>
+      <p:grpSpPr>
+        <a:xfrm>
+          <a:off x="0" y="0"/>
+          <a:ext cx="0" cy="0"/>
+          <a:chOff x="0" y="0"/>
+          <a:chExt cx="0" cy="0"/>
+        </a:xfrm>
+      </p:grpSpPr>
+      <p:sp>
+        <p:nvSpPr>
+          <p:cNvPr id="11" name="Title 10"/>
+          <p:cNvSpPr>
+            <a:spLocks noGrp="1"/>
+          </p:cNvSpPr>
+          <p:nvPr>
+            <p:ph type="title"/>
+          </p:nvPr>
+        </p:nvSpPr>
+        <p:spPr>
+          <a:xfrm>
+            <a:off x="839788" y="0"/>
+            <a:ext cx="3932237" cy="1600200"/>
+          </a:xfrm>
+        </p:spPr>
+        <p:txBody>
+          <a:bodyPr/>
+          <a:lstStyle/>
+          <a:p>
+            <a:r>
+              <a:rPr lang="en-US" dirty="0" smtClean="0"/>
+              <a:t>Suspects ID 12 and 18</a:t>
+            </a:r>
+            <a:endParaRPr lang="en-US" dirty="0"/>
+          </a:p>
+        </p:txBody>
+      </p:sp>
+      <p:sp>
+        <p:nvSpPr>
+          <p:cNvPr id="12" name="Text Placeholder 11"/>
+          <p:cNvSpPr>
+            <a:spLocks noGrp="1"/>
+          </p:cNvSpPr>
+          <p:nvPr>
+            <p:ph type="body" sz="half" idx="2"/>
+          </p:nvPr>
+        </p:nvSpPr>
+        <p:spPr>
+          <a:xfrm>
+            <a:off x="839788" y="1600200"/>
+            <a:ext cx="3932237" cy="3811588"/>
+          </a:xfrm>
+        </p:spPr>
+        <p:txBody>
+          <a:bodyPr/>
+          <a:lstStyle/>
+          <a:p>
+            <a:r>
+              <a:rPr lang="en-US" dirty="0" smtClean="0"/>
+              <a:t>107.38879720503698 meters away from each other at 9pm on 12/12</a:t>
+            </a:r>
+          </a:p>
+        </p:txBody>
+      </p:sp>
+      <p:pic>
+        <p:nvPicPr>
+          <p:cNvPr id="3" name="Picture 2"/>
+          <p:cNvPicPr>
+            <a:picLocks noChangeAspect="1"/>
+          </p:cNvPicPr>
+          <p:nvPr/>
+        </p:nvPicPr>
+        <p:blipFill>
+          <a:blip r:embed="rId2"/>
+          <a:stretch>
+            <a:fillRect/>
+          </a:stretch>
+        </p:blipFill>
+        <p:spPr>
+          <a:xfrm>
+            <a:off x="6196097" y="1269241"/>
+            <a:ext cx="5392558" cy="5119901"/>
+          </a:xfrm>
+          <a:prstGeom prst="rect">
+            <a:avLst/>
+          </a:prstGeom>
+        </p:spPr>
+      </p:pic>
+      <p:pic>
+        <p:nvPicPr>
+          <p:cNvPr id="4" name="Picture 3"/>
+          <p:cNvPicPr>
+            <a:picLocks noChangeAspect="1"/>
+          </p:cNvPicPr>
+          <p:nvPr/>
+        </p:nvPicPr>
+        <p:blipFill>
+          <a:blip r:embed="rId3"/>
+          <a:stretch>
+            <a:fillRect/>
+          </a:stretch>
+        </p:blipFill>
+        <p:spPr>
+          <a:xfrm>
+            <a:off x="824468" y="2042473"/>
+            <a:ext cx="4539101" cy="4539101"/>
+          </a:xfrm>
+          <a:prstGeom prst="rect">
+            <a:avLst/>
+          </a:prstGeom>
+        </p:spPr>
+      </p:pic>
+    </p:spTree>
+    <p:extLst>
+      <p:ext uri="{BB962C8B-B14F-4D97-AF65-F5344CB8AC3E}">
+        <p14:creationId xmlns:p14="http://schemas.microsoft.com/office/powerpoint/2010/main" val="3292523917"/>
+      </p:ext>
+    </p:extLst>
+  </p:cSld>
+  <p:clrMapOvr>
+    <a:masterClrMapping/>
+  </p:clrMapOvr>
+</p:sld>
+</file>
+
+<file path=ppt/slides/slide12.xml><?xml version="1.0" encoding="utf-8"?>
+<p:sld xmlns:a="http://schemas.openxmlformats.org/drawingml/2006/main" xmlns:r="http://schemas.openxmlformats.org/officeDocument/2006/relationships" xmlns:p="http://schemas.openxmlformats.org/presentationml/2006/main">
+  <p:cSld>
+    <p:spTree>
+      <p:nvGrpSpPr>
+        <p:cNvPr id="1" name=""/>
+        <p:cNvGrpSpPr/>
+        <p:nvPr/>
+      </p:nvGrpSpPr>
+      <p:grpSpPr>
+        <a:xfrm>
+          <a:off x="0" y="0"/>
+          <a:ext cx="0" cy="0"/>
+          <a:chOff x="0" y="0"/>
+          <a:chExt cx="0" cy="0"/>
+        </a:xfrm>
+      </p:grpSpPr>
+      <p:sp>
+        <p:nvSpPr>
+          <p:cNvPr id="2" name="Title 1"/>
+          <p:cNvSpPr>
+            <a:spLocks noGrp="1"/>
+          </p:cNvSpPr>
+          <p:nvPr>
+            <p:ph type="title"/>
+          </p:nvPr>
+        </p:nvSpPr>
+        <p:spPr/>
+        <p:txBody>
+          <a:bodyPr/>
+          <a:lstStyle/>
+          <a:p>
+            <a:r>
+              <a:rPr lang="en-US" dirty="0" smtClean="0"/>
+              <a:t>Suggestions:</a:t>
+            </a:r>
+            <a:endParaRPr lang="en-US" dirty="0"/>
+          </a:p>
+        </p:txBody>
+      </p:sp>
+      <p:sp>
+        <p:nvSpPr>
+          <p:cNvPr id="3" name="Content Placeholder 2"/>
+          <p:cNvSpPr>
+            <a:spLocks noGrp="1"/>
+          </p:cNvSpPr>
+          <p:nvPr>
+            <p:ph idx="1"/>
+          </p:nvPr>
+        </p:nvSpPr>
+        <p:spPr/>
+        <p:txBody>
+          <a:bodyPr/>
+          <a:lstStyle/>
+          <a:p>
+            <a:r>
+              <a:rPr lang="en-US" dirty="0" smtClean="0"/>
+              <a:t>These suspects should be investigated. The 107 meter distance is within error, so they could have been within 100 meters of each other, which is the limit. </a:t>
+            </a:r>
+            <a:endParaRPr lang="en-US" dirty="0"/>
+          </a:p>
+        </p:txBody>
+      </p:sp>
+    </p:spTree>
+    <p:extLst>
+      <p:ext uri="{BB962C8B-B14F-4D97-AF65-F5344CB8AC3E}">
+        <p14:creationId xmlns:p14="http://schemas.microsoft.com/office/powerpoint/2010/main" val="810296204"/>
+      </p:ext>
+    </p:extLst>
+  </p:cSld>
+  <p:clrMapOvr>
+    <a:masterClrMapping/>
+  </p:clrMapOvr>
+</p:sld>
+</file>
+
+<file path=ppt/slides/slide13.xml><?xml version="1.0" encoding="utf-8"?>
+<p:sld xmlns:a="http://schemas.openxmlformats.org/drawingml/2006/main" xmlns:r="http://schemas.openxmlformats.org/officeDocument/2006/relationships" xmlns:p="http://schemas.openxmlformats.org/presentationml/2006/main">
+  <p:cSld>
+    <p:spTree>
+      <p:nvGrpSpPr>
+        <p:cNvPr id="1" name=""/>
+        <p:cNvGrpSpPr/>
+        <p:nvPr/>
+      </p:nvGrpSpPr>
+      <p:grpSpPr>
+        <a:xfrm>
+          <a:off x="0" y="0"/>
+          <a:ext cx="0" cy="0"/>
+          <a:chOff x="0" y="0"/>
+          <a:chExt cx="0" cy="0"/>
+        </a:xfrm>
+      </p:grpSpPr>
+      <p:sp>
+        <p:nvSpPr>
+          <p:cNvPr id="2" name="Title 1"/>
+          <p:cNvSpPr>
+            <a:spLocks noGrp="1"/>
+          </p:cNvSpPr>
+          <p:nvPr>
+            <p:ph type="title"/>
+          </p:nvPr>
+        </p:nvSpPr>
+        <p:spPr/>
+        <p:txBody>
+          <a:bodyPr/>
+          <a:lstStyle/>
+          <a:p>
+            <a:r>
+              <a:rPr lang="en-US" dirty="0" smtClean="0"/>
+              <a:t>Dimensionality Reduction Overview</a:t>
+            </a:r>
+            <a:endParaRPr lang="en-US" dirty="0"/>
+          </a:p>
+        </p:txBody>
+      </p:sp>
+      <p:sp>
+        <p:nvSpPr>
+          <p:cNvPr id="3" name="Content Placeholder 2"/>
+          <p:cNvSpPr>
+            <a:spLocks noGrp="1"/>
+          </p:cNvSpPr>
+          <p:nvPr>
+            <p:ph idx="1"/>
+          </p:nvPr>
+        </p:nvSpPr>
+        <p:spPr>
+          <a:xfrm>
+            <a:off x="838200" y="1825625"/>
+            <a:ext cx="10515600" cy="4657062"/>
+          </a:xfrm>
+        </p:spPr>
+        <p:txBody>
+          <a:bodyPr>
+            <a:normAutofit/>
+          </a:bodyPr>
+          <a:lstStyle/>
+          <a:p>
+            <a:r>
+              <a:rPr lang="en-US" dirty="0" smtClean="0"/>
+              <a:t>Uses statistics to get rid of dimensions in data, like turning a plane into a line or a line into a point</a:t>
+            </a:r>
+          </a:p>
+          <a:p>
+            <a:r>
+              <a:rPr lang="en-US" dirty="0" smtClean="0"/>
+              <a:t>Allows us to see the data displayed on a 2d or 3d plot even if it’s more than 3d data (like we have)</a:t>
+            </a:r>
+          </a:p>
+          <a:p>
+            <a:r>
+              <a:rPr lang="en-US" dirty="0" smtClean="0"/>
+              <a:t>If there are distinct differences between different types of data (like walking, driving, etc.) they will cluster together</a:t>
+            </a:r>
+          </a:p>
+          <a:p>
+            <a:r>
+              <a:rPr lang="en-US" dirty="0" smtClean="0"/>
+              <a:t>Increasing dimensions can help cluster better until there are too many dimensions for the number of classes</a:t>
+            </a:r>
+          </a:p>
+          <a:p>
+            <a:r>
+              <a:rPr lang="en-US" dirty="0" smtClean="0"/>
+              <a:t>A nice way to see if there is a correlation between the data and types of activity</a:t>
+            </a:r>
+            <a:endParaRPr lang="en-US" dirty="0"/>
+          </a:p>
+        </p:txBody>
+      </p:sp>
+    </p:spTree>
+    <p:extLst>
+      <p:ext uri="{BB962C8B-B14F-4D97-AF65-F5344CB8AC3E}">
+        <p14:creationId xmlns:p14="http://schemas.microsoft.com/office/powerpoint/2010/main" val="1047510381"/>
+      </p:ext>
+    </p:extLst>
+  </p:cSld>
+  <p:clrMapOvr>
+    <a:masterClrMapping/>
+  </p:clrMapOvr>
+</p:sld>
+</file>
+
+<file path=ppt/slides/slide14.xml><?xml version="1.0" encoding="utf-8"?>
+<p:sld xmlns:a="http://schemas.openxmlformats.org/drawingml/2006/main" xmlns:r="http://schemas.openxmlformats.org/officeDocument/2006/relationships" xmlns:p="http://schemas.openxmlformats.org/presentationml/2006/main">
+  <p:cSld>
+    <p:spTree>
+      <p:nvGrpSpPr>
+        <p:cNvPr id="1" name=""/>
+        <p:cNvGrpSpPr/>
+        <p:nvPr/>
+      </p:nvGrpSpPr>
+      <p:grpSpPr>
+        <a:xfrm>
+          <a:off x="0" y="0"/>
+          <a:ext cx="0" cy="0"/>
+          <a:chOff x="0" y="0"/>
+          <a:chExt cx="0" cy="0"/>
+        </a:xfrm>
+      </p:grpSpPr>
+      <p:sp>
+        <p:nvSpPr>
+          <p:cNvPr id="2" name="Title 1"/>
+          <p:cNvSpPr>
+            <a:spLocks noGrp="1"/>
+          </p:cNvSpPr>
+          <p:nvPr>
+            <p:ph type="title"/>
+          </p:nvPr>
+        </p:nvSpPr>
+        <p:spPr/>
+        <p:txBody>
+          <a:bodyPr/>
+          <a:lstStyle/>
+          <a:p>
+            <a:r>
+              <a:rPr lang="en-US" dirty="0" smtClean="0"/>
+              <a:t>Dimensionality Reduction on Location/Time</a:t>
+            </a:r>
+            <a:endParaRPr lang="en-US" dirty="0"/>
+          </a:p>
+        </p:txBody>
+      </p:sp>
+      <p:pic>
+        <p:nvPicPr>
+          <p:cNvPr id="4" name="Picture 3"/>
+          <p:cNvPicPr>
+            <a:picLocks noChangeAspect="1"/>
+          </p:cNvPicPr>
+          <p:nvPr/>
+        </p:nvPicPr>
+        <p:blipFill>
+          <a:blip r:embed="rId2"/>
+          <a:stretch>
+            <a:fillRect/>
+          </a:stretch>
+        </p:blipFill>
+        <p:spPr>
+          <a:xfrm>
+            <a:off x="606188" y="2112228"/>
+            <a:ext cx="5692353" cy="4465993"/>
+          </a:xfrm>
+          <a:prstGeom prst="rect">
+            <a:avLst/>
+          </a:prstGeom>
+        </p:spPr>
+      </p:pic>
+      <p:pic>
+        <p:nvPicPr>
+          <p:cNvPr id="5" name="Picture 4"/>
+          <p:cNvPicPr>
+            <a:picLocks noChangeAspect="1"/>
+          </p:cNvPicPr>
+          <p:nvPr/>
+        </p:nvPicPr>
+        <p:blipFill>
+          <a:blip r:embed="rId3"/>
+          <a:stretch>
+            <a:fillRect/>
+          </a:stretch>
+        </p:blipFill>
+        <p:spPr>
+          <a:xfrm>
+            <a:off x="6568269" y="1690688"/>
+            <a:ext cx="5102383" cy="4712434"/>
+          </a:xfrm>
+          <a:prstGeom prst="rect">
+            <a:avLst/>
+          </a:prstGeom>
+        </p:spPr>
+      </p:pic>
+      <p:pic>
+        <p:nvPicPr>
+          <p:cNvPr id="6" name="Picture 5"/>
+          <p:cNvPicPr>
+            <a:picLocks noChangeAspect="1"/>
+          </p:cNvPicPr>
+          <p:nvPr/>
+        </p:nvPicPr>
+        <p:blipFill>
+          <a:blip r:embed="rId4"/>
+          <a:stretch>
+            <a:fillRect/>
+          </a:stretch>
+        </p:blipFill>
+        <p:spPr>
+          <a:xfrm>
+            <a:off x="6674109" y="2565447"/>
+            <a:ext cx="2251525" cy="3559553"/>
+          </a:xfrm>
+          <a:prstGeom prst="rect">
+            <a:avLst/>
+          </a:prstGeom>
+        </p:spPr>
+      </p:pic>
+    </p:spTree>
+    <p:extLst>
+      <p:ext uri="{BB962C8B-B14F-4D97-AF65-F5344CB8AC3E}">
+        <p14:creationId xmlns:p14="http://schemas.microsoft.com/office/powerpoint/2010/main" val="605617231"/>
+      </p:ext>
+    </p:extLst>
+  </p:cSld>
+  <p:clrMapOvr>
+    <a:masterClrMapping/>
+  </p:clrMapOvr>
+</p:sld>
+</file>
+
+<file path=ppt/slides/slide15.xml><?xml version="1.0" encoding="utf-8"?>
+<p:sld xmlns:a="http://schemas.openxmlformats.org/drawingml/2006/main" xmlns:r="http://schemas.openxmlformats.org/officeDocument/2006/relationships" xmlns:p="http://schemas.openxmlformats.org/presentationml/2006/main">
+  <p:cSld>
+    <p:spTree>
+      <p:nvGrpSpPr>
+        <p:cNvPr id="1" name=""/>
+        <p:cNvGrpSpPr/>
+        <p:nvPr/>
+      </p:nvGrpSpPr>
+      <p:grpSpPr>
+        <a:xfrm>
+          <a:off x="0" y="0"/>
+          <a:ext cx="0" cy="0"/>
+          <a:chOff x="0" y="0"/>
+          <a:chExt cx="0" cy="0"/>
+        </a:xfrm>
+      </p:grpSpPr>
+      <p:sp>
+        <p:nvSpPr>
+          <p:cNvPr id="2" name="Title 1"/>
+          <p:cNvSpPr>
+            <a:spLocks noGrp="1"/>
+          </p:cNvSpPr>
+          <p:nvPr>
+            <p:ph type="title"/>
+          </p:nvPr>
+        </p:nvSpPr>
+        <p:spPr/>
+        <p:txBody>
+          <a:bodyPr/>
+          <a:lstStyle/>
+          <a:p>
+            <a:r>
+              <a:rPr lang="en-US" dirty="0"/>
+              <a:t>Dimensionality </a:t>
+            </a:r>
+            <a:r>
+              <a:rPr lang="en-US" dirty="0" smtClean="0"/>
+              <a:t>Reduction on all Data</a:t>
+            </a:r>
+            <a:endParaRPr lang="en-US" dirty="0"/>
+          </a:p>
+        </p:txBody>
+      </p:sp>
+      <p:pic>
+        <p:nvPicPr>
+          <p:cNvPr id="4" name="Picture 3"/>
+          <p:cNvPicPr>
+            <a:picLocks noChangeAspect="1"/>
+          </p:cNvPicPr>
+          <p:nvPr/>
+        </p:nvPicPr>
+        <p:blipFill>
+          <a:blip r:embed="rId2"/>
+          <a:stretch>
+            <a:fillRect/>
+          </a:stretch>
+        </p:blipFill>
+        <p:spPr>
+          <a:xfrm>
+            <a:off x="169460" y="1868109"/>
+            <a:ext cx="6854363" cy="3768416"/>
+          </a:xfrm>
+          <a:prstGeom prst="rect">
+            <a:avLst/>
+          </a:prstGeom>
+        </p:spPr>
+      </p:pic>
+      <p:pic>
+        <p:nvPicPr>
+          <p:cNvPr id="5" name="Picture 4"/>
+          <p:cNvPicPr>
+            <a:picLocks noChangeAspect="1"/>
+          </p:cNvPicPr>
+          <p:nvPr/>
+        </p:nvPicPr>
+        <p:blipFill>
+          <a:blip r:embed="rId3"/>
+          <a:stretch>
+            <a:fillRect/>
+          </a:stretch>
+        </p:blipFill>
+        <p:spPr>
+          <a:xfrm>
+            <a:off x="5804208" y="1514900"/>
+            <a:ext cx="5040633" cy="4865569"/>
+          </a:xfrm>
+          <a:prstGeom prst="rect">
+            <a:avLst/>
+          </a:prstGeom>
+        </p:spPr>
+      </p:pic>
+      <p:pic>
+        <p:nvPicPr>
+          <p:cNvPr id="6" name="Picture 5"/>
+          <p:cNvPicPr>
+            <a:picLocks noChangeAspect="1"/>
+          </p:cNvPicPr>
+          <p:nvPr/>
+        </p:nvPicPr>
+        <p:blipFill>
+          <a:blip r:embed="rId4"/>
+          <a:stretch>
+            <a:fillRect/>
+          </a:stretch>
+        </p:blipFill>
+        <p:spPr>
+          <a:xfrm>
+            <a:off x="8181936" y="3946092"/>
+            <a:ext cx="2850414" cy="2434377"/>
+          </a:xfrm>
+          <a:prstGeom prst="rect">
+            <a:avLst/>
+          </a:prstGeom>
+        </p:spPr>
+      </p:pic>
+      <p:pic>
+        <p:nvPicPr>
+          <p:cNvPr id="7" name="Picture 6"/>
+          <p:cNvPicPr>
+            <a:picLocks noChangeAspect="1"/>
+          </p:cNvPicPr>
+          <p:nvPr/>
+        </p:nvPicPr>
+        <p:blipFill>
+          <a:blip r:embed="rId5"/>
+          <a:stretch>
+            <a:fillRect/>
+          </a:stretch>
+        </p:blipFill>
+        <p:spPr>
+          <a:xfrm>
+            <a:off x="9405986" y="1485255"/>
+            <a:ext cx="1800225" cy="1885950"/>
+          </a:xfrm>
+          <a:prstGeom prst="rect">
+            <a:avLst/>
+          </a:prstGeom>
+        </p:spPr>
+      </p:pic>
+    </p:spTree>
+    <p:extLst>
+      <p:ext uri="{BB962C8B-B14F-4D97-AF65-F5344CB8AC3E}">
+        <p14:creationId xmlns:p14="http://schemas.microsoft.com/office/powerpoint/2010/main" val="4032815618"/>
+      </p:ext>
+    </p:extLst>
+  </p:cSld>
+  <p:clrMapOvr>
+    <a:masterClrMapping/>
+  </p:clrMapOvr>
+</p:sld>
+</file>
+
+<file path=ppt/slides/slide16.xml><?xml version="1.0" encoding="utf-8"?>
+<p:sld xmlns:a="http://schemas.openxmlformats.org/drawingml/2006/main" xmlns:r="http://schemas.openxmlformats.org/officeDocument/2006/relationships" xmlns:p="http://schemas.openxmlformats.org/presentationml/2006/main">
+  <p:cSld>
+    <p:spTree>
+      <p:nvGrpSpPr>
+        <p:cNvPr id="1" name=""/>
+        <p:cNvGrpSpPr/>
+        <p:nvPr/>
+      </p:nvGrpSpPr>
+      <p:grpSpPr>
+        <a:xfrm>
+          <a:off x="0" y="0"/>
+          <a:ext cx="0" cy="0"/>
+          <a:chOff x="0" y="0"/>
+          <a:chExt cx="0" cy="0"/>
+        </a:xfrm>
+      </p:grpSpPr>
+      <p:sp>
+        <p:nvSpPr>
+          <p:cNvPr id="2" name="Title 1"/>
+          <p:cNvSpPr>
+            <a:spLocks noGrp="1"/>
+          </p:cNvSpPr>
+          <p:nvPr>
+            <p:ph type="title"/>
+          </p:nvPr>
+        </p:nvSpPr>
+        <p:spPr/>
+        <p:txBody>
+          <a:bodyPr/>
+          <a:lstStyle/>
+          <a:p>
+            <a:r>
+              <a:rPr lang="en-US" dirty="0"/>
+              <a:t>Dimensionality Reduction on </a:t>
+            </a:r>
+            <a:r>
+              <a:rPr lang="en-US" dirty="0" smtClean="0"/>
+              <a:t>Location/Time</a:t>
+            </a:r>
+            <a:br>
+              <a:rPr lang="en-US" dirty="0" smtClean="0"/>
+            </a:br>
+            <a:r>
+              <a:rPr lang="en-US" dirty="0" smtClean="0"/>
+              <a:t>Analysis</a:t>
+            </a:r>
+            <a:endParaRPr lang="en-US" dirty="0"/>
+          </a:p>
+        </p:txBody>
+      </p:sp>
+      <p:sp>
+        <p:nvSpPr>
+          <p:cNvPr id="3" name="Content Placeholder 2"/>
+          <p:cNvSpPr>
+            <a:spLocks noGrp="1"/>
+          </p:cNvSpPr>
+          <p:nvPr>
+            <p:ph idx="1"/>
+          </p:nvPr>
+        </p:nvSpPr>
+        <p:spPr>
+          <a:xfrm>
+            <a:off x="838200" y="1690688"/>
+            <a:ext cx="10515600" cy="4351338"/>
+          </a:xfrm>
+        </p:spPr>
+        <p:txBody>
+          <a:bodyPr/>
+          <a:lstStyle/>
+          <a:p>
+            <a:r>
+              <a:rPr lang="en-US" dirty="0" smtClean="0"/>
+              <a:t>As dimensions increase, the 4 different types of activity cluster more</a:t>
+            </a:r>
+          </a:p>
+          <a:p>
+            <a:r>
+              <a:rPr lang="en-US" dirty="0" smtClean="0"/>
+              <a:t>Actual data has latitude, longitude, timestamp</a:t>
+            </a:r>
+          </a:p>
+          <a:p>
+            <a:r>
+              <a:rPr lang="en-US" dirty="0" smtClean="0"/>
+              <a:t>Clusters are visible, but have significant overlap</a:t>
+            </a:r>
+          </a:p>
+          <a:p>
+            <a:r>
+              <a:rPr lang="en-US" dirty="0" smtClean="0"/>
+              <a:t>Explains why the SVM is correct half of the time, but not more</a:t>
+            </a:r>
+          </a:p>
+          <a:p>
+            <a:pPr lvl="1"/>
+            <a:r>
+              <a:rPr lang="en-US" dirty="0" smtClean="0"/>
+              <a:t>There are enough differences to guess the different types of activity some of the time, but not enough to guess every time</a:t>
+            </a:r>
+          </a:p>
+        </p:txBody>
+      </p:sp>
+    </p:spTree>
+    <p:extLst>
+      <p:ext uri="{BB962C8B-B14F-4D97-AF65-F5344CB8AC3E}">
+        <p14:creationId xmlns:p14="http://schemas.microsoft.com/office/powerpoint/2010/main" val="2794015051"/>
+      </p:ext>
+    </p:extLst>
+  </p:cSld>
+  <p:clrMapOvr>
+    <a:masterClrMapping/>
+  </p:clrMapOvr>
+</p:sld>
+</file>
+
+<file path=ppt/slides/slide17.xml><?xml version="1.0" encoding="utf-8"?>
+<p:sld xmlns:a="http://schemas.openxmlformats.org/drawingml/2006/main" xmlns:r="http://schemas.openxmlformats.org/officeDocument/2006/relationships" xmlns:p="http://schemas.openxmlformats.org/presentationml/2006/main">
+  <p:cSld>
+    <p:spTree>
+      <p:nvGrpSpPr>
+        <p:cNvPr id="1" name=""/>
+        <p:cNvGrpSpPr/>
+        <p:nvPr/>
+      </p:nvGrpSpPr>
+      <p:grpSpPr>
+        <a:xfrm>
+          <a:off x="0" y="0"/>
+          <a:ext cx="0" cy="0"/>
+          <a:chOff x="0" y="0"/>
+          <a:chExt cx="0" cy="0"/>
+        </a:xfrm>
+      </p:grpSpPr>
+      <p:sp>
+        <p:nvSpPr>
+          <p:cNvPr id="2" name="Title 1"/>
+          <p:cNvSpPr>
+            <a:spLocks noGrp="1"/>
+          </p:cNvSpPr>
+          <p:nvPr>
+            <p:ph type="title"/>
+          </p:nvPr>
+        </p:nvSpPr>
+        <p:spPr/>
+        <p:txBody>
+          <a:bodyPr/>
+          <a:lstStyle/>
+          <a:p>
+            <a:r>
+              <a:rPr lang="en-US" dirty="0" smtClean="0"/>
               <a:t>Linear Regression Overview</a:t>
             </a:r>
             <a:endParaRPr lang="en-US" dirty="0"/>
@@ -6815,7 +7608,7 @@
 </p:sld>
 </file>
 
-<file path=ppt/slides/slide11.xml><?xml version="1.0" encoding="utf-8"?>
+<file path=ppt/slides/slide18.xml><?xml version="1.0" encoding="utf-8"?>
 <p:sld xmlns:a="http://schemas.openxmlformats.org/drawingml/2006/main" xmlns:r="http://schemas.openxmlformats.org/officeDocument/2006/relationships" xmlns:p="http://schemas.openxmlformats.org/presentationml/2006/main">
   <p:cSld>
     <p:spTree>
@@ -6932,7 +7725,7 @@
 </p:sld>
 </file>
 
-<file path=ppt/slides/slide12.xml><?xml version="1.0" encoding="utf-8"?>
+<file path=ppt/slides/slide19.xml><?xml version="1.0" encoding="utf-8"?>
 <p:sld xmlns:a="http://schemas.openxmlformats.org/drawingml/2006/main" xmlns:r="http://schemas.openxmlformats.org/officeDocument/2006/relationships" xmlns:p="http://schemas.openxmlformats.org/presentationml/2006/main">
   <p:cSld>
     <p:spTree>
@@ -7135,7 +7928,7 @@
 </p:sld>
 </file>
 
-<file path=ppt/slides/slide13.xml><?xml version="1.0" encoding="utf-8"?>
+<file path=ppt/slides/slide2.xml><?xml version="1.0" encoding="utf-8"?>
 <p:sld xmlns:a="http://schemas.openxmlformats.org/drawingml/2006/main" xmlns:r="http://schemas.openxmlformats.org/officeDocument/2006/relationships" xmlns:p="http://schemas.openxmlformats.org/presentationml/2006/main">
   <p:cSld>
     <p:spTree>
@@ -7169,6 +7962,124 @@
           <a:p>
             <a:r>
               <a:rPr lang="en-US" dirty="0" smtClean="0"/>
+              <a:t>Data Analysis Techniques	</a:t>
+            </a:r>
+            <a:endParaRPr lang="en-US" dirty="0"/>
+          </a:p>
+        </p:txBody>
+      </p:sp>
+      <p:sp>
+        <p:nvSpPr>
+          <p:cNvPr id="3" name="Content Placeholder 2"/>
+          <p:cNvSpPr>
+            <a:spLocks noGrp="1"/>
+          </p:cNvSpPr>
+          <p:nvPr>
+            <p:ph idx="1"/>
+          </p:nvPr>
+        </p:nvSpPr>
+        <p:spPr/>
+        <p:txBody>
+          <a:bodyPr/>
+          <a:lstStyle/>
+          <a:p>
+            <a:r>
+              <a:rPr lang="en-US" dirty="0" smtClean="0"/>
+              <a:t>Used custom Python script created by McNichols, Ramos, and Enid</a:t>
+            </a:r>
+          </a:p>
+          <a:p>
+            <a:r>
+              <a:rPr lang="en-US" dirty="0" smtClean="0"/>
+              <a:t>Calculated GPS location of each suspect using phone bearing and </a:t>
+            </a:r>
+            <a:r>
+              <a:rPr lang="en-US" dirty="0" err="1" smtClean="0"/>
+              <a:t>lat</a:t>
+            </a:r>
+            <a:r>
+              <a:rPr lang="en-US" dirty="0" smtClean="0"/>
+              <a:t>/long changes over time</a:t>
+            </a:r>
+          </a:p>
+          <a:p>
+            <a:r>
+              <a:rPr lang="en-US" dirty="0" smtClean="0"/>
+              <a:t>Grabbed any users that had locations overlapping by 250m or less at the same hour</a:t>
+            </a:r>
+            <a:endParaRPr lang="en-US" dirty="0"/>
+          </a:p>
+        </p:txBody>
+      </p:sp>
+      <p:graphicFrame>
+        <p:nvGraphicFramePr>
+          <p:cNvPr id="4" name="Diagram 3"/>
+          <p:cNvGraphicFramePr/>
+          <p:nvPr>
+            <p:extLst>
+              <p:ext uri="{D42A27DB-BD31-4B8C-83A1-F6EECF244321}">
+                <p14:modId xmlns:p14="http://schemas.microsoft.com/office/powerpoint/2010/main" val="2753938239"/>
+              </p:ext>
+            </p:extLst>
+          </p:nvPr>
+        </p:nvGraphicFramePr>
+        <p:xfrm>
+          <a:off x="838200" y="2737651"/>
+          <a:ext cx="10361829" cy="5418667"/>
+        </p:xfrm>
+        <a:graphic>
+          <a:graphicData uri="http://schemas.openxmlformats.org/drawingml/2006/diagram">
+            <dgm:relIds xmlns:dgm="http://schemas.openxmlformats.org/drawingml/2006/diagram" xmlns:r="http://schemas.openxmlformats.org/officeDocument/2006/relationships" r:dm="rId2" r:lo="rId3" r:qs="rId4" r:cs="rId5"/>
+          </a:graphicData>
+        </a:graphic>
+      </p:graphicFrame>
+    </p:spTree>
+    <p:extLst>
+      <p:ext uri="{BB962C8B-B14F-4D97-AF65-F5344CB8AC3E}">
+        <p14:creationId xmlns:p14="http://schemas.microsoft.com/office/powerpoint/2010/main" val="1724640030"/>
+      </p:ext>
+    </p:extLst>
+  </p:cSld>
+  <p:clrMapOvr>
+    <a:masterClrMapping/>
+  </p:clrMapOvr>
+</p:sld>
+</file>
+
+<file path=ppt/slides/slide20.xml><?xml version="1.0" encoding="utf-8"?>
+<p:sld xmlns:a="http://schemas.openxmlformats.org/drawingml/2006/main" xmlns:r="http://schemas.openxmlformats.org/officeDocument/2006/relationships" xmlns:p="http://schemas.openxmlformats.org/presentationml/2006/main">
+  <p:cSld>
+    <p:spTree>
+      <p:nvGrpSpPr>
+        <p:cNvPr id="1" name=""/>
+        <p:cNvGrpSpPr/>
+        <p:nvPr/>
+      </p:nvGrpSpPr>
+      <p:grpSpPr>
+        <a:xfrm>
+          <a:off x="0" y="0"/>
+          <a:ext cx="0" cy="0"/>
+          <a:chOff x="0" y="0"/>
+          <a:chExt cx="0" cy="0"/>
+        </a:xfrm>
+      </p:grpSpPr>
+      <p:sp>
+        <p:nvSpPr>
+          <p:cNvPr id="2" name="Title 1"/>
+          <p:cNvSpPr>
+            <a:spLocks noGrp="1"/>
+          </p:cNvSpPr>
+          <p:nvPr>
+            <p:ph type="title"/>
+          </p:nvPr>
+        </p:nvSpPr>
+        <p:spPr/>
+        <p:txBody>
+          <a:bodyPr/>
+          <a:lstStyle/>
+          <a:p>
+            <a:r>
+              <a:rPr lang="en-US" dirty="0" smtClean="0"/>
               <a:t>Calculating Correlation of Activity, Time, and Location Using Random Forest Regression</a:t>
             </a:r>
             <a:endParaRPr lang="en-US" dirty="0"/>
@@ -7245,7 +8156,7 @@
 </p:sld>
 </file>
 
-<file path=ppt/slides/slide14.xml><?xml version="1.0" encoding="utf-8"?>
+<file path=ppt/slides/slide21.xml><?xml version="1.0" encoding="utf-8"?>
 <p:sld xmlns:a="http://schemas.openxmlformats.org/drawingml/2006/main" xmlns:r="http://schemas.openxmlformats.org/officeDocument/2006/relationships" xmlns:p="http://schemas.openxmlformats.org/presentationml/2006/main">
   <p:cSld>
     <p:spTree>
@@ -7542,7 +8453,7 @@
 </p:sld>
 </file>
 
-<file path=ppt/slides/slide15.xml><?xml version="1.0" encoding="utf-8"?>
+<file path=ppt/slides/slide22.xml><?xml version="1.0" encoding="utf-8"?>
 <p:sld xmlns:a="http://schemas.openxmlformats.org/drawingml/2006/main" xmlns:r="http://schemas.openxmlformats.org/officeDocument/2006/relationships" xmlns:p="http://schemas.openxmlformats.org/presentationml/2006/main">
   <p:cSld>
     <p:spTree>
@@ -7643,7 +8554,7 @@
 </p:sld>
 </file>
 
-<file path=ppt/slides/slide16.xml><?xml version="1.0" encoding="utf-8"?>
+<file path=ppt/slides/slide23.xml><?xml version="1.0" encoding="utf-8"?>
 <p:sld xmlns:a="http://schemas.openxmlformats.org/drawingml/2006/main" xmlns:r="http://schemas.openxmlformats.org/officeDocument/2006/relationships" xmlns:p="http://schemas.openxmlformats.org/presentationml/2006/main">
   <p:cSld>
     <p:spTree>
@@ -7725,7 +8636,7 @@
 </p:sld>
 </file>
 
-<file path=ppt/slides/slide17.xml><?xml version="1.0" encoding="utf-8"?>
+<file path=ppt/slides/slide24.xml><?xml version="1.0" encoding="utf-8"?>
 <p:sld xmlns:a="http://schemas.openxmlformats.org/drawingml/2006/main" xmlns:r="http://schemas.openxmlformats.org/officeDocument/2006/relationships" xmlns:p="http://schemas.openxmlformats.org/presentationml/2006/main">
   <p:cSld>
     <p:spTree>
@@ -7835,7 +8746,7 @@
 </p:sld>
 </file>
 
-<file path=ppt/slides/slide2.xml><?xml version="1.0" encoding="utf-8"?>
+<file path=ppt/slides/slide3.xml><?xml version="1.0" encoding="utf-8"?>
 <p:sld xmlns:a="http://schemas.openxmlformats.org/drawingml/2006/main" xmlns:r="http://schemas.openxmlformats.org/officeDocument/2006/relationships" xmlns:p="http://schemas.openxmlformats.org/presentationml/2006/main">
   <p:cSld>
     <p:spTree>
@@ -7868,8 +8779,12 @@
           <a:lstStyle/>
           <a:p>
             <a:r>
-              <a:rPr lang="en-US" dirty="0" smtClean="0"/>
-              <a:t>Data Analysis Techniques	</a:t>
+              <a:rPr lang="en-US" dirty="0"/>
+              <a:t>Process </a:t>
+            </a:r>
+            <a:r>
+              <a:rPr lang="en-US" dirty="0" smtClean="0"/>
+              <a:t>Data</a:t>
             </a:r>
             <a:endParaRPr lang="en-US" dirty="0"/>
           </a:p>
@@ -7892,13 +8807,7 @@
           <a:p>
             <a:r>
               <a:rPr lang="en-US" dirty="0" smtClean="0"/>
-              <a:t>Used custom Python script created by McNichols, Ramos, and Enid</a:t>
-            </a:r>
-          </a:p>
-          <a:p>
-            <a:r>
-              <a:rPr lang="en-US" dirty="0" smtClean="0"/>
-              <a:t>Calculated GPS location of each suspect using phone bearing and </a:t>
+              <a:t>To get location data, we took the collection point and subtracted the </a:t>
             </a:r>
             <a:r>
               <a:rPr lang="en-US" dirty="0" err="1" smtClean="0"/>
@@ -7906,44 +8815,54 @@
             </a:r>
             <a:r>
               <a:rPr lang="en-US" dirty="0" smtClean="0"/>
-              <a:t>/long changes over time</a:t>
-            </a:r>
-          </a:p>
-          <a:p>
-            <a:r>
-              <a:rPr lang="en-US" dirty="0" smtClean="0"/>
-              <a:t>Grabbed any users that had locations overlapping by 250m or less at the same hour</a:t>
+              <a:t>/long change for each </a:t>
+            </a:r>
+            <a:r>
+              <a:rPr lang="en-US" dirty="0" err="1" smtClean="0"/>
+              <a:t>datapoint</a:t>
+            </a:r>
+            <a:r>
+              <a:rPr lang="en-US" dirty="0" smtClean="0"/>
+              <a:t>, adding them to a list backwards to show the path from the end</a:t>
+            </a:r>
+          </a:p>
+          <a:p>
+            <a:r>
+              <a:rPr lang="en-US" dirty="0" err="1" smtClean="0"/>
+              <a:t>Lat</a:t>
+            </a:r>
+            <a:r>
+              <a:rPr lang="en-US" dirty="0" smtClean="0"/>
+              <a:t>/long change had to be calculated using the bearing angle</a:t>
+            </a:r>
+          </a:p>
+          <a:p>
+            <a:r>
+              <a:rPr lang="en-US" dirty="0" smtClean="0"/>
+              <a:t>Eventually we had a list of time, </a:t>
+            </a:r>
+            <a:r>
+              <a:rPr lang="en-US" dirty="0" err="1" smtClean="0"/>
+              <a:t>lat</a:t>
+            </a:r>
+            <a:r>
+              <a:rPr lang="en-US" dirty="0" smtClean="0"/>
+              <a:t>, long for each point recorded for each suspect</a:t>
+            </a:r>
+          </a:p>
+          <a:p>
+            <a:r>
+              <a:rPr lang="en-US" dirty="0" smtClean="0"/>
+              <a:t>From here we could move forward with comparing data between suspects</a:t>
             </a:r>
             <a:endParaRPr lang="en-US" dirty="0"/>
           </a:p>
         </p:txBody>
       </p:sp>
-      <p:graphicFrame>
-        <p:nvGraphicFramePr>
-          <p:cNvPr id="4" name="Diagram 3"/>
-          <p:cNvGraphicFramePr/>
-          <p:nvPr>
-            <p:extLst>
-              <p:ext uri="{D42A27DB-BD31-4B8C-83A1-F6EECF244321}">
-                <p14:modId xmlns:p14="http://schemas.microsoft.com/office/powerpoint/2010/main" val="2753938239"/>
-              </p:ext>
-            </p:extLst>
-          </p:nvPr>
-        </p:nvGraphicFramePr>
-        <p:xfrm>
-          <a:off x="838200" y="2737651"/>
-          <a:ext cx="10361829" cy="5418667"/>
-        </p:xfrm>
-        <a:graphic>
-          <a:graphicData uri="http://schemas.openxmlformats.org/drawingml/2006/diagram">
-            <dgm:relIds xmlns:dgm="http://schemas.openxmlformats.org/drawingml/2006/diagram" xmlns:r="http://schemas.openxmlformats.org/officeDocument/2006/relationships" r:dm="rId2" r:lo="rId3" r:qs="rId4" r:cs="rId5"/>
-          </a:graphicData>
-        </a:graphic>
-      </p:graphicFrame>
     </p:spTree>
     <p:extLst>
       <p:ext uri="{BB962C8B-B14F-4D97-AF65-F5344CB8AC3E}">
-        <p14:creationId xmlns:p14="http://schemas.microsoft.com/office/powerpoint/2010/main" val="1724640030"/>
+        <p14:creationId xmlns:p14="http://schemas.microsoft.com/office/powerpoint/2010/main" val="2941470622"/>
       </p:ext>
     </p:extLst>
   </p:cSld>
@@ -7953,7 +8872,295 @@
 </p:sld>
 </file>
 
-<file path=ppt/slides/slide3.xml><?xml version="1.0" encoding="utf-8"?>
+<file path=ppt/slides/slide4.xml><?xml version="1.0" encoding="utf-8"?>
+<p:sld xmlns:a="http://schemas.openxmlformats.org/drawingml/2006/main" xmlns:r="http://schemas.openxmlformats.org/officeDocument/2006/relationships" xmlns:p="http://schemas.openxmlformats.org/presentationml/2006/main">
+  <p:cSld>
+    <p:spTree>
+      <p:nvGrpSpPr>
+        <p:cNvPr id="1" name=""/>
+        <p:cNvGrpSpPr/>
+        <p:nvPr/>
+      </p:nvGrpSpPr>
+      <p:grpSpPr>
+        <a:xfrm>
+          <a:off x="0" y="0"/>
+          <a:ext cx="0" cy="0"/>
+          <a:chOff x="0" y="0"/>
+          <a:chExt cx="0" cy="0"/>
+        </a:xfrm>
+      </p:grpSpPr>
+      <p:sp>
+        <p:nvSpPr>
+          <p:cNvPr id="2" name="Title 1"/>
+          <p:cNvSpPr>
+            <a:spLocks noGrp="1"/>
+          </p:cNvSpPr>
+          <p:nvPr>
+            <p:ph type="title"/>
+          </p:nvPr>
+        </p:nvSpPr>
+        <p:spPr/>
+        <p:txBody>
+          <a:bodyPr/>
+          <a:lstStyle/>
+          <a:p>
+            <a:r>
+              <a:rPr lang="en-US" dirty="0"/>
+              <a:t>Compare </a:t>
+            </a:r>
+            <a:r>
+              <a:rPr lang="en-US" dirty="0" smtClean="0"/>
+              <a:t>Times</a:t>
+            </a:r>
+            <a:endParaRPr lang="en-US" dirty="0"/>
+          </a:p>
+        </p:txBody>
+      </p:sp>
+      <p:sp>
+        <p:nvSpPr>
+          <p:cNvPr id="3" name="Content Placeholder 2"/>
+          <p:cNvSpPr>
+            <a:spLocks noGrp="1"/>
+          </p:cNvSpPr>
+          <p:nvPr>
+            <p:ph idx="1"/>
+          </p:nvPr>
+        </p:nvSpPr>
+        <p:spPr/>
+        <p:txBody>
+          <a:bodyPr/>
+          <a:lstStyle/>
+          <a:p>
+            <a:r>
+              <a:rPr lang="en-US" dirty="0" smtClean="0"/>
+              <a:t>The times were extremely precise, so we shifted to only using year, month, day, and hour for comparison</a:t>
+            </a:r>
+          </a:p>
+          <a:p>
+            <a:r>
+              <a:rPr lang="en-US" dirty="0" smtClean="0"/>
+              <a:t>We were able to remove all data taken at unique times not found elsewhere in the data</a:t>
+            </a:r>
+          </a:p>
+          <a:p>
+            <a:r>
+              <a:rPr lang="en-US" dirty="0" smtClean="0"/>
+              <a:t>At the end of this step we had lists of time: user data, user data, etc.</a:t>
+            </a:r>
+          </a:p>
+          <a:p>
+            <a:r>
+              <a:rPr lang="en-US" dirty="0" smtClean="0"/>
+              <a:t>From here we could compare the locations for times that were shared between suspects, for instance all data taken at 12/12 9 p.m. </a:t>
+            </a:r>
+            <a:endParaRPr lang="en-US" dirty="0"/>
+          </a:p>
+        </p:txBody>
+      </p:sp>
+    </p:spTree>
+    <p:extLst>
+      <p:ext uri="{BB962C8B-B14F-4D97-AF65-F5344CB8AC3E}">
+        <p14:creationId xmlns:p14="http://schemas.microsoft.com/office/powerpoint/2010/main" val="1512653487"/>
+      </p:ext>
+    </p:extLst>
+  </p:cSld>
+  <p:clrMapOvr>
+    <a:masterClrMapping/>
+  </p:clrMapOvr>
+</p:sld>
+</file>
+
+<file path=ppt/slides/slide5.xml><?xml version="1.0" encoding="utf-8"?>
+<p:sld xmlns:a="http://schemas.openxmlformats.org/drawingml/2006/main" xmlns:r="http://schemas.openxmlformats.org/officeDocument/2006/relationships" xmlns:p="http://schemas.openxmlformats.org/presentationml/2006/main">
+  <p:cSld>
+    <p:spTree>
+      <p:nvGrpSpPr>
+        <p:cNvPr id="1" name=""/>
+        <p:cNvGrpSpPr/>
+        <p:nvPr/>
+      </p:nvGrpSpPr>
+      <p:grpSpPr>
+        <a:xfrm>
+          <a:off x="0" y="0"/>
+          <a:ext cx="0" cy="0"/>
+          <a:chOff x="0" y="0"/>
+          <a:chExt cx="0" cy="0"/>
+        </a:xfrm>
+      </p:grpSpPr>
+      <p:sp>
+        <p:nvSpPr>
+          <p:cNvPr id="2" name="Title 1"/>
+          <p:cNvSpPr>
+            <a:spLocks noGrp="1"/>
+          </p:cNvSpPr>
+          <p:nvPr>
+            <p:ph type="title"/>
+          </p:nvPr>
+        </p:nvSpPr>
+        <p:spPr/>
+        <p:txBody>
+          <a:bodyPr/>
+          <a:lstStyle/>
+          <a:p>
+            <a:r>
+              <a:rPr lang="en-US" dirty="0"/>
+              <a:t>Compare </a:t>
+            </a:r>
+            <a:r>
+              <a:rPr lang="en-US" dirty="0" smtClean="0"/>
+              <a:t>Locations</a:t>
+            </a:r>
+            <a:endParaRPr lang="en-US" dirty="0"/>
+          </a:p>
+        </p:txBody>
+      </p:sp>
+      <p:sp>
+        <p:nvSpPr>
+          <p:cNvPr id="3" name="Content Placeholder 2"/>
+          <p:cNvSpPr>
+            <a:spLocks noGrp="1"/>
+          </p:cNvSpPr>
+          <p:nvPr>
+            <p:ph idx="1"/>
+          </p:nvPr>
+        </p:nvSpPr>
+        <p:spPr/>
+        <p:txBody>
+          <a:bodyPr/>
+          <a:lstStyle/>
+          <a:p>
+            <a:r>
+              <a:rPr lang="en-US" dirty="0" smtClean="0"/>
+              <a:t>We iterated through each time where multiple suspects’ data was taken and calculated distances between each suspect</a:t>
+            </a:r>
+          </a:p>
+          <a:p>
+            <a:r>
+              <a:rPr lang="en-US" dirty="0" smtClean="0"/>
+              <a:t>Used geodesic python library, which is frequently used by GIS researches and scientists, to find distance between latitude and longitude points</a:t>
+            </a:r>
+          </a:p>
+          <a:p>
+            <a:r>
+              <a:rPr lang="en-US" dirty="0" smtClean="0"/>
+              <a:t>From this point we were able to give a threshold value of distance where the code would alert us when 2 suspects were within the given distance at the same time</a:t>
+            </a:r>
+          </a:p>
+          <a:p>
+            <a:r>
+              <a:rPr lang="en-US" dirty="0" smtClean="0"/>
+              <a:t>Started with 100 meters but that gave no results, so increased it to 250 meters</a:t>
+            </a:r>
+            <a:endParaRPr lang="en-US" dirty="0"/>
+          </a:p>
+        </p:txBody>
+      </p:sp>
+    </p:spTree>
+    <p:extLst>
+      <p:ext uri="{BB962C8B-B14F-4D97-AF65-F5344CB8AC3E}">
+        <p14:creationId xmlns:p14="http://schemas.microsoft.com/office/powerpoint/2010/main" val="3751158129"/>
+      </p:ext>
+    </p:extLst>
+  </p:cSld>
+  <p:clrMapOvr>
+    <a:masterClrMapping/>
+  </p:clrMapOvr>
+</p:sld>
+</file>
+
+<file path=ppt/slides/slide6.xml><?xml version="1.0" encoding="utf-8"?>
+<p:sld xmlns:a="http://schemas.openxmlformats.org/drawingml/2006/main" xmlns:r="http://schemas.openxmlformats.org/officeDocument/2006/relationships" xmlns:p="http://schemas.openxmlformats.org/presentationml/2006/main">
+  <p:cSld>
+    <p:spTree>
+      <p:nvGrpSpPr>
+        <p:cNvPr id="1" name=""/>
+        <p:cNvGrpSpPr/>
+        <p:nvPr/>
+      </p:nvGrpSpPr>
+      <p:grpSpPr>
+        <a:xfrm>
+          <a:off x="0" y="0"/>
+          <a:ext cx="0" cy="0"/>
+          <a:chOff x="0" y="0"/>
+          <a:chExt cx="0" cy="0"/>
+        </a:xfrm>
+      </p:grpSpPr>
+      <p:sp>
+        <p:nvSpPr>
+          <p:cNvPr id="2" name="Title 1"/>
+          <p:cNvSpPr>
+            <a:spLocks noGrp="1"/>
+          </p:cNvSpPr>
+          <p:nvPr>
+            <p:ph type="title"/>
+          </p:nvPr>
+        </p:nvSpPr>
+        <p:spPr/>
+        <p:txBody>
+          <a:bodyPr/>
+          <a:lstStyle/>
+          <a:p>
+            <a:r>
+              <a:rPr lang="en-US" dirty="0"/>
+              <a:t>Display </a:t>
+            </a:r>
+            <a:r>
+              <a:rPr lang="en-US" dirty="0" smtClean="0"/>
+              <a:t>Paths</a:t>
+            </a:r>
+            <a:endParaRPr lang="en-US" dirty="0"/>
+          </a:p>
+        </p:txBody>
+      </p:sp>
+      <p:sp>
+        <p:nvSpPr>
+          <p:cNvPr id="3" name="Content Placeholder 2"/>
+          <p:cNvSpPr>
+            <a:spLocks noGrp="1"/>
+          </p:cNvSpPr>
+          <p:nvPr>
+            <p:ph idx="1"/>
+          </p:nvPr>
+        </p:nvSpPr>
+        <p:spPr/>
+        <p:txBody>
+          <a:bodyPr/>
+          <a:lstStyle/>
+          <a:p>
+            <a:r>
+              <a:rPr lang="en-US" dirty="0" smtClean="0"/>
+              <a:t>The code wrote text files of the paths of each suspects that overlapped</a:t>
+            </a:r>
+          </a:p>
+          <a:p>
+            <a:r>
+              <a:rPr lang="en-US" dirty="0" smtClean="0"/>
+              <a:t>Online map plotter GPS Visualizer takes in that output and maps it on a real map</a:t>
+            </a:r>
+          </a:p>
+          <a:p>
+            <a:r>
+              <a:rPr lang="en-US" dirty="0" smtClean="0"/>
+              <a:t>These are included in the following slides</a:t>
+            </a:r>
+            <a:endParaRPr lang="en-US" dirty="0"/>
+          </a:p>
+        </p:txBody>
+      </p:sp>
+    </p:spTree>
+    <p:extLst>
+      <p:ext uri="{BB962C8B-B14F-4D97-AF65-F5344CB8AC3E}">
+        <p14:creationId xmlns:p14="http://schemas.microsoft.com/office/powerpoint/2010/main" val="655408249"/>
+      </p:ext>
+    </p:extLst>
+  </p:cSld>
+  <p:clrMapOvr>
+    <a:masterClrMapping/>
+  </p:clrMapOvr>
+</p:sld>
+</file>
+
+<file path=ppt/slides/slide7.xml><?xml version="1.0" encoding="utf-8"?>
 <p:sld xmlns:a="http://schemas.openxmlformats.org/drawingml/2006/main" xmlns:r="http://schemas.openxmlformats.org/officeDocument/2006/relationships" xmlns:p="http://schemas.openxmlformats.org/presentationml/2006/main">
   <p:cSld>
     <p:spTree>
@@ -8089,7 +9296,83 @@
 </p:sld>
 </file>
 
-<file path=ppt/slides/slide4.xml><?xml version="1.0" encoding="utf-8"?>
+<file path=ppt/slides/slide8.xml><?xml version="1.0" encoding="utf-8"?>
+<p:sld xmlns:a="http://schemas.openxmlformats.org/drawingml/2006/main" xmlns:r="http://schemas.openxmlformats.org/officeDocument/2006/relationships" xmlns:p="http://schemas.openxmlformats.org/presentationml/2006/main">
+  <p:cSld>
+    <p:spTree>
+      <p:nvGrpSpPr>
+        <p:cNvPr id="1" name=""/>
+        <p:cNvGrpSpPr/>
+        <p:nvPr/>
+      </p:nvGrpSpPr>
+      <p:grpSpPr>
+        <a:xfrm>
+          <a:off x="0" y="0"/>
+          <a:ext cx="0" cy="0"/>
+          <a:chOff x="0" y="0"/>
+          <a:chExt cx="0" cy="0"/>
+        </a:xfrm>
+      </p:grpSpPr>
+      <p:sp>
+        <p:nvSpPr>
+          <p:cNvPr id="2" name="Title 1"/>
+          <p:cNvSpPr>
+            <a:spLocks noGrp="1"/>
+          </p:cNvSpPr>
+          <p:nvPr>
+            <p:ph type="title"/>
+          </p:nvPr>
+        </p:nvSpPr>
+        <p:spPr/>
+        <p:txBody>
+          <a:bodyPr/>
+          <a:lstStyle/>
+          <a:p>
+            <a:r>
+              <a:rPr lang="en-US" dirty="0" smtClean="0"/>
+              <a:t>Suggestions:</a:t>
+            </a:r>
+            <a:endParaRPr lang="en-US" dirty="0"/>
+          </a:p>
+        </p:txBody>
+      </p:sp>
+      <p:sp>
+        <p:nvSpPr>
+          <p:cNvPr id="3" name="Content Placeholder 2"/>
+          <p:cNvSpPr>
+            <a:spLocks noGrp="1"/>
+          </p:cNvSpPr>
+          <p:nvPr>
+            <p:ph idx="1"/>
+          </p:nvPr>
+        </p:nvSpPr>
+        <p:spPr/>
+        <p:txBody>
+          <a:bodyPr/>
+          <a:lstStyle/>
+          <a:p>
+            <a:r>
+              <a:rPr lang="en-US" dirty="0" smtClean="0"/>
+              <a:t>These suspects probably had little to do with each other. Their closest point was 240 meters away and as you can see from the paths, suspect 13 only walked by suspect 8 in the middle of a much longer trip</a:t>
+            </a:r>
+            <a:endParaRPr lang="en-US" dirty="0"/>
+          </a:p>
+        </p:txBody>
+      </p:sp>
+    </p:spTree>
+    <p:extLst>
+      <p:ext uri="{BB962C8B-B14F-4D97-AF65-F5344CB8AC3E}">
+        <p14:creationId xmlns:p14="http://schemas.microsoft.com/office/powerpoint/2010/main" val="3607785562"/>
+      </p:ext>
+    </p:extLst>
+  </p:cSld>
+  <p:clrMapOvr>
+    <a:masterClrMapping/>
+  </p:clrMapOvr>
+</p:sld>
+</file>
+
+<file path=ppt/slides/slide9.xml><?xml version="1.0" encoding="utf-8"?>
 <p:sld xmlns:a="http://schemas.openxmlformats.org/drawingml/2006/main" xmlns:r="http://schemas.openxmlformats.org/officeDocument/2006/relationships" xmlns:p="http://schemas.openxmlformats.org/presentationml/2006/main">
   <p:cSld>
     <p:spTree>
@@ -8214,640 +9497,6 @@
     <p:extLst>
       <p:ext uri="{BB962C8B-B14F-4D97-AF65-F5344CB8AC3E}">
         <p14:creationId xmlns:p14="http://schemas.microsoft.com/office/powerpoint/2010/main" val="1440575213"/>
-      </p:ext>
-    </p:extLst>
-  </p:cSld>
-  <p:clrMapOvr>
-    <a:masterClrMapping/>
-  </p:clrMapOvr>
-</p:sld>
-</file>
-
-<file path=ppt/slides/slide5.xml><?xml version="1.0" encoding="utf-8"?>
-<p:sld xmlns:a="http://schemas.openxmlformats.org/drawingml/2006/main" xmlns:r="http://schemas.openxmlformats.org/officeDocument/2006/relationships" xmlns:p="http://schemas.openxmlformats.org/presentationml/2006/main">
-  <p:cSld>
-    <p:spTree>
-      <p:nvGrpSpPr>
-        <p:cNvPr id="1" name=""/>
-        <p:cNvGrpSpPr/>
-        <p:nvPr/>
-      </p:nvGrpSpPr>
-      <p:grpSpPr>
-        <a:xfrm>
-          <a:off x="0" y="0"/>
-          <a:ext cx="0" cy="0"/>
-          <a:chOff x="0" y="0"/>
-          <a:chExt cx="0" cy="0"/>
-        </a:xfrm>
-      </p:grpSpPr>
-      <p:sp>
-        <p:nvSpPr>
-          <p:cNvPr id="11" name="Title 10"/>
-          <p:cNvSpPr>
-            <a:spLocks noGrp="1"/>
-          </p:cNvSpPr>
-          <p:nvPr>
-            <p:ph type="title"/>
-          </p:nvPr>
-        </p:nvSpPr>
-        <p:spPr>
-          <a:xfrm>
-            <a:off x="839788" y="0"/>
-            <a:ext cx="3932237" cy="1600200"/>
-          </a:xfrm>
-        </p:spPr>
-        <p:txBody>
-          <a:bodyPr/>
-          <a:lstStyle/>
-          <a:p>
-            <a:r>
-              <a:rPr lang="en-US" dirty="0" smtClean="0"/>
-              <a:t>Suspects ID 12 and 18</a:t>
-            </a:r>
-            <a:endParaRPr lang="en-US" dirty="0"/>
-          </a:p>
-        </p:txBody>
-      </p:sp>
-      <p:sp>
-        <p:nvSpPr>
-          <p:cNvPr id="12" name="Text Placeholder 11"/>
-          <p:cNvSpPr>
-            <a:spLocks noGrp="1"/>
-          </p:cNvSpPr>
-          <p:nvPr>
-            <p:ph type="body" sz="half" idx="2"/>
-          </p:nvPr>
-        </p:nvSpPr>
-        <p:spPr>
-          <a:xfrm>
-            <a:off x="839788" y="1600200"/>
-            <a:ext cx="3932237" cy="3811588"/>
-          </a:xfrm>
-        </p:spPr>
-        <p:txBody>
-          <a:bodyPr/>
-          <a:lstStyle/>
-          <a:p>
-            <a:r>
-              <a:rPr lang="en-US" dirty="0" smtClean="0"/>
-              <a:t>107.38879720503698 meters away from each other at 9pm on 12/12</a:t>
-            </a:r>
-          </a:p>
-        </p:txBody>
-      </p:sp>
-      <p:pic>
-        <p:nvPicPr>
-          <p:cNvPr id="3" name="Picture 2"/>
-          <p:cNvPicPr>
-            <a:picLocks noChangeAspect="1"/>
-          </p:cNvPicPr>
-          <p:nvPr/>
-        </p:nvPicPr>
-        <p:blipFill>
-          <a:blip r:embed="rId2"/>
-          <a:stretch>
-            <a:fillRect/>
-          </a:stretch>
-        </p:blipFill>
-        <p:spPr>
-          <a:xfrm>
-            <a:off x="6196097" y="1269241"/>
-            <a:ext cx="5392558" cy="5119901"/>
-          </a:xfrm>
-          <a:prstGeom prst="rect">
-            <a:avLst/>
-          </a:prstGeom>
-        </p:spPr>
-      </p:pic>
-      <p:pic>
-        <p:nvPicPr>
-          <p:cNvPr id="4" name="Picture 3"/>
-          <p:cNvPicPr>
-            <a:picLocks noChangeAspect="1"/>
-          </p:cNvPicPr>
-          <p:nvPr/>
-        </p:nvPicPr>
-        <p:blipFill>
-          <a:blip r:embed="rId3"/>
-          <a:stretch>
-            <a:fillRect/>
-          </a:stretch>
-        </p:blipFill>
-        <p:spPr>
-          <a:xfrm>
-            <a:off x="824468" y="2042473"/>
-            <a:ext cx="4539101" cy="4539101"/>
-          </a:xfrm>
-          <a:prstGeom prst="rect">
-            <a:avLst/>
-          </a:prstGeom>
-        </p:spPr>
-      </p:pic>
-    </p:spTree>
-    <p:extLst>
-      <p:ext uri="{BB962C8B-B14F-4D97-AF65-F5344CB8AC3E}">
-        <p14:creationId xmlns:p14="http://schemas.microsoft.com/office/powerpoint/2010/main" val="3292523917"/>
-      </p:ext>
-    </p:extLst>
-  </p:cSld>
-  <p:clrMapOvr>
-    <a:masterClrMapping/>
-  </p:clrMapOvr>
-</p:sld>
-</file>
-
-<file path=ppt/slides/slide6.xml><?xml version="1.0" encoding="utf-8"?>
-<p:sld xmlns:a="http://schemas.openxmlformats.org/drawingml/2006/main" xmlns:r="http://schemas.openxmlformats.org/officeDocument/2006/relationships" xmlns:p="http://schemas.openxmlformats.org/presentationml/2006/main">
-  <p:cSld>
-    <p:spTree>
-      <p:nvGrpSpPr>
-        <p:cNvPr id="1" name=""/>
-        <p:cNvGrpSpPr/>
-        <p:nvPr/>
-      </p:nvGrpSpPr>
-      <p:grpSpPr>
-        <a:xfrm>
-          <a:off x="0" y="0"/>
-          <a:ext cx="0" cy="0"/>
-          <a:chOff x="0" y="0"/>
-          <a:chExt cx="0" cy="0"/>
-        </a:xfrm>
-      </p:grpSpPr>
-      <p:sp>
-        <p:nvSpPr>
-          <p:cNvPr id="2" name="Title 1"/>
-          <p:cNvSpPr>
-            <a:spLocks noGrp="1"/>
-          </p:cNvSpPr>
-          <p:nvPr>
-            <p:ph type="title"/>
-          </p:nvPr>
-        </p:nvSpPr>
-        <p:spPr/>
-        <p:txBody>
-          <a:bodyPr/>
-          <a:lstStyle/>
-          <a:p>
-            <a:r>
-              <a:rPr lang="en-US" dirty="0" smtClean="0"/>
-              <a:t>Dimensionality Reduction Overview</a:t>
-            </a:r>
-            <a:endParaRPr lang="en-US" dirty="0"/>
-          </a:p>
-        </p:txBody>
-      </p:sp>
-      <p:sp>
-        <p:nvSpPr>
-          <p:cNvPr id="3" name="Content Placeholder 2"/>
-          <p:cNvSpPr>
-            <a:spLocks noGrp="1"/>
-          </p:cNvSpPr>
-          <p:nvPr>
-            <p:ph idx="1"/>
-          </p:nvPr>
-        </p:nvSpPr>
-        <p:spPr>
-          <a:xfrm>
-            <a:off x="838200" y="1825625"/>
-            <a:ext cx="10515600" cy="4657062"/>
-          </a:xfrm>
-        </p:spPr>
-        <p:txBody>
-          <a:bodyPr>
-            <a:normAutofit/>
-          </a:bodyPr>
-          <a:lstStyle/>
-          <a:p>
-            <a:r>
-              <a:rPr lang="en-US" dirty="0" smtClean="0"/>
-              <a:t>Uses statistics to get rid of dimensions in data, like turning a plane into a line or a line into a point</a:t>
-            </a:r>
-          </a:p>
-          <a:p>
-            <a:r>
-              <a:rPr lang="en-US" dirty="0" smtClean="0"/>
-              <a:t>Allows us to see the data displayed on a 2d or 3d plot even if it’s more than 3d data (like we have)</a:t>
-            </a:r>
-          </a:p>
-          <a:p>
-            <a:r>
-              <a:rPr lang="en-US" dirty="0" smtClean="0"/>
-              <a:t>If there are distinct differences between different types of data (like walking, driving, etc.) they will cluster together</a:t>
-            </a:r>
-          </a:p>
-          <a:p>
-            <a:r>
-              <a:rPr lang="en-US" dirty="0" smtClean="0"/>
-              <a:t>Increasing dimensions can help cluster better until there are too many dimensions for the number of classes</a:t>
-            </a:r>
-          </a:p>
-          <a:p>
-            <a:r>
-              <a:rPr lang="en-US" dirty="0" smtClean="0"/>
-              <a:t>A nice way to see if there is a correlation between the data and types of activity</a:t>
-            </a:r>
-            <a:endParaRPr lang="en-US" dirty="0"/>
-          </a:p>
-        </p:txBody>
-      </p:sp>
-    </p:spTree>
-    <p:extLst>
-      <p:ext uri="{BB962C8B-B14F-4D97-AF65-F5344CB8AC3E}">
-        <p14:creationId xmlns:p14="http://schemas.microsoft.com/office/powerpoint/2010/main" val="1047510381"/>
-      </p:ext>
-    </p:extLst>
-  </p:cSld>
-  <p:clrMapOvr>
-    <a:masterClrMapping/>
-  </p:clrMapOvr>
-</p:sld>
-</file>
-
-<file path=ppt/slides/slide7.xml><?xml version="1.0" encoding="utf-8"?>
-<p:sld xmlns:a="http://schemas.openxmlformats.org/drawingml/2006/main" xmlns:r="http://schemas.openxmlformats.org/officeDocument/2006/relationships" xmlns:p="http://schemas.openxmlformats.org/presentationml/2006/main">
-  <p:cSld>
-    <p:spTree>
-      <p:nvGrpSpPr>
-        <p:cNvPr id="1" name=""/>
-        <p:cNvGrpSpPr/>
-        <p:nvPr/>
-      </p:nvGrpSpPr>
-      <p:grpSpPr>
-        <a:xfrm>
-          <a:off x="0" y="0"/>
-          <a:ext cx="0" cy="0"/>
-          <a:chOff x="0" y="0"/>
-          <a:chExt cx="0" cy="0"/>
-        </a:xfrm>
-      </p:grpSpPr>
-      <p:sp>
-        <p:nvSpPr>
-          <p:cNvPr id="2" name="Title 1"/>
-          <p:cNvSpPr>
-            <a:spLocks noGrp="1"/>
-          </p:cNvSpPr>
-          <p:nvPr>
-            <p:ph type="title"/>
-          </p:nvPr>
-        </p:nvSpPr>
-        <p:spPr/>
-        <p:txBody>
-          <a:bodyPr/>
-          <a:lstStyle/>
-          <a:p>
-            <a:r>
-              <a:rPr lang="en-US" dirty="0" smtClean="0"/>
-              <a:t>Dimensionality Reduction on Location/Time</a:t>
-            </a:r>
-            <a:endParaRPr lang="en-US" dirty="0"/>
-          </a:p>
-        </p:txBody>
-      </p:sp>
-      <p:pic>
-        <p:nvPicPr>
-          <p:cNvPr id="4" name="Picture 3"/>
-          <p:cNvPicPr>
-            <a:picLocks noChangeAspect="1"/>
-          </p:cNvPicPr>
-          <p:nvPr/>
-        </p:nvPicPr>
-        <p:blipFill>
-          <a:blip r:embed="rId2"/>
-          <a:stretch>
-            <a:fillRect/>
-          </a:stretch>
-        </p:blipFill>
-        <p:spPr>
-          <a:xfrm>
-            <a:off x="606188" y="2112228"/>
-            <a:ext cx="5692353" cy="4465993"/>
-          </a:xfrm>
-          <a:prstGeom prst="rect">
-            <a:avLst/>
-          </a:prstGeom>
-        </p:spPr>
-      </p:pic>
-      <p:pic>
-        <p:nvPicPr>
-          <p:cNvPr id="5" name="Picture 4"/>
-          <p:cNvPicPr>
-            <a:picLocks noChangeAspect="1"/>
-          </p:cNvPicPr>
-          <p:nvPr/>
-        </p:nvPicPr>
-        <p:blipFill>
-          <a:blip r:embed="rId3"/>
-          <a:stretch>
-            <a:fillRect/>
-          </a:stretch>
-        </p:blipFill>
-        <p:spPr>
-          <a:xfrm>
-            <a:off x="6568269" y="1690688"/>
-            <a:ext cx="5102383" cy="4712434"/>
-          </a:xfrm>
-          <a:prstGeom prst="rect">
-            <a:avLst/>
-          </a:prstGeom>
-        </p:spPr>
-      </p:pic>
-      <p:pic>
-        <p:nvPicPr>
-          <p:cNvPr id="6" name="Picture 5"/>
-          <p:cNvPicPr>
-            <a:picLocks noChangeAspect="1"/>
-          </p:cNvPicPr>
-          <p:nvPr/>
-        </p:nvPicPr>
-        <p:blipFill>
-          <a:blip r:embed="rId4"/>
-          <a:stretch>
-            <a:fillRect/>
-          </a:stretch>
-        </p:blipFill>
-        <p:spPr>
-          <a:xfrm>
-            <a:off x="6674109" y="2565447"/>
-            <a:ext cx="2251525" cy="3559553"/>
-          </a:xfrm>
-          <a:prstGeom prst="rect">
-            <a:avLst/>
-          </a:prstGeom>
-        </p:spPr>
-      </p:pic>
-    </p:spTree>
-    <p:extLst>
-      <p:ext uri="{BB962C8B-B14F-4D97-AF65-F5344CB8AC3E}">
-        <p14:creationId xmlns:p14="http://schemas.microsoft.com/office/powerpoint/2010/main" val="605617231"/>
-      </p:ext>
-    </p:extLst>
-  </p:cSld>
-  <p:clrMapOvr>
-    <a:masterClrMapping/>
-  </p:clrMapOvr>
-</p:sld>
-</file>
-
-<file path=ppt/slides/slide8.xml><?xml version="1.0" encoding="utf-8"?>
-<p:sld xmlns:a="http://schemas.openxmlformats.org/drawingml/2006/main" xmlns:r="http://schemas.openxmlformats.org/officeDocument/2006/relationships" xmlns:p="http://schemas.openxmlformats.org/presentationml/2006/main">
-  <p:cSld>
-    <p:spTree>
-      <p:nvGrpSpPr>
-        <p:cNvPr id="1" name=""/>
-        <p:cNvGrpSpPr/>
-        <p:nvPr/>
-      </p:nvGrpSpPr>
-      <p:grpSpPr>
-        <a:xfrm>
-          <a:off x="0" y="0"/>
-          <a:ext cx="0" cy="0"/>
-          <a:chOff x="0" y="0"/>
-          <a:chExt cx="0" cy="0"/>
-        </a:xfrm>
-      </p:grpSpPr>
-      <p:sp>
-        <p:nvSpPr>
-          <p:cNvPr id="2" name="Title 1"/>
-          <p:cNvSpPr>
-            <a:spLocks noGrp="1"/>
-          </p:cNvSpPr>
-          <p:nvPr>
-            <p:ph type="title"/>
-          </p:nvPr>
-        </p:nvSpPr>
-        <p:spPr/>
-        <p:txBody>
-          <a:bodyPr/>
-          <a:lstStyle/>
-          <a:p>
-            <a:r>
-              <a:rPr lang="en-US" dirty="0"/>
-              <a:t>Dimensionality </a:t>
-            </a:r>
-            <a:r>
-              <a:rPr lang="en-US" dirty="0" smtClean="0"/>
-              <a:t>Reduction on all Data</a:t>
-            </a:r>
-            <a:endParaRPr lang="en-US" dirty="0"/>
-          </a:p>
-        </p:txBody>
-      </p:sp>
-      <p:pic>
-        <p:nvPicPr>
-          <p:cNvPr id="4" name="Picture 3"/>
-          <p:cNvPicPr>
-            <a:picLocks noChangeAspect="1"/>
-          </p:cNvPicPr>
-          <p:nvPr/>
-        </p:nvPicPr>
-        <p:blipFill>
-          <a:blip r:embed="rId2"/>
-          <a:stretch>
-            <a:fillRect/>
-          </a:stretch>
-        </p:blipFill>
-        <p:spPr>
-          <a:xfrm>
-            <a:off x="169460" y="1868109"/>
-            <a:ext cx="6854363" cy="3768416"/>
-          </a:xfrm>
-          <a:prstGeom prst="rect">
-            <a:avLst/>
-          </a:prstGeom>
-        </p:spPr>
-      </p:pic>
-      <p:pic>
-        <p:nvPicPr>
-          <p:cNvPr id="5" name="Picture 4"/>
-          <p:cNvPicPr>
-            <a:picLocks noChangeAspect="1"/>
-          </p:cNvPicPr>
-          <p:nvPr/>
-        </p:nvPicPr>
-        <p:blipFill>
-          <a:blip r:embed="rId3"/>
-          <a:stretch>
-            <a:fillRect/>
-          </a:stretch>
-        </p:blipFill>
-        <p:spPr>
-          <a:xfrm>
-            <a:off x="5804208" y="1514900"/>
-            <a:ext cx="5040633" cy="4865569"/>
-          </a:xfrm>
-          <a:prstGeom prst="rect">
-            <a:avLst/>
-          </a:prstGeom>
-        </p:spPr>
-      </p:pic>
-      <p:pic>
-        <p:nvPicPr>
-          <p:cNvPr id="6" name="Picture 5"/>
-          <p:cNvPicPr>
-            <a:picLocks noChangeAspect="1"/>
-          </p:cNvPicPr>
-          <p:nvPr/>
-        </p:nvPicPr>
-        <p:blipFill>
-          <a:blip r:embed="rId4"/>
-          <a:stretch>
-            <a:fillRect/>
-          </a:stretch>
-        </p:blipFill>
-        <p:spPr>
-          <a:xfrm>
-            <a:off x="8181936" y="3946092"/>
-            <a:ext cx="2850414" cy="2434377"/>
-          </a:xfrm>
-          <a:prstGeom prst="rect">
-            <a:avLst/>
-          </a:prstGeom>
-        </p:spPr>
-      </p:pic>
-      <p:pic>
-        <p:nvPicPr>
-          <p:cNvPr id="7" name="Picture 6"/>
-          <p:cNvPicPr>
-            <a:picLocks noChangeAspect="1"/>
-          </p:cNvPicPr>
-          <p:nvPr/>
-        </p:nvPicPr>
-        <p:blipFill>
-          <a:blip r:embed="rId5"/>
-          <a:stretch>
-            <a:fillRect/>
-          </a:stretch>
-        </p:blipFill>
-        <p:spPr>
-          <a:xfrm>
-            <a:off x="9405986" y="1485255"/>
-            <a:ext cx="1800225" cy="1885950"/>
-          </a:xfrm>
-          <a:prstGeom prst="rect">
-            <a:avLst/>
-          </a:prstGeom>
-        </p:spPr>
-      </p:pic>
-    </p:spTree>
-    <p:extLst>
-      <p:ext uri="{BB962C8B-B14F-4D97-AF65-F5344CB8AC3E}">
-        <p14:creationId xmlns:p14="http://schemas.microsoft.com/office/powerpoint/2010/main" val="4032815618"/>
-      </p:ext>
-    </p:extLst>
-  </p:cSld>
-  <p:clrMapOvr>
-    <a:masterClrMapping/>
-  </p:clrMapOvr>
-</p:sld>
-</file>
-
-<file path=ppt/slides/slide9.xml><?xml version="1.0" encoding="utf-8"?>
-<p:sld xmlns:a="http://schemas.openxmlformats.org/drawingml/2006/main" xmlns:r="http://schemas.openxmlformats.org/officeDocument/2006/relationships" xmlns:p="http://schemas.openxmlformats.org/presentationml/2006/main">
-  <p:cSld>
-    <p:spTree>
-      <p:nvGrpSpPr>
-        <p:cNvPr id="1" name=""/>
-        <p:cNvGrpSpPr/>
-        <p:nvPr/>
-      </p:nvGrpSpPr>
-      <p:grpSpPr>
-        <a:xfrm>
-          <a:off x="0" y="0"/>
-          <a:ext cx="0" cy="0"/>
-          <a:chOff x="0" y="0"/>
-          <a:chExt cx="0" cy="0"/>
-        </a:xfrm>
-      </p:grpSpPr>
-      <p:sp>
-        <p:nvSpPr>
-          <p:cNvPr id="2" name="Title 1"/>
-          <p:cNvSpPr>
-            <a:spLocks noGrp="1"/>
-          </p:cNvSpPr>
-          <p:nvPr>
-            <p:ph type="title"/>
-          </p:nvPr>
-        </p:nvSpPr>
-        <p:spPr/>
-        <p:txBody>
-          <a:bodyPr/>
-          <a:lstStyle/>
-          <a:p>
-            <a:r>
-              <a:rPr lang="en-US" dirty="0"/>
-              <a:t>Dimensionality Reduction on </a:t>
-            </a:r>
-            <a:r>
-              <a:rPr lang="en-US" dirty="0" smtClean="0"/>
-              <a:t>Location/Time</a:t>
-            </a:r>
-            <a:br>
-              <a:rPr lang="en-US" dirty="0" smtClean="0"/>
-            </a:br>
-            <a:r>
-              <a:rPr lang="en-US" dirty="0" smtClean="0"/>
-              <a:t>Analysis</a:t>
-            </a:r>
-            <a:endParaRPr lang="en-US" dirty="0"/>
-          </a:p>
-        </p:txBody>
-      </p:sp>
-      <p:sp>
-        <p:nvSpPr>
-          <p:cNvPr id="3" name="Content Placeholder 2"/>
-          <p:cNvSpPr>
-            <a:spLocks noGrp="1"/>
-          </p:cNvSpPr>
-          <p:nvPr>
-            <p:ph idx="1"/>
-          </p:nvPr>
-        </p:nvSpPr>
-        <p:spPr>
-          <a:xfrm>
-            <a:off x="838200" y="1690688"/>
-            <a:ext cx="10515600" cy="4351338"/>
-          </a:xfrm>
-        </p:spPr>
-        <p:txBody>
-          <a:bodyPr/>
-          <a:lstStyle/>
-          <a:p>
-            <a:r>
-              <a:rPr lang="en-US" dirty="0" smtClean="0"/>
-              <a:t>As dimensions increase, the 4 different types of activity cluster more</a:t>
-            </a:r>
-          </a:p>
-          <a:p>
-            <a:r>
-              <a:rPr lang="en-US" dirty="0" smtClean="0"/>
-              <a:t>Actual data has latitude, longitude, timestamp</a:t>
-            </a:r>
-          </a:p>
-          <a:p>
-            <a:r>
-              <a:rPr lang="en-US" dirty="0" smtClean="0"/>
-              <a:t>Clusters are visible, but have significant overlap</a:t>
-            </a:r>
-          </a:p>
-          <a:p>
-            <a:r>
-              <a:rPr lang="en-US" dirty="0" smtClean="0"/>
-              <a:t>Explains why the SVM is correct half of the time, but not more</a:t>
-            </a:r>
-          </a:p>
-          <a:p>
-            <a:pPr lvl="1"/>
-            <a:r>
-              <a:rPr lang="en-US" dirty="0" smtClean="0"/>
-              <a:t>There are enough differences to guess the different types of activity some of the time, but not enough to guess every time</a:t>
-            </a:r>
-          </a:p>
-        </p:txBody>
-      </p:sp>
-    </p:spTree>
-    <p:extLst>
-      <p:ext uri="{BB962C8B-B14F-4D97-AF65-F5344CB8AC3E}">
-        <p14:creationId xmlns:p14="http://schemas.microsoft.com/office/powerpoint/2010/main" val="2794015051"/>
       </p:ext>
     </p:extLst>
   </p:cSld>

--- a/480_HW1.pptx
+++ b/480_HW1.pptx
@@ -21,14 +21,17 @@
     <p:sldId id="267" r:id="rId15"/>
     <p:sldId id="268" r:id="rId16"/>
     <p:sldId id="269" r:id="rId17"/>
-    <p:sldId id="272" r:id="rId18"/>
-    <p:sldId id="274" r:id="rId19"/>
+    <p:sldId id="283" r:id="rId18"/>
+    <p:sldId id="272" r:id="rId19"/>
     <p:sldId id="262" r:id="rId20"/>
-    <p:sldId id="264" r:id="rId21"/>
-    <p:sldId id="265" r:id="rId22"/>
-    <p:sldId id="266" r:id="rId23"/>
-    <p:sldId id="273" r:id="rId24"/>
-    <p:sldId id="263" r:id="rId25"/>
+    <p:sldId id="265" r:id="rId21"/>
+    <p:sldId id="284" r:id="rId22"/>
+    <p:sldId id="274" r:id="rId23"/>
+    <p:sldId id="264" r:id="rId24"/>
+    <p:sldId id="266" r:id="rId25"/>
+    <p:sldId id="273" r:id="rId26"/>
+    <p:sldId id="263" r:id="rId27"/>
+    <p:sldId id="282" r:id="rId28"/>
   </p:sldIdLst>
   <p:sldSz cx="12192000" cy="6858000"/>
   <p:notesSz cx="6858000" cy="9144000"/>
@@ -3877,7 +3880,7 @@
           <a:p>
             <a:fld id="{38163460-9537-49C2-A504-CDCA7FB2D4DE}" type="datetimeFigureOut">
               <a:rPr lang="en-US" smtClean="0"/>
-              <a:t>11/15/2021</a:t>
+              <a:t>12/1/2021</a:t>
             </a:fld>
             <a:endParaRPr lang="en-US"/>
           </a:p>
@@ -4047,7 +4050,7 @@
           <a:p>
             <a:fld id="{38163460-9537-49C2-A504-CDCA7FB2D4DE}" type="datetimeFigureOut">
               <a:rPr lang="en-US" smtClean="0"/>
-              <a:t>11/15/2021</a:t>
+              <a:t>12/1/2021</a:t>
             </a:fld>
             <a:endParaRPr lang="en-US"/>
           </a:p>
@@ -4227,7 +4230,7 @@
           <a:p>
             <a:fld id="{38163460-9537-49C2-A504-CDCA7FB2D4DE}" type="datetimeFigureOut">
               <a:rPr lang="en-US" smtClean="0"/>
-              <a:t>11/15/2021</a:t>
+              <a:t>12/1/2021</a:t>
             </a:fld>
             <a:endParaRPr lang="en-US"/>
           </a:p>
@@ -4397,7 +4400,7 @@
           <a:p>
             <a:fld id="{38163460-9537-49C2-A504-CDCA7FB2D4DE}" type="datetimeFigureOut">
               <a:rPr lang="en-US" smtClean="0"/>
-              <a:t>11/15/2021</a:t>
+              <a:t>12/1/2021</a:t>
             </a:fld>
             <a:endParaRPr lang="en-US"/>
           </a:p>
@@ -4643,7 +4646,7 @@
           <a:p>
             <a:fld id="{38163460-9537-49C2-A504-CDCA7FB2D4DE}" type="datetimeFigureOut">
               <a:rPr lang="en-US" smtClean="0"/>
-              <a:t>11/15/2021</a:t>
+              <a:t>12/1/2021</a:t>
             </a:fld>
             <a:endParaRPr lang="en-US"/>
           </a:p>
@@ -4875,7 +4878,7 @@
           <a:p>
             <a:fld id="{38163460-9537-49C2-A504-CDCA7FB2D4DE}" type="datetimeFigureOut">
               <a:rPr lang="en-US" smtClean="0"/>
-              <a:t>11/15/2021</a:t>
+              <a:t>12/1/2021</a:t>
             </a:fld>
             <a:endParaRPr lang="en-US"/>
           </a:p>
@@ -5242,7 +5245,7 @@
           <a:p>
             <a:fld id="{38163460-9537-49C2-A504-CDCA7FB2D4DE}" type="datetimeFigureOut">
               <a:rPr lang="en-US" smtClean="0"/>
-              <a:t>11/15/2021</a:t>
+              <a:t>12/1/2021</a:t>
             </a:fld>
             <a:endParaRPr lang="en-US"/>
           </a:p>
@@ -5360,7 +5363,7 @@
           <a:p>
             <a:fld id="{38163460-9537-49C2-A504-CDCA7FB2D4DE}" type="datetimeFigureOut">
               <a:rPr lang="en-US" smtClean="0"/>
-              <a:t>11/15/2021</a:t>
+              <a:t>12/1/2021</a:t>
             </a:fld>
             <a:endParaRPr lang="en-US"/>
           </a:p>
@@ -5455,7 +5458,7 @@
           <a:p>
             <a:fld id="{38163460-9537-49C2-A504-CDCA7FB2D4DE}" type="datetimeFigureOut">
               <a:rPr lang="en-US" smtClean="0"/>
-              <a:t>11/15/2021</a:t>
+              <a:t>12/1/2021</a:t>
             </a:fld>
             <a:endParaRPr lang="en-US"/>
           </a:p>
@@ -5732,7 +5735,7 @@
           <a:p>
             <a:fld id="{38163460-9537-49C2-A504-CDCA7FB2D4DE}" type="datetimeFigureOut">
               <a:rPr lang="en-US" smtClean="0"/>
-              <a:t>11/15/2021</a:t>
+              <a:t>12/1/2021</a:t>
             </a:fld>
             <a:endParaRPr lang="en-US"/>
           </a:p>
@@ -5985,7 +5988,7 @@
           <a:p>
             <a:fld id="{38163460-9537-49C2-A504-CDCA7FB2D4DE}" type="datetimeFigureOut">
               <a:rPr lang="en-US" smtClean="0"/>
-              <a:t>11/15/2021</a:t>
+              <a:t>12/1/2021</a:t>
             </a:fld>
             <a:endParaRPr lang="en-US"/>
           </a:p>
@@ -6198,7 +6201,7 @@
           <a:p>
             <a:fld id="{38163460-9537-49C2-A504-CDCA7FB2D4DE}" type="datetimeFigureOut">
               <a:rPr lang="en-US" smtClean="0"/>
-              <a:t>11/15/2021</a:t>
+              <a:t>12/1/2021</a:t>
             </a:fld>
             <a:endParaRPr lang="en-US"/>
           </a:p>
@@ -7419,27 +7422,23 @@
           <a:p>
             <a:r>
               <a:rPr lang="en-US" dirty="0" smtClean="0"/>
-              <a:t>Actual data has latitude, longitude, timestamp</a:t>
-            </a:r>
-          </a:p>
-          <a:p>
-            <a:r>
-              <a:rPr lang="en-US" dirty="0" smtClean="0"/>
-              <a:t>Clusters are visible, but have significant overlap</a:t>
-            </a:r>
-          </a:p>
-          <a:p>
-            <a:r>
-              <a:rPr lang="en-US" dirty="0" smtClean="0"/>
-              <a:t>Explains why the SVM is correct half of the time, but not more</a:t>
-            </a:r>
-          </a:p>
-          <a:p>
-            <a:pPr lvl="1"/>
-            <a:r>
-              <a:rPr lang="en-US" dirty="0" smtClean="0"/>
-              <a:t>There are enough differences to guess the different types of activity some of the time, but not enough to guess every time</a:t>
-            </a:r>
+              <a:t>Clusters </a:t>
+            </a:r>
+            <a:r>
+              <a:rPr lang="en-US" dirty="0" smtClean="0"/>
+              <a:t>are </a:t>
+            </a:r>
+            <a:r>
+              <a:rPr lang="en-US" dirty="0" smtClean="0"/>
+              <a:t>visible from different angles, showing that they are at least somewhat distinct</a:t>
+            </a:r>
+          </a:p>
+          <a:p>
+            <a:r>
+              <a:rPr lang="en-US" dirty="0" smtClean="0"/>
+              <a:t>Gives an indication that we will be able to find correlation with at least one method</a:t>
+            </a:r>
+            <a:endParaRPr lang="en-US" dirty="0" smtClean="0"/>
           </a:p>
         </p:txBody>
       </p:sp>
@@ -7457,6 +7456,123 @@
 </file>
 
 <file path=ppt/slides/slide17.xml><?xml version="1.0" encoding="utf-8"?>
+<p:sld xmlns:a="http://schemas.openxmlformats.org/drawingml/2006/main" xmlns:r="http://schemas.openxmlformats.org/officeDocument/2006/relationships" xmlns:p="http://schemas.openxmlformats.org/presentationml/2006/main">
+  <p:cSld>
+    <p:spTree>
+      <p:nvGrpSpPr>
+        <p:cNvPr id="1" name=""/>
+        <p:cNvGrpSpPr/>
+        <p:nvPr/>
+      </p:nvGrpSpPr>
+      <p:grpSpPr>
+        <a:xfrm>
+          <a:off x="0" y="0"/>
+          <a:ext cx="0" cy="0"/>
+          <a:chOff x="0" y="0"/>
+          <a:chExt cx="0" cy="0"/>
+        </a:xfrm>
+      </p:grpSpPr>
+      <p:sp>
+        <p:nvSpPr>
+          <p:cNvPr id="2" name="Title 1"/>
+          <p:cNvSpPr>
+            <a:spLocks noGrp="1"/>
+          </p:cNvSpPr>
+          <p:nvPr>
+            <p:ph type="title"/>
+          </p:nvPr>
+        </p:nvSpPr>
+        <p:spPr/>
+        <p:txBody>
+          <a:bodyPr/>
+          <a:lstStyle/>
+          <a:p>
+            <a:r>
+              <a:rPr lang="en-US" dirty="0"/>
+              <a:t>Dimensionality Reduction on </a:t>
+            </a:r>
+            <a:r>
+              <a:rPr lang="en-US" dirty="0" smtClean="0"/>
+              <a:t>all Data</a:t>
+            </a:r>
+            <a:r>
+              <a:rPr lang="en-US" dirty="0"/>
+              <a:t> </a:t>
+            </a:r>
+            <a:r>
+              <a:rPr lang="en-US" dirty="0" smtClean="0"/>
+              <a:t>Analysis</a:t>
+            </a:r>
+            <a:endParaRPr lang="en-US" dirty="0"/>
+          </a:p>
+        </p:txBody>
+      </p:sp>
+      <p:sp>
+        <p:nvSpPr>
+          <p:cNvPr id="3" name="Content Placeholder 2"/>
+          <p:cNvSpPr>
+            <a:spLocks noGrp="1"/>
+          </p:cNvSpPr>
+          <p:nvPr>
+            <p:ph idx="1"/>
+          </p:nvPr>
+        </p:nvSpPr>
+        <p:spPr>
+          <a:xfrm>
+            <a:off x="838200" y="1690688"/>
+            <a:ext cx="10515600" cy="4351338"/>
+          </a:xfrm>
+        </p:spPr>
+        <p:txBody>
+          <a:bodyPr/>
+          <a:lstStyle/>
+          <a:p>
+            <a:r>
+              <a:rPr lang="en-US" dirty="0" smtClean="0"/>
+              <a:t>As dimensions increase, the 4 different types of activity cluster more</a:t>
+            </a:r>
+          </a:p>
+          <a:p>
+            <a:r>
+              <a:rPr lang="en-US" dirty="0" smtClean="0"/>
+              <a:t>Actual data has latitude, longitude, timestamp</a:t>
+            </a:r>
+          </a:p>
+          <a:p>
+            <a:r>
+              <a:rPr lang="en-US" dirty="0" smtClean="0"/>
+              <a:t>Clusters are visible, but have significant overlap</a:t>
+            </a:r>
+          </a:p>
+          <a:p>
+            <a:r>
+              <a:rPr lang="en-US" dirty="0" smtClean="0"/>
+              <a:t>Explains why the SVM is correct half of the time, but not more</a:t>
+            </a:r>
+          </a:p>
+          <a:p>
+            <a:pPr lvl="1"/>
+            <a:r>
+              <a:rPr lang="en-US" dirty="0" smtClean="0"/>
+              <a:t>There are enough differences to guess the different types of activity some of the time, but not enough to guess every time</a:t>
+            </a:r>
+          </a:p>
+        </p:txBody>
+      </p:sp>
+    </p:spTree>
+    <p:extLst>
+      <p:ext uri="{BB962C8B-B14F-4D97-AF65-F5344CB8AC3E}">
+        <p14:creationId xmlns:p14="http://schemas.microsoft.com/office/powerpoint/2010/main" val="3131301694"/>
+      </p:ext>
+    </p:extLst>
+  </p:cSld>
+  <p:clrMapOvr>
+    <a:masterClrMapping/>
+  </p:clrMapOvr>
+</p:sld>
+</file>
+
+<file path=ppt/slides/slide18.xml><?xml version="1.0" encoding="utf-8"?>
 <p:sld xmlns:a="http://schemas.openxmlformats.org/drawingml/2006/main" xmlns:r="http://schemas.openxmlformats.org/officeDocument/2006/relationships" xmlns:p="http://schemas.openxmlformats.org/presentationml/2006/main">
   <p:cSld>
     <p:spTree>
@@ -7608,123 +7724,6 @@
 </p:sld>
 </file>
 
-<file path=ppt/slides/slide18.xml><?xml version="1.0" encoding="utf-8"?>
-<p:sld xmlns:a="http://schemas.openxmlformats.org/drawingml/2006/main" xmlns:r="http://schemas.openxmlformats.org/officeDocument/2006/relationships" xmlns:p="http://schemas.openxmlformats.org/presentationml/2006/main">
-  <p:cSld>
-    <p:spTree>
-      <p:nvGrpSpPr>
-        <p:cNvPr id="1" name=""/>
-        <p:cNvGrpSpPr/>
-        <p:nvPr/>
-      </p:nvGrpSpPr>
-      <p:grpSpPr>
-        <a:xfrm>
-          <a:off x="0" y="0"/>
-          <a:ext cx="0" cy="0"/>
-          <a:chOff x="0" y="0"/>
-          <a:chExt cx="0" cy="0"/>
-        </a:xfrm>
-      </p:grpSpPr>
-      <p:sp>
-        <p:nvSpPr>
-          <p:cNvPr id="2" name="Title 1"/>
-          <p:cNvSpPr>
-            <a:spLocks noGrp="1"/>
-          </p:cNvSpPr>
-          <p:nvPr>
-            <p:ph type="title"/>
-          </p:nvPr>
-        </p:nvSpPr>
-        <p:spPr/>
-        <p:txBody>
-          <a:bodyPr/>
-          <a:lstStyle/>
-          <a:p>
-            <a:r>
-              <a:rPr lang="en-US" dirty="0" smtClean="0"/>
-              <a:t>Random Forest Regression Overview</a:t>
-            </a:r>
-            <a:endParaRPr lang="en-US" dirty="0"/>
-          </a:p>
-        </p:txBody>
-      </p:sp>
-      <p:sp>
-        <p:nvSpPr>
-          <p:cNvPr id="3" name="Content Placeholder 2"/>
-          <p:cNvSpPr>
-            <a:spLocks noGrp="1"/>
-          </p:cNvSpPr>
-          <p:nvPr>
-            <p:ph idx="1"/>
-          </p:nvPr>
-        </p:nvSpPr>
-        <p:spPr/>
-        <p:txBody>
-          <a:bodyPr/>
-          <a:lstStyle/>
-          <a:p>
-            <a:r>
-              <a:rPr lang="en-US" dirty="0" smtClean="0"/>
-              <a:t>If data has many dimensions, linear relationships can be harder to find</a:t>
-            </a:r>
-          </a:p>
-          <a:p>
-            <a:r>
-              <a:rPr lang="en-US" dirty="0" smtClean="0"/>
-              <a:t>There can still be other relationships in 3-n dimensions</a:t>
-            </a:r>
-          </a:p>
-          <a:p>
-            <a:r>
-              <a:rPr lang="en-US" dirty="0" smtClean="0"/>
-              <a:t>For example, data can cluster or group in spheres</a:t>
-            </a:r>
-          </a:p>
-          <a:p>
-            <a:r>
-              <a:rPr lang="en-US" dirty="0" smtClean="0"/>
-              <a:t>Random Forest Regression tests for non-linear relationships in data by exploring all classes and giving out the mean of each one</a:t>
-            </a:r>
-          </a:p>
-        </p:txBody>
-      </p:sp>
-      <p:pic>
-        <p:nvPicPr>
-          <p:cNvPr id="4" name="Picture 3"/>
-          <p:cNvPicPr>
-            <a:picLocks noChangeAspect="1"/>
-          </p:cNvPicPr>
-          <p:nvPr/>
-        </p:nvPicPr>
-        <p:blipFill>
-          <a:blip r:embed="rId2"/>
-          <a:stretch>
-            <a:fillRect/>
-          </a:stretch>
-        </p:blipFill>
-        <p:spPr>
-          <a:xfrm>
-            <a:off x="838200" y="4523886"/>
-            <a:ext cx="4129585" cy="2334114"/>
-          </a:xfrm>
-          <a:prstGeom prst="rect">
-            <a:avLst/>
-          </a:prstGeom>
-        </p:spPr>
-      </p:pic>
-    </p:spTree>
-    <p:extLst>
-      <p:ext uri="{BB962C8B-B14F-4D97-AF65-F5344CB8AC3E}">
-        <p14:creationId xmlns:p14="http://schemas.microsoft.com/office/powerpoint/2010/main" val="2401008592"/>
-      </p:ext>
-    </p:extLst>
-  </p:cSld>
-  <p:clrMapOvr>
-    <a:masterClrMapping/>
-  </p:clrMapOvr>
-</p:sld>
-</file>
-
 <file path=ppt/slides/slide19.xml><?xml version="1.0" encoding="utf-8"?>
 <p:sld xmlns:a="http://schemas.openxmlformats.org/drawingml/2006/main" xmlns:r="http://schemas.openxmlformats.org/officeDocument/2006/relationships" xmlns:p="http://schemas.openxmlformats.org/presentationml/2006/main">
   <p:cSld>
@@ -8047,116 +8046,6 @@
 </file>
 
 <file path=ppt/slides/slide20.xml><?xml version="1.0" encoding="utf-8"?>
-<p:sld xmlns:a="http://schemas.openxmlformats.org/drawingml/2006/main" xmlns:r="http://schemas.openxmlformats.org/officeDocument/2006/relationships" xmlns:p="http://schemas.openxmlformats.org/presentationml/2006/main">
-  <p:cSld>
-    <p:spTree>
-      <p:nvGrpSpPr>
-        <p:cNvPr id="1" name=""/>
-        <p:cNvGrpSpPr/>
-        <p:nvPr/>
-      </p:nvGrpSpPr>
-      <p:grpSpPr>
-        <a:xfrm>
-          <a:off x="0" y="0"/>
-          <a:ext cx="0" cy="0"/>
-          <a:chOff x="0" y="0"/>
-          <a:chExt cx="0" cy="0"/>
-        </a:xfrm>
-      </p:grpSpPr>
-      <p:sp>
-        <p:nvSpPr>
-          <p:cNvPr id="2" name="Title 1"/>
-          <p:cNvSpPr>
-            <a:spLocks noGrp="1"/>
-          </p:cNvSpPr>
-          <p:nvPr>
-            <p:ph type="title"/>
-          </p:nvPr>
-        </p:nvSpPr>
-        <p:spPr/>
-        <p:txBody>
-          <a:bodyPr/>
-          <a:lstStyle/>
-          <a:p>
-            <a:r>
-              <a:rPr lang="en-US" dirty="0" smtClean="0"/>
-              <a:t>Calculating Correlation of Activity, Time, and Location Using Random Forest Regression</a:t>
-            </a:r>
-            <a:endParaRPr lang="en-US" dirty="0"/>
-          </a:p>
-        </p:txBody>
-      </p:sp>
-      <p:sp>
-        <p:nvSpPr>
-          <p:cNvPr id="3" name="Content Placeholder 2"/>
-          <p:cNvSpPr>
-            <a:spLocks noGrp="1"/>
-          </p:cNvSpPr>
-          <p:nvPr>
-            <p:ph idx="1"/>
-          </p:nvPr>
-        </p:nvSpPr>
-        <p:spPr/>
-        <p:txBody>
-          <a:bodyPr/>
-          <a:lstStyle/>
-          <a:p>
-            <a:r>
-              <a:rPr lang="en-US" dirty="0" smtClean="0"/>
-              <a:t>Using a Random Forest Regression model from </a:t>
-            </a:r>
-            <a:r>
-              <a:rPr lang="en-US" dirty="0" err="1" smtClean="0"/>
-              <a:t>sci</a:t>
-            </a:r>
-            <a:r>
-              <a:rPr lang="en-US" dirty="0" smtClean="0"/>
-              <a:t>-kit learn, there is a .3975 accuracy on guessing the activity type</a:t>
-            </a:r>
-          </a:p>
-          <a:p>
-            <a:r>
-              <a:rPr lang="en-US" dirty="0" smtClean="0"/>
-              <a:t>The </a:t>
-            </a:r>
-            <a:r>
-              <a:rPr lang="en-US" dirty="0"/>
-              <a:t>Random Forest Regression</a:t>
-            </a:r>
-            <a:r>
-              <a:rPr lang="en-US" dirty="0" smtClean="0"/>
-              <a:t> model was able to guess correctly the activity of a person given only their timestamp and location 39.75% of the time</a:t>
-            </a:r>
-          </a:p>
-          <a:p>
-            <a:r>
-              <a:rPr lang="en-US" dirty="0" smtClean="0"/>
-              <a:t>Trained on 80% of the data, tested on 20%</a:t>
-            </a:r>
-          </a:p>
-          <a:p>
-            <a:r>
-              <a:rPr lang="en-US" dirty="0" smtClean="0"/>
-              <a:t>Conclusion: There is a positive but weak non-linear correlation between activity type and time/location</a:t>
-            </a:r>
-            <a:endParaRPr lang="en-US" dirty="0"/>
-          </a:p>
-        </p:txBody>
-      </p:sp>
-    </p:spTree>
-    <p:extLst>
-      <p:ext uri="{BB962C8B-B14F-4D97-AF65-F5344CB8AC3E}">
-        <p14:creationId xmlns:p14="http://schemas.microsoft.com/office/powerpoint/2010/main" val="1217655872"/>
-      </p:ext>
-    </p:extLst>
-  </p:cSld>
-  <p:clrMapOvr>
-    <a:masterClrMapping/>
-  </p:clrMapOvr>
-</p:sld>
-</file>
-
-<file path=ppt/slides/slide21.xml><?xml version="1.0" encoding="utf-8"?>
 <p:sld xmlns:a="http://schemas.openxmlformats.org/drawingml/2006/main" xmlns:r="http://schemas.openxmlformats.org/officeDocument/2006/relationships" xmlns:p="http://schemas.openxmlformats.org/presentationml/2006/main">
   <p:cSld>
     <p:spTree>
@@ -8453,6 +8342,82 @@
 </p:sld>
 </file>
 
+<file path=ppt/slides/slide21.xml><?xml version="1.0" encoding="utf-8"?>
+<p:sld xmlns:a="http://schemas.openxmlformats.org/drawingml/2006/main" xmlns:r="http://schemas.openxmlformats.org/officeDocument/2006/relationships" xmlns:p="http://schemas.openxmlformats.org/presentationml/2006/main">
+  <p:cSld>
+    <p:spTree>
+      <p:nvGrpSpPr>
+        <p:cNvPr id="1" name=""/>
+        <p:cNvGrpSpPr/>
+        <p:nvPr/>
+      </p:nvGrpSpPr>
+      <p:grpSpPr>
+        <a:xfrm>
+          <a:off x="0" y="0"/>
+          <a:ext cx="0" cy="0"/>
+          <a:chOff x="0" y="0"/>
+          <a:chExt cx="0" cy="0"/>
+        </a:xfrm>
+      </p:grpSpPr>
+      <p:sp>
+        <p:nvSpPr>
+          <p:cNvPr id="2" name="Title 1"/>
+          <p:cNvSpPr>
+            <a:spLocks noGrp="1"/>
+          </p:cNvSpPr>
+          <p:nvPr>
+            <p:ph type="title"/>
+          </p:nvPr>
+        </p:nvSpPr>
+        <p:spPr/>
+        <p:txBody>
+          <a:bodyPr/>
+          <a:lstStyle/>
+          <a:p>
+            <a:r>
+              <a:rPr lang="en-US" dirty="0" smtClean="0"/>
+              <a:t>Conclusion</a:t>
+            </a:r>
+            <a:endParaRPr lang="en-US" dirty="0"/>
+          </a:p>
+        </p:txBody>
+      </p:sp>
+      <p:sp>
+        <p:nvSpPr>
+          <p:cNvPr id="3" name="Content Placeholder 2"/>
+          <p:cNvSpPr>
+            <a:spLocks noGrp="1"/>
+          </p:cNvSpPr>
+          <p:nvPr>
+            <p:ph idx="1"/>
+          </p:nvPr>
+        </p:nvSpPr>
+        <p:spPr/>
+        <p:txBody>
+          <a:bodyPr/>
+          <a:lstStyle/>
+          <a:p>
+            <a:r>
+              <a:rPr lang="en-US" dirty="0" smtClean="0"/>
+              <a:t>There is not a linear correlation between the data and activity type, regardless if all data or just GPS data is used</a:t>
+            </a:r>
+            <a:endParaRPr lang="en-US" dirty="0"/>
+          </a:p>
+        </p:txBody>
+      </p:sp>
+    </p:spTree>
+    <p:extLst>
+      <p:ext uri="{BB962C8B-B14F-4D97-AF65-F5344CB8AC3E}">
+        <p14:creationId xmlns:p14="http://schemas.microsoft.com/office/powerpoint/2010/main" val="625098930"/>
+      </p:ext>
+    </p:extLst>
+  </p:cSld>
+  <p:clrMapOvr>
+    <a:masterClrMapping/>
+  </p:clrMapOvr>
+</p:sld>
+</file>
+
 <file path=ppt/slides/slide22.xml><?xml version="1.0" encoding="utf-8"?>
 <p:sld xmlns:a="http://schemas.openxmlformats.org/drawingml/2006/main" xmlns:r="http://schemas.openxmlformats.org/officeDocument/2006/relationships" xmlns:p="http://schemas.openxmlformats.org/presentationml/2006/main">
   <p:cSld>
@@ -8487,7 +8452,7 @@
           <a:p>
             <a:r>
               <a:rPr lang="en-US" dirty="0" smtClean="0"/>
-              <a:t>Calculating Correlation of Activity and all Other Data Using Random Forest Regression	</a:t>
+              <a:t>Random Forest Regression Overview</a:t>
             </a:r>
             <a:endParaRPr lang="en-US" dirty="0"/>
           </a:p>
@@ -8503,48 +8468,64 @@
             <p:ph idx="1"/>
           </p:nvPr>
         </p:nvSpPr>
+        <p:spPr/>
+        <p:txBody>
+          <a:bodyPr/>
+          <a:lstStyle/>
+          <a:p>
+            <a:r>
+              <a:rPr lang="en-US" dirty="0" smtClean="0"/>
+              <a:t>If data has many dimensions, linear relationships can be harder to find</a:t>
+            </a:r>
+          </a:p>
+          <a:p>
+            <a:r>
+              <a:rPr lang="en-US" dirty="0" smtClean="0"/>
+              <a:t>There can still be other relationships in 3-n dimensions</a:t>
+            </a:r>
+          </a:p>
+          <a:p>
+            <a:r>
+              <a:rPr lang="en-US" dirty="0" smtClean="0"/>
+              <a:t>For example, data can cluster or group in spheres</a:t>
+            </a:r>
+          </a:p>
+          <a:p>
+            <a:r>
+              <a:rPr lang="en-US" dirty="0" smtClean="0"/>
+              <a:t>Random Forest Regression tests for non-linear relationships in data by exploring all classes and giving out the mean of each one</a:t>
+            </a:r>
+          </a:p>
+        </p:txBody>
+      </p:sp>
+      <p:pic>
+        <p:nvPicPr>
+          <p:cNvPr id="4" name="Picture 3"/>
+          <p:cNvPicPr>
+            <a:picLocks noChangeAspect="1"/>
+          </p:cNvPicPr>
+          <p:nvPr/>
+        </p:nvPicPr>
+        <p:blipFill>
+          <a:blip r:embed="rId2"/>
+          <a:stretch>
+            <a:fillRect/>
+          </a:stretch>
+        </p:blipFill>
         <p:spPr>
           <a:xfrm>
-            <a:off x="838200" y="1802627"/>
-            <a:ext cx="10515600" cy="4351338"/>
+            <a:off x="838200" y="4523886"/>
+            <a:ext cx="4129585" cy="2334114"/>
           </a:xfrm>
+          <a:prstGeom prst="rect">
+            <a:avLst/>
+          </a:prstGeom>
         </p:spPr>
-        <p:txBody>
-          <a:bodyPr/>
-          <a:lstStyle/>
-          <a:p>
-            <a:r>
-              <a:rPr lang="en-US" dirty="0" smtClean="0"/>
-              <a:t>Using a random forest regression model from </a:t>
-            </a:r>
-            <a:r>
-              <a:rPr lang="en-US" dirty="0" err="1" smtClean="0"/>
-              <a:t>sci</a:t>
-            </a:r>
-            <a:r>
-              <a:rPr lang="en-US" dirty="0" smtClean="0"/>
-              <a:t>-kit learn, there is a 0.975 accuracy from all other data to activity type</a:t>
-            </a:r>
-          </a:p>
-          <a:p>
-            <a:r>
-              <a:rPr lang="en-US" dirty="0" smtClean="0"/>
-              <a:t>Trained with 60% of the data and tested on 40%, guessed correctly the activity type 97.5% of the time given phone data</a:t>
-            </a:r>
-          </a:p>
-          <a:p>
-            <a:r>
-              <a:rPr lang="en-US" dirty="0" smtClean="0"/>
-              <a:t>Conclusion: There is a very strong positive correlation between activity type and all other data</a:t>
-            </a:r>
-            <a:endParaRPr lang="en-US" dirty="0"/>
-          </a:p>
-        </p:txBody>
-      </p:sp>
+      </p:pic>
     </p:spTree>
     <p:extLst>
       <p:ext uri="{BB962C8B-B14F-4D97-AF65-F5344CB8AC3E}">
-        <p14:creationId xmlns:p14="http://schemas.microsoft.com/office/powerpoint/2010/main" val="2559239204"/>
+        <p14:creationId xmlns:p14="http://schemas.microsoft.com/office/powerpoint/2010/main" val="2401008592"/>
       </p:ext>
     </p:extLst>
   </p:cSld>
@@ -8588,7 +8569,7 @@
           <a:p>
             <a:r>
               <a:rPr lang="en-US" dirty="0" smtClean="0"/>
-              <a:t>SVM (Support Vector Machine) Overview</a:t>
+              <a:t>Calculating Correlation of Activity, Time, and Location Using Random Forest Regression</a:t>
             </a:r>
             <a:endParaRPr lang="en-US" dirty="0"/>
           </a:p>
@@ -8611,13 +8592,41 @@
           <a:p>
             <a:r>
               <a:rPr lang="en-US" dirty="0" smtClean="0"/>
-              <a:t>SVM’s work by sorting data into classes that are as different as possible</a:t>
-            </a:r>
-          </a:p>
-          <a:p>
-            <a:r>
-              <a:rPr lang="en-US" dirty="0" smtClean="0"/>
-              <a:t>Maps to a higher dimension to find differences in the data</a:t>
+              <a:t>Using a Random Forest Regression model from </a:t>
+            </a:r>
+            <a:r>
+              <a:rPr lang="en-US" dirty="0" err="1" smtClean="0"/>
+              <a:t>sci</a:t>
+            </a:r>
+            <a:r>
+              <a:rPr lang="en-US" dirty="0" smtClean="0"/>
+              <a:t>-kit learn, there is a .3975 accuracy on guessing the activity type</a:t>
+            </a:r>
+          </a:p>
+          <a:p>
+            <a:r>
+              <a:rPr lang="en-US" dirty="0" smtClean="0"/>
+              <a:t>The </a:t>
+            </a:r>
+            <a:r>
+              <a:rPr lang="en-US" dirty="0"/>
+              <a:t>Random Forest Regression</a:t>
+            </a:r>
+            <a:r>
+              <a:rPr lang="en-US" dirty="0" smtClean="0"/>
+              <a:t> model was able to guess correctly the activity of a person given only their timestamp and location 39.75% of the time</a:t>
+            </a:r>
+          </a:p>
+          <a:p>
+            <a:r>
+              <a:rPr lang="en-US" dirty="0" smtClean="0"/>
+              <a:t>Trained on 80% of the data, tested on 20%</a:t>
+            </a:r>
+          </a:p>
+          <a:p>
+            <a:r>
+              <a:rPr lang="en-US" dirty="0" smtClean="0"/>
+              <a:t>Conclusion: There is a weak non-linear correlation between activity type and time/location</a:t>
             </a:r>
             <a:endParaRPr lang="en-US" dirty="0"/>
           </a:p>
@@ -8626,7 +8635,7 @@
     </p:spTree>
     <p:extLst>
       <p:ext uri="{BB962C8B-B14F-4D97-AF65-F5344CB8AC3E}">
-        <p14:creationId xmlns:p14="http://schemas.microsoft.com/office/powerpoint/2010/main" val="380654821"/>
+        <p14:creationId xmlns:p14="http://schemas.microsoft.com/office/powerpoint/2010/main" val="1217655872"/>
       </p:ext>
     </p:extLst>
   </p:cSld>
@@ -8670,6 +8679,199 @@
           <a:p>
             <a:r>
               <a:rPr lang="en-US" dirty="0" smtClean="0"/>
+              <a:t>Calculating Correlation of Activity and all Other Data Using Random Forest Regression	</a:t>
+            </a:r>
+            <a:endParaRPr lang="en-US" dirty="0"/>
+          </a:p>
+        </p:txBody>
+      </p:sp>
+      <p:sp>
+        <p:nvSpPr>
+          <p:cNvPr id="3" name="Content Placeholder 2"/>
+          <p:cNvSpPr>
+            <a:spLocks noGrp="1"/>
+          </p:cNvSpPr>
+          <p:nvPr>
+            <p:ph idx="1"/>
+          </p:nvPr>
+        </p:nvSpPr>
+        <p:spPr>
+          <a:xfrm>
+            <a:off x="838200" y="1802627"/>
+            <a:ext cx="10515600" cy="4351338"/>
+          </a:xfrm>
+        </p:spPr>
+        <p:txBody>
+          <a:bodyPr/>
+          <a:lstStyle/>
+          <a:p>
+            <a:r>
+              <a:rPr lang="en-US" dirty="0" smtClean="0"/>
+              <a:t>Using a random forest regression model from </a:t>
+            </a:r>
+            <a:r>
+              <a:rPr lang="en-US" dirty="0" err="1" smtClean="0"/>
+              <a:t>sci</a:t>
+            </a:r>
+            <a:r>
+              <a:rPr lang="en-US" dirty="0" smtClean="0"/>
+              <a:t>-kit learn, there is a 0.975 accuracy from all other data to activity type</a:t>
+            </a:r>
+          </a:p>
+          <a:p>
+            <a:r>
+              <a:rPr lang="en-US" dirty="0" smtClean="0"/>
+              <a:t>Trained with 60% of the data and tested on 40%, the model guessed correctly the activity type 97.5% of the time given phone data</a:t>
+            </a:r>
+          </a:p>
+          <a:p>
+            <a:r>
+              <a:rPr lang="en-US" dirty="0" smtClean="0"/>
+              <a:t>Conclusion: There is a very strong correlation between activity type and all other data</a:t>
+            </a:r>
+            <a:endParaRPr lang="en-US" dirty="0"/>
+          </a:p>
+        </p:txBody>
+      </p:sp>
+    </p:spTree>
+    <p:extLst>
+      <p:ext uri="{BB962C8B-B14F-4D97-AF65-F5344CB8AC3E}">
+        <p14:creationId xmlns:p14="http://schemas.microsoft.com/office/powerpoint/2010/main" val="2559239204"/>
+      </p:ext>
+    </p:extLst>
+  </p:cSld>
+  <p:clrMapOvr>
+    <a:masterClrMapping/>
+  </p:clrMapOvr>
+</p:sld>
+</file>
+
+<file path=ppt/slides/slide25.xml><?xml version="1.0" encoding="utf-8"?>
+<p:sld xmlns:a="http://schemas.openxmlformats.org/drawingml/2006/main" xmlns:r="http://schemas.openxmlformats.org/officeDocument/2006/relationships" xmlns:p="http://schemas.openxmlformats.org/presentationml/2006/main">
+  <p:cSld>
+    <p:spTree>
+      <p:nvGrpSpPr>
+        <p:cNvPr id="1" name=""/>
+        <p:cNvGrpSpPr/>
+        <p:nvPr/>
+      </p:nvGrpSpPr>
+      <p:grpSpPr>
+        <a:xfrm>
+          <a:off x="0" y="0"/>
+          <a:ext cx="0" cy="0"/>
+          <a:chOff x="0" y="0"/>
+          <a:chExt cx="0" cy="0"/>
+        </a:xfrm>
+      </p:grpSpPr>
+      <p:sp>
+        <p:nvSpPr>
+          <p:cNvPr id="2" name="Title 1"/>
+          <p:cNvSpPr>
+            <a:spLocks noGrp="1"/>
+          </p:cNvSpPr>
+          <p:nvPr>
+            <p:ph type="title"/>
+          </p:nvPr>
+        </p:nvSpPr>
+        <p:spPr/>
+        <p:txBody>
+          <a:bodyPr/>
+          <a:lstStyle/>
+          <a:p>
+            <a:r>
+              <a:rPr lang="en-US" dirty="0" smtClean="0"/>
+              <a:t>SVM (Support Vector Machine) Overview</a:t>
+            </a:r>
+            <a:endParaRPr lang="en-US" dirty="0"/>
+          </a:p>
+        </p:txBody>
+      </p:sp>
+      <p:sp>
+        <p:nvSpPr>
+          <p:cNvPr id="3" name="Content Placeholder 2"/>
+          <p:cNvSpPr>
+            <a:spLocks noGrp="1"/>
+          </p:cNvSpPr>
+          <p:nvPr>
+            <p:ph idx="1"/>
+          </p:nvPr>
+        </p:nvSpPr>
+        <p:spPr/>
+        <p:txBody>
+          <a:bodyPr/>
+          <a:lstStyle/>
+          <a:p>
+            <a:r>
+              <a:rPr lang="en-US" dirty="0" smtClean="0"/>
+              <a:t>SVM’s work by sorting data into classes that are as different as possible</a:t>
+            </a:r>
+          </a:p>
+          <a:p>
+            <a:r>
+              <a:rPr lang="en-US" dirty="0" smtClean="0"/>
+              <a:t>Maps to a higher dimension to find differences in the </a:t>
+            </a:r>
+            <a:r>
+              <a:rPr lang="en-US" dirty="0" smtClean="0"/>
+              <a:t>data</a:t>
+            </a:r>
+          </a:p>
+          <a:p>
+            <a:r>
+              <a:rPr lang="en-US" dirty="0" smtClean="0"/>
+              <a:t>We chose to use a SVM on the GPS data to find a higher correlation than the Random Forest Regression method</a:t>
+            </a:r>
+            <a:endParaRPr lang="en-US" dirty="0"/>
+          </a:p>
+        </p:txBody>
+      </p:sp>
+    </p:spTree>
+    <p:extLst>
+      <p:ext uri="{BB962C8B-B14F-4D97-AF65-F5344CB8AC3E}">
+        <p14:creationId xmlns:p14="http://schemas.microsoft.com/office/powerpoint/2010/main" val="380654821"/>
+      </p:ext>
+    </p:extLst>
+  </p:cSld>
+  <p:clrMapOvr>
+    <a:masterClrMapping/>
+  </p:clrMapOvr>
+</p:sld>
+</file>
+
+<file path=ppt/slides/slide26.xml><?xml version="1.0" encoding="utf-8"?>
+<p:sld xmlns:a="http://schemas.openxmlformats.org/drawingml/2006/main" xmlns:r="http://schemas.openxmlformats.org/officeDocument/2006/relationships" xmlns:p="http://schemas.openxmlformats.org/presentationml/2006/main">
+  <p:cSld>
+    <p:spTree>
+      <p:nvGrpSpPr>
+        <p:cNvPr id="1" name=""/>
+        <p:cNvGrpSpPr/>
+        <p:nvPr/>
+      </p:nvGrpSpPr>
+      <p:grpSpPr>
+        <a:xfrm>
+          <a:off x="0" y="0"/>
+          <a:ext cx="0" cy="0"/>
+          <a:chOff x="0" y="0"/>
+          <a:chExt cx="0" cy="0"/>
+        </a:xfrm>
+      </p:grpSpPr>
+      <p:sp>
+        <p:nvSpPr>
+          <p:cNvPr id="2" name="Title 1"/>
+          <p:cNvSpPr>
+            <a:spLocks noGrp="1"/>
+          </p:cNvSpPr>
+          <p:nvPr>
+            <p:ph type="title"/>
+          </p:nvPr>
+        </p:nvSpPr>
+        <p:spPr/>
+        <p:txBody>
+          <a:bodyPr/>
+          <a:lstStyle/>
+          <a:p>
+            <a:r>
+              <a:rPr lang="en-US" dirty="0" smtClean="0"/>
               <a:t>Calculating Correlation of Activity, Time, and Location Using SVM’s</a:t>
             </a:r>
             <a:endParaRPr lang="en-US" dirty="0"/>
@@ -8727,7 +8929,7 @@
           <a:p>
             <a:r>
               <a:rPr lang="en-US" dirty="0" smtClean="0"/>
-              <a:t>Conclusion: There is a positive non-linear correlation between activity type and time/location</a:t>
+              <a:t>Conclusion: There is a weak non-linear correlation between activity type and time/location</a:t>
             </a:r>
             <a:endParaRPr lang="en-US" dirty="0"/>
           </a:p>
@@ -8737,6 +8939,96 @@
     <p:extLst>
       <p:ext uri="{BB962C8B-B14F-4D97-AF65-F5344CB8AC3E}">
         <p14:creationId xmlns:p14="http://schemas.microsoft.com/office/powerpoint/2010/main" val="3573564160"/>
+      </p:ext>
+    </p:extLst>
+  </p:cSld>
+  <p:clrMapOvr>
+    <a:masterClrMapping/>
+  </p:clrMapOvr>
+</p:sld>
+</file>
+
+<file path=ppt/slides/slide27.xml><?xml version="1.0" encoding="utf-8"?>
+<p:sld xmlns:a="http://schemas.openxmlformats.org/drawingml/2006/main" xmlns:r="http://schemas.openxmlformats.org/officeDocument/2006/relationships" xmlns:p="http://schemas.openxmlformats.org/presentationml/2006/main">
+  <p:cSld>
+    <p:spTree>
+      <p:nvGrpSpPr>
+        <p:cNvPr id="1" name=""/>
+        <p:cNvGrpSpPr/>
+        <p:nvPr/>
+      </p:nvGrpSpPr>
+      <p:grpSpPr>
+        <a:xfrm>
+          <a:off x="0" y="0"/>
+          <a:ext cx="0" cy="0"/>
+          <a:chOff x="0" y="0"/>
+          <a:chExt cx="0" cy="0"/>
+        </a:xfrm>
+      </p:grpSpPr>
+      <p:sp>
+        <p:nvSpPr>
+          <p:cNvPr id="2" name="Title 1"/>
+          <p:cNvSpPr>
+            <a:spLocks noGrp="1"/>
+          </p:cNvSpPr>
+          <p:nvPr>
+            <p:ph type="title"/>
+          </p:nvPr>
+        </p:nvSpPr>
+        <p:spPr/>
+        <p:txBody>
+          <a:bodyPr/>
+          <a:lstStyle/>
+          <a:p>
+            <a:r>
+              <a:rPr lang="en-US" dirty="0" smtClean="0"/>
+              <a:t>Conclusions on Correlation</a:t>
+            </a:r>
+            <a:endParaRPr lang="en-US" dirty="0"/>
+          </a:p>
+        </p:txBody>
+      </p:sp>
+      <p:sp>
+        <p:nvSpPr>
+          <p:cNvPr id="3" name="Content Placeholder 2"/>
+          <p:cNvSpPr>
+            <a:spLocks noGrp="1"/>
+          </p:cNvSpPr>
+          <p:nvPr>
+            <p:ph idx="1"/>
+          </p:nvPr>
+        </p:nvSpPr>
+        <p:spPr/>
+        <p:txBody>
+          <a:bodyPr/>
+          <a:lstStyle/>
+          <a:p>
+            <a:r>
+              <a:rPr lang="en-US" dirty="0" smtClean="0"/>
+              <a:t>There is a very strong correlation of all the data to the activity type. Multiple apps such as car insurance and run trackers take advantage of this, so it makes sense.</a:t>
+            </a:r>
+          </a:p>
+          <a:p>
+            <a:r>
+              <a:rPr lang="en-US" dirty="0" smtClean="0"/>
+              <a:t>The correlation between the location and activity type was much weaker. It was better than randomly guessing, but not by much. Going by maps of the paths, it does seem like the suspects frequently leave roads and paths. This would make it more difficult to find correlation between their location and activity because they are not always on the expected </a:t>
+            </a:r>
+            <a:r>
+              <a:rPr lang="en-US" dirty="0" smtClean="0"/>
+              <a:t>walking/driving </a:t>
+            </a:r>
+            <a:r>
+              <a:rPr lang="en-US" dirty="0" smtClean="0"/>
+              <a:t>path. </a:t>
+            </a:r>
+            <a:endParaRPr lang="en-US" dirty="0"/>
+          </a:p>
+        </p:txBody>
+      </p:sp>
+    </p:spTree>
+    <p:extLst>
+      <p:ext uri="{BB962C8B-B14F-4D97-AF65-F5344CB8AC3E}">
+        <p14:creationId xmlns:p14="http://schemas.microsoft.com/office/powerpoint/2010/main" val="4216000086"/>
       </p:ext>
     </p:extLst>
   </p:cSld>

--- a/480_HW1.pptx
+++ b/480_HW1.pptx
@@ -8998,9 +8998,16 @@
             <p:ph idx="1"/>
           </p:nvPr>
         </p:nvSpPr>
-        <p:spPr/>
-        <p:txBody>
-          <a:bodyPr/>
+        <p:spPr>
+          <a:xfrm>
+            <a:off x="838200" y="1825625"/>
+            <a:ext cx="10515600" cy="4861778"/>
+          </a:xfrm>
+        </p:spPr>
+        <p:txBody>
+          <a:bodyPr>
+            <a:normAutofit lnSpcReduction="10000"/>
+          </a:bodyPr>
           <a:lstStyle/>
           <a:p>
             <a:r>
@@ -9020,6 +9027,17 @@
             <a:r>
               <a:rPr lang="en-US" dirty="0" smtClean="0"/>
               <a:t>path. </a:t>
+            </a:r>
+            <a:endParaRPr lang="en-US" dirty="0" smtClean="0"/>
+          </a:p>
+          <a:p>
+            <a:r>
+              <a:rPr lang="en-US" dirty="0" smtClean="0"/>
+              <a:t>A wider range of data, like more suspects or a longer time period, we could have avoided the overfitting problem and had a more sure level of correlation. There was a lot of similarity in the </a:t>
+            </a:r>
+            <a:r>
+              <a:rPr lang="en-US" smtClean="0"/>
+              <a:t>data points.</a:t>
             </a:r>
             <a:endParaRPr lang="en-US" dirty="0"/>
           </a:p>
